--- a/Cost/MarginCalc.pptx
+++ b/Cost/MarginCalc.pptx
@@ -3598,8 +3598,8 @@
         </p:nvSpPr>
         <p:spPr>
           <a:xfrm>
-            <a:off x="4934269" y="583616"/>
-            <a:ext cx="6594189" cy="5520579"/>
+            <a:off x="4882393" y="583616"/>
+            <a:ext cx="6646065" cy="5520579"/>
           </a:xfrm>
         </p:spPr>
         <p:txBody>
@@ -3718,8 +3718,37 @@
                   <a:srgbClr val="FFFFFF"/>
                 </a:solidFill>
               </a:rPr>
-              <a:t>) –</a:t>
-            </a:r>
+              <a:t>) – $200/month (</a:t>
+            </a:r>
+            <a:r>
+              <a:rPr lang="en-US" dirty="0">
+                <a:solidFill>
+                  <a:srgbClr val="FF0000"/>
+                </a:solidFill>
+              </a:rPr>
+              <a:t>storage </a:t>
+            </a:r>
+            <a:r>
+              <a:rPr lang="en-US">
+                <a:solidFill>
+                  <a:srgbClr val="FF0000"/>
+                </a:solidFill>
+              </a:rPr>
+              <a:t>only</a:t>
+            </a:r>
+            <a:r>
+              <a:rPr lang="en-US">
+                <a:solidFill>
+                  <a:srgbClr val="FFFFFF"/>
+                </a:solidFill>
+              </a:rPr>
+              <a:t>)</a:t>
+            </a:r>
+            <a:endParaRPr lang="en-US" dirty="0">
+              <a:solidFill>
+                <a:srgbClr val="FFFFFF"/>
+              </a:solidFill>
+            </a:endParaRPr>
           </a:p>
           <a:p>
             <a:pPr indent="-228600" algn="l">

--- a/Cost/MarginCalc.pptx
+++ b/Cost/MarginCalc.pptx
@@ -3726,29 +3726,16 @@
                   <a:srgbClr val="FF0000"/>
                 </a:solidFill>
               </a:rPr>
-              <a:t>storage </a:t>
-            </a:r>
-            <a:r>
-              <a:rPr lang="en-US">
-                <a:solidFill>
-                  <a:srgbClr val="FF0000"/>
-                </a:solidFill>
-              </a:rPr>
-              <a:t>only</a:t>
-            </a:r>
-            <a:r>
-              <a:rPr lang="en-US">
+              <a:t>storage only</a:t>
+            </a:r>
+            <a:r>
+              <a:rPr lang="en-US" dirty="0">
                 <a:solidFill>
                   <a:srgbClr val="FFFFFF"/>
                 </a:solidFill>
               </a:rPr>
               <a:t>)</a:t>
             </a:r>
-            <a:endParaRPr lang="en-US" dirty="0">
-              <a:solidFill>
-                <a:srgbClr val="FFFFFF"/>
-              </a:solidFill>
-            </a:endParaRPr>
           </a:p>
           <a:p>
             <a:pPr indent="-228600" algn="l">
@@ -3779,7 +3766,23 @@
                   <a:srgbClr val="FFFFFF"/>
                 </a:solidFill>
               </a:rPr>
-              <a:t>) -</a:t>
+              <a:t>) - $100/month (</a:t>
+            </a:r>
+            <a:r>
+              <a:rPr lang="en-US" dirty="0">
+                <a:solidFill>
+                  <a:srgbClr val="FF0000"/>
+                </a:solidFill>
+              </a:rPr>
+              <a:t>storage only</a:t>
+            </a:r>
+            <a:r>
+              <a:rPr lang="en-US" dirty="0">
+                <a:solidFill>
+                  <a:srgbClr val="FFFFFF"/>
+                </a:solidFill>
+              </a:rPr>
+              <a:t>)</a:t>
             </a:r>
           </a:p>
           <a:p>

--- a/Cost/MarginCalc.pptx
+++ b/Cost/MarginCalc.pptx
@@ -6,7 +6,6 @@
   </p:sldMasterIdLst>
   <p:sldIdLst>
     <p:sldId id="256" r:id="rId2"/>
-    <p:sldId id="257" r:id="rId3"/>
   </p:sldIdLst>
   <p:sldSz cx="12192000" cy="6858000"/>
   <p:notesSz cx="6858000" cy="9144000"/>
@@ -3812,7 +3811,7 @@
                   <a:srgbClr val="FFFFFF"/>
                 </a:solidFill>
               </a:rPr>
-              <a:t>) –</a:t>
+              <a:t>) – No pricing for storage only, computing power is always included in pricing calculator.</a:t>
             </a:r>
           </a:p>
           <a:p>
@@ -3853,86 +3852,6 @@
     <p:extLst>
       <p:ext uri="{BB962C8B-B14F-4D97-AF65-F5344CB8AC3E}">
         <p14:creationId xmlns:p14="http://schemas.microsoft.com/office/powerpoint/2010/main" val="103458395"/>
-      </p:ext>
-    </p:extLst>
-  </p:cSld>
-  <p:clrMapOvr>
-    <a:masterClrMapping/>
-  </p:clrMapOvr>
-</p:sld>
-</file>
-
-<file path=ppt/slides/slide2.xml><?xml version="1.0" encoding="utf-8"?>
-<p:sld xmlns:a="http://schemas.openxmlformats.org/drawingml/2006/main" xmlns:r="http://schemas.openxmlformats.org/officeDocument/2006/relationships" xmlns:p="http://schemas.openxmlformats.org/presentationml/2006/main">
-  <p:cSld>
-    <p:spTree>
-      <p:nvGrpSpPr>
-        <p:cNvPr id="1" name=""/>
-        <p:cNvGrpSpPr/>
-        <p:nvPr/>
-      </p:nvGrpSpPr>
-      <p:grpSpPr>
-        <a:xfrm>
-          <a:off x="0" y="0"/>
-          <a:ext cx="0" cy="0"/>
-          <a:chOff x="0" y="0"/>
-          <a:chExt cx="0" cy="0"/>
-        </a:xfrm>
-      </p:grpSpPr>
-      <p:sp>
-        <p:nvSpPr>
-          <p:cNvPr id="2" name="Title 1">
-            <a:extLst>
-              <a:ext uri="{FF2B5EF4-FFF2-40B4-BE49-F238E27FC236}">
-                <a16:creationId xmlns:a16="http://schemas.microsoft.com/office/drawing/2014/main" id="{E83183CB-4270-957B-9A72-B327BE98B832}"/>
-              </a:ext>
-            </a:extLst>
-          </p:cNvPr>
-          <p:cNvSpPr>
-            <a:spLocks noGrp="1"/>
-          </p:cNvSpPr>
-          <p:nvPr>
-            <p:ph type="title"/>
-          </p:nvPr>
-        </p:nvSpPr>
-        <p:spPr/>
-        <p:txBody>
-          <a:bodyPr/>
-          <a:lstStyle/>
-          <a:p>
-            <a:endParaRPr lang="en-GB" dirty="0"/>
-          </a:p>
-        </p:txBody>
-      </p:sp>
-      <p:sp>
-        <p:nvSpPr>
-          <p:cNvPr id="3" name="Content Placeholder 2">
-            <a:extLst>
-              <a:ext uri="{FF2B5EF4-FFF2-40B4-BE49-F238E27FC236}">
-                <a16:creationId xmlns:a16="http://schemas.microsoft.com/office/drawing/2014/main" id="{48932821-F3B3-3A4F-2DEC-FCB1D3D18ABC}"/>
-              </a:ext>
-            </a:extLst>
-          </p:cNvPr>
-          <p:cNvSpPr>
-            <a:spLocks noGrp="1"/>
-          </p:cNvSpPr>
-          <p:nvPr>
-            <p:ph idx="1"/>
-          </p:nvPr>
-        </p:nvSpPr>
-        <p:spPr/>
-        <p:txBody>
-          <a:bodyPr/>
-          <a:lstStyle/>
-          <a:p>
-            <a:endParaRPr lang="en-GB"/>
-          </a:p>
-        </p:txBody>
-      </p:sp>
-    </p:spTree>
-    <p:extLst>
-      <p:ext uri="{BB962C8B-B14F-4D97-AF65-F5344CB8AC3E}">
-        <p14:creationId xmlns:p14="http://schemas.microsoft.com/office/powerpoint/2010/main" val="2911915446"/>
       </p:ext>
     </p:extLst>
   </p:cSld>

--- a/Cost/MarginCalc.pptx
+++ b/Cost/MarginCalc.pptx
@@ -3843,8 +3843,21 @@
                   <a:srgbClr val="FFFFFF"/>
                 </a:solidFill>
               </a:rPr>
-              <a:t>) - </a:t>
-            </a:r>
+              <a:t>) </a:t>
+            </a:r>
+            <a:r>
+              <a:rPr lang="en-US">
+                <a:solidFill>
+                  <a:srgbClr val="FFFFFF"/>
+                </a:solidFill>
+              </a:rPr>
+              <a:t>- ../..</a:t>
+            </a:r>
+            <a:endParaRPr lang="en-US" dirty="0">
+              <a:solidFill>
+                <a:srgbClr val="FFFFFF"/>
+              </a:solidFill>
+            </a:endParaRPr>
           </a:p>
         </p:txBody>
       </p:sp>

--- a/Cost/MarginCalc.pptx
+++ b/Cost/MarginCalc.pptx
@@ -2,10 +2,11 @@
 <file path=ppt/presentation.xml><?xml version="1.0" encoding="utf-8"?>
 <p:presentation xmlns:a="http://schemas.openxmlformats.org/drawingml/2006/main" xmlns:r="http://schemas.openxmlformats.org/officeDocument/2006/relationships" xmlns:p="http://schemas.openxmlformats.org/presentationml/2006/main" saveSubsetFonts="1">
   <p:sldMasterIdLst>
-    <p:sldMasterId id="2147483648" r:id="rId1"/>
+    <p:sldMasterId id="2147483660" r:id="rId1"/>
   </p:sldMasterIdLst>
   <p:sldIdLst>
     <p:sldId id="256" r:id="rId2"/>
+    <p:sldId id="257" r:id="rId3"/>
   </p:sldIdLst>
   <p:sldSz cx="12192000" cy="6858000"/>
   <p:notesSz cx="6858000" cy="9144000"/>
@@ -13,7 +14,7 @@
     <a:defPPr>
       <a:defRPr lang="en-US"/>
     </a:defPPr>
-    <a:lvl1pPr marL="0" algn="l" defTabSz="914400" rtl="0" eaLnBrk="1" latinLnBrk="0" hangingPunct="1">
+    <a:lvl1pPr marL="0" algn="l" defTabSz="457200" rtl="0" eaLnBrk="1" latinLnBrk="0" hangingPunct="1">
       <a:defRPr sz="1800" kern="1200">
         <a:solidFill>
           <a:schemeClr val="tx1"/>
@@ -23,7 +24,7 @@
         <a:cs typeface="+mn-cs"/>
       </a:defRPr>
     </a:lvl1pPr>
-    <a:lvl2pPr marL="457200" algn="l" defTabSz="914400" rtl="0" eaLnBrk="1" latinLnBrk="0" hangingPunct="1">
+    <a:lvl2pPr marL="457200" algn="l" defTabSz="457200" rtl="0" eaLnBrk="1" latinLnBrk="0" hangingPunct="1">
       <a:defRPr sz="1800" kern="1200">
         <a:solidFill>
           <a:schemeClr val="tx1"/>
@@ -33,7 +34,7 @@
         <a:cs typeface="+mn-cs"/>
       </a:defRPr>
     </a:lvl2pPr>
-    <a:lvl3pPr marL="914400" algn="l" defTabSz="914400" rtl="0" eaLnBrk="1" latinLnBrk="0" hangingPunct="1">
+    <a:lvl3pPr marL="914400" algn="l" defTabSz="457200" rtl="0" eaLnBrk="1" latinLnBrk="0" hangingPunct="1">
       <a:defRPr sz="1800" kern="1200">
         <a:solidFill>
           <a:schemeClr val="tx1"/>
@@ -43,7 +44,7 @@
         <a:cs typeface="+mn-cs"/>
       </a:defRPr>
     </a:lvl3pPr>
-    <a:lvl4pPr marL="1371600" algn="l" defTabSz="914400" rtl="0" eaLnBrk="1" latinLnBrk="0" hangingPunct="1">
+    <a:lvl4pPr marL="1371600" algn="l" defTabSz="457200" rtl="0" eaLnBrk="1" latinLnBrk="0" hangingPunct="1">
       <a:defRPr sz="1800" kern="1200">
         <a:solidFill>
           <a:schemeClr val="tx1"/>
@@ -53,7 +54,7 @@
         <a:cs typeface="+mn-cs"/>
       </a:defRPr>
     </a:lvl4pPr>
-    <a:lvl5pPr marL="1828800" algn="l" defTabSz="914400" rtl="0" eaLnBrk="1" latinLnBrk="0" hangingPunct="1">
+    <a:lvl5pPr marL="1828800" algn="l" defTabSz="457200" rtl="0" eaLnBrk="1" latinLnBrk="0" hangingPunct="1">
       <a:defRPr sz="1800" kern="1200">
         <a:solidFill>
           <a:schemeClr val="tx1"/>
@@ -63,7 +64,7 @@
         <a:cs typeface="+mn-cs"/>
       </a:defRPr>
     </a:lvl5pPr>
-    <a:lvl6pPr marL="2286000" algn="l" defTabSz="914400" rtl="0" eaLnBrk="1" latinLnBrk="0" hangingPunct="1">
+    <a:lvl6pPr marL="2286000" algn="l" defTabSz="457200" rtl="0" eaLnBrk="1" latinLnBrk="0" hangingPunct="1">
       <a:defRPr sz="1800" kern="1200">
         <a:solidFill>
           <a:schemeClr val="tx1"/>
@@ -73,7 +74,7 @@
         <a:cs typeface="+mn-cs"/>
       </a:defRPr>
     </a:lvl6pPr>
-    <a:lvl7pPr marL="2743200" algn="l" defTabSz="914400" rtl="0" eaLnBrk="1" latinLnBrk="0" hangingPunct="1">
+    <a:lvl7pPr marL="2743200" algn="l" defTabSz="457200" rtl="0" eaLnBrk="1" latinLnBrk="0" hangingPunct="1">
       <a:defRPr sz="1800" kern="1200">
         <a:solidFill>
           <a:schemeClr val="tx1"/>
@@ -83,7 +84,7 @@
         <a:cs typeface="+mn-cs"/>
       </a:defRPr>
     </a:lvl7pPr>
-    <a:lvl8pPr marL="3200400" algn="l" defTabSz="914400" rtl="0" eaLnBrk="1" latinLnBrk="0" hangingPunct="1">
+    <a:lvl8pPr marL="3200400" algn="l" defTabSz="457200" rtl="0" eaLnBrk="1" latinLnBrk="0" hangingPunct="1">
       <a:defRPr sz="1800" kern="1200">
         <a:solidFill>
           <a:schemeClr val="tx1"/>
@@ -93,7 +94,7 @@
         <a:cs typeface="+mn-cs"/>
       </a:defRPr>
     </a:lvl8pPr>
-    <a:lvl9pPr marL="3657600" algn="l" defTabSz="914400" rtl="0" eaLnBrk="1" latinLnBrk="0" hangingPunct="1">
+    <a:lvl9pPr marL="3657600" algn="l" defTabSz="457200" rtl="0" eaLnBrk="1" latinLnBrk="0" hangingPunct="1">
       <a:defRPr sz="1800" kern="1200">
         <a:solidFill>
           <a:schemeClr val="tx1"/>
@@ -104,11 +105,16 @@
       </a:defRPr>
     </a:lvl9pPr>
   </p:defaultTextStyle>
+  <p:extLst>
+    <p:ext uri="{EFAFB233-063F-42B5-8137-9DF3F51BA10A}">
+      <p15:sldGuideLst xmlns:p15="http://schemas.microsoft.com/office/powerpoint/2012/main"/>
+    </p:ext>
+  </p:extLst>
 </p:presentation>
 </file>
 
 <file path=ppt/slideLayouts/slideLayout1.xml><?xml version="1.0" encoding="utf-8"?>
-<p:sldLayout xmlns:a="http://schemas.openxmlformats.org/drawingml/2006/main" xmlns:r="http://schemas.openxmlformats.org/officeDocument/2006/relationships" xmlns:p="http://schemas.openxmlformats.org/presentationml/2006/main" type="title" preserve="1">
+<p:sldLayout xmlns:a="http://schemas.openxmlformats.org/drawingml/2006/main" xmlns:r="http://schemas.openxmlformats.org/officeDocument/2006/relationships" xmlns:p="http://schemas.openxmlformats.org/presentationml/2006/main" showMasterSp="0" type="title" preserve="1">
   <p:cSld name="Title Slide">
     <p:spTree>
       <p:nvGrpSpPr>
@@ -126,13 +132,7 @@
       </p:grpSpPr>
       <p:sp>
         <p:nvSpPr>
-          <p:cNvPr id="2" name="Title 1">
-            <a:extLst>
-              <a:ext uri="{FF2B5EF4-FFF2-40B4-BE49-F238E27FC236}">
-                <a16:creationId xmlns:a16="http://schemas.microsoft.com/office/drawing/2014/main" id="{E44539AF-C458-2274-E8CC-FF679699D2B5}"/>
-              </a:ext>
-            </a:extLst>
-          </p:cNvPr>
+          <p:cNvPr id="2" name="Title 1"/>
           <p:cNvSpPr>
             <a:spLocks noGrp="1"/>
           </p:cNvSpPr>
@@ -142,15 +142,19 @@
         </p:nvSpPr>
         <p:spPr>
           <a:xfrm>
-            <a:off x="1524000" y="1122363"/>
-            <a:ext cx="9144000" cy="2387600"/>
+            <a:off x="684212" y="685799"/>
+            <a:ext cx="8001000" cy="2971801"/>
           </a:xfrm>
         </p:spPr>
         <p:txBody>
-          <a:bodyPr anchor="b"/>
+          <a:bodyPr anchor="b">
+            <a:normAutofit/>
+          </a:bodyPr>
           <a:lstStyle>
-            <a:lvl1pPr algn="ctr">
-              <a:defRPr sz="6000"/>
+            <a:lvl1pPr algn="l">
+              <a:defRPr sz="4800">
+                <a:effectLst/>
+              </a:defRPr>
             </a:lvl1pPr>
           </a:lstStyle>
           <a:p>
@@ -158,19 +162,13 @@
               <a:rPr lang="en-US"/>
               <a:t>Click to edit Master title style</a:t>
             </a:r>
-            <a:endParaRPr lang="en-GB"/>
-          </a:p>
-        </p:txBody>
-      </p:sp>
-      <p:sp>
-        <p:nvSpPr>
-          <p:cNvPr id="3" name="Subtitle 2">
-            <a:extLst>
-              <a:ext uri="{FF2B5EF4-FFF2-40B4-BE49-F238E27FC236}">
-                <a16:creationId xmlns:a16="http://schemas.microsoft.com/office/drawing/2014/main" id="{A135AE97-62E2-96C4-E72F-2C7796513FC0}"/>
-              </a:ext>
-            </a:extLst>
-          </p:cNvPr>
+            <a:endParaRPr lang="en-US" dirty="0"/>
+          </a:p>
+        </p:txBody>
+      </p:sp>
+      <p:sp>
+        <p:nvSpPr>
+          <p:cNvPr id="3" name="Subtitle 2"/>
           <p:cNvSpPr>
             <a:spLocks noGrp="1"/>
           </p:cNvSpPr>
@@ -180,48 +178,104 @@
         </p:nvSpPr>
         <p:spPr>
           <a:xfrm>
-            <a:off x="1524000" y="3602038"/>
-            <a:ext cx="9144000" cy="1655762"/>
+            <a:off x="684212" y="3843867"/>
+            <a:ext cx="6400800" cy="1947333"/>
           </a:xfrm>
         </p:spPr>
         <p:txBody>
-          <a:bodyPr/>
+          <a:bodyPr anchor="t">
+            <a:normAutofit/>
+          </a:bodyPr>
           <a:lstStyle>
-            <a:lvl1pPr marL="0" indent="0" algn="ctr">
-              <a:buNone/>
-              <a:defRPr sz="2400"/>
+            <a:lvl1pPr marL="0" indent="0" algn="l">
+              <a:buNone/>
+              <a:defRPr sz="2100">
+                <a:solidFill>
+                  <a:schemeClr val="bg2">
+                    <a:lumMod val="75000"/>
+                  </a:schemeClr>
+                </a:solidFill>
+              </a:defRPr>
             </a:lvl1pPr>
             <a:lvl2pPr marL="457200" indent="0" algn="ctr">
               <a:buNone/>
-              <a:defRPr sz="2000"/>
+              <a:defRPr>
+                <a:solidFill>
+                  <a:schemeClr val="tx1">
+                    <a:tint val="75000"/>
+                  </a:schemeClr>
+                </a:solidFill>
+              </a:defRPr>
             </a:lvl2pPr>
             <a:lvl3pPr marL="914400" indent="0" algn="ctr">
               <a:buNone/>
-              <a:defRPr sz="1800"/>
+              <a:defRPr>
+                <a:solidFill>
+                  <a:schemeClr val="tx1">
+                    <a:tint val="75000"/>
+                  </a:schemeClr>
+                </a:solidFill>
+              </a:defRPr>
             </a:lvl3pPr>
             <a:lvl4pPr marL="1371600" indent="0" algn="ctr">
               <a:buNone/>
-              <a:defRPr sz="1600"/>
+              <a:defRPr>
+                <a:solidFill>
+                  <a:schemeClr val="tx1">
+                    <a:tint val="75000"/>
+                  </a:schemeClr>
+                </a:solidFill>
+              </a:defRPr>
             </a:lvl4pPr>
             <a:lvl5pPr marL="1828800" indent="0" algn="ctr">
               <a:buNone/>
-              <a:defRPr sz="1600"/>
+              <a:defRPr>
+                <a:solidFill>
+                  <a:schemeClr val="tx1">
+                    <a:tint val="75000"/>
+                  </a:schemeClr>
+                </a:solidFill>
+              </a:defRPr>
             </a:lvl5pPr>
             <a:lvl6pPr marL="2286000" indent="0" algn="ctr">
               <a:buNone/>
-              <a:defRPr sz="1600"/>
+              <a:defRPr>
+                <a:solidFill>
+                  <a:schemeClr val="tx1">
+                    <a:tint val="75000"/>
+                  </a:schemeClr>
+                </a:solidFill>
+              </a:defRPr>
             </a:lvl6pPr>
             <a:lvl7pPr marL="2743200" indent="0" algn="ctr">
               <a:buNone/>
-              <a:defRPr sz="1600"/>
+              <a:defRPr>
+                <a:solidFill>
+                  <a:schemeClr val="tx1">
+                    <a:tint val="75000"/>
+                  </a:schemeClr>
+                </a:solidFill>
+              </a:defRPr>
             </a:lvl7pPr>
             <a:lvl8pPr marL="3200400" indent="0" algn="ctr">
               <a:buNone/>
-              <a:defRPr sz="1600"/>
+              <a:defRPr>
+                <a:solidFill>
+                  <a:schemeClr val="tx1">
+                    <a:tint val="75000"/>
+                  </a:schemeClr>
+                </a:solidFill>
+              </a:defRPr>
             </a:lvl8pPr>
             <a:lvl9pPr marL="3657600" indent="0" algn="ctr">
               <a:buNone/>
-              <a:defRPr sz="1600"/>
+              <a:defRPr>
+                <a:solidFill>
+                  <a:schemeClr val="tx1">
+                    <a:tint val="75000"/>
+                  </a:schemeClr>
+                </a:solidFill>
+              </a:defRPr>
             </a:lvl9pPr>
           </a:lstStyle>
           <a:p>
@@ -229,19 +283,13 @@
               <a:rPr lang="en-US"/>
               <a:t>Click to edit Master subtitle style</a:t>
             </a:r>
-            <a:endParaRPr lang="en-GB"/>
-          </a:p>
-        </p:txBody>
-      </p:sp>
-      <p:sp>
-        <p:nvSpPr>
-          <p:cNvPr id="4" name="Date Placeholder 3">
-            <a:extLst>
-              <a:ext uri="{FF2B5EF4-FFF2-40B4-BE49-F238E27FC236}">
-                <a16:creationId xmlns:a16="http://schemas.microsoft.com/office/drawing/2014/main" id="{193B2823-2CAF-5E51-A1C1-5951FD495C7A}"/>
-              </a:ext>
-            </a:extLst>
-          </p:cNvPr>
+            <a:endParaRPr lang="en-US" dirty="0"/>
+          </a:p>
+        </p:txBody>
+      </p:sp>
+      <p:sp>
+        <p:nvSpPr>
+          <p:cNvPr id="4" name="Date Placeholder 3"/>
           <p:cNvSpPr>
             <a:spLocks noGrp="1"/>
           </p:cNvSpPr>
@@ -256,7 +304,7 @@
           <a:p>
             <a:fld id="{ED305653-79B2-4B67-A041-B7A7EF8868A0}" type="datetimeFigureOut">
               <a:rPr lang="en-GB" smtClean="0"/>
-              <a:t>22/12/2022</a:t>
+              <a:t>23/12/2022</a:t>
             </a:fld>
             <a:endParaRPr lang="en-GB"/>
           </a:p>
@@ -264,13 +312,7 @@
       </p:sp>
       <p:sp>
         <p:nvSpPr>
-          <p:cNvPr id="5" name="Footer Placeholder 4">
-            <a:extLst>
-              <a:ext uri="{FF2B5EF4-FFF2-40B4-BE49-F238E27FC236}">
-                <a16:creationId xmlns:a16="http://schemas.microsoft.com/office/drawing/2014/main" id="{DDD9A5F5-B2C9-F4E3-08B9-98DB7AC414CE}"/>
-              </a:ext>
-            </a:extLst>
-          </p:cNvPr>
+          <p:cNvPr id="5" name="Footer Placeholder 4"/>
           <p:cNvSpPr>
             <a:spLocks noGrp="1"/>
           </p:cNvSpPr>
@@ -289,13 +331,7 @@
       </p:sp>
       <p:sp>
         <p:nvSpPr>
-          <p:cNvPr id="6" name="Slide Number Placeholder 5">
-            <a:extLst>
-              <a:ext uri="{FF2B5EF4-FFF2-40B4-BE49-F238E27FC236}">
-                <a16:creationId xmlns:a16="http://schemas.microsoft.com/office/drawing/2014/main" id="{8B879CEB-C18F-B5E5-7705-C67E7F603E3E}"/>
-              </a:ext>
-            </a:extLst>
-          </p:cNvPr>
+          <p:cNvPr id="6" name="Slide Number Placeholder 5"/>
           <p:cNvSpPr>
             <a:spLocks noGrp="1"/>
           </p:cNvSpPr>
@@ -316,10 +352,185 @@
           </a:p>
         </p:txBody>
       </p:sp>
+      <p:cxnSp>
+        <p:nvCxnSpPr>
+          <p:cNvPr id="16" name="Straight Connector 15"/>
+          <p:cNvCxnSpPr/>
+          <p:nvPr/>
+        </p:nvCxnSpPr>
+        <p:spPr>
+          <a:xfrm flipH="1">
+            <a:off x="8228012" y="8467"/>
+            <a:ext cx="3810000" cy="3810000"/>
+          </a:xfrm>
+          <a:prstGeom prst="line">
+            <a:avLst/>
+          </a:prstGeom>
+          <a:ln w="12700">
+            <a:solidFill>
+              <a:schemeClr val="tx1"/>
+            </a:solidFill>
+          </a:ln>
+        </p:spPr>
+        <p:style>
+          <a:lnRef idx="2">
+            <a:schemeClr val="accent1"/>
+          </a:lnRef>
+          <a:fillRef idx="0">
+            <a:schemeClr val="accent1"/>
+          </a:fillRef>
+          <a:effectRef idx="1">
+            <a:schemeClr val="accent1"/>
+          </a:effectRef>
+          <a:fontRef idx="minor">
+            <a:schemeClr val="tx1"/>
+          </a:fontRef>
+        </p:style>
+      </p:cxnSp>
+      <p:cxnSp>
+        <p:nvCxnSpPr>
+          <p:cNvPr id="17" name="Straight Connector 16"/>
+          <p:cNvCxnSpPr/>
+          <p:nvPr/>
+        </p:nvCxnSpPr>
+        <p:spPr>
+          <a:xfrm flipH="1">
+            <a:off x="6108170" y="91545"/>
+            <a:ext cx="6080655" cy="6080655"/>
+          </a:xfrm>
+          <a:prstGeom prst="line">
+            <a:avLst/>
+          </a:prstGeom>
+          <a:ln w="12700">
+            <a:solidFill>
+              <a:schemeClr val="tx1"/>
+            </a:solidFill>
+          </a:ln>
+        </p:spPr>
+        <p:style>
+          <a:lnRef idx="2">
+            <a:schemeClr val="accent1"/>
+          </a:lnRef>
+          <a:fillRef idx="0">
+            <a:schemeClr val="accent1"/>
+          </a:fillRef>
+          <a:effectRef idx="1">
+            <a:schemeClr val="accent1"/>
+          </a:effectRef>
+          <a:fontRef idx="minor">
+            <a:schemeClr val="tx1"/>
+          </a:fontRef>
+        </p:style>
+      </p:cxnSp>
+      <p:cxnSp>
+        <p:nvCxnSpPr>
+          <p:cNvPr id="19" name="Straight Connector 18"/>
+          <p:cNvCxnSpPr/>
+          <p:nvPr/>
+        </p:nvCxnSpPr>
+        <p:spPr>
+          <a:xfrm flipH="1">
+            <a:off x="7235825" y="228600"/>
+            <a:ext cx="4953000" cy="4953000"/>
+          </a:xfrm>
+          <a:prstGeom prst="line">
+            <a:avLst/>
+          </a:prstGeom>
+          <a:ln w="12700">
+            <a:solidFill>
+              <a:schemeClr val="tx1"/>
+            </a:solidFill>
+          </a:ln>
+        </p:spPr>
+        <p:style>
+          <a:lnRef idx="2">
+            <a:schemeClr val="accent1"/>
+          </a:lnRef>
+          <a:fillRef idx="0">
+            <a:schemeClr val="accent1"/>
+          </a:fillRef>
+          <a:effectRef idx="1">
+            <a:schemeClr val="accent1"/>
+          </a:effectRef>
+          <a:fontRef idx="minor">
+            <a:schemeClr val="tx1"/>
+          </a:fontRef>
+        </p:style>
+      </p:cxnSp>
+      <p:cxnSp>
+        <p:nvCxnSpPr>
+          <p:cNvPr id="21" name="Straight Connector 20"/>
+          <p:cNvCxnSpPr/>
+          <p:nvPr/>
+        </p:nvCxnSpPr>
+        <p:spPr>
+          <a:xfrm flipH="1">
+            <a:off x="7335837" y="32278"/>
+            <a:ext cx="4852989" cy="4852989"/>
+          </a:xfrm>
+          <a:prstGeom prst="line">
+            <a:avLst/>
+          </a:prstGeom>
+          <a:ln w="31750">
+            <a:solidFill>
+              <a:schemeClr val="tx1"/>
+            </a:solidFill>
+          </a:ln>
+        </p:spPr>
+        <p:style>
+          <a:lnRef idx="2">
+            <a:schemeClr val="accent1"/>
+          </a:lnRef>
+          <a:fillRef idx="0">
+            <a:schemeClr val="accent1"/>
+          </a:fillRef>
+          <a:effectRef idx="1">
+            <a:schemeClr val="accent1"/>
+          </a:effectRef>
+          <a:fontRef idx="minor">
+            <a:schemeClr val="tx1"/>
+          </a:fontRef>
+        </p:style>
+      </p:cxnSp>
+      <p:cxnSp>
+        <p:nvCxnSpPr>
+          <p:cNvPr id="23" name="Straight Connector 22"/>
+          <p:cNvCxnSpPr/>
+          <p:nvPr/>
+        </p:nvCxnSpPr>
+        <p:spPr>
+          <a:xfrm flipH="1">
+            <a:off x="7845426" y="609601"/>
+            <a:ext cx="4343399" cy="4343399"/>
+          </a:xfrm>
+          <a:prstGeom prst="line">
+            <a:avLst/>
+          </a:prstGeom>
+          <a:ln w="31750">
+            <a:solidFill>
+              <a:schemeClr val="tx1"/>
+            </a:solidFill>
+          </a:ln>
+        </p:spPr>
+        <p:style>
+          <a:lnRef idx="2">
+            <a:schemeClr val="accent1"/>
+          </a:lnRef>
+          <a:fillRef idx="0">
+            <a:schemeClr val="accent1"/>
+          </a:fillRef>
+          <a:effectRef idx="1">
+            <a:schemeClr val="accent1"/>
+          </a:effectRef>
+          <a:fontRef idx="minor">
+            <a:schemeClr val="tx1"/>
+          </a:fontRef>
+        </p:style>
+      </p:cxnSp>
     </p:spTree>
     <p:extLst>
       <p:ext uri="{BB962C8B-B14F-4D97-AF65-F5344CB8AC3E}">
-        <p14:creationId xmlns:p14="http://schemas.microsoft.com/office/powerpoint/2010/main" val="1833824968"/>
+        <p14:creationId xmlns:p14="http://schemas.microsoft.com/office/powerpoint/2010/main" val="1143041652"/>
       </p:ext>
     </p:extLst>
   </p:cSld>
@@ -330,6 +541,1812 @@
 </file>
 
 <file path=ppt/slideLayouts/slideLayout10.xml><?xml version="1.0" encoding="utf-8"?>
+<p:sldLayout xmlns:a="http://schemas.openxmlformats.org/drawingml/2006/main" xmlns:r="http://schemas.openxmlformats.org/officeDocument/2006/relationships" xmlns:p="http://schemas.openxmlformats.org/presentationml/2006/main" preserve="1">
+  <p:cSld name="Panoramic Picture with Caption">
+    <p:spTree>
+      <p:nvGrpSpPr>
+        <p:cNvPr id="1" name=""/>
+        <p:cNvGrpSpPr/>
+        <p:nvPr/>
+      </p:nvGrpSpPr>
+      <p:grpSpPr>
+        <a:xfrm>
+          <a:off x="0" y="0"/>
+          <a:ext cx="0" cy="0"/>
+          <a:chOff x="0" y="0"/>
+          <a:chExt cx="0" cy="0"/>
+        </a:xfrm>
+      </p:grpSpPr>
+      <p:sp>
+        <p:nvSpPr>
+          <p:cNvPr id="2" name="Title 1"/>
+          <p:cNvSpPr>
+            <a:spLocks noGrp="1"/>
+          </p:cNvSpPr>
+          <p:nvPr>
+            <p:ph type="title"/>
+          </p:nvPr>
+        </p:nvSpPr>
+        <p:spPr/>
+        <p:txBody>
+          <a:bodyPr/>
+          <a:lstStyle/>
+          <a:p>
+            <a:r>
+              <a:rPr lang="en-US"/>
+              <a:t>Click to edit Master title style</a:t>
+            </a:r>
+            <a:endParaRPr lang="en-US" dirty="0"/>
+          </a:p>
+        </p:txBody>
+      </p:sp>
+      <p:sp>
+        <p:nvSpPr>
+          <p:cNvPr id="17" name="Picture Placeholder 2"/>
+          <p:cNvSpPr>
+            <a:spLocks noGrp="1" noChangeAspect="1"/>
+          </p:cNvSpPr>
+          <p:nvPr>
+            <p:ph type="pic" idx="13"/>
+          </p:nvPr>
+        </p:nvSpPr>
+        <p:spPr>
+          <a:xfrm>
+            <a:off x="685800" y="533400"/>
+            <a:ext cx="10818812" cy="3124200"/>
+          </a:xfrm>
+          <a:prstGeom prst="snip2DiagRect">
+            <a:avLst>
+              <a:gd name="adj1" fmla="val 10815"/>
+              <a:gd name="adj2" fmla="val 0"/>
+            </a:avLst>
+          </a:prstGeom>
+          <a:ln w="15875">
+            <a:solidFill>
+              <a:schemeClr val="tx1">
+                <a:alpha val="40000"/>
+              </a:schemeClr>
+            </a:solidFill>
+          </a:ln>
+          <a:effectLst>
+            <a:innerShdw blurRad="57150" dist="38100" dir="14460000">
+              <a:srgbClr val="000000">
+                <a:alpha val="70000"/>
+              </a:srgbClr>
+            </a:innerShdw>
+          </a:effectLst>
+        </p:spPr>
+        <p:txBody>
+          <a:bodyPr anchor="t">
+            <a:normAutofit/>
+          </a:bodyPr>
+          <a:lstStyle>
+            <a:lvl1pPr marL="0" indent="0" algn="ctr">
+              <a:buNone/>
+              <a:defRPr sz="1600"/>
+            </a:lvl1pPr>
+            <a:lvl2pPr marL="457200" indent="0">
+              <a:buNone/>
+              <a:defRPr sz="1600"/>
+            </a:lvl2pPr>
+            <a:lvl3pPr marL="914400" indent="0">
+              <a:buNone/>
+              <a:defRPr sz="1600"/>
+            </a:lvl3pPr>
+            <a:lvl4pPr marL="1371600" indent="0">
+              <a:buNone/>
+              <a:defRPr sz="1600"/>
+            </a:lvl4pPr>
+            <a:lvl5pPr marL="1828800" indent="0">
+              <a:buNone/>
+              <a:defRPr sz="1600"/>
+            </a:lvl5pPr>
+            <a:lvl6pPr marL="2286000" indent="0">
+              <a:buNone/>
+              <a:defRPr sz="1600"/>
+            </a:lvl6pPr>
+            <a:lvl7pPr marL="2743200" indent="0">
+              <a:buNone/>
+              <a:defRPr sz="1600"/>
+            </a:lvl7pPr>
+            <a:lvl8pPr marL="3200400" indent="0">
+              <a:buNone/>
+              <a:defRPr sz="1600"/>
+            </a:lvl8pPr>
+            <a:lvl9pPr marL="3657600" indent="0">
+              <a:buNone/>
+              <a:defRPr sz="1600"/>
+            </a:lvl9pPr>
+          </a:lstStyle>
+          <a:p>
+            <a:r>
+              <a:rPr lang="en-US"/>
+              <a:t>Click icon to add picture</a:t>
+            </a:r>
+            <a:endParaRPr lang="en-US" dirty="0"/>
+          </a:p>
+        </p:txBody>
+      </p:sp>
+      <p:sp>
+        <p:nvSpPr>
+          <p:cNvPr id="16" name="Text Placeholder 9"/>
+          <p:cNvSpPr>
+            <a:spLocks noGrp="1"/>
+          </p:cNvSpPr>
+          <p:nvPr>
+            <p:ph type="body" sz="quarter" idx="14"/>
+          </p:nvPr>
+        </p:nvSpPr>
+        <p:spPr>
+          <a:xfrm>
+            <a:off x="914402" y="3843867"/>
+            <a:ext cx="8304210" cy="457200"/>
+          </a:xfrm>
+        </p:spPr>
+        <p:txBody>
+          <a:bodyPr anchor="t">
+            <a:normAutofit/>
+          </a:bodyPr>
+          <a:lstStyle>
+            <a:lvl1pPr marL="0" indent="0">
+              <a:buFontTx/>
+              <a:buNone/>
+              <a:defRPr sz="1600"/>
+            </a:lvl1pPr>
+            <a:lvl2pPr marL="457200" indent="0">
+              <a:buFontTx/>
+              <a:buNone/>
+              <a:defRPr/>
+            </a:lvl2pPr>
+            <a:lvl3pPr marL="914400" indent="0">
+              <a:buFontTx/>
+              <a:buNone/>
+              <a:defRPr/>
+            </a:lvl3pPr>
+            <a:lvl4pPr marL="1371600" indent="0">
+              <a:buFontTx/>
+              <a:buNone/>
+              <a:defRPr/>
+            </a:lvl4pPr>
+            <a:lvl5pPr marL="1828800" indent="0">
+              <a:buFontTx/>
+              <a:buNone/>
+              <a:defRPr/>
+            </a:lvl5pPr>
+          </a:lstStyle>
+          <a:p>
+            <a:pPr lvl="0"/>
+            <a:r>
+              <a:rPr lang="en-US"/>
+              <a:t>Click to edit Master text styles</a:t>
+            </a:r>
+          </a:p>
+        </p:txBody>
+      </p:sp>
+      <p:sp>
+        <p:nvSpPr>
+          <p:cNvPr id="3" name="Date Placeholder 2"/>
+          <p:cNvSpPr>
+            <a:spLocks noGrp="1"/>
+          </p:cNvSpPr>
+          <p:nvPr>
+            <p:ph type="dt" sz="half" idx="10"/>
+          </p:nvPr>
+        </p:nvSpPr>
+        <p:spPr/>
+        <p:txBody>
+          <a:bodyPr/>
+          <a:lstStyle/>
+          <a:p>
+            <a:fld id="{ED305653-79B2-4B67-A041-B7A7EF8868A0}" type="datetimeFigureOut">
+              <a:rPr lang="en-GB" smtClean="0"/>
+              <a:t>23/12/2022</a:t>
+            </a:fld>
+            <a:endParaRPr lang="en-GB"/>
+          </a:p>
+        </p:txBody>
+      </p:sp>
+      <p:sp>
+        <p:nvSpPr>
+          <p:cNvPr id="4" name="Footer Placeholder 3"/>
+          <p:cNvSpPr>
+            <a:spLocks noGrp="1"/>
+          </p:cNvSpPr>
+          <p:nvPr>
+            <p:ph type="ftr" sz="quarter" idx="11"/>
+          </p:nvPr>
+        </p:nvSpPr>
+        <p:spPr/>
+        <p:txBody>
+          <a:bodyPr/>
+          <a:lstStyle/>
+          <a:p>
+            <a:endParaRPr lang="en-GB"/>
+          </a:p>
+        </p:txBody>
+      </p:sp>
+      <p:sp>
+        <p:nvSpPr>
+          <p:cNvPr id="5" name="Slide Number Placeholder 4"/>
+          <p:cNvSpPr>
+            <a:spLocks noGrp="1"/>
+          </p:cNvSpPr>
+          <p:nvPr>
+            <p:ph type="sldNum" sz="quarter" idx="12"/>
+          </p:nvPr>
+        </p:nvSpPr>
+        <p:spPr/>
+        <p:txBody>
+          <a:bodyPr/>
+          <a:lstStyle/>
+          <a:p>
+            <a:fld id="{8A27AA49-B89A-47F9-AA12-2EC490EC621D}" type="slidenum">
+              <a:rPr lang="en-GB" smtClean="0"/>
+              <a:t>‹#›</a:t>
+            </a:fld>
+            <a:endParaRPr lang="en-GB"/>
+          </a:p>
+        </p:txBody>
+      </p:sp>
+    </p:spTree>
+    <p:extLst>
+      <p:ext uri="{BB962C8B-B14F-4D97-AF65-F5344CB8AC3E}">
+        <p14:creationId xmlns:p14="http://schemas.microsoft.com/office/powerpoint/2010/main" val="2027702944"/>
+      </p:ext>
+    </p:extLst>
+  </p:cSld>
+  <p:clrMapOvr>
+    <a:masterClrMapping/>
+  </p:clrMapOvr>
+</p:sldLayout>
+</file>
+
+<file path=ppt/slideLayouts/slideLayout11.xml><?xml version="1.0" encoding="utf-8"?>
+<p:sldLayout xmlns:a="http://schemas.openxmlformats.org/drawingml/2006/main" xmlns:r="http://schemas.openxmlformats.org/officeDocument/2006/relationships" xmlns:p="http://schemas.openxmlformats.org/presentationml/2006/main" preserve="1">
+  <p:cSld name="Title and Caption">
+    <p:spTree>
+      <p:nvGrpSpPr>
+        <p:cNvPr id="1" name=""/>
+        <p:cNvGrpSpPr/>
+        <p:nvPr/>
+      </p:nvGrpSpPr>
+      <p:grpSpPr>
+        <a:xfrm>
+          <a:off x="0" y="0"/>
+          <a:ext cx="0" cy="0"/>
+          <a:chOff x="0" y="0"/>
+          <a:chExt cx="0" cy="0"/>
+        </a:xfrm>
+      </p:grpSpPr>
+      <p:sp>
+        <p:nvSpPr>
+          <p:cNvPr id="2" name="Title 1"/>
+          <p:cNvSpPr>
+            <a:spLocks noGrp="1"/>
+          </p:cNvSpPr>
+          <p:nvPr>
+            <p:ph type="title"/>
+          </p:nvPr>
+        </p:nvSpPr>
+        <p:spPr>
+          <a:xfrm>
+            <a:off x="684213" y="685800"/>
+            <a:ext cx="10058400" cy="2743200"/>
+          </a:xfrm>
+        </p:spPr>
+        <p:txBody>
+          <a:bodyPr anchor="ctr">
+            <a:normAutofit/>
+          </a:bodyPr>
+          <a:lstStyle>
+            <a:lvl1pPr algn="l">
+              <a:defRPr sz="3200" b="0" cap="all"/>
+            </a:lvl1pPr>
+          </a:lstStyle>
+          <a:p>
+            <a:r>
+              <a:rPr lang="en-US"/>
+              <a:t>Click to edit Master title style</a:t>
+            </a:r>
+            <a:endParaRPr lang="en-US" dirty="0"/>
+          </a:p>
+        </p:txBody>
+      </p:sp>
+      <p:sp>
+        <p:nvSpPr>
+          <p:cNvPr id="3" name="Text Placeholder 2"/>
+          <p:cNvSpPr>
+            <a:spLocks noGrp="1"/>
+          </p:cNvSpPr>
+          <p:nvPr>
+            <p:ph type="body" idx="1"/>
+          </p:nvPr>
+        </p:nvSpPr>
+        <p:spPr>
+          <a:xfrm>
+            <a:off x="684212" y="4114800"/>
+            <a:ext cx="8535988" cy="1879600"/>
+          </a:xfrm>
+        </p:spPr>
+        <p:txBody>
+          <a:bodyPr anchor="ctr">
+            <a:normAutofit/>
+          </a:bodyPr>
+          <a:lstStyle>
+            <a:lvl1pPr marL="0" indent="0" algn="l">
+              <a:buNone/>
+              <a:defRPr sz="2000">
+                <a:solidFill>
+                  <a:schemeClr val="bg2">
+                    <a:lumMod val="75000"/>
+                  </a:schemeClr>
+                </a:solidFill>
+              </a:defRPr>
+            </a:lvl1pPr>
+            <a:lvl2pPr marL="457200" indent="0">
+              <a:buNone/>
+              <a:defRPr sz="1800">
+                <a:solidFill>
+                  <a:schemeClr val="tx1">
+                    <a:tint val="75000"/>
+                  </a:schemeClr>
+                </a:solidFill>
+              </a:defRPr>
+            </a:lvl2pPr>
+            <a:lvl3pPr marL="914400" indent="0">
+              <a:buNone/>
+              <a:defRPr sz="1600">
+                <a:solidFill>
+                  <a:schemeClr val="tx1">
+                    <a:tint val="75000"/>
+                  </a:schemeClr>
+                </a:solidFill>
+              </a:defRPr>
+            </a:lvl3pPr>
+            <a:lvl4pPr marL="1371600" indent="0">
+              <a:buNone/>
+              <a:defRPr sz="1400">
+                <a:solidFill>
+                  <a:schemeClr val="tx1">
+                    <a:tint val="75000"/>
+                  </a:schemeClr>
+                </a:solidFill>
+              </a:defRPr>
+            </a:lvl4pPr>
+            <a:lvl5pPr marL="1828800" indent="0">
+              <a:buNone/>
+              <a:defRPr sz="1400">
+                <a:solidFill>
+                  <a:schemeClr val="tx1">
+                    <a:tint val="75000"/>
+                  </a:schemeClr>
+                </a:solidFill>
+              </a:defRPr>
+            </a:lvl5pPr>
+            <a:lvl6pPr marL="2286000" indent="0">
+              <a:buNone/>
+              <a:defRPr sz="1400">
+                <a:solidFill>
+                  <a:schemeClr val="tx1">
+                    <a:tint val="75000"/>
+                  </a:schemeClr>
+                </a:solidFill>
+              </a:defRPr>
+            </a:lvl6pPr>
+            <a:lvl7pPr marL="2743200" indent="0">
+              <a:buNone/>
+              <a:defRPr sz="1400">
+                <a:solidFill>
+                  <a:schemeClr val="tx1">
+                    <a:tint val="75000"/>
+                  </a:schemeClr>
+                </a:solidFill>
+              </a:defRPr>
+            </a:lvl7pPr>
+            <a:lvl8pPr marL="3200400" indent="0">
+              <a:buNone/>
+              <a:defRPr sz="1400">
+                <a:solidFill>
+                  <a:schemeClr val="tx1">
+                    <a:tint val="75000"/>
+                  </a:schemeClr>
+                </a:solidFill>
+              </a:defRPr>
+            </a:lvl8pPr>
+            <a:lvl9pPr marL="3657600" indent="0">
+              <a:buNone/>
+              <a:defRPr sz="1400">
+                <a:solidFill>
+                  <a:schemeClr val="tx1">
+                    <a:tint val="75000"/>
+                  </a:schemeClr>
+                </a:solidFill>
+              </a:defRPr>
+            </a:lvl9pPr>
+          </a:lstStyle>
+          <a:p>
+            <a:pPr lvl="0"/>
+            <a:r>
+              <a:rPr lang="en-US"/>
+              <a:t>Click to edit Master text styles</a:t>
+            </a:r>
+          </a:p>
+        </p:txBody>
+      </p:sp>
+      <p:sp>
+        <p:nvSpPr>
+          <p:cNvPr id="4" name="Date Placeholder 3"/>
+          <p:cNvSpPr>
+            <a:spLocks noGrp="1"/>
+          </p:cNvSpPr>
+          <p:nvPr>
+            <p:ph type="dt" sz="half" idx="10"/>
+          </p:nvPr>
+        </p:nvSpPr>
+        <p:spPr/>
+        <p:txBody>
+          <a:bodyPr/>
+          <a:lstStyle/>
+          <a:p>
+            <a:fld id="{ED305653-79B2-4B67-A041-B7A7EF8868A0}" type="datetimeFigureOut">
+              <a:rPr lang="en-GB" smtClean="0"/>
+              <a:t>23/12/2022</a:t>
+            </a:fld>
+            <a:endParaRPr lang="en-GB"/>
+          </a:p>
+        </p:txBody>
+      </p:sp>
+      <p:sp>
+        <p:nvSpPr>
+          <p:cNvPr id="5" name="Footer Placeholder 4"/>
+          <p:cNvSpPr>
+            <a:spLocks noGrp="1"/>
+          </p:cNvSpPr>
+          <p:nvPr>
+            <p:ph type="ftr" sz="quarter" idx="11"/>
+          </p:nvPr>
+        </p:nvSpPr>
+        <p:spPr/>
+        <p:txBody>
+          <a:bodyPr/>
+          <a:lstStyle/>
+          <a:p>
+            <a:endParaRPr lang="en-GB"/>
+          </a:p>
+        </p:txBody>
+      </p:sp>
+      <p:sp>
+        <p:nvSpPr>
+          <p:cNvPr id="6" name="Slide Number Placeholder 5"/>
+          <p:cNvSpPr>
+            <a:spLocks noGrp="1"/>
+          </p:cNvSpPr>
+          <p:nvPr>
+            <p:ph type="sldNum" sz="quarter" idx="12"/>
+          </p:nvPr>
+        </p:nvSpPr>
+        <p:spPr/>
+        <p:txBody>
+          <a:bodyPr/>
+          <a:lstStyle/>
+          <a:p>
+            <a:fld id="{8A27AA49-B89A-47F9-AA12-2EC490EC621D}" type="slidenum">
+              <a:rPr lang="en-GB" smtClean="0"/>
+              <a:t>‹#›</a:t>
+            </a:fld>
+            <a:endParaRPr lang="en-GB"/>
+          </a:p>
+        </p:txBody>
+      </p:sp>
+    </p:spTree>
+    <p:extLst>
+      <p:ext uri="{BB962C8B-B14F-4D97-AF65-F5344CB8AC3E}">
+        <p14:creationId xmlns:p14="http://schemas.microsoft.com/office/powerpoint/2010/main" val="1577716010"/>
+      </p:ext>
+    </p:extLst>
+  </p:cSld>
+  <p:clrMapOvr>
+    <a:masterClrMapping/>
+  </p:clrMapOvr>
+</p:sldLayout>
+</file>
+
+<file path=ppt/slideLayouts/slideLayout12.xml><?xml version="1.0" encoding="utf-8"?>
+<p:sldLayout xmlns:a="http://schemas.openxmlformats.org/drawingml/2006/main" xmlns:r="http://schemas.openxmlformats.org/officeDocument/2006/relationships" xmlns:p="http://schemas.openxmlformats.org/presentationml/2006/main" preserve="1">
+  <p:cSld name="Quote with Caption">
+    <p:spTree>
+      <p:nvGrpSpPr>
+        <p:cNvPr id="1" name=""/>
+        <p:cNvGrpSpPr/>
+        <p:nvPr/>
+      </p:nvGrpSpPr>
+      <p:grpSpPr>
+        <a:xfrm>
+          <a:off x="0" y="0"/>
+          <a:ext cx="0" cy="0"/>
+          <a:chOff x="0" y="0"/>
+          <a:chExt cx="0" cy="0"/>
+        </a:xfrm>
+      </p:grpSpPr>
+      <p:sp>
+        <p:nvSpPr>
+          <p:cNvPr id="2" name="Title 1"/>
+          <p:cNvSpPr>
+            <a:spLocks noGrp="1"/>
+          </p:cNvSpPr>
+          <p:nvPr>
+            <p:ph type="title"/>
+          </p:nvPr>
+        </p:nvSpPr>
+        <p:spPr>
+          <a:xfrm>
+            <a:off x="1141411" y="685800"/>
+            <a:ext cx="9144001" cy="2743200"/>
+          </a:xfrm>
+        </p:spPr>
+        <p:txBody>
+          <a:bodyPr anchor="ctr">
+            <a:normAutofit/>
+          </a:bodyPr>
+          <a:lstStyle>
+            <a:lvl1pPr algn="l">
+              <a:defRPr sz="3200" b="0" cap="all">
+                <a:solidFill>
+                  <a:schemeClr val="tx1"/>
+                </a:solidFill>
+              </a:defRPr>
+            </a:lvl1pPr>
+          </a:lstStyle>
+          <a:p>
+            <a:r>
+              <a:rPr lang="en-US"/>
+              <a:t>Click to edit Master title style</a:t>
+            </a:r>
+            <a:endParaRPr lang="en-US" dirty="0"/>
+          </a:p>
+        </p:txBody>
+      </p:sp>
+      <p:sp>
+        <p:nvSpPr>
+          <p:cNvPr id="10" name="Text Placeholder 9"/>
+          <p:cNvSpPr>
+            <a:spLocks noGrp="1"/>
+          </p:cNvSpPr>
+          <p:nvPr>
+            <p:ph type="body" sz="quarter" idx="13"/>
+          </p:nvPr>
+        </p:nvSpPr>
+        <p:spPr>
+          <a:xfrm>
+            <a:off x="1446212" y="3429000"/>
+            <a:ext cx="8534400" cy="381000"/>
+          </a:xfrm>
+        </p:spPr>
+        <p:txBody>
+          <a:bodyPr anchor="ctr"/>
+          <a:lstStyle>
+            <a:lvl1pPr marL="0" indent="0">
+              <a:buFontTx/>
+              <a:buNone/>
+              <a:defRPr/>
+            </a:lvl1pPr>
+            <a:lvl2pPr marL="457200" indent="0">
+              <a:buFontTx/>
+              <a:buNone/>
+              <a:defRPr/>
+            </a:lvl2pPr>
+            <a:lvl3pPr marL="914400" indent="0">
+              <a:buFontTx/>
+              <a:buNone/>
+              <a:defRPr/>
+            </a:lvl3pPr>
+            <a:lvl4pPr marL="1371600" indent="0">
+              <a:buFontTx/>
+              <a:buNone/>
+              <a:defRPr/>
+            </a:lvl4pPr>
+            <a:lvl5pPr marL="1828800" indent="0">
+              <a:buFontTx/>
+              <a:buNone/>
+              <a:defRPr/>
+            </a:lvl5pPr>
+          </a:lstStyle>
+          <a:p>
+            <a:pPr lvl="0"/>
+            <a:r>
+              <a:rPr lang="en-US"/>
+              <a:t>Click to edit Master text styles</a:t>
+            </a:r>
+          </a:p>
+        </p:txBody>
+      </p:sp>
+      <p:sp>
+        <p:nvSpPr>
+          <p:cNvPr id="3" name="Text Placeholder 2"/>
+          <p:cNvSpPr>
+            <a:spLocks noGrp="1"/>
+          </p:cNvSpPr>
+          <p:nvPr>
+            <p:ph type="body" idx="1"/>
+          </p:nvPr>
+        </p:nvSpPr>
+        <p:spPr>
+          <a:xfrm>
+            <a:off x="684213" y="4301067"/>
+            <a:ext cx="8534400" cy="1684865"/>
+          </a:xfrm>
+        </p:spPr>
+        <p:txBody>
+          <a:bodyPr anchor="ctr">
+            <a:normAutofit/>
+          </a:bodyPr>
+          <a:lstStyle>
+            <a:lvl1pPr marL="0" indent="0" algn="l">
+              <a:buNone/>
+              <a:defRPr sz="2000">
+                <a:solidFill>
+                  <a:schemeClr val="bg2">
+                    <a:lumMod val="75000"/>
+                  </a:schemeClr>
+                </a:solidFill>
+              </a:defRPr>
+            </a:lvl1pPr>
+            <a:lvl2pPr marL="457200" indent="0">
+              <a:buNone/>
+              <a:defRPr sz="1800">
+                <a:solidFill>
+                  <a:schemeClr val="tx1">
+                    <a:tint val="75000"/>
+                  </a:schemeClr>
+                </a:solidFill>
+              </a:defRPr>
+            </a:lvl2pPr>
+            <a:lvl3pPr marL="914400" indent="0">
+              <a:buNone/>
+              <a:defRPr sz="1600">
+                <a:solidFill>
+                  <a:schemeClr val="tx1">
+                    <a:tint val="75000"/>
+                  </a:schemeClr>
+                </a:solidFill>
+              </a:defRPr>
+            </a:lvl3pPr>
+            <a:lvl4pPr marL="1371600" indent="0">
+              <a:buNone/>
+              <a:defRPr sz="1400">
+                <a:solidFill>
+                  <a:schemeClr val="tx1">
+                    <a:tint val="75000"/>
+                  </a:schemeClr>
+                </a:solidFill>
+              </a:defRPr>
+            </a:lvl4pPr>
+            <a:lvl5pPr marL="1828800" indent="0">
+              <a:buNone/>
+              <a:defRPr sz="1400">
+                <a:solidFill>
+                  <a:schemeClr val="tx1">
+                    <a:tint val="75000"/>
+                  </a:schemeClr>
+                </a:solidFill>
+              </a:defRPr>
+            </a:lvl5pPr>
+            <a:lvl6pPr marL="2286000" indent="0">
+              <a:buNone/>
+              <a:defRPr sz="1400">
+                <a:solidFill>
+                  <a:schemeClr val="tx1">
+                    <a:tint val="75000"/>
+                  </a:schemeClr>
+                </a:solidFill>
+              </a:defRPr>
+            </a:lvl6pPr>
+            <a:lvl7pPr marL="2743200" indent="0">
+              <a:buNone/>
+              <a:defRPr sz="1400">
+                <a:solidFill>
+                  <a:schemeClr val="tx1">
+                    <a:tint val="75000"/>
+                  </a:schemeClr>
+                </a:solidFill>
+              </a:defRPr>
+            </a:lvl7pPr>
+            <a:lvl8pPr marL="3200400" indent="0">
+              <a:buNone/>
+              <a:defRPr sz="1400">
+                <a:solidFill>
+                  <a:schemeClr val="tx1">
+                    <a:tint val="75000"/>
+                  </a:schemeClr>
+                </a:solidFill>
+              </a:defRPr>
+            </a:lvl8pPr>
+            <a:lvl9pPr marL="3657600" indent="0">
+              <a:buNone/>
+              <a:defRPr sz="1400">
+                <a:solidFill>
+                  <a:schemeClr val="tx1">
+                    <a:tint val="75000"/>
+                  </a:schemeClr>
+                </a:solidFill>
+              </a:defRPr>
+            </a:lvl9pPr>
+          </a:lstStyle>
+          <a:p>
+            <a:pPr lvl="0"/>
+            <a:r>
+              <a:rPr lang="en-US"/>
+              <a:t>Click to edit Master text styles</a:t>
+            </a:r>
+          </a:p>
+        </p:txBody>
+      </p:sp>
+      <p:sp>
+        <p:nvSpPr>
+          <p:cNvPr id="4" name="Date Placeholder 3"/>
+          <p:cNvSpPr>
+            <a:spLocks noGrp="1"/>
+          </p:cNvSpPr>
+          <p:nvPr>
+            <p:ph type="dt" sz="half" idx="10"/>
+          </p:nvPr>
+        </p:nvSpPr>
+        <p:spPr/>
+        <p:txBody>
+          <a:bodyPr/>
+          <a:lstStyle/>
+          <a:p>
+            <a:fld id="{ED305653-79B2-4B67-A041-B7A7EF8868A0}" type="datetimeFigureOut">
+              <a:rPr lang="en-GB" smtClean="0"/>
+              <a:t>23/12/2022</a:t>
+            </a:fld>
+            <a:endParaRPr lang="en-GB"/>
+          </a:p>
+        </p:txBody>
+      </p:sp>
+      <p:sp>
+        <p:nvSpPr>
+          <p:cNvPr id="5" name="Footer Placeholder 4"/>
+          <p:cNvSpPr>
+            <a:spLocks noGrp="1"/>
+          </p:cNvSpPr>
+          <p:nvPr>
+            <p:ph type="ftr" sz="quarter" idx="11"/>
+          </p:nvPr>
+        </p:nvSpPr>
+        <p:spPr/>
+        <p:txBody>
+          <a:bodyPr/>
+          <a:lstStyle/>
+          <a:p>
+            <a:endParaRPr lang="en-GB"/>
+          </a:p>
+        </p:txBody>
+      </p:sp>
+      <p:sp>
+        <p:nvSpPr>
+          <p:cNvPr id="6" name="Slide Number Placeholder 5"/>
+          <p:cNvSpPr>
+            <a:spLocks noGrp="1"/>
+          </p:cNvSpPr>
+          <p:nvPr>
+            <p:ph type="sldNum" sz="quarter" idx="12"/>
+          </p:nvPr>
+        </p:nvSpPr>
+        <p:spPr/>
+        <p:txBody>
+          <a:bodyPr/>
+          <a:lstStyle/>
+          <a:p>
+            <a:fld id="{8A27AA49-B89A-47F9-AA12-2EC490EC621D}" type="slidenum">
+              <a:rPr lang="en-GB" smtClean="0"/>
+              <a:t>‹#›</a:t>
+            </a:fld>
+            <a:endParaRPr lang="en-GB"/>
+          </a:p>
+        </p:txBody>
+      </p:sp>
+      <p:sp>
+        <p:nvSpPr>
+          <p:cNvPr id="14" name="TextBox 13"/>
+          <p:cNvSpPr txBox="1"/>
+          <p:nvPr/>
+        </p:nvSpPr>
+        <p:spPr>
+          <a:xfrm>
+            <a:off x="531812" y="812222"/>
+            <a:ext cx="609600" cy="584776"/>
+          </a:xfrm>
+          <a:prstGeom prst="rect">
+            <a:avLst/>
+          </a:prstGeom>
+        </p:spPr>
+        <p:txBody>
+          <a:bodyPr vert="horz" lIns="91440" tIns="45720" rIns="91440" bIns="45720" rtlCol="0" anchor="ctr">
+            <a:noAutofit/>
+          </a:bodyPr>
+          <a:lstStyle/>
+          <a:p>
+            <a:pPr lvl="0"/>
+            <a:r>
+              <a:rPr lang="en-US" sz="8000" dirty="0">
+                <a:solidFill>
+                  <a:schemeClr val="tx1"/>
+                </a:solidFill>
+                <a:effectLst/>
+              </a:rPr>
+              <a:t>“</a:t>
+            </a:r>
+          </a:p>
+        </p:txBody>
+      </p:sp>
+      <p:sp>
+        <p:nvSpPr>
+          <p:cNvPr id="15" name="TextBox 14"/>
+          <p:cNvSpPr txBox="1"/>
+          <p:nvPr/>
+        </p:nvSpPr>
+        <p:spPr>
+          <a:xfrm>
+            <a:off x="10285412" y="2768601"/>
+            <a:ext cx="609600" cy="584776"/>
+          </a:xfrm>
+          <a:prstGeom prst="rect">
+            <a:avLst/>
+          </a:prstGeom>
+        </p:spPr>
+        <p:txBody>
+          <a:bodyPr vert="horz" lIns="91440" tIns="45720" rIns="91440" bIns="45720" rtlCol="0" anchor="ctr">
+            <a:noAutofit/>
+          </a:bodyPr>
+          <a:lstStyle/>
+          <a:p>
+            <a:pPr lvl="0" algn="r"/>
+            <a:r>
+              <a:rPr lang="en-US" sz="8000" dirty="0">
+                <a:solidFill>
+                  <a:schemeClr val="tx1"/>
+                </a:solidFill>
+                <a:effectLst/>
+              </a:rPr>
+              <a:t>”</a:t>
+            </a:r>
+          </a:p>
+        </p:txBody>
+      </p:sp>
+    </p:spTree>
+    <p:extLst>
+      <p:ext uri="{BB962C8B-B14F-4D97-AF65-F5344CB8AC3E}">
+        <p14:creationId xmlns:p14="http://schemas.microsoft.com/office/powerpoint/2010/main" val="963633931"/>
+      </p:ext>
+    </p:extLst>
+  </p:cSld>
+  <p:clrMapOvr>
+    <a:masterClrMapping/>
+  </p:clrMapOvr>
+</p:sldLayout>
+</file>
+
+<file path=ppt/slideLayouts/slideLayout13.xml><?xml version="1.0" encoding="utf-8"?>
+<p:sldLayout xmlns:a="http://schemas.openxmlformats.org/drawingml/2006/main" xmlns:r="http://schemas.openxmlformats.org/officeDocument/2006/relationships" xmlns:p="http://schemas.openxmlformats.org/presentationml/2006/main" preserve="1">
+  <p:cSld name="Name Card">
+    <p:spTree>
+      <p:nvGrpSpPr>
+        <p:cNvPr id="1" name=""/>
+        <p:cNvGrpSpPr/>
+        <p:nvPr/>
+      </p:nvGrpSpPr>
+      <p:grpSpPr>
+        <a:xfrm>
+          <a:off x="0" y="0"/>
+          <a:ext cx="0" cy="0"/>
+          <a:chOff x="0" y="0"/>
+          <a:chExt cx="0" cy="0"/>
+        </a:xfrm>
+      </p:grpSpPr>
+      <p:sp>
+        <p:nvSpPr>
+          <p:cNvPr id="2" name="Title 1"/>
+          <p:cNvSpPr>
+            <a:spLocks noGrp="1"/>
+          </p:cNvSpPr>
+          <p:nvPr>
+            <p:ph type="title"/>
+          </p:nvPr>
+        </p:nvSpPr>
+        <p:spPr>
+          <a:xfrm>
+            <a:off x="684212" y="3429000"/>
+            <a:ext cx="8534400" cy="1697400"/>
+          </a:xfrm>
+        </p:spPr>
+        <p:txBody>
+          <a:bodyPr anchor="b">
+            <a:normAutofit/>
+          </a:bodyPr>
+          <a:lstStyle>
+            <a:lvl1pPr algn="l">
+              <a:defRPr sz="3200" b="0" cap="all"/>
+            </a:lvl1pPr>
+          </a:lstStyle>
+          <a:p>
+            <a:r>
+              <a:rPr lang="en-US"/>
+              <a:t>Click to edit Master title style</a:t>
+            </a:r>
+            <a:endParaRPr lang="en-US" dirty="0"/>
+          </a:p>
+        </p:txBody>
+      </p:sp>
+      <p:sp>
+        <p:nvSpPr>
+          <p:cNvPr id="3" name="Text Placeholder 2"/>
+          <p:cNvSpPr>
+            <a:spLocks noGrp="1"/>
+          </p:cNvSpPr>
+          <p:nvPr>
+            <p:ph type="body" idx="1"/>
+          </p:nvPr>
+        </p:nvSpPr>
+        <p:spPr>
+          <a:xfrm>
+            <a:off x="684211" y="5132981"/>
+            <a:ext cx="8535990" cy="860400"/>
+          </a:xfrm>
+        </p:spPr>
+        <p:txBody>
+          <a:bodyPr anchor="t">
+            <a:normAutofit/>
+          </a:bodyPr>
+          <a:lstStyle>
+            <a:lvl1pPr marL="0" indent="0" algn="l">
+              <a:buNone/>
+              <a:defRPr sz="2000">
+                <a:solidFill>
+                  <a:schemeClr val="bg2">
+                    <a:lumMod val="75000"/>
+                  </a:schemeClr>
+                </a:solidFill>
+              </a:defRPr>
+            </a:lvl1pPr>
+            <a:lvl2pPr marL="457200" indent="0">
+              <a:buNone/>
+              <a:defRPr sz="1800">
+                <a:solidFill>
+                  <a:schemeClr val="tx1">
+                    <a:tint val="75000"/>
+                  </a:schemeClr>
+                </a:solidFill>
+              </a:defRPr>
+            </a:lvl2pPr>
+            <a:lvl3pPr marL="914400" indent="0">
+              <a:buNone/>
+              <a:defRPr sz="1600">
+                <a:solidFill>
+                  <a:schemeClr val="tx1">
+                    <a:tint val="75000"/>
+                  </a:schemeClr>
+                </a:solidFill>
+              </a:defRPr>
+            </a:lvl3pPr>
+            <a:lvl4pPr marL="1371600" indent="0">
+              <a:buNone/>
+              <a:defRPr sz="1400">
+                <a:solidFill>
+                  <a:schemeClr val="tx1">
+                    <a:tint val="75000"/>
+                  </a:schemeClr>
+                </a:solidFill>
+              </a:defRPr>
+            </a:lvl4pPr>
+            <a:lvl5pPr marL="1828800" indent="0">
+              <a:buNone/>
+              <a:defRPr sz="1400">
+                <a:solidFill>
+                  <a:schemeClr val="tx1">
+                    <a:tint val="75000"/>
+                  </a:schemeClr>
+                </a:solidFill>
+              </a:defRPr>
+            </a:lvl5pPr>
+            <a:lvl6pPr marL="2286000" indent="0">
+              <a:buNone/>
+              <a:defRPr sz="1400">
+                <a:solidFill>
+                  <a:schemeClr val="tx1">
+                    <a:tint val="75000"/>
+                  </a:schemeClr>
+                </a:solidFill>
+              </a:defRPr>
+            </a:lvl6pPr>
+            <a:lvl7pPr marL="2743200" indent="0">
+              <a:buNone/>
+              <a:defRPr sz="1400">
+                <a:solidFill>
+                  <a:schemeClr val="tx1">
+                    <a:tint val="75000"/>
+                  </a:schemeClr>
+                </a:solidFill>
+              </a:defRPr>
+            </a:lvl7pPr>
+            <a:lvl8pPr marL="3200400" indent="0">
+              <a:buNone/>
+              <a:defRPr sz="1400">
+                <a:solidFill>
+                  <a:schemeClr val="tx1">
+                    <a:tint val="75000"/>
+                  </a:schemeClr>
+                </a:solidFill>
+              </a:defRPr>
+            </a:lvl8pPr>
+            <a:lvl9pPr marL="3657600" indent="0">
+              <a:buNone/>
+              <a:defRPr sz="1400">
+                <a:solidFill>
+                  <a:schemeClr val="tx1">
+                    <a:tint val="75000"/>
+                  </a:schemeClr>
+                </a:solidFill>
+              </a:defRPr>
+            </a:lvl9pPr>
+          </a:lstStyle>
+          <a:p>
+            <a:pPr lvl="0"/>
+            <a:r>
+              <a:rPr lang="en-US"/>
+              <a:t>Click to edit Master text styles</a:t>
+            </a:r>
+          </a:p>
+        </p:txBody>
+      </p:sp>
+      <p:sp>
+        <p:nvSpPr>
+          <p:cNvPr id="4" name="Date Placeholder 3"/>
+          <p:cNvSpPr>
+            <a:spLocks noGrp="1"/>
+          </p:cNvSpPr>
+          <p:nvPr>
+            <p:ph type="dt" sz="half" idx="10"/>
+          </p:nvPr>
+        </p:nvSpPr>
+        <p:spPr/>
+        <p:txBody>
+          <a:bodyPr/>
+          <a:lstStyle/>
+          <a:p>
+            <a:fld id="{ED305653-79B2-4B67-A041-B7A7EF8868A0}" type="datetimeFigureOut">
+              <a:rPr lang="en-GB" smtClean="0"/>
+              <a:t>23/12/2022</a:t>
+            </a:fld>
+            <a:endParaRPr lang="en-GB"/>
+          </a:p>
+        </p:txBody>
+      </p:sp>
+      <p:sp>
+        <p:nvSpPr>
+          <p:cNvPr id="5" name="Footer Placeholder 4"/>
+          <p:cNvSpPr>
+            <a:spLocks noGrp="1"/>
+          </p:cNvSpPr>
+          <p:nvPr>
+            <p:ph type="ftr" sz="quarter" idx="11"/>
+          </p:nvPr>
+        </p:nvSpPr>
+        <p:spPr/>
+        <p:txBody>
+          <a:bodyPr/>
+          <a:lstStyle/>
+          <a:p>
+            <a:endParaRPr lang="en-GB"/>
+          </a:p>
+        </p:txBody>
+      </p:sp>
+      <p:sp>
+        <p:nvSpPr>
+          <p:cNvPr id="6" name="Slide Number Placeholder 5"/>
+          <p:cNvSpPr>
+            <a:spLocks noGrp="1"/>
+          </p:cNvSpPr>
+          <p:nvPr>
+            <p:ph type="sldNum" sz="quarter" idx="12"/>
+          </p:nvPr>
+        </p:nvSpPr>
+        <p:spPr/>
+        <p:txBody>
+          <a:bodyPr/>
+          <a:lstStyle/>
+          <a:p>
+            <a:fld id="{8A27AA49-B89A-47F9-AA12-2EC490EC621D}" type="slidenum">
+              <a:rPr lang="en-GB" smtClean="0"/>
+              <a:t>‹#›</a:t>
+            </a:fld>
+            <a:endParaRPr lang="en-GB"/>
+          </a:p>
+        </p:txBody>
+      </p:sp>
+    </p:spTree>
+    <p:extLst>
+      <p:ext uri="{BB962C8B-B14F-4D97-AF65-F5344CB8AC3E}">
+        <p14:creationId xmlns:p14="http://schemas.microsoft.com/office/powerpoint/2010/main" val="3073924679"/>
+      </p:ext>
+    </p:extLst>
+  </p:cSld>
+  <p:clrMapOvr>
+    <a:masterClrMapping/>
+  </p:clrMapOvr>
+</p:sldLayout>
+</file>
+
+<file path=ppt/slideLayouts/slideLayout14.xml><?xml version="1.0" encoding="utf-8"?>
+<p:sldLayout xmlns:a="http://schemas.openxmlformats.org/drawingml/2006/main" xmlns:r="http://schemas.openxmlformats.org/officeDocument/2006/relationships" xmlns:p="http://schemas.openxmlformats.org/presentationml/2006/main" preserve="1">
+  <p:cSld name="Quote Name Card">
+    <p:spTree>
+      <p:nvGrpSpPr>
+        <p:cNvPr id="1" name=""/>
+        <p:cNvGrpSpPr/>
+        <p:nvPr/>
+      </p:nvGrpSpPr>
+      <p:grpSpPr>
+        <a:xfrm>
+          <a:off x="0" y="0"/>
+          <a:ext cx="0" cy="0"/>
+          <a:chOff x="0" y="0"/>
+          <a:chExt cx="0" cy="0"/>
+        </a:xfrm>
+      </p:grpSpPr>
+      <p:sp>
+        <p:nvSpPr>
+          <p:cNvPr id="2" name="Title 1"/>
+          <p:cNvSpPr>
+            <a:spLocks noGrp="1"/>
+          </p:cNvSpPr>
+          <p:nvPr>
+            <p:ph type="title"/>
+          </p:nvPr>
+        </p:nvSpPr>
+        <p:spPr>
+          <a:xfrm>
+            <a:off x="1141413" y="685800"/>
+            <a:ext cx="9144000" cy="2743200"/>
+          </a:xfrm>
+        </p:spPr>
+        <p:txBody>
+          <a:bodyPr anchor="ctr">
+            <a:normAutofit/>
+          </a:bodyPr>
+          <a:lstStyle>
+            <a:lvl1pPr algn="l">
+              <a:defRPr sz="3200" b="0" cap="all">
+                <a:solidFill>
+                  <a:schemeClr val="tx1"/>
+                </a:solidFill>
+              </a:defRPr>
+            </a:lvl1pPr>
+          </a:lstStyle>
+          <a:p>
+            <a:r>
+              <a:rPr lang="en-US"/>
+              <a:t>Click to edit Master title style</a:t>
+            </a:r>
+            <a:endParaRPr lang="en-US" dirty="0"/>
+          </a:p>
+        </p:txBody>
+      </p:sp>
+      <p:sp>
+        <p:nvSpPr>
+          <p:cNvPr id="10" name="Text Placeholder 9"/>
+          <p:cNvSpPr>
+            <a:spLocks noGrp="1"/>
+          </p:cNvSpPr>
+          <p:nvPr>
+            <p:ph type="body" sz="quarter" idx="13"/>
+          </p:nvPr>
+        </p:nvSpPr>
+        <p:spPr>
+          <a:xfrm>
+            <a:off x="684212" y="3928534"/>
+            <a:ext cx="8534401" cy="1049866"/>
+          </a:xfrm>
+        </p:spPr>
+        <p:txBody>
+          <a:bodyPr vert="horz" lIns="91440" tIns="45720" rIns="91440" bIns="45720" rtlCol="0" anchor="b">
+            <a:normAutofit/>
+          </a:bodyPr>
+          <a:lstStyle>
+            <a:lvl1pPr>
+              <a:buNone/>
+              <a:defRPr lang="en-US" sz="2400" b="0" cap="all" dirty="0">
+                <a:ln w="3175" cmpd="sng">
+                  <a:noFill/>
+                </a:ln>
+                <a:solidFill>
+                  <a:schemeClr val="tx1"/>
+                </a:solidFill>
+                <a:effectLst/>
+              </a:defRPr>
+            </a:lvl1pPr>
+          </a:lstStyle>
+          <a:p>
+            <a:pPr marL="0" lvl="0">
+              <a:spcBef>
+                <a:spcPct val="0"/>
+              </a:spcBef>
+              <a:buNone/>
+            </a:pPr>
+            <a:r>
+              <a:rPr lang="en-US"/>
+              <a:t>Click to edit Master text styles</a:t>
+            </a:r>
+          </a:p>
+        </p:txBody>
+      </p:sp>
+      <p:sp>
+        <p:nvSpPr>
+          <p:cNvPr id="3" name="Text Placeholder 2"/>
+          <p:cNvSpPr>
+            <a:spLocks noGrp="1"/>
+          </p:cNvSpPr>
+          <p:nvPr>
+            <p:ph type="body" idx="1"/>
+          </p:nvPr>
+        </p:nvSpPr>
+        <p:spPr>
+          <a:xfrm>
+            <a:off x="684211" y="4978400"/>
+            <a:ext cx="8534401" cy="1016000"/>
+          </a:xfrm>
+        </p:spPr>
+        <p:txBody>
+          <a:bodyPr anchor="t">
+            <a:normAutofit/>
+          </a:bodyPr>
+          <a:lstStyle>
+            <a:lvl1pPr marL="0" indent="0" algn="l">
+              <a:buNone/>
+              <a:defRPr sz="1800">
+                <a:solidFill>
+                  <a:schemeClr val="bg2">
+                    <a:lumMod val="75000"/>
+                  </a:schemeClr>
+                </a:solidFill>
+              </a:defRPr>
+            </a:lvl1pPr>
+            <a:lvl2pPr marL="457200" indent="0">
+              <a:buNone/>
+              <a:defRPr sz="1800">
+                <a:solidFill>
+                  <a:schemeClr val="tx1">
+                    <a:tint val="75000"/>
+                  </a:schemeClr>
+                </a:solidFill>
+              </a:defRPr>
+            </a:lvl2pPr>
+            <a:lvl3pPr marL="914400" indent="0">
+              <a:buNone/>
+              <a:defRPr sz="1600">
+                <a:solidFill>
+                  <a:schemeClr val="tx1">
+                    <a:tint val="75000"/>
+                  </a:schemeClr>
+                </a:solidFill>
+              </a:defRPr>
+            </a:lvl3pPr>
+            <a:lvl4pPr marL="1371600" indent="0">
+              <a:buNone/>
+              <a:defRPr sz="1400">
+                <a:solidFill>
+                  <a:schemeClr val="tx1">
+                    <a:tint val="75000"/>
+                  </a:schemeClr>
+                </a:solidFill>
+              </a:defRPr>
+            </a:lvl4pPr>
+            <a:lvl5pPr marL="1828800" indent="0">
+              <a:buNone/>
+              <a:defRPr sz="1400">
+                <a:solidFill>
+                  <a:schemeClr val="tx1">
+                    <a:tint val="75000"/>
+                  </a:schemeClr>
+                </a:solidFill>
+              </a:defRPr>
+            </a:lvl5pPr>
+            <a:lvl6pPr marL="2286000" indent="0">
+              <a:buNone/>
+              <a:defRPr sz="1400">
+                <a:solidFill>
+                  <a:schemeClr val="tx1">
+                    <a:tint val="75000"/>
+                  </a:schemeClr>
+                </a:solidFill>
+              </a:defRPr>
+            </a:lvl6pPr>
+            <a:lvl7pPr marL="2743200" indent="0">
+              <a:buNone/>
+              <a:defRPr sz="1400">
+                <a:solidFill>
+                  <a:schemeClr val="tx1">
+                    <a:tint val="75000"/>
+                  </a:schemeClr>
+                </a:solidFill>
+              </a:defRPr>
+            </a:lvl7pPr>
+            <a:lvl8pPr marL="3200400" indent="0">
+              <a:buNone/>
+              <a:defRPr sz="1400">
+                <a:solidFill>
+                  <a:schemeClr val="tx1">
+                    <a:tint val="75000"/>
+                  </a:schemeClr>
+                </a:solidFill>
+              </a:defRPr>
+            </a:lvl8pPr>
+            <a:lvl9pPr marL="3657600" indent="0">
+              <a:buNone/>
+              <a:defRPr sz="1400">
+                <a:solidFill>
+                  <a:schemeClr val="tx1">
+                    <a:tint val="75000"/>
+                  </a:schemeClr>
+                </a:solidFill>
+              </a:defRPr>
+            </a:lvl9pPr>
+          </a:lstStyle>
+          <a:p>
+            <a:pPr lvl="0"/>
+            <a:r>
+              <a:rPr lang="en-US"/>
+              <a:t>Click to edit Master text styles</a:t>
+            </a:r>
+          </a:p>
+        </p:txBody>
+      </p:sp>
+      <p:sp>
+        <p:nvSpPr>
+          <p:cNvPr id="4" name="Date Placeholder 3"/>
+          <p:cNvSpPr>
+            <a:spLocks noGrp="1"/>
+          </p:cNvSpPr>
+          <p:nvPr>
+            <p:ph type="dt" sz="half" idx="10"/>
+          </p:nvPr>
+        </p:nvSpPr>
+        <p:spPr/>
+        <p:txBody>
+          <a:bodyPr/>
+          <a:lstStyle/>
+          <a:p>
+            <a:fld id="{ED305653-79B2-4B67-A041-B7A7EF8868A0}" type="datetimeFigureOut">
+              <a:rPr lang="en-GB" smtClean="0"/>
+              <a:t>23/12/2022</a:t>
+            </a:fld>
+            <a:endParaRPr lang="en-GB"/>
+          </a:p>
+        </p:txBody>
+      </p:sp>
+      <p:sp>
+        <p:nvSpPr>
+          <p:cNvPr id="5" name="Footer Placeholder 4"/>
+          <p:cNvSpPr>
+            <a:spLocks noGrp="1"/>
+          </p:cNvSpPr>
+          <p:nvPr>
+            <p:ph type="ftr" sz="quarter" idx="11"/>
+          </p:nvPr>
+        </p:nvSpPr>
+        <p:spPr/>
+        <p:txBody>
+          <a:bodyPr/>
+          <a:lstStyle/>
+          <a:p>
+            <a:endParaRPr lang="en-GB"/>
+          </a:p>
+        </p:txBody>
+      </p:sp>
+      <p:sp>
+        <p:nvSpPr>
+          <p:cNvPr id="6" name="Slide Number Placeholder 5"/>
+          <p:cNvSpPr>
+            <a:spLocks noGrp="1"/>
+          </p:cNvSpPr>
+          <p:nvPr>
+            <p:ph type="sldNum" sz="quarter" idx="12"/>
+          </p:nvPr>
+        </p:nvSpPr>
+        <p:spPr/>
+        <p:txBody>
+          <a:bodyPr/>
+          <a:lstStyle/>
+          <a:p>
+            <a:fld id="{8A27AA49-B89A-47F9-AA12-2EC490EC621D}" type="slidenum">
+              <a:rPr lang="en-GB" smtClean="0"/>
+              <a:t>‹#›</a:t>
+            </a:fld>
+            <a:endParaRPr lang="en-GB"/>
+          </a:p>
+        </p:txBody>
+      </p:sp>
+      <p:sp>
+        <p:nvSpPr>
+          <p:cNvPr id="11" name="TextBox 10"/>
+          <p:cNvSpPr txBox="1"/>
+          <p:nvPr/>
+        </p:nvSpPr>
+        <p:spPr>
+          <a:xfrm>
+            <a:off x="531812" y="812222"/>
+            <a:ext cx="609600" cy="584776"/>
+          </a:xfrm>
+          <a:prstGeom prst="rect">
+            <a:avLst/>
+          </a:prstGeom>
+        </p:spPr>
+        <p:txBody>
+          <a:bodyPr vert="horz" lIns="91440" tIns="45720" rIns="91440" bIns="45720" rtlCol="0" anchor="ctr">
+            <a:noAutofit/>
+          </a:bodyPr>
+          <a:lstStyle/>
+          <a:p>
+            <a:pPr lvl="0"/>
+            <a:r>
+              <a:rPr lang="en-US" sz="8000" dirty="0">
+                <a:solidFill>
+                  <a:schemeClr val="tx1"/>
+                </a:solidFill>
+                <a:effectLst/>
+              </a:rPr>
+              <a:t>“</a:t>
+            </a:r>
+          </a:p>
+        </p:txBody>
+      </p:sp>
+      <p:sp>
+        <p:nvSpPr>
+          <p:cNvPr id="12" name="TextBox 11"/>
+          <p:cNvSpPr txBox="1"/>
+          <p:nvPr/>
+        </p:nvSpPr>
+        <p:spPr>
+          <a:xfrm>
+            <a:off x="10285412" y="2768601"/>
+            <a:ext cx="609600" cy="584776"/>
+          </a:xfrm>
+          <a:prstGeom prst="rect">
+            <a:avLst/>
+          </a:prstGeom>
+        </p:spPr>
+        <p:txBody>
+          <a:bodyPr vert="horz" lIns="91440" tIns="45720" rIns="91440" bIns="45720" rtlCol="0" anchor="ctr">
+            <a:noAutofit/>
+          </a:bodyPr>
+          <a:lstStyle/>
+          <a:p>
+            <a:pPr lvl="0" algn="r"/>
+            <a:r>
+              <a:rPr lang="en-US" sz="8000" dirty="0">
+                <a:solidFill>
+                  <a:schemeClr val="tx1"/>
+                </a:solidFill>
+                <a:effectLst/>
+              </a:rPr>
+              <a:t>”</a:t>
+            </a:r>
+          </a:p>
+        </p:txBody>
+      </p:sp>
+    </p:spTree>
+    <p:extLst>
+      <p:ext uri="{BB962C8B-B14F-4D97-AF65-F5344CB8AC3E}">
+        <p14:creationId xmlns:p14="http://schemas.microsoft.com/office/powerpoint/2010/main" val="1238766348"/>
+      </p:ext>
+    </p:extLst>
+  </p:cSld>
+  <p:clrMapOvr>
+    <a:masterClrMapping/>
+  </p:clrMapOvr>
+</p:sldLayout>
+</file>
+
+<file path=ppt/slideLayouts/slideLayout15.xml><?xml version="1.0" encoding="utf-8"?>
+<p:sldLayout xmlns:a="http://schemas.openxmlformats.org/drawingml/2006/main" xmlns:r="http://schemas.openxmlformats.org/officeDocument/2006/relationships" xmlns:p="http://schemas.openxmlformats.org/presentationml/2006/main" preserve="1">
+  <p:cSld name="True or False">
+    <p:spTree>
+      <p:nvGrpSpPr>
+        <p:cNvPr id="1" name=""/>
+        <p:cNvGrpSpPr/>
+        <p:nvPr/>
+      </p:nvGrpSpPr>
+      <p:grpSpPr>
+        <a:xfrm>
+          <a:off x="0" y="0"/>
+          <a:ext cx="0" cy="0"/>
+          <a:chOff x="0" y="0"/>
+          <a:chExt cx="0" cy="0"/>
+        </a:xfrm>
+      </p:grpSpPr>
+      <p:sp>
+        <p:nvSpPr>
+          <p:cNvPr id="2" name="Title 1"/>
+          <p:cNvSpPr>
+            <a:spLocks noGrp="1"/>
+          </p:cNvSpPr>
+          <p:nvPr>
+            <p:ph type="title"/>
+          </p:nvPr>
+        </p:nvSpPr>
+        <p:spPr>
+          <a:xfrm>
+            <a:off x="684213" y="685800"/>
+            <a:ext cx="10058400" cy="2743200"/>
+          </a:xfrm>
+        </p:spPr>
+        <p:txBody>
+          <a:bodyPr vert="horz" lIns="91440" tIns="45720" rIns="91440" bIns="45720" rtlCol="0" anchor="ctr">
+            <a:normAutofit/>
+          </a:bodyPr>
+          <a:lstStyle>
+            <a:lvl1pPr>
+              <a:defRPr lang="en-US" b="0" dirty="0"/>
+            </a:lvl1pPr>
+          </a:lstStyle>
+          <a:p>
+            <a:pPr marL="0" lvl="0"/>
+            <a:r>
+              <a:rPr lang="en-US"/>
+              <a:t>Click to edit Master title style</a:t>
+            </a:r>
+            <a:endParaRPr lang="en-US" dirty="0"/>
+          </a:p>
+        </p:txBody>
+      </p:sp>
+      <p:sp>
+        <p:nvSpPr>
+          <p:cNvPr id="10" name="Text Placeholder 9"/>
+          <p:cNvSpPr>
+            <a:spLocks noGrp="1"/>
+          </p:cNvSpPr>
+          <p:nvPr>
+            <p:ph type="body" sz="quarter" idx="13"/>
+          </p:nvPr>
+        </p:nvSpPr>
+        <p:spPr>
+          <a:xfrm>
+            <a:off x="684212" y="3928534"/>
+            <a:ext cx="8534400" cy="838200"/>
+          </a:xfrm>
+        </p:spPr>
+        <p:txBody>
+          <a:bodyPr vert="horz" lIns="91440" tIns="45720" rIns="91440" bIns="45720" rtlCol="0" anchor="b">
+            <a:normAutofit/>
+          </a:bodyPr>
+          <a:lstStyle>
+            <a:lvl1pPr>
+              <a:buNone/>
+              <a:defRPr lang="en-US" sz="2400" b="0" cap="all" dirty="0">
+                <a:ln w="3175" cmpd="sng">
+                  <a:noFill/>
+                </a:ln>
+                <a:solidFill>
+                  <a:schemeClr val="tx1"/>
+                </a:solidFill>
+                <a:effectLst/>
+              </a:defRPr>
+            </a:lvl1pPr>
+          </a:lstStyle>
+          <a:p>
+            <a:pPr marL="0" lvl="0">
+              <a:spcBef>
+                <a:spcPct val="0"/>
+              </a:spcBef>
+              <a:buNone/>
+            </a:pPr>
+            <a:r>
+              <a:rPr lang="en-US"/>
+              <a:t>Click to edit Master text styles</a:t>
+            </a:r>
+          </a:p>
+        </p:txBody>
+      </p:sp>
+      <p:sp>
+        <p:nvSpPr>
+          <p:cNvPr id="3" name="Text Placeholder 2"/>
+          <p:cNvSpPr>
+            <a:spLocks noGrp="1"/>
+          </p:cNvSpPr>
+          <p:nvPr>
+            <p:ph type="body" idx="1"/>
+          </p:nvPr>
+        </p:nvSpPr>
+        <p:spPr>
+          <a:xfrm>
+            <a:off x="684211" y="4766732"/>
+            <a:ext cx="8534401" cy="1227667"/>
+          </a:xfrm>
+        </p:spPr>
+        <p:txBody>
+          <a:bodyPr anchor="t">
+            <a:normAutofit/>
+          </a:bodyPr>
+          <a:lstStyle>
+            <a:lvl1pPr marL="0" indent="0" algn="l">
+              <a:buNone/>
+              <a:defRPr sz="1800">
+                <a:solidFill>
+                  <a:schemeClr val="bg2">
+                    <a:lumMod val="75000"/>
+                  </a:schemeClr>
+                </a:solidFill>
+              </a:defRPr>
+            </a:lvl1pPr>
+            <a:lvl2pPr marL="457200" indent="0">
+              <a:buNone/>
+              <a:defRPr sz="1800">
+                <a:solidFill>
+                  <a:schemeClr val="tx1">
+                    <a:tint val="75000"/>
+                  </a:schemeClr>
+                </a:solidFill>
+              </a:defRPr>
+            </a:lvl2pPr>
+            <a:lvl3pPr marL="914400" indent="0">
+              <a:buNone/>
+              <a:defRPr sz="1600">
+                <a:solidFill>
+                  <a:schemeClr val="tx1">
+                    <a:tint val="75000"/>
+                  </a:schemeClr>
+                </a:solidFill>
+              </a:defRPr>
+            </a:lvl3pPr>
+            <a:lvl4pPr marL="1371600" indent="0">
+              <a:buNone/>
+              <a:defRPr sz="1400">
+                <a:solidFill>
+                  <a:schemeClr val="tx1">
+                    <a:tint val="75000"/>
+                  </a:schemeClr>
+                </a:solidFill>
+              </a:defRPr>
+            </a:lvl4pPr>
+            <a:lvl5pPr marL="1828800" indent="0">
+              <a:buNone/>
+              <a:defRPr sz="1400">
+                <a:solidFill>
+                  <a:schemeClr val="tx1">
+                    <a:tint val="75000"/>
+                  </a:schemeClr>
+                </a:solidFill>
+              </a:defRPr>
+            </a:lvl5pPr>
+            <a:lvl6pPr marL="2286000" indent="0">
+              <a:buNone/>
+              <a:defRPr sz="1400">
+                <a:solidFill>
+                  <a:schemeClr val="tx1">
+                    <a:tint val="75000"/>
+                  </a:schemeClr>
+                </a:solidFill>
+              </a:defRPr>
+            </a:lvl6pPr>
+            <a:lvl7pPr marL="2743200" indent="0">
+              <a:buNone/>
+              <a:defRPr sz="1400">
+                <a:solidFill>
+                  <a:schemeClr val="tx1">
+                    <a:tint val="75000"/>
+                  </a:schemeClr>
+                </a:solidFill>
+              </a:defRPr>
+            </a:lvl7pPr>
+            <a:lvl8pPr marL="3200400" indent="0">
+              <a:buNone/>
+              <a:defRPr sz="1400">
+                <a:solidFill>
+                  <a:schemeClr val="tx1">
+                    <a:tint val="75000"/>
+                  </a:schemeClr>
+                </a:solidFill>
+              </a:defRPr>
+            </a:lvl8pPr>
+            <a:lvl9pPr marL="3657600" indent="0">
+              <a:buNone/>
+              <a:defRPr sz="1400">
+                <a:solidFill>
+                  <a:schemeClr val="tx1">
+                    <a:tint val="75000"/>
+                  </a:schemeClr>
+                </a:solidFill>
+              </a:defRPr>
+            </a:lvl9pPr>
+          </a:lstStyle>
+          <a:p>
+            <a:pPr lvl="0"/>
+            <a:r>
+              <a:rPr lang="en-US"/>
+              <a:t>Click to edit Master text styles</a:t>
+            </a:r>
+          </a:p>
+        </p:txBody>
+      </p:sp>
+      <p:sp>
+        <p:nvSpPr>
+          <p:cNvPr id="4" name="Date Placeholder 3"/>
+          <p:cNvSpPr>
+            <a:spLocks noGrp="1"/>
+          </p:cNvSpPr>
+          <p:nvPr>
+            <p:ph type="dt" sz="half" idx="10"/>
+          </p:nvPr>
+        </p:nvSpPr>
+        <p:spPr/>
+        <p:txBody>
+          <a:bodyPr/>
+          <a:lstStyle/>
+          <a:p>
+            <a:fld id="{ED305653-79B2-4B67-A041-B7A7EF8868A0}" type="datetimeFigureOut">
+              <a:rPr lang="en-GB" smtClean="0"/>
+              <a:t>23/12/2022</a:t>
+            </a:fld>
+            <a:endParaRPr lang="en-GB"/>
+          </a:p>
+        </p:txBody>
+      </p:sp>
+      <p:sp>
+        <p:nvSpPr>
+          <p:cNvPr id="5" name="Footer Placeholder 4"/>
+          <p:cNvSpPr>
+            <a:spLocks noGrp="1"/>
+          </p:cNvSpPr>
+          <p:nvPr>
+            <p:ph type="ftr" sz="quarter" idx="11"/>
+          </p:nvPr>
+        </p:nvSpPr>
+        <p:spPr/>
+        <p:txBody>
+          <a:bodyPr/>
+          <a:lstStyle/>
+          <a:p>
+            <a:endParaRPr lang="en-GB"/>
+          </a:p>
+        </p:txBody>
+      </p:sp>
+      <p:sp>
+        <p:nvSpPr>
+          <p:cNvPr id="6" name="Slide Number Placeholder 5"/>
+          <p:cNvSpPr>
+            <a:spLocks noGrp="1"/>
+          </p:cNvSpPr>
+          <p:nvPr>
+            <p:ph type="sldNum" sz="quarter" idx="12"/>
+          </p:nvPr>
+        </p:nvSpPr>
+        <p:spPr/>
+        <p:txBody>
+          <a:bodyPr/>
+          <a:lstStyle/>
+          <a:p>
+            <a:fld id="{8A27AA49-B89A-47F9-AA12-2EC490EC621D}" type="slidenum">
+              <a:rPr lang="en-GB" smtClean="0"/>
+              <a:t>‹#›</a:t>
+            </a:fld>
+            <a:endParaRPr lang="en-GB"/>
+          </a:p>
+        </p:txBody>
+      </p:sp>
+    </p:spTree>
+    <p:extLst>
+      <p:ext uri="{BB962C8B-B14F-4D97-AF65-F5344CB8AC3E}">
+        <p14:creationId xmlns:p14="http://schemas.microsoft.com/office/powerpoint/2010/main" val="1188205372"/>
+      </p:ext>
+    </p:extLst>
+  </p:cSld>
+  <p:clrMapOvr>
+    <a:masterClrMapping/>
+  </p:clrMapOvr>
+</p:sldLayout>
+</file>
+
+<file path=ppt/slideLayouts/slideLayout16.xml><?xml version="1.0" encoding="utf-8"?>
 <p:sldLayout xmlns:a="http://schemas.openxmlformats.org/drawingml/2006/main" xmlns:r="http://schemas.openxmlformats.org/officeDocument/2006/relationships" xmlns:p="http://schemas.openxmlformats.org/presentationml/2006/main" type="vertTx" preserve="1">
   <p:cSld name="Title and Vertical Text">
     <p:spTree>
@@ -348,13 +2365,7 @@
       </p:grpSpPr>
       <p:sp>
         <p:nvSpPr>
-          <p:cNvPr id="2" name="Title 1">
-            <a:extLst>
-              <a:ext uri="{FF2B5EF4-FFF2-40B4-BE49-F238E27FC236}">
-                <a16:creationId xmlns:a16="http://schemas.microsoft.com/office/drawing/2014/main" id="{501083D8-15AE-EACB-BE5D-78394D88DFB9}"/>
-              </a:ext>
-            </a:extLst>
-          </p:cNvPr>
+          <p:cNvPr id="2" name="Title 1"/>
           <p:cNvSpPr>
             <a:spLocks noGrp="1"/>
           </p:cNvSpPr>
@@ -365,25 +2376,23 @@
         <p:spPr/>
         <p:txBody>
           <a:bodyPr/>
-          <a:lstStyle/>
+          <a:lstStyle>
+            <a:lvl1pPr algn="l">
+              <a:defRPr/>
+            </a:lvl1pPr>
+          </a:lstStyle>
           <a:p>
             <a:r>
               <a:rPr lang="en-US"/>
               <a:t>Click to edit Master title style</a:t>
             </a:r>
-            <a:endParaRPr lang="en-GB"/>
-          </a:p>
-        </p:txBody>
-      </p:sp>
-      <p:sp>
-        <p:nvSpPr>
-          <p:cNvPr id="3" name="Vertical Text Placeholder 2">
-            <a:extLst>
-              <a:ext uri="{FF2B5EF4-FFF2-40B4-BE49-F238E27FC236}">
-                <a16:creationId xmlns:a16="http://schemas.microsoft.com/office/drawing/2014/main" id="{408C69DC-5063-FB25-5568-C184831238F8}"/>
-              </a:ext>
-            </a:extLst>
-          </p:cNvPr>
+            <a:endParaRPr lang="en-US" dirty="0"/>
+          </a:p>
+        </p:txBody>
+      </p:sp>
+      <p:sp>
+        <p:nvSpPr>
+          <p:cNvPr id="3" name="Vertical Text Placeholder 2"/>
           <p:cNvSpPr>
             <a:spLocks noGrp="1"/>
           </p:cNvSpPr>
@@ -393,7 +2402,7 @@
         </p:nvSpPr>
         <p:spPr/>
         <p:txBody>
-          <a:bodyPr vert="eaVert"/>
+          <a:bodyPr vert="eaVert" anchor="t"/>
           <a:lstStyle/>
           <a:p>
             <a:pPr lvl="0"/>
@@ -429,19 +2438,13 @@
               <a:rPr lang="en-US"/>
               <a:t>Fifth level</a:t>
             </a:r>
-            <a:endParaRPr lang="en-GB"/>
-          </a:p>
-        </p:txBody>
-      </p:sp>
-      <p:sp>
-        <p:nvSpPr>
-          <p:cNvPr id="4" name="Date Placeholder 3">
-            <a:extLst>
-              <a:ext uri="{FF2B5EF4-FFF2-40B4-BE49-F238E27FC236}">
-                <a16:creationId xmlns:a16="http://schemas.microsoft.com/office/drawing/2014/main" id="{73F291C1-3613-0DC6-4F03-174B9A704440}"/>
-              </a:ext>
-            </a:extLst>
-          </p:cNvPr>
+            <a:endParaRPr lang="en-US" dirty="0"/>
+          </a:p>
+        </p:txBody>
+      </p:sp>
+      <p:sp>
+        <p:nvSpPr>
+          <p:cNvPr id="4" name="Date Placeholder 3"/>
           <p:cNvSpPr>
             <a:spLocks noGrp="1"/>
           </p:cNvSpPr>
@@ -456,7 +2459,7 @@
           <a:p>
             <a:fld id="{ED305653-79B2-4B67-A041-B7A7EF8868A0}" type="datetimeFigureOut">
               <a:rPr lang="en-GB" smtClean="0"/>
-              <a:t>22/12/2022</a:t>
+              <a:t>23/12/2022</a:t>
             </a:fld>
             <a:endParaRPr lang="en-GB"/>
           </a:p>
@@ -464,13 +2467,7 @@
       </p:sp>
       <p:sp>
         <p:nvSpPr>
-          <p:cNvPr id="5" name="Footer Placeholder 4">
-            <a:extLst>
-              <a:ext uri="{FF2B5EF4-FFF2-40B4-BE49-F238E27FC236}">
-                <a16:creationId xmlns:a16="http://schemas.microsoft.com/office/drawing/2014/main" id="{F1F9E81D-2A32-07FD-33E9-7C397D409189}"/>
-              </a:ext>
-            </a:extLst>
-          </p:cNvPr>
+          <p:cNvPr id="5" name="Footer Placeholder 4"/>
           <p:cNvSpPr>
             <a:spLocks noGrp="1"/>
           </p:cNvSpPr>
@@ -489,13 +2486,7 @@
       </p:sp>
       <p:sp>
         <p:nvSpPr>
-          <p:cNvPr id="6" name="Slide Number Placeholder 5">
-            <a:extLst>
-              <a:ext uri="{FF2B5EF4-FFF2-40B4-BE49-F238E27FC236}">
-                <a16:creationId xmlns:a16="http://schemas.microsoft.com/office/drawing/2014/main" id="{61EB95CA-74C6-7DEE-D74F-5517053B6567}"/>
-              </a:ext>
-            </a:extLst>
-          </p:cNvPr>
+          <p:cNvPr id="6" name="Slide Number Placeholder 5"/>
           <p:cNvSpPr>
             <a:spLocks noGrp="1"/>
           </p:cNvSpPr>
@@ -519,7 +2510,7 @@
     </p:spTree>
     <p:extLst>
       <p:ext uri="{BB962C8B-B14F-4D97-AF65-F5344CB8AC3E}">
-        <p14:creationId xmlns:p14="http://schemas.microsoft.com/office/powerpoint/2010/main" val="2965382123"/>
+        <p14:creationId xmlns:p14="http://schemas.microsoft.com/office/powerpoint/2010/main" val="2455717"/>
       </p:ext>
     </p:extLst>
   </p:cSld>
@@ -529,7 +2520,7 @@
 </p:sldLayout>
 </file>
 
-<file path=ppt/slideLayouts/slideLayout11.xml><?xml version="1.0" encoding="utf-8"?>
+<file path=ppt/slideLayouts/slideLayout17.xml><?xml version="1.0" encoding="utf-8"?>
 <p:sldLayout xmlns:a="http://schemas.openxmlformats.org/drawingml/2006/main" xmlns:r="http://schemas.openxmlformats.org/officeDocument/2006/relationships" xmlns:p="http://schemas.openxmlformats.org/presentationml/2006/main" type="vertTitleAndTx" preserve="1">
   <p:cSld name="Vertical Title and Text">
     <p:spTree>
@@ -548,13 +2539,7 @@
       </p:grpSpPr>
       <p:sp>
         <p:nvSpPr>
-          <p:cNvPr id="2" name="Vertical Title 1">
-            <a:extLst>
-              <a:ext uri="{FF2B5EF4-FFF2-40B4-BE49-F238E27FC236}">
-                <a16:creationId xmlns:a16="http://schemas.microsoft.com/office/drawing/2014/main" id="{DC7D2994-068D-4F35-9220-F1084E6FCE5E}"/>
-              </a:ext>
-            </a:extLst>
-          </p:cNvPr>
+          <p:cNvPr id="2" name="Vertical Title 1"/>
           <p:cNvSpPr>
             <a:spLocks noGrp="1"/>
           </p:cNvSpPr>
@@ -564,8 +2549,8 @@
         </p:nvSpPr>
         <p:spPr>
           <a:xfrm>
-            <a:off x="8724900" y="365125"/>
-            <a:ext cx="2628900" cy="5811838"/>
+            <a:off x="8685212" y="685800"/>
+            <a:ext cx="2057400" cy="4572000"/>
           </a:xfrm>
         </p:spPr>
         <p:txBody>
@@ -576,19 +2561,13 @@
               <a:rPr lang="en-US"/>
               <a:t>Click to edit Master title style</a:t>
             </a:r>
-            <a:endParaRPr lang="en-GB"/>
-          </a:p>
-        </p:txBody>
-      </p:sp>
-      <p:sp>
-        <p:nvSpPr>
-          <p:cNvPr id="3" name="Vertical Text Placeholder 2">
-            <a:extLst>
-              <a:ext uri="{FF2B5EF4-FFF2-40B4-BE49-F238E27FC236}">
-                <a16:creationId xmlns:a16="http://schemas.microsoft.com/office/drawing/2014/main" id="{A43C9E32-C7FA-AC4C-3E1C-793DDAE435E4}"/>
-              </a:ext>
-            </a:extLst>
-          </p:cNvPr>
+            <a:endParaRPr lang="en-US" dirty="0"/>
+          </a:p>
+        </p:txBody>
+      </p:sp>
+      <p:sp>
+        <p:nvSpPr>
+          <p:cNvPr id="3" name="Vertical Text Placeholder 2"/>
           <p:cNvSpPr>
             <a:spLocks noGrp="1"/>
           </p:cNvSpPr>
@@ -598,12 +2577,12 @@
         </p:nvSpPr>
         <p:spPr>
           <a:xfrm>
-            <a:off x="838200" y="365125"/>
-            <a:ext cx="7734300" cy="5811838"/>
+            <a:off x="685800" y="685800"/>
+            <a:ext cx="7823200" cy="5308600"/>
           </a:xfrm>
         </p:spPr>
         <p:txBody>
-          <a:bodyPr vert="eaVert"/>
+          <a:bodyPr vert="eaVert" anchor="t"/>
           <a:lstStyle/>
           <a:p>
             <a:pPr lvl="0"/>
@@ -639,19 +2618,13 @@
               <a:rPr lang="en-US"/>
               <a:t>Fifth level</a:t>
             </a:r>
-            <a:endParaRPr lang="en-GB"/>
-          </a:p>
-        </p:txBody>
-      </p:sp>
-      <p:sp>
-        <p:nvSpPr>
-          <p:cNvPr id="4" name="Date Placeholder 3">
-            <a:extLst>
-              <a:ext uri="{FF2B5EF4-FFF2-40B4-BE49-F238E27FC236}">
-                <a16:creationId xmlns:a16="http://schemas.microsoft.com/office/drawing/2014/main" id="{628E9956-A869-57AE-54B1-1322E89082F5}"/>
-              </a:ext>
-            </a:extLst>
-          </p:cNvPr>
+            <a:endParaRPr lang="en-US" dirty="0"/>
+          </a:p>
+        </p:txBody>
+      </p:sp>
+      <p:sp>
+        <p:nvSpPr>
+          <p:cNvPr id="4" name="Date Placeholder 3"/>
           <p:cNvSpPr>
             <a:spLocks noGrp="1"/>
           </p:cNvSpPr>
@@ -666,7 +2639,7 @@
           <a:p>
             <a:fld id="{ED305653-79B2-4B67-A041-B7A7EF8868A0}" type="datetimeFigureOut">
               <a:rPr lang="en-GB" smtClean="0"/>
-              <a:t>22/12/2022</a:t>
+              <a:t>23/12/2022</a:t>
             </a:fld>
             <a:endParaRPr lang="en-GB"/>
           </a:p>
@@ -674,13 +2647,7 @@
       </p:sp>
       <p:sp>
         <p:nvSpPr>
-          <p:cNvPr id="5" name="Footer Placeholder 4">
-            <a:extLst>
-              <a:ext uri="{FF2B5EF4-FFF2-40B4-BE49-F238E27FC236}">
-                <a16:creationId xmlns:a16="http://schemas.microsoft.com/office/drawing/2014/main" id="{63C01B4C-C19D-0981-0E7D-67C927990946}"/>
-              </a:ext>
-            </a:extLst>
-          </p:cNvPr>
+          <p:cNvPr id="5" name="Footer Placeholder 4"/>
           <p:cNvSpPr>
             <a:spLocks noGrp="1"/>
           </p:cNvSpPr>
@@ -699,13 +2666,7 @@
       </p:sp>
       <p:sp>
         <p:nvSpPr>
-          <p:cNvPr id="6" name="Slide Number Placeholder 5">
-            <a:extLst>
-              <a:ext uri="{FF2B5EF4-FFF2-40B4-BE49-F238E27FC236}">
-                <a16:creationId xmlns:a16="http://schemas.microsoft.com/office/drawing/2014/main" id="{CC588EF0-ECAE-CE03-B2B8-2937140E95C8}"/>
-              </a:ext>
-            </a:extLst>
-          </p:cNvPr>
+          <p:cNvPr id="6" name="Slide Number Placeholder 5"/>
           <p:cNvSpPr>
             <a:spLocks noGrp="1"/>
           </p:cNvSpPr>
@@ -729,7 +2690,7 @@
     </p:spTree>
     <p:extLst>
       <p:ext uri="{BB962C8B-B14F-4D97-AF65-F5344CB8AC3E}">
-        <p14:creationId xmlns:p14="http://schemas.microsoft.com/office/powerpoint/2010/main" val="1173098282"/>
+        <p14:creationId xmlns:p14="http://schemas.microsoft.com/office/powerpoint/2010/main" val="1515640411"/>
       </p:ext>
     </p:extLst>
   </p:cSld>
@@ -758,13 +2719,7 @@
       </p:grpSpPr>
       <p:sp>
         <p:nvSpPr>
-          <p:cNvPr id="2" name="Title 1">
-            <a:extLst>
-              <a:ext uri="{FF2B5EF4-FFF2-40B4-BE49-F238E27FC236}">
-                <a16:creationId xmlns:a16="http://schemas.microsoft.com/office/drawing/2014/main" id="{255F1235-535F-1C13-6D78-B941DB521532}"/>
-              </a:ext>
-            </a:extLst>
-          </p:cNvPr>
+          <p:cNvPr id="2" name="Title 1"/>
           <p:cNvSpPr>
             <a:spLocks noGrp="1"/>
           </p:cNvSpPr>
@@ -781,19 +2736,13 @@
               <a:rPr lang="en-US"/>
               <a:t>Click to edit Master title style</a:t>
             </a:r>
-            <a:endParaRPr lang="en-GB"/>
-          </a:p>
-        </p:txBody>
-      </p:sp>
-      <p:sp>
-        <p:nvSpPr>
-          <p:cNvPr id="3" name="Content Placeholder 2">
-            <a:extLst>
-              <a:ext uri="{FF2B5EF4-FFF2-40B4-BE49-F238E27FC236}">
-                <a16:creationId xmlns:a16="http://schemas.microsoft.com/office/drawing/2014/main" id="{FB3913E0-45ED-9346-8868-B140755ED69F}"/>
-              </a:ext>
-            </a:extLst>
-          </p:cNvPr>
+            <a:endParaRPr lang="en-US" dirty="0"/>
+          </a:p>
+        </p:txBody>
+      </p:sp>
+      <p:sp>
+        <p:nvSpPr>
+          <p:cNvPr id="3" name="Content Placeholder 2"/>
           <p:cNvSpPr>
             <a:spLocks noGrp="1"/>
           </p:cNvSpPr>
@@ -803,7 +2752,7 @@
         </p:nvSpPr>
         <p:spPr/>
         <p:txBody>
-          <a:bodyPr/>
+          <a:bodyPr anchor="ctr"/>
           <a:lstStyle/>
           <a:p>
             <a:pPr lvl="0"/>
@@ -839,19 +2788,13 @@
               <a:rPr lang="en-US"/>
               <a:t>Fifth level</a:t>
             </a:r>
-            <a:endParaRPr lang="en-GB"/>
-          </a:p>
-        </p:txBody>
-      </p:sp>
-      <p:sp>
-        <p:nvSpPr>
-          <p:cNvPr id="4" name="Date Placeholder 3">
-            <a:extLst>
-              <a:ext uri="{FF2B5EF4-FFF2-40B4-BE49-F238E27FC236}">
-                <a16:creationId xmlns:a16="http://schemas.microsoft.com/office/drawing/2014/main" id="{F7661362-ADE8-2044-9A47-A1B915C68BB5}"/>
-              </a:ext>
-            </a:extLst>
-          </p:cNvPr>
+            <a:endParaRPr lang="en-US" dirty="0"/>
+          </a:p>
+        </p:txBody>
+      </p:sp>
+      <p:sp>
+        <p:nvSpPr>
+          <p:cNvPr id="4" name="Date Placeholder 3"/>
           <p:cNvSpPr>
             <a:spLocks noGrp="1"/>
           </p:cNvSpPr>
@@ -866,7 +2809,7 @@
           <a:p>
             <a:fld id="{ED305653-79B2-4B67-A041-B7A7EF8868A0}" type="datetimeFigureOut">
               <a:rPr lang="en-GB" smtClean="0"/>
-              <a:t>22/12/2022</a:t>
+              <a:t>23/12/2022</a:t>
             </a:fld>
             <a:endParaRPr lang="en-GB"/>
           </a:p>
@@ -874,13 +2817,7 @@
       </p:sp>
       <p:sp>
         <p:nvSpPr>
-          <p:cNvPr id="5" name="Footer Placeholder 4">
-            <a:extLst>
-              <a:ext uri="{FF2B5EF4-FFF2-40B4-BE49-F238E27FC236}">
-                <a16:creationId xmlns:a16="http://schemas.microsoft.com/office/drawing/2014/main" id="{79C79988-E587-59C4-5C9C-15ABE402C827}"/>
-              </a:ext>
-            </a:extLst>
-          </p:cNvPr>
+          <p:cNvPr id="5" name="Footer Placeholder 4"/>
           <p:cNvSpPr>
             <a:spLocks noGrp="1"/>
           </p:cNvSpPr>
@@ -899,13 +2836,7 @@
       </p:sp>
       <p:sp>
         <p:nvSpPr>
-          <p:cNvPr id="6" name="Slide Number Placeholder 5">
-            <a:extLst>
-              <a:ext uri="{FF2B5EF4-FFF2-40B4-BE49-F238E27FC236}">
-                <a16:creationId xmlns:a16="http://schemas.microsoft.com/office/drawing/2014/main" id="{98BFB449-A426-893E-993D-DCF115457692}"/>
-              </a:ext>
-            </a:extLst>
-          </p:cNvPr>
+          <p:cNvPr id="6" name="Slide Number Placeholder 5"/>
           <p:cNvSpPr>
             <a:spLocks noGrp="1"/>
           </p:cNvSpPr>
@@ -929,7 +2860,7 @@
     </p:spTree>
     <p:extLst>
       <p:ext uri="{BB962C8B-B14F-4D97-AF65-F5344CB8AC3E}">
-        <p14:creationId xmlns:p14="http://schemas.microsoft.com/office/powerpoint/2010/main" val="4086754016"/>
+        <p14:creationId xmlns:p14="http://schemas.microsoft.com/office/powerpoint/2010/main" val="1801346402"/>
       </p:ext>
     </p:extLst>
   </p:cSld>
@@ -958,13 +2889,7 @@
       </p:grpSpPr>
       <p:sp>
         <p:nvSpPr>
-          <p:cNvPr id="2" name="Title 1">
-            <a:extLst>
-              <a:ext uri="{FF2B5EF4-FFF2-40B4-BE49-F238E27FC236}">
-                <a16:creationId xmlns:a16="http://schemas.microsoft.com/office/drawing/2014/main" id="{6AD9C98D-48F5-B1F2-1100-70BA35FB3962}"/>
-              </a:ext>
-            </a:extLst>
-          </p:cNvPr>
+          <p:cNvPr id="2" name="Title 1"/>
           <p:cNvSpPr>
             <a:spLocks noGrp="1"/>
           </p:cNvSpPr>
@@ -974,15 +2899,17 @@
         </p:nvSpPr>
         <p:spPr>
           <a:xfrm>
-            <a:off x="831850" y="1709738"/>
-            <a:ext cx="10515600" cy="2852737"/>
+            <a:off x="684211" y="2006600"/>
+            <a:ext cx="8534401" cy="2281600"/>
           </a:xfrm>
         </p:spPr>
         <p:txBody>
-          <a:bodyPr anchor="b"/>
+          <a:bodyPr anchor="b">
+            <a:normAutofit/>
+          </a:bodyPr>
           <a:lstStyle>
-            <a:lvl1pPr>
-              <a:defRPr sz="6000"/>
+            <a:lvl1pPr algn="l">
+              <a:defRPr sz="3600" b="0" cap="all"/>
             </a:lvl1pPr>
           </a:lstStyle>
           <a:p>
@@ -990,19 +2917,13 @@
               <a:rPr lang="en-US"/>
               <a:t>Click to edit Master title style</a:t>
             </a:r>
-            <a:endParaRPr lang="en-GB"/>
-          </a:p>
-        </p:txBody>
-      </p:sp>
-      <p:sp>
-        <p:nvSpPr>
-          <p:cNvPr id="3" name="Text Placeholder 2">
-            <a:extLst>
-              <a:ext uri="{FF2B5EF4-FFF2-40B4-BE49-F238E27FC236}">
-                <a16:creationId xmlns:a16="http://schemas.microsoft.com/office/drawing/2014/main" id="{1DF6300B-336C-CDE9-8648-A62D0B016E20}"/>
-              </a:ext>
-            </a:extLst>
-          </p:cNvPr>
+            <a:endParaRPr lang="en-US" dirty="0"/>
+          </a:p>
+        </p:txBody>
+      </p:sp>
+      <p:sp>
+        <p:nvSpPr>
+          <p:cNvPr id="3" name="Text Placeholder 2"/>
           <p:cNvSpPr>
             <a:spLocks noGrp="1"/>
           </p:cNvSpPr>
@@ -1012,102 +2933,104 @@
         </p:nvSpPr>
         <p:spPr>
           <a:xfrm>
-            <a:off x="831850" y="4589463"/>
-            <a:ext cx="10515600" cy="1500187"/>
+            <a:off x="684213" y="4495800"/>
+            <a:ext cx="8534400" cy="1498600"/>
           </a:xfrm>
         </p:spPr>
         <p:txBody>
-          <a:bodyPr/>
+          <a:bodyPr anchor="t">
+            <a:normAutofit/>
+          </a:bodyPr>
           <a:lstStyle>
-            <a:lvl1pPr marL="0" indent="0">
-              <a:buNone/>
-              <a:defRPr sz="2400">
+            <a:lvl1pPr marL="0" indent="0" algn="l">
+              <a:buNone/>
+              <a:defRPr sz="1800">
+                <a:solidFill>
+                  <a:schemeClr val="bg2">
+                    <a:lumMod val="75000"/>
+                  </a:schemeClr>
+                </a:solidFill>
+              </a:defRPr>
+            </a:lvl1pPr>
+            <a:lvl2pPr marL="457200" indent="0">
+              <a:buNone/>
+              <a:defRPr sz="1800">
                 <a:solidFill>
                   <a:schemeClr val="tx1">
                     <a:tint val="75000"/>
                   </a:schemeClr>
                 </a:solidFill>
               </a:defRPr>
-            </a:lvl1pPr>
-            <a:lvl2pPr marL="457200" indent="0">
-              <a:buNone/>
-              <a:defRPr sz="2000">
+            </a:lvl2pPr>
+            <a:lvl3pPr marL="914400" indent="0">
+              <a:buNone/>
+              <a:defRPr sz="1600">
                 <a:solidFill>
                   <a:schemeClr val="tx1">
                     <a:tint val="75000"/>
                   </a:schemeClr>
                 </a:solidFill>
               </a:defRPr>
-            </a:lvl2pPr>
-            <a:lvl3pPr marL="914400" indent="0">
-              <a:buNone/>
-              <a:defRPr sz="1800">
+            </a:lvl3pPr>
+            <a:lvl4pPr marL="1371600" indent="0">
+              <a:buNone/>
+              <a:defRPr sz="1400">
                 <a:solidFill>
                   <a:schemeClr val="tx1">
                     <a:tint val="75000"/>
                   </a:schemeClr>
                 </a:solidFill>
               </a:defRPr>
-            </a:lvl3pPr>
-            <a:lvl4pPr marL="1371600" indent="0">
-              <a:buNone/>
-              <a:defRPr sz="1600">
+            </a:lvl4pPr>
+            <a:lvl5pPr marL="1828800" indent="0">
+              <a:buNone/>
+              <a:defRPr sz="1400">
                 <a:solidFill>
                   <a:schemeClr val="tx1">
                     <a:tint val="75000"/>
                   </a:schemeClr>
                 </a:solidFill>
               </a:defRPr>
-            </a:lvl4pPr>
-            <a:lvl5pPr marL="1828800" indent="0">
-              <a:buNone/>
-              <a:defRPr sz="1600">
+            </a:lvl5pPr>
+            <a:lvl6pPr marL="2286000" indent="0">
+              <a:buNone/>
+              <a:defRPr sz="1400">
                 <a:solidFill>
                   <a:schemeClr val="tx1">
                     <a:tint val="75000"/>
                   </a:schemeClr>
                 </a:solidFill>
               </a:defRPr>
-            </a:lvl5pPr>
-            <a:lvl6pPr marL="2286000" indent="0">
-              <a:buNone/>
-              <a:defRPr sz="1600">
+            </a:lvl6pPr>
+            <a:lvl7pPr marL="2743200" indent="0">
+              <a:buNone/>
+              <a:defRPr sz="1400">
                 <a:solidFill>
                   <a:schemeClr val="tx1">
                     <a:tint val="75000"/>
                   </a:schemeClr>
                 </a:solidFill>
               </a:defRPr>
-            </a:lvl6pPr>
-            <a:lvl7pPr marL="2743200" indent="0">
-              <a:buNone/>
-              <a:defRPr sz="1600">
+            </a:lvl7pPr>
+            <a:lvl8pPr marL="3200400" indent="0">
+              <a:buNone/>
+              <a:defRPr sz="1400">
                 <a:solidFill>
                   <a:schemeClr val="tx1">
                     <a:tint val="75000"/>
                   </a:schemeClr>
                 </a:solidFill>
               </a:defRPr>
-            </a:lvl7pPr>
-            <a:lvl8pPr marL="3200400" indent="0">
-              <a:buNone/>
-              <a:defRPr sz="1600">
+            </a:lvl8pPr>
+            <a:lvl9pPr marL="3657600" indent="0">
+              <a:buNone/>
+              <a:defRPr sz="1400">
                 <a:solidFill>
                   <a:schemeClr val="tx1">
                     <a:tint val="75000"/>
                   </a:schemeClr>
                 </a:solidFill>
               </a:defRPr>
-            </a:lvl8pPr>
-            <a:lvl9pPr marL="3657600" indent="0">
-              <a:buNone/>
-              <a:defRPr sz="1600">
-                <a:solidFill>
-                  <a:schemeClr val="tx1">
-                    <a:tint val="75000"/>
-                  </a:schemeClr>
-                </a:solidFill>
-              </a:defRPr>
             </a:lvl9pPr>
           </a:lstStyle>
           <a:p>
@@ -1121,13 +3044,7 @@
       </p:sp>
       <p:sp>
         <p:nvSpPr>
-          <p:cNvPr id="4" name="Date Placeholder 3">
-            <a:extLst>
-              <a:ext uri="{FF2B5EF4-FFF2-40B4-BE49-F238E27FC236}">
-                <a16:creationId xmlns:a16="http://schemas.microsoft.com/office/drawing/2014/main" id="{A381533D-F509-11D6-16BC-0BCA3AD74DAB}"/>
-              </a:ext>
-            </a:extLst>
-          </p:cNvPr>
+          <p:cNvPr id="4" name="Date Placeholder 3"/>
           <p:cNvSpPr>
             <a:spLocks noGrp="1"/>
           </p:cNvSpPr>
@@ -1142,7 +3059,7 @@
           <a:p>
             <a:fld id="{ED305653-79B2-4B67-A041-B7A7EF8868A0}" type="datetimeFigureOut">
               <a:rPr lang="en-GB" smtClean="0"/>
-              <a:t>22/12/2022</a:t>
+              <a:t>23/12/2022</a:t>
             </a:fld>
             <a:endParaRPr lang="en-GB"/>
           </a:p>
@@ -1150,13 +3067,7 @@
       </p:sp>
       <p:sp>
         <p:nvSpPr>
-          <p:cNvPr id="5" name="Footer Placeholder 4">
-            <a:extLst>
-              <a:ext uri="{FF2B5EF4-FFF2-40B4-BE49-F238E27FC236}">
-                <a16:creationId xmlns:a16="http://schemas.microsoft.com/office/drawing/2014/main" id="{E6F31A2C-3029-C1E1-89E0-7D324C0B0EF6}"/>
-              </a:ext>
-            </a:extLst>
-          </p:cNvPr>
+          <p:cNvPr id="5" name="Footer Placeholder 4"/>
           <p:cNvSpPr>
             <a:spLocks noGrp="1"/>
           </p:cNvSpPr>
@@ -1175,13 +3086,7 @@
       </p:sp>
       <p:sp>
         <p:nvSpPr>
-          <p:cNvPr id="6" name="Slide Number Placeholder 5">
-            <a:extLst>
-              <a:ext uri="{FF2B5EF4-FFF2-40B4-BE49-F238E27FC236}">
-                <a16:creationId xmlns:a16="http://schemas.microsoft.com/office/drawing/2014/main" id="{F80ADAB6-7B33-B3C6-B06D-01F35FCE200F}"/>
-              </a:ext>
-            </a:extLst>
-          </p:cNvPr>
+          <p:cNvPr id="6" name="Slide Number Placeholder 5"/>
           <p:cNvSpPr>
             <a:spLocks noGrp="1"/>
           </p:cNvSpPr>
@@ -1205,7 +3110,7 @@
     </p:spTree>
     <p:extLst>
       <p:ext uri="{BB962C8B-B14F-4D97-AF65-F5344CB8AC3E}">
-        <p14:creationId xmlns:p14="http://schemas.microsoft.com/office/powerpoint/2010/main" val="1124001629"/>
+        <p14:creationId xmlns:p14="http://schemas.microsoft.com/office/powerpoint/2010/main" val="4155396505"/>
       </p:ext>
     </p:extLst>
   </p:cSld>
@@ -1234,13 +3139,7 @@
       </p:grpSpPr>
       <p:sp>
         <p:nvSpPr>
-          <p:cNvPr id="2" name="Title 1">
-            <a:extLst>
-              <a:ext uri="{FF2B5EF4-FFF2-40B4-BE49-F238E27FC236}">
-                <a16:creationId xmlns:a16="http://schemas.microsoft.com/office/drawing/2014/main" id="{CF3D8A31-376A-281C-E64C-532E86525B8E}"/>
-              </a:ext>
-            </a:extLst>
-          </p:cNvPr>
+          <p:cNvPr id="2" name="Title 1"/>
           <p:cNvSpPr>
             <a:spLocks noGrp="1"/>
           </p:cNvSpPr>
@@ -1257,19 +3156,13 @@
               <a:rPr lang="en-US"/>
               <a:t>Click to edit Master title style</a:t>
             </a:r>
-            <a:endParaRPr lang="en-GB"/>
-          </a:p>
-        </p:txBody>
-      </p:sp>
-      <p:sp>
-        <p:nvSpPr>
-          <p:cNvPr id="3" name="Content Placeholder 2">
-            <a:extLst>
-              <a:ext uri="{FF2B5EF4-FFF2-40B4-BE49-F238E27FC236}">
-                <a16:creationId xmlns:a16="http://schemas.microsoft.com/office/drawing/2014/main" id="{23B3CF9D-D0F3-44E2-B8EE-9B64ABFFBF7D}"/>
-              </a:ext>
-            </a:extLst>
-          </p:cNvPr>
+            <a:endParaRPr lang="en-US" dirty="0"/>
+          </a:p>
+        </p:txBody>
+      </p:sp>
+      <p:sp>
+        <p:nvSpPr>
+          <p:cNvPr id="3" name="Content Placeholder 2"/>
           <p:cNvSpPr>
             <a:spLocks noGrp="1"/>
           </p:cNvSpPr>
@@ -1279,12 +3172,14 @@
         </p:nvSpPr>
         <p:spPr>
           <a:xfrm>
-            <a:off x="838200" y="1825625"/>
-            <a:ext cx="5181600" cy="4351338"/>
+            <a:off x="684211" y="685800"/>
+            <a:ext cx="4937655" cy="3615267"/>
           </a:xfrm>
         </p:spPr>
         <p:txBody>
-          <a:bodyPr/>
+          <a:bodyPr>
+            <a:normAutofit/>
+          </a:bodyPr>
           <a:lstStyle/>
           <a:p>
             <a:pPr lvl="0"/>
@@ -1320,19 +3215,13 @@
               <a:rPr lang="en-US"/>
               <a:t>Fifth level</a:t>
             </a:r>
-            <a:endParaRPr lang="en-GB"/>
-          </a:p>
-        </p:txBody>
-      </p:sp>
-      <p:sp>
-        <p:nvSpPr>
-          <p:cNvPr id="4" name="Content Placeholder 3">
-            <a:extLst>
-              <a:ext uri="{FF2B5EF4-FFF2-40B4-BE49-F238E27FC236}">
-                <a16:creationId xmlns:a16="http://schemas.microsoft.com/office/drawing/2014/main" id="{2A5DBD6D-56BC-0A05-3A67-451233EC4415}"/>
-              </a:ext>
-            </a:extLst>
-          </p:cNvPr>
+            <a:endParaRPr lang="en-US" dirty="0"/>
+          </a:p>
+        </p:txBody>
+      </p:sp>
+      <p:sp>
+        <p:nvSpPr>
+          <p:cNvPr id="4" name="Content Placeholder 3"/>
           <p:cNvSpPr>
             <a:spLocks noGrp="1"/>
           </p:cNvSpPr>
@@ -1342,12 +3231,14 @@
         </p:nvSpPr>
         <p:spPr>
           <a:xfrm>
-            <a:off x="6172200" y="1825625"/>
-            <a:ext cx="5181600" cy="4351338"/>
+            <a:off x="5808133" y="685801"/>
+            <a:ext cx="4934479" cy="3615266"/>
           </a:xfrm>
         </p:spPr>
         <p:txBody>
-          <a:bodyPr/>
+          <a:bodyPr>
+            <a:normAutofit/>
+          </a:bodyPr>
           <a:lstStyle/>
           <a:p>
             <a:pPr lvl="0"/>
@@ -1383,19 +3274,13 @@
               <a:rPr lang="en-US"/>
               <a:t>Fifth level</a:t>
             </a:r>
-            <a:endParaRPr lang="en-GB"/>
-          </a:p>
-        </p:txBody>
-      </p:sp>
-      <p:sp>
-        <p:nvSpPr>
-          <p:cNvPr id="5" name="Date Placeholder 4">
-            <a:extLst>
-              <a:ext uri="{FF2B5EF4-FFF2-40B4-BE49-F238E27FC236}">
-                <a16:creationId xmlns:a16="http://schemas.microsoft.com/office/drawing/2014/main" id="{12739522-0CE8-6597-857D-8351C5C2A357}"/>
-              </a:ext>
-            </a:extLst>
-          </p:cNvPr>
+            <a:endParaRPr lang="en-US" dirty="0"/>
+          </a:p>
+        </p:txBody>
+      </p:sp>
+      <p:sp>
+        <p:nvSpPr>
+          <p:cNvPr id="5" name="Date Placeholder 4"/>
           <p:cNvSpPr>
             <a:spLocks noGrp="1"/>
           </p:cNvSpPr>
@@ -1410,7 +3295,7 @@
           <a:p>
             <a:fld id="{ED305653-79B2-4B67-A041-B7A7EF8868A0}" type="datetimeFigureOut">
               <a:rPr lang="en-GB" smtClean="0"/>
-              <a:t>22/12/2022</a:t>
+              <a:t>23/12/2022</a:t>
             </a:fld>
             <a:endParaRPr lang="en-GB"/>
           </a:p>
@@ -1418,13 +3303,7 @@
       </p:sp>
       <p:sp>
         <p:nvSpPr>
-          <p:cNvPr id="6" name="Footer Placeholder 5">
-            <a:extLst>
-              <a:ext uri="{FF2B5EF4-FFF2-40B4-BE49-F238E27FC236}">
-                <a16:creationId xmlns:a16="http://schemas.microsoft.com/office/drawing/2014/main" id="{03098163-3A83-6941-BC1A-4BF4E9A1D456}"/>
-              </a:ext>
-            </a:extLst>
-          </p:cNvPr>
+          <p:cNvPr id="6" name="Footer Placeholder 5"/>
           <p:cNvSpPr>
             <a:spLocks noGrp="1"/>
           </p:cNvSpPr>
@@ -1443,13 +3322,7 @@
       </p:sp>
       <p:sp>
         <p:nvSpPr>
-          <p:cNvPr id="7" name="Slide Number Placeholder 6">
-            <a:extLst>
-              <a:ext uri="{FF2B5EF4-FFF2-40B4-BE49-F238E27FC236}">
-                <a16:creationId xmlns:a16="http://schemas.microsoft.com/office/drawing/2014/main" id="{DAE8BDDF-3A75-7291-CCE9-0BE5637D4975}"/>
-              </a:ext>
-            </a:extLst>
-          </p:cNvPr>
+          <p:cNvPr id="7" name="Slide Number Placeholder 6"/>
           <p:cNvSpPr>
             <a:spLocks noGrp="1"/>
           </p:cNvSpPr>
@@ -1473,7 +3346,7 @@
     </p:spTree>
     <p:extLst>
       <p:ext uri="{BB962C8B-B14F-4D97-AF65-F5344CB8AC3E}">
-        <p14:creationId xmlns:p14="http://schemas.microsoft.com/office/powerpoint/2010/main" val="786813091"/>
+        <p14:creationId xmlns:p14="http://schemas.microsoft.com/office/powerpoint/2010/main" val="2609828355"/>
       </p:ext>
     </p:extLst>
   </p:cSld>
@@ -1502,66 +3375,59 @@
       </p:grpSpPr>
       <p:sp>
         <p:nvSpPr>
-          <p:cNvPr id="2" name="Title 1">
-            <a:extLst>
-              <a:ext uri="{FF2B5EF4-FFF2-40B4-BE49-F238E27FC236}">
-                <a16:creationId xmlns:a16="http://schemas.microsoft.com/office/drawing/2014/main" id="{C8D7B284-6339-A135-3630-E3040AC32989}"/>
-              </a:ext>
-            </a:extLst>
-          </p:cNvPr>
+          <p:cNvPr id="2" name="Title 1"/>
           <p:cNvSpPr>
             <a:spLocks noGrp="1"/>
           </p:cNvSpPr>
           <p:nvPr>
             <p:ph type="title"/>
+          </p:nvPr>
+        </p:nvSpPr>
+        <p:spPr/>
+        <p:txBody>
+          <a:bodyPr/>
+          <a:lstStyle>
+            <a:lvl1pPr>
+              <a:defRPr/>
+            </a:lvl1pPr>
+          </a:lstStyle>
+          <a:p>
+            <a:r>
+              <a:rPr lang="en-US"/>
+              <a:t>Click to edit Master title style</a:t>
+            </a:r>
+            <a:endParaRPr lang="en-US" dirty="0"/>
+          </a:p>
+        </p:txBody>
+      </p:sp>
+      <p:sp>
+        <p:nvSpPr>
+          <p:cNvPr id="3" name="Text Placeholder 2"/>
+          <p:cNvSpPr>
+            <a:spLocks noGrp="1"/>
+          </p:cNvSpPr>
+          <p:nvPr>
+            <p:ph type="body" idx="1"/>
           </p:nvPr>
         </p:nvSpPr>
         <p:spPr>
           <a:xfrm>
-            <a:off x="839788" y="365125"/>
-            <a:ext cx="10515600" cy="1325563"/>
+            <a:off x="972080" y="685800"/>
+            <a:ext cx="4649787" cy="576262"/>
           </a:xfrm>
         </p:spPr>
         <p:txBody>
-          <a:bodyPr/>
-          <a:lstStyle/>
-          <a:p>
-            <a:r>
-              <a:rPr lang="en-US"/>
-              <a:t>Click to edit Master title style</a:t>
-            </a:r>
-            <a:endParaRPr lang="en-GB"/>
-          </a:p>
-        </p:txBody>
-      </p:sp>
-      <p:sp>
-        <p:nvSpPr>
-          <p:cNvPr id="3" name="Text Placeholder 2">
-            <a:extLst>
-              <a:ext uri="{FF2B5EF4-FFF2-40B4-BE49-F238E27FC236}">
-                <a16:creationId xmlns:a16="http://schemas.microsoft.com/office/drawing/2014/main" id="{6BE9D0D4-2F2C-F3D7-74D1-B5933305B4B0}"/>
-              </a:ext>
-            </a:extLst>
-          </p:cNvPr>
-          <p:cNvSpPr>
-            <a:spLocks noGrp="1"/>
-          </p:cNvSpPr>
-          <p:nvPr>
-            <p:ph type="body" idx="1"/>
-          </p:nvPr>
-        </p:nvSpPr>
-        <p:spPr>
-          <a:xfrm>
-            <a:off x="839788" y="1681163"/>
-            <a:ext cx="5157787" cy="823912"/>
-          </a:xfrm>
-        </p:spPr>
-        <p:txBody>
-          <a:bodyPr anchor="b"/>
+          <a:bodyPr anchor="b">
+            <a:noAutofit/>
+          </a:bodyPr>
           <a:lstStyle>
             <a:lvl1pPr marL="0" indent="0">
               <a:buNone/>
-              <a:defRPr sz="2400" b="1"/>
+              <a:defRPr sz="2800" b="0">
+                <a:solidFill>
+                  <a:schemeClr val="tx1"/>
+                </a:solidFill>
+              </a:defRPr>
             </a:lvl1pPr>
             <a:lvl2pPr marL="457200" indent="0">
               <a:buNone/>
@@ -1607,13 +3473,7 @@
       </p:sp>
       <p:sp>
         <p:nvSpPr>
-          <p:cNvPr id="4" name="Content Placeholder 3">
-            <a:extLst>
-              <a:ext uri="{FF2B5EF4-FFF2-40B4-BE49-F238E27FC236}">
-                <a16:creationId xmlns:a16="http://schemas.microsoft.com/office/drawing/2014/main" id="{BC2D1C62-1521-5F43-7874-B0A23E8B20BD}"/>
-              </a:ext>
-            </a:extLst>
-          </p:cNvPr>
+          <p:cNvPr id="4" name="Content Placeholder 3"/>
           <p:cNvSpPr>
             <a:spLocks noGrp="1"/>
           </p:cNvSpPr>
@@ -1623,12 +3483,14 @@
         </p:nvSpPr>
         <p:spPr>
           <a:xfrm>
-            <a:off x="839788" y="2505075"/>
-            <a:ext cx="5157787" cy="3684588"/>
+            <a:off x="684211" y="1270529"/>
+            <a:ext cx="4937655" cy="3030538"/>
           </a:xfrm>
         </p:spPr>
         <p:txBody>
-          <a:bodyPr/>
+          <a:bodyPr anchor="t">
+            <a:normAutofit/>
+          </a:bodyPr>
           <a:lstStyle/>
           <a:p>
             <a:pPr lvl="0"/>
@@ -1664,19 +3526,13 @@
               <a:rPr lang="en-US"/>
               <a:t>Fifth level</a:t>
             </a:r>
-            <a:endParaRPr lang="en-GB"/>
-          </a:p>
-        </p:txBody>
-      </p:sp>
-      <p:sp>
-        <p:nvSpPr>
-          <p:cNvPr id="5" name="Text Placeholder 4">
-            <a:extLst>
-              <a:ext uri="{FF2B5EF4-FFF2-40B4-BE49-F238E27FC236}">
-                <a16:creationId xmlns:a16="http://schemas.microsoft.com/office/drawing/2014/main" id="{C065E39C-892D-D4E1-F4BF-66857ED62E56}"/>
-              </a:ext>
-            </a:extLst>
-          </p:cNvPr>
+            <a:endParaRPr lang="en-US" dirty="0"/>
+          </a:p>
+        </p:txBody>
+      </p:sp>
+      <p:sp>
+        <p:nvSpPr>
+          <p:cNvPr id="5" name="Text Placeholder 4"/>
           <p:cNvSpPr>
             <a:spLocks noGrp="1"/>
           </p:cNvSpPr>
@@ -1686,16 +3542,22 @@
         </p:nvSpPr>
         <p:spPr>
           <a:xfrm>
-            <a:off x="6172200" y="1681163"/>
-            <a:ext cx="5183188" cy="823912"/>
+            <a:off x="6079066" y="685800"/>
+            <a:ext cx="4665134" cy="576262"/>
           </a:xfrm>
         </p:spPr>
         <p:txBody>
-          <a:bodyPr anchor="b"/>
+          <a:bodyPr anchor="b">
+            <a:noAutofit/>
+          </a:bodyPr>
           <a:lstStyle>
             <a:lvl1pPr marL="0" indent="0">
               <a:buNone/>
-              <a:defRPr sz="2400" b="1"/>
+              <a:defRPr sz="2800" b="0">
+                <a:solidFill>
+                  <a:schemeClr val="tx1"/>
+                </a:solidFill>
+              </a:defRPr>
             </a:lvl1pPr>
             <a:lvl2pPr marL="457200" indent="0">
               <a:buNone/>
@@ -1741,13 +3603,7 @@
       </p:sp>
       <p:sp>
         <p:nvSpPr>
-          <p:cNvPr id="6" name="Content Placeholder 5">
-            <a:extLst>
-              <a:ext uri="{FF2B5EF4-FFF2-40B4-BE49-F238E27FC236}">
-                <a16:creationId xmlns:a16="http://schemas.microsoft.com/office/drawing/2014/main" id="{7D00C4F6-F36F-A423-5980-B85E685C1884}"/>
-              </a:ext>
-            </a:extLst>
-          </p:cNvPr>
+          <p:cNvPr id="6" name="Content Placeholder 5"/>
           <p:cNvSpPr>
             <a:spLocks noGrp="1"/>
           </p:cNvSpPr>
@@ -1757,12 +3613,14 @@
         </p:nvSpPr>
         <p:spPr>
           <a:xfrm>
-            <a:off x="6172200" y="2505075"/>
-            <a:ext cx="5183188" cy="3684588"/>
+            <a:off x="5806545" y="1262062"/>
+            <a:ext cx="4929188" cy="3030538"/>
           </a:xfrm>
         </p:spPr>
         <p:txBody>
-          <a:bodyPr/>
+          <a:bodyPr anchor="t">
+            <a:normAutofit/>
+          </a:bodyPr>
           <a:lstStyle/>
           <a:p>
             <a:pPr lvl="0"/>
@@ -1798,19 +3656,13 @@
               <a:rPr lang="en-US"/>
               <a:t>Fifth level</a:t>
             </a:r>
-            <a:endParaRPr lang="en-GB"/>
-          </a:p>
-        </p:txBody>
-      </p:sp>
-      <p:sp>
-        <p:nvSpPr>
-          <p:cNvPr id="7" name="Date Placeholder 6">
-            <a:extLst>
-              <a:ext uri="{FF2B5EF4-FFF2-40B4-BE49-F238E27FC236}">
-                <a16:creationId xmlns:a16="http://schemas.microsoft.com/office/drawing/2014/main" id="{53E47B2F-E9F8-07B2-86FA-1A84D503F48D}"/>
-              </a:ext>
-            </a:extLst>
-          </p:cNvPr>
+            <a:endParaRPr lang="en-US" dirty="0"/>
+          </a:p>
+        </p:txBody>
+      </p:sp>
+      <p:sp>
+        <p:nvSpPr>
+          <p:cNvPr id="7" name="Date Placeholder 6"/>
           <p:cNvSpPr>
             <a:spLocks noGrp="1"/>
           </p:cNvSpPr>
@@ -1825,7 +3677,7 @@
           <a:p>
             <a:fld id="{ED305653-79B2-4B67-A041-B7A7EF8868A0}" type="datetimeFigureOut">
               <a:rPr lang="en-GB" smtClean="0"/>
-              <a:t>22/12/2022</a:t>
+              <a:t>23/12/2022</a:t>
             </a:fld>
             <a:endParaRPr lang="en-GB"/>
           </a:p>
@@ -1833,13 +3685,7 @@
       </p:sp>
       <p:sp>
         <p:nvSpPr>
-          <p:cNvPr id="8" name="Footer Placeholder 7">
-            <a:extLst>
-              <a:ext uri="{FF2B5EF4-FFF2-40B4-BE49-F238E27FC236}">
-                <a16:creationId xmlns:a16="http://schemas.microsoft.com/office/drawing/2014/main" id="{6FFEE5AD-32DC-522E-42DE-E6A713BB136A}"/>
-              </a:ext>
-            </a:extLst>
-          </p:cNvPr>
+          <p:cNvPr id="8" name="Footer Placeholder 7"/>
           <p:cNvSpPr>
             <a:spLocks noGrp="1"/>
           </p:cNvSpPr>
@@ -1858,13 +3704,7 @@
       </p:sp>
       <p:sp>
         <p:nvSpPr>
-          <p:cNvPr id="9" name="Slide Number Placeholder 8">
-            <a:extLst>
-              <a:ext uri="{FF2B5EF4-FFF2-40B4-BE49-F238E27FC236}">
-                <a16:creationId xmlns:a16="http://schemas.microsoft.com/office/drawing/2014/main" id="{208E11CF-48EC-60F1-3601-EE28B31732C2}"/>
-              </a:ext>
-            </a:extLst>
-          </p:cNvPr>
+          <p:cNvPr id="9" name="Slide Number Placeholder 8"/>
           <p:cNvSpPr>
             <a:spLocks noGrp="1"/>
           </p:cNvSpPr>
@@ -1888,7 +3728,7 @@
     </p:spTree>
     <p:extLst>
       <p:ext uri="{BB962C8B-B14F-4D97-AF65-F5344CB8AC3E}">
-        <p14:creationId xmlns:p14="http://schemas.microsoft.com/office/powerpoint/2010/main" val="1017283381"/>
+        <p14:creationId xmlns:p14="http://schemas.microsoft.com/office/powerpoint/2010/main" val="1253414481"/>
       </p:ext>
     </p:extLst>
   </p:cSld>
@@ -1917,13 +3757,7 @@
       </p:grpSpPr>
       <p:sp>
         <p:nvSpPr>
-          <p:cNvPr id="2" name="Title 1">
-            <a:extLst>
-              <a:ext uri="{FF2B5EF4-FFF2-40B4-BE49-F238E27FC236}">
-                <a16:creationId xmlns:a16="http://schemas.microsoft.com/office/drawing/2014/main" id="{552B07E0-7F79-C276-8800-C1C01A20DBB6}"/>
-              </a:ext>
-            </a:extLst>
-          </p:cNvPr>
+          <p:cNvPr id="2" name="Title 1"/>
           <p:cNvSpPr>
             <a:spLocks noGrp="1"/>
           </p:cNvSpPr>
@@ -1940,19 +3774,13 @@
               <a:rPr lang="en-US"/>
               <a:t>Click to edit Master title style</a:t>
             </a:r>
-            <a:endParaRPr lang="en-GB"/>
-          </a:p>
-        </p:txBody>
-      </p:sp>
-      <p:sp>
-        <p:nvSpPr>
-          <p:cNvPr id="3" name="Date Placeholder 2">
-            <a:extLst>
-              <a:ext uri="{FF2B5EF4-FFF2-40B4-BE49-F238E27FC236}">
-                <a16:creationId xmlns:a16="http://schemas.microsoft.com/office/drawing/2014/main" id="{E01558CD-4D77-FA35-C859-40F509A65AEA}"/>
-              </a:ext>
-            </a:extLst>
-          </p:cNvPr>
+            <a:endParaRPr lang="en-US" dirty="0"/>
+          </a:p>
+        </p:txBody>
+      </p:sp>
+      <p:sp>
+        <p:nvSpPr>
+          <p:cNvPr id="3" name="Date Placeholder 2"/>
           <p:cNvSpPr>
             <a:spLocks noGrp="1"/>
           </p:cNvSpPr>
@@ -1967,7 +3795,7 @@
           <a:p>
             <a:fld id="{ED305653-79B2-4B67-A041-B7A7EF8868A0}" type="datetimeFigureOut">
               <a:rPr lang="en-GB" smtClean="0"/>
-              <a:t>22/12/2022</a:t>
+              <a:t>23/12/2022</a:t>
             </a:fld>
             <a:endParaRPr lang="en-GB"/>
           </a:p>
@@ -1975,13 +3803,7 @@
       </p:sp>
       <p:sp>
         <p:nvSpPr>
-          <p:cNvPr id="4" name="Footer Placeholder 3">
-            <a:extLst>
-              <a:ext uri="{FF2B5EF4-FFF2-40B4-BE49-F238E27FC236}">
-                <a16:creationId xmlns:a16="http://schemas.microsoft.com/office/drawing/2014/main" id="{9602A1AE-6886-887F-D3A8-B1621EBB7DE3}"/>
-              </a:ext>
-            </a:extLst>
-          </p:cNvPr>
+          <p:cNvPr id="4" name="Footer Placeholder 3"/>
           <p:cNvSpPr>
             <a:spLocks noGrp="1"/>
           </p:cNvSpPr>
@@ -2000,13 +3822,7 @@
       </p:sp>
       <p:sp>
         <p:nvSpPr>
-          <p:cNvPr id="5" name="Slide Number Placeholder 4">
-            <a:extLst>
-              <a:ext uri="{FF2B5EF4-FFF2-40B4-BE49-F238E27FC236}">
-                <a16:creationId xmlns:a16="http://schemas.microsoft.com/office/drawing/2014/main" id="{FC72C694-C498-0CB9-3C84-2999A8701C6B}"/>
-              </a:ext>
-            </a:extLst>
-          </p:cNvPr>
+          <p:cNvPr id="5" name="Slide Number Placeholder 4"/>
           <p:cNvSpPr>
             <a:spLocks noGrp="1"/>
           </p:cNvSpPr>
@@ -2030,7 +3846,7 @@
     </p:spTree>
     <p:extLst>
       <p:ext uri="{BB962C8B-B14F-4D97-AF65-F5344CB8AC3E}">
-        <p14:creationId xmlns:p14="http://schemas.microsoft.com/office/powerpoint/2010/main" val="1621618781"/>
+        <p14:creationId xmlns:p14="http://schemas.microsoft.com/office/powerpoint/2010/main" val="3821399301"/>
       </p:ext>
     </p:extLst>
   </p:cSld>
@@ -2059,13 +3875,7 @@
       </p:grpSpPr>
       <p:sp>
         <p:nvSpPr>
-          <p:cNvPr id="2" name="Date Placeholder 1">
-            <a:extLst>
-              <a:ext uri="{FF2B5EF4-FFF2-40B4-BE49-F238E27FC236}">
-                <a16:creationId xmlns:a16="http://schemas.microsoft.com/office/drawing/2014/main" id="{C7913F7E-B159-DDF3-2E0D-28A80369970B}"/>
-              </a:ext>
-            </a:extLst>
-          </p:cNvPr>
+          <p:cNvPr id="2" name="Date Placeholder 1"/>
           <p:cNvSpPr>
             <a:spLocks noGrp="1"/>
           </p:cNvSpPr>
@@ -2080,7 +3890,7 @@
           <a:p>
             <a:fld id="{ED305653-79B2-4B67-A041-B7A7EF8868A0}" type="datetimeFigureOut">
               <a:rPr lang="en-GB" smtClean="0"/>
-              <a:t>22/12/2022</a:t>
+              <a:t>23/12/2022</a:t>
             </a:fld>
             <a:endParaRPr lang="en-GB"/>
           </a:p>
@@ -2088,13 +3898,7 @@
       </p:sp>
       <p:sp>
         <p:nvSpPr>
-          <p:cNvPr id="3" name="Footer Placeholder 2">
-            <a:extLst>
-              <a:ext uri="{FF2B5EF4-FFF2-40B4-BE49-F238E27FC236}">
-                <a16:creationId xmlns:a16="http://schemas.microsoft.com/office/drawing/2014/main" id="{40B483EE-959F-F095-BB41-89709244023F}"/>
-              </a:ext>
-            </a:extLst>
-          </p:cNvPr>
+          <p:cNvPr id="3" name="Footer Placeholder 2"/>
           <p:cNvSpPr>
             <a:spLocks noGrp="1"/>
           </p:cNvSpPr>
@@ -2113,13 +3917,7 @@
       </p:sp>
       <p:sp>
         <p:nvSpPr>
-          <p:cNvPr id="4" name="Slide Number Placeholder 3">
-            <a:extLst>
-              <a:ext uri="{FF2B5EF4-FFF2-40B4-BE49-F238E27FC236}">
-                <a16:creationId xmlns:a16="http://schemas.microsoft.com/office/drawing/2014/main" id="{8FEDCCE0-C5F2-374D-C048-BE213E7EC6BE}"/>
-              </a:ext>
-            </a:extLst>
-          </p:cNvPr>
+          <p:cNvPr id="4" name="Slide Number Placeholder 3"/>
           <p:cNvSpPr>
             <a:spLocks noGrp="1"/>
           </p:cNvSpPr>
@@ -2143,7 +3941,7 @@
     </p:spTree>
     <p:extLst>
       <p:ext uri="{BB962C8B-B14F-4D97-AF65-F5344CB8AC3E}">
-        <p14:creationId xmlns:p14="http://schemas.microsoft.com/office/powerpoint/2010/main" val="470208128"/>
+        <p14:creationId xmlns:p14="http://schemas.microsoft.com/office/powerpoint/2010/main" val="1150007175"/>
       </p:ext>
     </p:extLst>
   </p:cSld>
@@ -2172,13 +3970,7 @@
       </p:grpSpPr>
       <p:sp>
         <p:nvSpPr>
-          <p:cNvPr id="2" name="Title 1">
-            <a:extLst>
-              <a:ext uri="{FF2B5EF4-FFF2-40B4-BE49-F238E27FC236}">
-                <a16:creationId xmlns:a16="http://schemas.microsoft.com/office/drawing/2014/main" id="{60F8B2C8-9938-1856-81C9-4E0996B37D44}"/>
-              </a:ext>
-            </a:extLst>
-          </p:cNvPr>
+          <p:cNvPr id="2" name="Title 1"/>
           <p:cNvSpPr>
             <a:spLocks noGrp="1"/>
           </p:cNvSpPr>
@@ -2188,15 +3980,17 @@
         </p:nvSpPr>
         <p:spPr>
           <a:xfrm>
-            <a:off x="839788" y="457200"/>
-            <a:ext cx="3932237" cy="1600200"/>
+            <a:off x="7085012" y="685800"/>
+            <a:ext cx="3657600" cy="1371600"/>
           </a:xfrm>
         </p:spPr>
         <p:txBody>
-          <a:bodyPr anchor="b"/>
+          <a:bodyPr anchor="b">
+            <a:normAutofit/>
+          </a:bodyPr>
           <a:lstStyle>
-            <a:lvl1pPr>
-              <a:defRPr sz="3200"/>
+            <a:lvl1pPr algn="l">
+              <a:defRPr sz="2400" b="0"/>
             </a:lvl1pPr>
           </a:lstStyle>
           <a:p>
@@ -2204,19 +3998,13 @@
               <a:rPr lang="en-US"/>
               <a:t>Click to edit Master title style</a:t>
             </a:r>
-            <a:endParaRPr lang="en-GB"/>
-          </a:p>
-        </p:txBody>
-      </p:sp>
-      <p:sp>
-        <p:nvSpPr>
-          <p:cNvPr id="3" name="Content Placeholder 2">
-            <a:extLst>
-              <a:ext uri="{FF2B5EF4-FFF2-40B4-BE49-F238E27FC236}">
-                <a16:creationId xmlns:a16="http://schemas.microsoft.com/office/drawing/2014/main" id="{E0435263-57D1-F6B8-9A78-C040D25039E2}"/>
-              </a:ext>
-            </a:extLst>
-          </p:cNvPr>
+            <a:endParaRPr lang="en-US" dirty="0"/>
+          </a:p>
+        </p:txBody>
+      </p:sp>
+      <p:sp>
+        <p:nvSpPr>
+          <p:cNvPr id="3" name="Content Placeholder 2"/>
           <p:cNvSpPr>
             <a:spLocks noGrp="1"/>
           </p:cNvSpPr>
@@ -2226,41 +4014,15 @@
         </p:nvSpPr>
         <p:spPr>
           <a:xfrm>
-            <a:off x="5183188" y="987425"/>
-            <a:ext cx="6172200" cy="4873625"/>
+            <a:off x="684212" y="685800"/>
+            <a:ext cx="5943601" cy="5308600"/>
           </a:xfrm>
         </p:spPr>
         <p:txBody>
-          <a:bodyPr/>
-          <a:lstStyle>
-            <a:lvl1pPr>
-              <a:defRPr sz="3200"/>
-            </a:lvl1pPr>
-            <a:lvl2pPr>
-              <a:defRPr sz="2800"/>
-            </a:lvl2pPr>
-            <a:lvl3pPr>
-              <a:defRPr sz="2400"/>
-            </a:lvl3pPr>
-            <a:lvl4pPr>
-              <a:defRPr sz="2000"/>
-            </a:lvl4pPr>
-            <a:lvl5pPr>
-              <a:defRPr sz="2000"/>
-            </a:lvl5pPr>
-            <a:lvl6pPr>
-              <a:defRPr sz="2000"/>
-            </a:lvl6pPr>
-            <a:lvl7pPr>
-              <a:defRPr sz="2000"/>
-            </a:lvl7pPr>
-            <a:lvl8pPr>
-              <a:defRPr sz="2000"/>
-            </a:lvl8pPr>
-            <a:lvl9pPr>
-              <a:defRPr sz="2000"/>
-            </a:lvl9pPr>
-          </a:lstStyle>
+          <a:bodyPr anchor="ctr">
+            <a:normAutofit/>
+          </a:bodyPr>
+          <a:lstStyle/>
           <a:p>
             <a:pPr lvl="0"/>
             <a:r>
@@ -2295,19 +4057,13 @@
               <a:rPr lang="en-US"/>
               <a:t>Fifth level</a:t>
             </a:r>
-            <a:endParaRPr lang="en-GB"/>
-          </a:p>
-        </p:txBody>
-      </p:sp>
-      <p:sp>
-        <p:nvSpPr>
-          <p:cNvPr id="4" name="Text Placeholder 3">
-            <a:extLst>
-              <a:ext uri="{FF2B5EF4-FFF2-40B4-BE49-F238E27FC236}">
-                <a16:creationId xmlns:a16="http://schemas.microsoft.com/office/drawing/2014/main" id="{FFECA3BC-D291-1CDE-BDD7-30E831806689}"/>
-              </a:ext>
-            </a:extLst>
-          </p:cNvPr>
+            <a:endParaRPr lang="en-US" dirty="0"/>
+          </a:p>
+        </p:txBody>
+      </p:sp>
+      <p:sp>
+        <p:nvSpPr>
+          <p:cNvPr id="4" name="Text Placeholder 3"/>
           <p:cNvSpPr>
             <a:spLocks noGrp="1"/>
           </p:cNvSpPr>
@@ -2317,12 +4073,14 @@
         </p:nvSpPr>
         <p:spPr>
           <a:xfrm>
-            <a:off x="839788" y="2057400"/>
-            <a:ext cx="3932237" cy="3811588"/>
+            <a:off x="7085012" y="2209799"/>
+            <a:ext cx="3657600" cy="2091267"/>
           </a:xfrm>
         </p:spPr>
         <p:txBody>
-          <a:bodyPr/>
+          <a:bodyPr anchor="t">
+            <a:normAutofit/>
+          </a:bodyPr>
           <a:lstStyle>
             <a:lvl1pPr marL="0" indent="0">
               <a:buNone/>
@@ -2330,35 +4088,35 @@
             </a:lvl1pPr>
             <a:lvl2pPr marL="457200" indent="0">
               <a:buNone/>
-              <a:defRPr sz="1400"/>
+              <a:defRPr sz="1200"/>
             </a:lvl2pPr>
             <a:lvl3pPr marL="914400" indent="0">
               <a:buNone/>
-              <a:defRPr sz="1200"/>
+              <a:defRPr sz="1000"/>
             </a:lvl3pPr>
             <a:lvl4pPr marL="1371600" indent="0">
               <a:buNone/>
-              <a:defRPr sz="1000"/>
+              <a:defRPr sz="900"/>
             </a:lvl4pPr>
             <a:lvl5pPr marL="1828800" indent="0">
               <a:buNone/>
-              <a:defRPr sz="1000"/>
+              <a:defRPr sz="900"/>
             </a:lvl5pPr>
             <a:lvl6pPr marL="2286000" indent="0">
               <a:buNone/>
-              <a:defRPr sz="1000"/>
+              <a:defRPr sz="900"/>
             </a:lvl6pPr>
             <a:lvl7pPr marL="2743200" indent="0">
               <a:buNone/>
-              <a:defRPr sz="1000"/>
+              <a:defRPr sz="900"/>
             </a:lvl7pPr>
             <a:lvl8pPr marL="3200400" indent="0">
               <a:buNone/>
-              <a:defRPr sz="1000"/>
+              <a:defRPr sz="900"/>
             </a:lvl8pPr>
             <a:lvl9pPr marL="3657600" indent="0">
               <a:buNone/>
-              <a:defRPr sz="1000"/>
+              <a:defRPr sz="900"/>
             </a:lvl9pPr>
           </a:lstStyle>
           <a:p>
@@ -2372,13 +4130,7 @@
       </p:sp>
       <p:sp>
         <p:nvSpPr>
-          <p:cNvPr id="5" name="Date Placeholder 4">
-            <a:extLst>
-              <a:ext uri="{FF2B5EF4-FFF2-40B4-BE49-F238E27FC236}">
-                <a16:creationId xmlns:a16="http://schemas.microsoft.com/office/drawing/2014/main" id="{FFC86966-13A0-0FF0-13A0-794DE841981B}"/>
-              </a:ext>
-            </a:extLst>
-          </p:cNvPr>
+          <p:cNvPr id="5" name="Date Placeholder 4"/>
           <p:cNvSpPr>
             <a:spLocks noGrp="1"/>
           </p:cNvSpPr>
@@ -2393,7 +4145,7 @@
           <a:p>
             <a:fld id="{ED305653-79B2-4B67-A041-B7A7EF8868A0}" type="datetimeFigureOut">
               <a:rPr lang="en-GB" smtClean="0"/>
-              <a:t>22/12/2022</a:t>
+              <a:t>23/12/2022</a:t>
             </a:fld>
             <a:endParaRPr lang="en-GB"/>
           </a:p>
@@ -2401,13 +4153,7 @@
       </p:sp>
       <p:sp>
         <p:nvSpPr>
-          <p:cNvPr id="6" name="Footer Placeholder 5">
-            <a:extLst>
-              <a:ext uri="{FF2B5EF4-FFF2-40B4-BE49-F238E27FC236}">
-                <a16:creationId xmlns:a16="http://schemas.microsoft.com/office/drawing/2014/main" id="{4C469CDF-2719-AA15-EC24-74D6E15677B8}"/>
-              </a:ext>
-            </a:extLst>
-          </p:cNvPr>
+          <p:cNvPr id="6" name="Footer Placeholder 5"/>
           <p:cNvSpPr>
             <a:spLocks noGrp="1"/>
           </p:cNvSpPr>
@@ -2426,13 +4172,7 @@
       </p:sp>
       <p:sp>
         <p:nvSpPr>
-          <p:cNvPr id="7" name="Slide Number Placeholder 6">
-            <a:extLst>
-              <a:ext uri="{FF2B5EF4-FFF2-40B4-BE49-F238E27FC236}">
-                <a16:creationId xmlns:a16="http://schemas.microsoft.com/office/drawing/2014/main" id="{F8021FA0-8A16-2F0A-4AC4-82F11C25E45F}"/>
-              </a:ext>
-            </a:extLst>
-          </p:cNvPr>
+          <p:cNvPr id="7" name="Slide Number Placeholder 6"/>
           <p:cNvSpPr>
             <a:spLocks noGrp="1"/>
           </p:cNvSpPr>
@@ -2456,7 +4196,7 @@
     </p:spTree>
     <p:extLst>
       <p:ext uri="{BB962C8B-B14F-4D97-AF65-F5344CB8AC3E}">
-        <p14:creationId xmlns:p14="http://schemas.microsoft.com/office/powerpoint/2010/main" val="3894798310"/>
+        <p14:creationId xmlns:p14="http://schemas.microsoft.com/office/powerpoint/2010/main" val="3524343294"/>
       </p:ext>
     </p:extLst>
   </p:cSld>
@@ -2485,13 +4225,7 @@
       </p:grpSpPr>
       <p:sp>
         <p:nvSpPr>
-          <p:cNvPr id="2" name="Title 1">
-            <a:extLst>
-              <a:ext uri="{FF2B5EF4-FFF2-40B4-BE49-F238E27FC236}">
-                <a16:creationId xmlns:a16="http://schemas.microsoft.com/office/drawing/2014/main" id="{F09E0440-EBC3-C873-1773-1316A2E3117D}"/>
-              </a:ext>
-            </a:extLst>
-          </p:cNvPr>
+          <p:cNvPr id="2" name="Title 1"/>
           <p:cNvSpPr>
             <a:spLocks noGrp="1"/>
           </p:cNvSpPr>
@@ -2501,15 +4235,17 @@
         </p:nvSpPr>
         <p:spPr>
           <a:xfrm>
-            <a:off x="839788" y="457200"/>
-            <a:ext cx="3932237" cy="1600200"/>
+            <a:off x="4722812" y="1447800"/>
+            <a:ext cx="6019800" cy="1143000"/>
           </a:xfrm>
         </p:spPr>
         <p:txBody>
-          <a:bodyPr anchor="b"/>
+          <a:bodyPr anchor="b">
+            <a:normAutofit/>
+          </a:bodyPr>
           <a:lstStyle>
-            <a:lvl1pPr>
-              <a:defRPr sz="3200"/>
+            <a:lvl1pPr algn="l">
+              <a:defRPr sz="2800" b="0"/>
             </a:lvl1pPr>
           </a:lstStyle>
           <a:p>
@@ -2517,21 +4253,15 @@
               <a:rPr lang="en-US"/>
               <a:t>Click to edit Master title style</a:t>
             </a:r>
-            <a:endParaRPr lang="en-GB"/>
-          </a:p>
-        </p:txBody>
-      </p:sp>
-      <p:sp>
-        <p:nvSpPr>
-          <p:cNvPr id="3" name="Picture Placeholder 2">
-            <a:extLst>
-              <a:ext uri="{FF2B5EF4-FFF2-40B4-BE49-F238E27FC236}">
-                <a16:creationId xmlns:a16="http://schemas.microsoft.com/office/drawing/2014/main" id="{A14F2C36-0A8C-A295-A89F-26B90C502CFD}"/>
-              </a:ext>
-            </a:extLst>
-          </p:cNvPr>
-          <p:cNvSpPr>
-            <a:spLocks noGrp="1"/>
+            <a:endParaRPr lang="en-US" dirty="0"/>
+          </a:p>
+        </p:txBody>
+      </p:sp>
+      <p:sp>
+        <p:nvSpPr>
+          <p:cNvPr id="14" name="Picture Placeholder 2"/>
+          <p:cNvSpPr>
+            <a:spLocks noGrp="1" noChangeAspect="1"/>
           </p:cNvSpPr>
           <p:nvPr>
             <p:ph type="pic" idx="1"/>
@@ -2539,118 +4269,140 @@
         </p:nvSpPr>
         <p:spPr>
           <a:xfrm>
-            <a:off x="5183188" y="987425"/>
-            <a:ext cx="6172200" cy="4873625"/>
+            <a:off x="989012" y="914400"/>
+            <a:ext cx="3280974" cy="4572000"/>
           </a:xfrm>
+          <a:prstGeom prst="snip2DiagRect">
+            <a:avLst>
+              <a:gd name="adj1" fmla="val 10815"/>
+              <a:gd name="adj2" fmla="val 0"/>
+            </a:avLst>
+          </a:prstGeom>
+          <a:ln w="15875">
+            <a:solidFill>
+              <a:schemeClr val="tx1">
+                <a:alpha val="40000"/>
+              </a:schemeClr>
+            </a:solidFill>
+          </a:ln>
+          <a:effectLst>
+            <a:innerShdw blurRad="57150" dist="38100" dir="14460000">
+              <a:srgbClr val="000000">
+                <a:alpha val="70000"/>
+              </a:srgbClr>
+            </a:innerShdw>
+          </a:effectLst>
         </p:spPr>
         <p:txBody>
-          <a:bodyPr/>
+          <a:bodyPr anchor="t">
+            <a:normAutofit/>
+          </a:bodyPr>
           <a:lstStyle>
-            <a:lvl1pPr marL="0" indent="0">
-              <a:buNone/>
-              <a:defRPr sz="3200"/>
-            </a:lvl1pPr>
-            <a:lvl2pPr marL="457200" indent="0">
-              <a:buNone/>
-              <a:defRPr sz="2800"/>
-            </a:lvl2pPr>
-            <a:lvl3pPr marL="914400" indent="0">
-              <a:buNone/>
-              <a:defRPr sz="2400"/>
-            </a:lvl3pPr>
-            <a:lvl4pPr marL="1371600" indent="0">
-              <a:buNone/>
-              <a:defRPr sz="2000"/>
-            </a:lvl4pPr>
-            <a:lvl5pPr marL="1828800" indent="0">
-              <a:buNone/>
-              <a:defRPr sz="2000"/>
-            </a:lvl5pPr>
-            <a:lvl6pPr marL="2286000" indent="0">
-              <a:buNone/>
-              <a:defRPr sz="2000"/>
-            </a:lvl6pPr>
-            <a:lvl7pPr marL="2743200" indent="0">
-              <a:buNone/>
-              <a:defRPr sz="2000"/>
-            </a:lvl7pPr>
-            <a:lvl8pPr marL="3200400" indent="0">
-              <a:buNone/>
-              <a:defRPr sz="2000"/>
-            </a:lvl8pPr>
-            <a:lvl9pPr marL="3657600" indent="0">
-              <a:buNone/>
-              <a:defRPr sz="2000"/>
-            </a:lvl9pPr>
-          </a:lstStyle>
-          <a:p>
-            <a:endParaRPr lang="en-GB"/>
-          </a:p>
-        </p:txBody>
-      </p:sp>
-      <p:sp>
-        <p:nvSpPr>
-          <p:cNvPr id="4" name="Text Placeholder 3">
-            <a:extLst>
-              <a:ext uri="{FF2B5EF4-FFF2-40B4-BE49-F238E27FC236}">
-                <a16:creationId xmlns:a16="http://schemas.microsoft.com/office/drawing/2014/main" id="{F908BA18-F83D-1179-577C-F53701E9DB15}"/>
-              </a:ext>
-            </a:extLst>
-          </p:cNvPr>
-          <p:cNvSpPr>
-            <a:spLocks noGrp="1"/>
-          </p:cNvSpPr>
-          <p:nvPr>
-            <p:ph type="body" sz="half" idx="2"/>
-          </p:nvPr>
-        </p:nvSpPr>
-        <p:spPr>
-          <a:xfrm>
-            <a:off x="839788" y="2057400"/>
-            <a:ext cx="3932237" cy="3811588"/>
-          </a:xfrm>
-        </p:spPr>
-        <p:txBody>
-          <a:bodyPr/>
-          <a:lstStyle>
-            <a:lvl1pPr marL="0" indent="0">
+            <a:lvl1pPr marL="0" indent="0" algn="ctr">
               <a:buNone/>
               <a:defRPr sz="1600"/>
             </a:lvl1pPr>
             <a:lvl2pPr marL="457200" indent="0">
               <a:buNone/>
-              <a:defRPr sz="1400"/>
+              <a:defRPr sz="1600"/>
             </a:lvl2pPr>
             <a:lvl3pPr marL="914400" indent="0">
               <a:buNone/>
-              <a:defRPr sz="1200"/>
+              <a:defRPr sz="1600"/>
             </a:lvl3pPr>
             <a:lvl4pPr marL="1371600" indent="0">
               <a:buNone/>
-              <a:defRPr sz="1000"/>
+              <a:defRPr sz="1600"/>
             </a:lvl4pPr>
             <a:lvl5pPr marL="1828800" indent="0">
               <a:buNone/>
-              <a:defRPr sz="1000"/>
+              <a:defRPr sz="1600"/>
             </a:lvl5pPr>
             <a:lvl6pPr marL="2286000" indent="0">
               <a:buNone/>
-              <a:defRPr sz="1000"/>
+              <a:defRPr sz="1600"/>
             </a:lvl6pPr>
             <a:lvl7pPr marL="2743200" indent="0">
               <a:buNone/>
-              <a:defRPr sz="1000"/>
+              <a:defRPr sz="1600"/>
             </a:lvl7pPr>
             <a:lvl8pPr marL="3200400" indent="0">
               <a:buNone/>
-              <a:defRPr sz="1000"/>
+              <a:defRPr sz="1600"/>
             </a:lvl8pPr>
             <a:lvl9pPr marL="3657600" indent="0">
               <a:buNone/>
-              <a:defRPr sz="1000"/>
+              <a:defRPr sz="1600"/>
             </a:lvl9pPr>
           </a:lstStyle>
           <a:p>
+            <a:r>
+              <a:rPr lang="en-US"/>
+              <a:t>Click icon to add picture</a:t>
+            </a:r>
+            <a:endParaRPr lang="en-US" dirty="0"/>
+          </a:p>
+        </p:txBody>
+      </p:sp>
+      <p:sp>
+        <p:nvSpPr>
+          <p:cNvPr id="4" name="Text Placeholder 3"/>
+          <p:cNvSpPr>
+            <a:spLocks noGrp="1"/>
+          </p:cNvSpPr>
+          <p:nvPr>
+            <p:ph type="body" sz="half" idx="2"/>
+          </p:nvPr>
+        </p:nvSpPr>
+        <p:spPr>
+          <a:xfrm>
+            <a:off x="4722812" y="2777066"/>
+            <a:ext cx="6021388" cy="2048933"/>
+          </a:xfrm>
+        </p:spPr>
+        <p:txBody>
+          <a:bodyPr anchor="t">
+            <a:normAutofit/>
+          </a:bodyPr>
+          <a:lstStyle>
+            <a:lvl1pPr marL="0" indent="0">
+              <a:buNone/>
+              <a:defRPr sz="1800"/>
+            </a:lvl1pPr>
+            <a:lvl2pPr marL="457200" indent="0">
+              <a:buNone/>
+              <a:defRPr sz="1200"/>
+            </a:lvl2pPr>
+            <a:lvl3pPr marL="914400" indent="0">
+              <a:buNone/>
+              <a:defRPr sz="1000"/>
+            </a:lvl3pPr>
+            <a:lvl4pPr marL="1371600" indent="0">
+              <a:buNone/>
+              <a:defRPr sz="900"/>
+            </a:lvl4pPr>
+            <a:lvl5pPr marL="1828800" indent="0">
+              <a:buNone/>
+              <a:defRPr sz="900"/>
+            </a:lvl5pPr>
+            <a:lvl6pPr marL="2286000" indent="0">
+              <a:buNone/>
+              <a:defRPr sz="900"/>
+            </a:lvl6pPr>
+            <a:lvl7pPr marL="2743200" indent="0">
+              <a:buNone/>
+              <a:defRPr sz="900"/>
+            </a:lvl7pPr>
+            <a:lvl8pPr marL="3200400" indent="0">
+              <a:buNone/>
+              <a:defRPr sz="900"/>
+            </a:lvl8pPr>
+            <a:lvl9pPr marL="3657600" indent="0">
+              <a:buNone/>
+              <a:defRPr sz="900"/>
+            </a:lvl9pPr>
+          </a:lstStyle>
+          <a:p>
             <a:pPr lvl="0"/>
             <a:r>
               <a:rPr lang="en-US"/>
@@ -2661,13 +4413,7 @@
       </p:sp>
       <p:sp>
         <p:nvSpPr>
-          <p:cNvPr id="5" name="Date Placeholder 4">
-            <a:extLst>
-              <a:ext uri="{FF2B5EF4-FFF2-40B4-BE49-F238E27FC236}">
-                <a16:creationId xmlns:a16="http://schemas.microsoft.com/office/drawing/2014/main" id="{EF86A876-4F3D-812F-2840-D5D06AE78F5C}"/>
-              </a:ext>
-            </a:extLst>
-          </p:cNvPr>
+          <p:cNvPr id="5" name="Date Placeholder 4"/>
           <p:cNvSpPr>
             <a:spLocks noGrp="1"/>
           </p:cNvSpPr>
@@ -2682,7 +4428,7 @@
           <a:p>
             <a:fld id="{ED305653-79B2-4B67-A041-B7A7EF8868A0}" type="datetimeFigureOut">
               <a:rPr lang="en-GB" smtClean="0"/>
-              <a:t>22/12/2022</a:t>
+              <a:t>23/12/2022</a:t>
             </a:fld>
             <a:endParaRPr lang="en-GB"/>
           </a:p>
@@ -2690,13 +4436,7 @@
       </p:sp>
       <p:sp>
         <p:nvSpPr>
-          <p:cNvPr id="6" name="Footer Placeholder 5">
-            <a:extLst>
-              <a:ext uri="{FF2B5EF4-FFF2-40B4-BE49-F238E27FC236}">
-                <a16:creationId xmlns:a16="http://schemas.microsoft.com/office/drawing/2014/main" id="{FABDBE25-739B-A894-C36B-D6C6EB6E698C}"/>
-              </a:ext>
-            </a:extLst>
-          </p:cNvPr>
+          <p:cNvPr id="6" name="Footer Placeholder 5"/>
           <p:cNvSpPr>
             <a:spLocks noGrp="1"/>
           </p:cNvSpPr>
@@ -2715,13 +4455,7 @@
       </p:sp>
       <p:sp>
         <p:nvSpPr>
-          <p:cNvPr id="7" name="Slide Number Placeholder 6">
-            <a:extLst>
-              <a:ext uri="{FF2B5EF4-FFF2-40B4-BE49-F238E27FC236}">
-                <a16:creationId xmlns:a16="http://schemas.microsoft.com/office/drawing/2014/main" id="{7BD31182-5E40-5B1A-AF2A-F28BBE819A87}"/>
-              </a:ext>
-            </a:extLst>
-          </p:cNvPr>
+          <p:cNvPr id="7" name="Slide Number Placeholder 6"/>
           <p:cNvSpPr>
             <a:spLocks noGrp="1"/>
           </p:cNvSpPr>
@@ -2745,7 +4479,7 @@
     </p:spTree>
     <p:extLst>
       <p:ext uri="{BB962C8B-B14F-4D97-AF65-F5344CB8AC3E}">
-        <p14:creationId xmlns:p14="http://schemas.microsoft.com/office/powerpoint/2010/main" val="2047739490"/>
+        <p14:creationId xmlns:p14="http://schemas.microsoft.com/office/powerpoint/2010/main" val="3591223455"/>
       </p:ext>
     </p:extLst>
   </p:cSld>
@@ -2759,8 +4493,8 @@
 <p:sldMaster xmlns:a="http://schemas.openxmlformats.org/drawingml/2006/main" xmlns:r="http://schemas.openxmlformats.org/officeDocument/2006/relationships" xmlns:p="http://schemas.openxmlformats.org/presentationml/2006/main">
   <p:cSld>
     <p:bg>
-      <p:bgRef idx="1001">
-        <a:schemeClr val="bg1"/>
+      <p:bgRef idx="1002">
+        <a:schemeClr val="bg2"/>
       </p:bgRef>
     </p:bg>
     <p:spTree>
@@ -2777,15 +4511,199 @@
           <a:chExt cx="0" cy="0"/>
         </a:xfrm>
       </p:grpSpPr>
-      <p:sp>
-        <p:nvSpPr>
-          <p:cNvPr id="2" name="Title Placeholder 1">
-            <a:extLst>
-              <a:ext uri="{FF2B5EF4-FFF2-40B4-BE49-F238E27FC236}">
-                <a16:creationId xmlns:a16="http://schemas.microsoft.com/office/drawing/2014/main" id="{9B6ED5A0-3417-0040-A63E-E33D9931560D}"/>
-              </a:ext>
-            </a:extLst>
-          </p:cNvPr>
+      <p:grpSp>
+        <p:nvGrpSpPr>
+          <p:cNvPr id="7" name="Group 6"/>
+          <p:cNvGrpSpPr/>
+          <p:nvPr/>
+        </p:nvGrpSpPr>
+        <p:grpSpPr>
+          <a:xfrm>
+            <a:off x="9206969" y="2963333"/>
+            <a:ext cx="2981858" cy="3208867"/>
+            <a:chOff x="9206969" y="2963333"/>
+            <a:chExt cx="2981858" cy="3208867"/>
+          </a:xfrm>
+        </p:grpSpPr>
+        <p:cxnSp>
+          <p:nvCxnSpPr>
+            <p:cNvPr id="8" name="Straight Connector 7"/>
+            <p:cNvCxnSpPr/>
+            <p:nvPr/>
+          </p:nvCxnSpPr>
+          <p:spPr>
+            <a:xfrm flipH="1">
+              <a:off x="11276012" y="2963333"/>
+              <a:ext cx="912814" cy="912812"/>
+            </a:xfrm>
+            <a:prstGeom prst="line">
+              <a:avLst/>
+            </a:prstGeom>
+            <a:ln w="9525">
+              <a:solidFill>
+                <a:schemeClr val="tx1"/>
+              </a:solidFill>
+            </a:ln>
+          </p:spPr>
+          <p:style>
+            <a:lnRef idx="2">
+              <a:schemeClr val="accent1"/>
+            </a:lnRef>
+            <a:fillRef idx="0">
+              <a:schemeClr val="accent1"/>
+            </a:fillRef>
+            <a:effectRef idx="1">
+              <a:schemeClr val="accent1"/>
+            </a:effectRef>
+            <a:fontRef idx="minor">
+              <a:schemeClr val="tx1"/>
+            </a:fontRef>
+          </p:style>
+        </p:cxnSp>
+        <p:cxnSp>
+          <p:nvCxnSpPr>
+            <p:cNvPr id="9" name="Straight Connector 8"/>
+            <p:cNvCxnSpPr/>
+            <p:nvPr/>
+          </p:nvCxnSpPr>
+          <p:spPr>
+            <a:xfrm flipH="1">
+              <a:off x="9206969" y="3190344"/>
+              <a:ext cx="2981857" cy="2981856"/>
+            </a:xfrm>
+            <a:prstGeom prst="line">
+              <a:avLst/>
+            </a:prstGeom>
+            <a:ln w="9525">
+              <a:solidFill>
+                <a:schemeClr val="tx1"/>
+              </a:solidFill>
+            </a:ln>
+          </p:spPr>
+          <p:style>
+            <a:lnRef idx="2">
+              <a:schemeClr val="accent1"/>
+            </a:lnRef>
+            <a:fillRef idx="0">
+              <a:schemeClr val="accent1"/>
+            </a:fillRef>
+            <a:effectRef idx="1">
+              <a:schemeClr val="accent1"/>
+            </a:effectRef>
+            <a:fontRef idx="minor">
+              <a:schemeClr val="tx1"/>
+            </a:fontRef>
+          </p:style>
+        </p:cxnSp>
+        <p:cxnSp>
+          <p:nvCxnSpPr>
+            <p:cNvPr id="10" name="Straight Connector 9"/>
+            <p:cNvCxnSpPr/>
+            <p:nvPr/>
+          </p:nvCxnSpPr>
+          <p:spPr>
+            <a:xfrm flipH="1">
+              <a:off x="10292292" y="3285067"/>
+              <a:ext cx="1896534" cy="1896533"/>
+            </a:xfrm>
+            <a:prstGeom prst="line">
+              <a:avLst/>
+            </a:prstGeom>
+            <a:ln w="9525">
+              <a:solidFill>
+                <a:schemeClr val="tx1"/>
+              </a:solidFill>
+            </a:ln>
+          </p:spPr>
+          <p:style>
+            <a:lnRef idx="2">
+              <a:schemeClr val="accent1"/>
+            </a:lnRef>
+            <a:fillRef idx="0">
+              <a:schemeClr val="accent1"/>
+            </a:fillRef>
+            <a:effectRef idx="1">
+              <a:schemeClr val="accent1"/>
+            </a:effectRef>
+            <a:fontRef idx="minor">
+              <a:schemeClr val="tx1"/>
+            </a:fontRef>
+          </p:style>
+        </p:cxnSp>
+        <p:cxnSp>
+          <p:nvCxnSpPr>
+            <p:cNvPr id="11" name="Straight Connector 10"/>
+            <p:cNvCxnSpPr/>
+            <p:nvPr/>
+          </p:nvCxnSpPr>
+          <p:spPr>
+            <a:xfrm flipH="1">
+              <a:off x="10443103" y="3131080"/>
+              <a:ext cx="1745722" cy="1745720"/>
+            </a:xfrm>
+            <a:prstGeom prst="line">
+              <a:avLst/>
+            </a:prstGeom>
+            <a:ln w="28575">
+              <a:solidFill>
+                <a:schemeClr val="tx1"/>
+              </a:solidFill>
+            </a:ln>
+          </p:spPr>
+          <p:style>
+            <a:lnRef idx="2">
+              <a:schemeClr val="accent1"/>
+            </a:lnRef>
+            <a:fillRef idx="0">
+              <a:schemeClr val="accent1"/>
+            </a:fillRef>
+            <a:effectRef idx="1">
+              <a:schemeClr val="accent1"/>
+            </a:effectRef>
+            <a:fontRef idx="minor">
+              <a:schemeClr val="tx1"/>
+            </a:fontRef>
+          </p:style>
+        </p:cxnSp>
+        <p:cxnSp>
+          <p:nvCxnSpPr>
+            <p:cNvPr id="12" name="Straight Connector 11"/>
+            <p:cNvCxnSpPr/>
+            <p:nvPr/>
+          </p:nvCxnSpPr>
+          <p:spPr>
+            <a:xfrm flipH="1">
+              <a:off x="10918826" y="3683001"/>
+              <a:ext cx="1270001" cy="1269999"/>
+            </a:xfrm>
+            <a:prstGeom prst="line">
+              <a:avLst/>
+            </a:prstGeom>
+            <a:ln w="28575">
+              <a:solidFill>
+                <a:schemeClr val="tx1"/>
+              </a:solidFill>
+            </a:ln>
+          </p:spPr>
+          <p:style>
+            <a:lnRef idx="2">
+              <a:schemeClr val="accent1"/>
+            </a:lnRef>
+            <a:fillRef idx="0">
+              <a:schemeClr val="accent1"/>
+            </a:fillRef>
+            <a:effectRef idx="1">
+              <a:schemeClr val="accent1"/>
+            </a:effectRef>
+            <a:fontRef idx="minor">
+              <a:schemeClr val="tx1"/>
+            </a:fontRef>
+          </p:style>
+        </p:cxnSp>
+      </p:grpSp>
+      <p:sp>
+        <p:nvSpPr>
+          <p:cNvPr id="2" name="Title Placeholder 1"/>
           <p:cNvSpPr>
             <a:spLocks noGrp="1"/>
           </p:cNvSpPr>
@@ -2795,8 +4713,42 @@
         </p:nvSpPr>
         <p:spPr>
           <a:xfrm>
-            <a:off x="838200" y="365125"/>
-            <a:ext cx="10515600" cy="1325563"/>
+            <a:off x="684212" y="4487332"/>
+            <a:ext cx="8534400" cy="1507067"/>
+          </a:xfrm>
+          <a:prstGeom prst="rect">
+            <a:avLst/>
+          </a:prstGeom>
+          <a:effectLst/>
+        </p:spPr>
+        <p:txBody>
+          <a:bodyPr vert="horz" lIns="91440" tIns="45720" rIns="91440" bIns="45720" rtlCol="0" anchor="ctr">
+            <a:normAutofit/>
+          </a:bodyPr>
+          <a:lstStyle/>
+          <a:p>
+            <a:r>
+              <a:rPr lang="en-US"/>
+              <a:t>Click to edit Master title style</a:t>
+            </a:r>
+            <a:endParaRPr lang="en-US" dirty="0"/>
+          </a:p>
+        </p:txBody>
+      </p:sp>
+      <p:sp>
+        <p:nvSpPr>
+          <p:cNvPr id="3" name="Text Placeholder 2"/>
+          <p:cNvSpPr>
+            <a:spLocks noGrp="1"/>
+          </p:cNvSpPr>
+          <p:nvPr>
+            <p:ph type="body" idx="1"/>
+          </p:nvPr>
+        </p:nvSpPr>
+        <p:spPr>
+          <a:xfrm>
+            <a:off x="684212" y="685800"/>
+            <a:ext cx="8534400" cy="3615267"/>
           </a:xfrm>
           <a:prstGeom prst="rect">
             <a:avLst/>
@@ -2808,207 +4760,156 @@
           </a:bodyPr>
           <a:lstStyle/>
           <a:p>
-            <a:r>
-              <a:rPr lang="en-US"/>
-              <a:t>Click to edit Master title style</a:t>
-            </a:r>
-            <a:endParaRPr lang="en-GB"/>
-          </a:p>
-        </p:txBody>
-      </p:sp>
-      <p:sp>
-        <p:nvSpPr>
-          <p:cNvPr id="3" name="Text Placeholder 2">
-            <a:extLst>
-              <a:ext uri="{FF2B5EF4-FFF2-40B4-BE49-F238E27FC236}">
-                <a16:creationId xmlns:a16="http://schemas.microsoft.com/office/drawing/2014/main" id="{D313A63E-9F6E-ED64-8949-6035696A34F6}"/>
-              </a:ext>
-            </a:extLst>
-          </p:cNvPr>
-          <p:cNvSpPr>
-            <a:spLocks noGrp="1"/>
-          </p:cNvSpPr>
-          <p:nvPr>
-            <p:ph type="body" idx="1"/>
+            <a:pPr lvl="0"/>
+            <a:r>
+              <a:rPr lang="en-US"/>
+              <a:t>Click to edit Master text styles</a:t>
+            </a:r>
+          </a:p>
+          <a:p>
+            <a:pPr lvl="1"/>
+            <a:r>
+              <a:rPr lang="en-US"/>
+              <a:t>Second level</a:t>
+            </a:r>
+          </a:p>
+          <a:p>
+            <a:pPr lvl="2"/>
+            <a:r>
+              <a:rPr lang="en-US"/>
+              <a:t>Third level</a:t>
+            </a:r>
+          </a:p>
+          <a:p>
+            <a:pPr lvl="3"/>
+            <a:r>
+              <a:rPr lang="en-US"/>
+              <a:t>Fourth level</a:t>
+            </a:r>
+          </a:p>
+          <a:p>
+            <a:pPr lvl="4"/>
+            <a:r>
+              <a:rPr lang="en-US"/>
+              <a:t>Fifth level</a:t>
+            </a:r>
+            <a:endParaRPr lang="en-US" dirty="0"/>
+          </a:p>
+        </p:txBody>
+      </p:sp>
+      <p:sp>
+        <p:nvSpPr>
+          <p:cNvPr id="4" name="Date Placeholder 3"/>
+          <p:cNvSpPr>
+            <a:spLocks noGrp="1"/>
+          </p:cNvSpPr>
+          <p:nvPr>
+            <p:ph type="dt" sz="half" idx="2"/>
           </p:nvPr>
         </p:nvSpPr>
         <p:spPr>
           <a:xfrm>
-            <a:off x="838200" y="1825625"/>
-            <a:ext cx="10515600" cy="4351338"/>
+            <a:off x="9904412" y="6172200"/>
+            <a:ext cx="1600200" cy="365125"/>
           </a:xfrm>
           <a:prstGeom prst="rect">
             <a:avLst/>
           </a:prstGeom>
         </p:spPr>
         <p:txBody>
-          <a:bodyPr vert="horz" lIns="91440" tIns="45720" rIns="91440" bIns="45720" rtlCol="0">
-            <a:normAutofit/>
-          </a:bodyPr>
-          <a:lstStyle/>
-          <a:p>
-            <a:pPr lvl="0"/>
-            <a:r>
-              <a:rPr lang="en-US"/>
-              <a:t>Click to edit Master text styles</a:t>
-            </a:r>
-          </a:p>
-          <a:p>
-            <a:pPr lvl="1"/>
-            <a:r>
-              <a:rPr lang="en-US"/>
-              <a:t>Second level</a:t>
-            </a:r>
-          </a:p>
-          <a:p>
-            <a:pPr lvl="2"/>
-            <a:r>
-              <a:rPr lang="en-US"/>
-              <a:t>Third level</a:t>
-            </a:r>
-          </a:p>
-          <a:p>
-            <a:pPr lvl="3"/>
-            <a:r>
-              <a:rPr lang="en-US"/>
-              <a:t>Fourth level</a:t>
-            </a:r>
-          </a:p>
-          <a:p>
-            <a:pPr lvl="4"/>
-            <a:r>
-              <a:rPr lang="en-US"/>
-              <a:t>Fifth level</a:t>
-            </a:r>
+          <a:bodyPr vert="horz" lIns="91440" tIns="45720" rIns="91440" bIns="45720" rtlCol="0" anchor="t"/>
+          <a:lstStyle>
+            <a:lvl1pPr algn="r">
+              <a:defRPr sz="1000" b="0" i="0">
+                <a:solidFill>
+                  <a:schemeClr val="bg2">
+                    <a:lumMod val="50000"/>
+                  </a:schemeClr>
+                </a:solidFill>
+                <a:effectLst/>
+                <a:latin typeface="+mn-lt"/>
+              </a:defRPr>
+            </a:lvl1pPr>
+          </a:lstStyle>
+          <a:p>
+            <a:fld id="{ED305653-79B2-4B67-A041-B7A7EF8868A0}" type="datetimeFigureOut">
+              <a:rPr lang="en-GB" smtClean="0"/>
+              <a:t>23/12/2022</a:t>
+            </a:fld>
             <a:endParaRPr lang="en-GB"/>
           </a:p>
         </p:txBody>
       </p:sp>
       <p:sp>
         <p:nvSpPr>
-          <p:cNvPr id="4" name="Date Placeholder 3">
-            <a:extLst>
-              <a:ext uri="{FF2B5EF4-FFF2-40B4-BE49-F238E27FC236}">
-                <a16:creationId xmlns:a16="http://schemas.microsoft.com/office/drawing/2014/main" id="{BFEB8938-4B17-A645-D143-AB6DC812A8EE}"/>
-              </a:ext>
-            </a:extLst>
-          </p:cNvPr>
-          <p:cNvSpPr>
-            <a:spLocks noGrp="1"/>
-          </p:cNvSpPr>
-          <p:nvPr>
-            <p:ph type="dt" sz="half" idx="2"/>
+          <p:cNvPr id="5" name="Footer Placeholder 4"/>
+          <p:cNvSpPr>
+            <a:spLocks noGrp="1"/>
+          </p:cNvSpPr>
+          <p:nvPr>
+            <p:ph type="ftr" sz="quarter" idx="3"/>
           </p:nvPr>
         </p:nvSpPr>
         <p:spPr>
           <a:xfrm>
-            <a:off x="838200" y="6356350"/>
-            <a:ext cx="2743200" cy="365125"/>
+            <a:off x="684212" y="6172200"/>
+            <a:ext cx="7543800" cy="365125"/>
           </a:xfrm>
           <a:prstGeom prst="rect">
             <a:avLst/>
           </a:prstGeom>
         </p:spPr>
         <p:txBody>
-          <a:bodyPr vert="horz" lIns="91440" tIns="45720" rIns="91440" bIns="45720" rtlCol="0" anchor="ctr"/>
+          <a:bodyPr vert="horz" lIns="91440" tIns="45720" rIns="91440" bIns="45720" rtlCol="0" anchor="t"/>
           <a:lstStyle>
             <a:lvl1pPr algn="l">
-              <a:defRPr sz="1200">
-                <a:solidFill>
-                  <a:schemeClr val="tx1">
-                    <a:tint val="75000"/>
-                  </a:schemeClr>
-                </a:solidFill>
+              <a:defRPr sz="1000" b="0" i="0">
+                <a:solidFill>
+                  <a:schemeClr val="bg2">
+                    <a:lumMod val="50000"/>
+                  </a:schemeClr>
+                </a:solidFill>
+                <a:effectLst/>
+                <a:latin typeface="+mn-lt"/>
               </a:defRPr>
             </a:lvl1pPr>
           </a:lstStyle>
           <a:p>
-            <a:fld id="{ED305653-79B2-4B67-A041-B7A7EF8868A0}" type="datetimeFigureOut">
-              <a:rPr lang="en-GB" smtClean="0"/>
-              <a:t>22/12/2022</a:t>
-            </a:fld>
             <a:endParaRPr lang="en-GB"/>
           </a:p>
         </p:txBody>
       </p:sp>
       <p:sp>
         <p:nvSpPr>
-          <p:cNvPr id="5" name="Footer Placeholder 4">
-            <a:extLst>
-              <a:ext uri="{FF2B5EF4-FFF2-40B4-BE49-F238E27FC236}">
-                <a16:creationId xmlns:a16="http://schemas.microsoft.com/office/drawing/2014/main" id="{E7EE9EA5-4C96-C860-51E2-B16801F0DEAE}"/>
-              </a:ext>
-            </a:extLst>
-          </p:cNvPr>
-          <p:cNvSpPr>
-            <a:spLocks noGrp="1"/>
-          </p:cNvSpPr>
-          <p:nvPr>
-            <p:ph type="ftr" sz="quarter" idx="3"/>
+          <p:cNvPr id="6" name="Slide Number Placeholder 5"/>
+          <p:cNvSpPr>
+            <a:spLocks noGrp="1"/>
+          </p:cNvSpPr>
+          <p:nvPr>
+            <p:ph type="sldNum" sz="quarter" idx="4"/>
           </p:nvPr>
         </p:nvSpPr>
         <p:spPr>
           <a:xfrm>
-            <a:off x="4038600" y="6356350"/>
-            <a:ext cx="4114800" cy="365125"/>
+            <a:off x="10363200" y="5578475"/>
+            <a:ext cx="1142245" cy="669925"/>
           </a:xfrm>
           <a:prstGeom prst="rect">
             <a:avLst/>
           </a:prstGeom>
         </p:spPr>
         <p:txBody>
-          <a:bodyPr vert="horz" lIns="91440" tIns="45720" rIns="91440" bIns="45720" rtlCol="0" anchor="ctr"/>
-          <a:lstStyle>
-            <a:lvl1pPr algn="ctr">
-              <a:defRPr sz="1200">
-                <a:solidFill>
-                  <a:schemeClr val="tx1">
-                    <a:tint val="75000"/>
-                  </a:schemeClr>
-                </a:solidFill>
-              </a:defRPr>
-            </a:lvl1pPr>
-          </a:lstStyle>
-          <a:p>
-            <a:endParaRPr lang="en-GB"/>
-          </a:p>
-        </p:txBody>
-      </p:sp>
-      <p:sp>
-        <p:nvSpPr>
-          <p:cNvPr id="6" name="Slide Number Placeholder 5">
-            <a:extLst>
-              <a:ext uri="{FF2B5EF4-FFF2-40B4-BE49-F238E27FC236}">
-                <a16:creationId xmlns:a16="http://schemas.microsoft.com/office/drawing/2014/main" id="{6C4F9086-E758-5307-0C0E-06B53EB394CA}"/>
-              </a:ext>
-            </a:extLst>
-          </p:cNvPr>
-          <p:cNvSpPr>
-            <a:spLocks noGrp="1"/>
-          </p:cNvSpPr>
-          <p:nvPr>
-            <p:ph type="sldNum" sz="quarter" idx="4"/>
-          </p:nvPr>
-        </p:nvSpPr>
-        <p:spPr>
-          <a:xfrm>
-            <a:off x="8610600" y="6356350"/>
-            <a:ext cx="2743200" cy="365125"/>
-          </a:xfrm>
-          <a:prstGeom prst="rect">
-            <a:avLst/>
-          </a:prstGeom>
-        </p:spPr>
-        <p:txBody>
-          <a:bodyPr vert="horz" lIns="91440" tIns="45720" rIns="91440" bIns="45720" rtlCol="0" anchor="ctr"/>
+          <a:bodyPr vert="horz" lIns="91440" tIns="45720" rIns="91440" bIns="45720" rtlCol="0" anchor="b"/>
           <a:lstStyle>
             <a:lvl1pPr algn="r">
-              <a:defRPr sz="1200">
-                <a:solidFill>
-                  <a:schemeClr val="tx1">
-                    <a:tint val="75000"/>
-                  </a:schemeClr>
-                </a:solidFill>
+              <a:defRPr sz="3200" b="0" i="0">
+                <a:solidFill>
+                  <a:schemeClr val="bg2">
+                    <a:lumMod val="50000"/>
+                  </a:schemeClr>
+                </a:solidFill>
+                <a:effectLst/>
+                <a:latin typeface="+mn-lt"/>
               </a:defRPr>
             </a:lvl1pPr>
           </a:lstStyle>
@@ -3024,202 +4925,328 @@
     </p:spTree>
     <p:extLst>
       <p:ext uri="{BB962C8B-B14F-4D97-AF65-F5344CB8AC3E}">
-        <p14:creationId xmlns:p14="http://schemas.microsoft.com/office/powerpoint/2010/main" val="1735727816"/>
+        <p14:creationId xmlns:p14="http://schemas.microsoft.com/office/powerpoint/2010/main" val="3786057980"/>
       </p:ext>
     </p:extLst>
   </p:cSld>
-  <p:clrMap bg1="lt1" tx1="dk1" bg2="lt2" tx2="dk2" accent1="accent1" accent2="accent2" accent3="accent3" accent4="accent4" accent5="accent5" accent6="accent6" hlink="hlink" folHlink="folHlink"/>
+  <p:clrMap bg1="dk1" tx1="lt1" bg2="dk2" tx2="lt2" accent1="accent1" accent2="accent2" accent3="accent3" accent4="accent4" accent5="accent5" accent6="accent6" hlink="hlink" folHlink="folHlink"/>
   <p:sldLayoutIdLst>
-    <p:sldLayoutId id="2147483649" r:id="rId1"/>
-    <p:sldLayoutId id="2147483650" r:id="rId2"/>
-    <p:sldLayoutId id="2147483651" r:id="rId3"/>
-    <p:sldLayoutId id="2147483652" r:id="rId4"/>
-    <p:sldLayoutId id="2147483653" r:id="rId5"/>
-    <p:sldLayoutId id="2147483654" r:id="rId6"/>
-    <p:sldLayoutId id="2147483655" r:id="rId7"/>
-    <p:sldLayoutId id="2147483656" r:id="rId8"/>
-    <p:sldLayoutId id="2147483657" r:id="rId9"/>
-    <p:sldLayoutId id="2147483658" r:id="rId10"/>
-    <p:sldLayoutId id="2147483659" r:id="rId11"/>
+    <p:sldLayoutId id="2147483661" r:id="rId1"/>
+    <p:sldLayoutId id="2147483662" r:id="rId2"/>
+    <p:sldLayoutId id="2147483663" r:id="rId3"/>
+    <p:sldLayoutId id="2147483664" r:id="rId4"/>
+    <p:sldLayoutId id="2147483665" r:id="rId5"/>
+    <p:sldLayoutId id="2147483666" r:id="rId6"/>
+    <p:sldLayoutId id="2147483667" r:id="rId7"/>
+    <p:sldLayoutId id="2147483668" r:id="rId8"/>
+    <p:sldLayoutId id="2147483669" r:id="rId9"/>
+    <p:sldLayoutId id="2147483670" r:id="rId10"/>
+    <p:sldLayoutId id="2147483671" r:id="rId11"/>
+    <p:sldLayoutId id="2147483672" r:id="rId12"/>
+    <p:sldLayoutId id="2147483673" r:id="rId13"/>
+    <p:sldLayoutId id="2147483674" r:id="rId14"/>
+    <p:sldLayoutId id="2147483675" r:id="rId15"/>
+    <p:sldLayoutId id="2147483676" r:id="rId16"/>
+    <p:sldLayoutId id="2147483677" r:id="rId17"/>
   </p:sldLayoutIdLst>
   <p:txStyles>
     <p:titleStyle>
-      <a:lvl1pPr algn="l" defTabSz="914400" rtl="0" eaLnBrk="1" latinLnBrk="0" hangingPunct="1">
-        <a:lnSpc>
-          <a:spcPct val="90000"/>
-        </a:lnSpc>
+      <a:lvl1pPr algn="l" defTabSz="457200" rtl="0" eaLnBrk="1" latinLnBrk="0" hangingPunct="1">
         <a:spcBef>
           <a:spcPct val="0"/>
         </a:spcBef>
         <a:buNone/>
-        <a:defRPr sz="4400" kern="1200">
+        <a:defRPr sz="3600" kern="1200" cap="all">
+          <a:ln w="3175" cmpd="sng">
+            <a:noFill/>
+          </a:ln>
           <a:solidFill>
             <a:schemeClr val="tx1"/>
           </a:solidFill>
+          <a:effectLst/>
           <a:latin typeface="+mj-lt"/>
           <a:ea typeface="+mj-ea"/>
           <a:cs typeface="+mj-cs"/>
         </a:defRPr>
       </a:lvl1pPr>
+      <a:lvl2pPr eaLnBrk="1" hangingPunct="1">
+        <a:defRPr>
+          <a:solidFill>
+            <a:schemeClr val="tx2"/>
+          </a:solidFill>
+        </a:defRPr>
+      </a:lvl2pPr>
+      <a:lvl3pPr eaLnBrk="1" hangingPunct="1">
+        <a:defRPr>
+          <a:solidFill>
+            <a:schemeClr val="tx2"/>
+          </a:solidFill>
+        </a:defRPr>
+      </a:lvl3pPr>
+      <a:lvl4pPr eaLnBrk="1" hangingPunct="1">
+        <a:defRPr>
+          <a:solidFill>
+            <a:schemeClr val="tx2"/>
+          </a:solidFill>
+        </a:defRPr>
+      </a:lvl4pPr>
+      <a:lvl5pPr eaLnBrk="1" hangingPunct="1">
+        <a:defRPr>
+          <a:solidFill>
+            <a:schemeClr val="tx2"/>
+          </a:solidFill>
+        </a:defRPr>
+      </a:lvl5pPr>
+      <a:lvl6pPr eaLnBrk="1" hangingPunct="1">
+        <a:defRPr>
+          <a:solidFill>
+            <a:schemeClr val="tx2"/>
+          </a:solidFill>
+        </a:defRPr>
+      </a:lvl6pPr>
+      <a:lvl7pPr eaLnBrk="1" hangingPunct="1">
+        <a:defRPr>
+          <a:solidFill>
+            <a:schemeClr val="tx2"/>
+          </a:solidFill>
+        </a:defRPr>
+      </a:lvl7pPr>
+      <a:lvl8pPr eaLnBrk="1" hangingPunct="1">
+        <a:defRPr>
+          <a:solidFill>
+            <a:schemeClr val="tx2"/>
+          </a:solidFill>
+        </a:defRPr>
+      </a:lvl8pPr>
+      <a:lvl9pPr eaLnBrk="1" hangingPunct="1">
+        <a:defRPr>
+          <a:solidFill>
+            <a:schemeClr val="tx2"/>
+          </a:solidFill>
+        </a:defRPr>
+      </a:lvl9pPr>
     </p:titleStyle>
     <p:bodyStyle>
-      <a:lvl1pPr marL="228600" indent="-228600" algn="l" defTabSz="914400" rtl="0" eaLnBrk="1" latinLnBrk="0" hangingPunct="1">
-        <a:lnSpc>
-          <a:spcPct val="90000"/>
-        </a:lnSpc>
+      <a:lvl1pPr marL="285750" indent="-285750" algn="l" defTabSz="457200" rtl="0" eaLnBrk="1" latinLnBrk="0" hangingPunct="1">
         <a:spcBef>
-          <a:spcPts val="1000"/>
+          <a:spcPct val="20000"/>
         </a:spcBef>
-        <a:buFont typeface="Arial" panose="020B0604020202020204" pitchFamily="34" charset="0"/>
-        <a:buChar char="•"/>
-        <a:defRPr sz="2800" kern="1200">
+        <a:spcAft>
+          <a:spcPts val="600"/>
+        </a:spcAft>
+        <a:buClr>
+          <a:schemeClr val="tx1"/>
+        </a:buClr>
+        <a:buSzPct val="80000"/>
+        <a:buFont typeface="Wingdings 3" panose="05040102010807070707" pitchFamily="18" charset="2"/>
+        <a:buChar char=""/>
+        <a:defRPr sz="2000" kern="1200" cap="none">
           <a:solidFill>
-            <a:schemeClr val="tx1"/>
+            <a:schemeClr val="bg2">
+              <a:lumMod val="75000"/>
+            </a:schemeClr>
           </a:solidFill>
+          <a:effectLst/>
           <a:latin typeface="+mn-lt"/>
           <a:ea typeface="+mn-ea"/>
           <a:cs typeface="+mn-cs"/>
         </a:defRPr>
       </a:lvl1pPr>
-      <a:lvl2pPr marL="685800" indent="-228600" algn="l" defTabSz="914400" rtl="0" eaLnBrk="1" latinLnBrk="0" hangingPunct="1">
-        <a:lnSpc>
-          <a:spcPct val="90000"/>
-        </a:lnSpc>
+      <a:lvl2pPr marL="742950" indent="-285750" algn="l" defTabSz="457200" rtl="0" eaLnBrk="1" latinLnBrk="0" hangingPunct="1">
         <a:spcBef>
-          <a:spcPts val="500"/>
+          <a:spcPct val="20000"/>
         </a:spcBef>
-        <a:buFont typeface="Arial" panose="020B0604020202020204" pitchFamily="34" charset="0"/>
-        <a:buChar char="•"/>
-        <a:defRPr sz="2400" kern="1200">
+        <a:spcAft>
+          <a:spcPts val="600"/>
+        </a:spcAft>
+        <a:buClr>
+          <a:schemeClr val="tx1"/>
+        </a:buClr>
+        <a:buSzPct val="80000"/>
+        <a:buFont typeface="Wingdings 3" panose="05040102010807070707" pitchFamily="18" charset="2"/>
+        <a:buChar char=""/>
+        <a:defRPr sz="1800" kern="1200" cap="none">
           <a:solidFill>
-            <a:schemeClr val="tx1"/>
+            <a:schemeClr val="bg2">
+              <a:lumMod val="75000"/>
+            </a:schemeClr>
           </a:solidFill>
+          <a:effectLst/>
           <a:latin typeface="+mn-lt"/>
           <a:ea typeface="+mn-ea"/>
           <a:cs typeface="+mn-cs"/>
         </a:defRPr>
       </a:lvl2pPr>
-      <a:lvl3pPr marL="1143000" indent="-228600" algn="l" defTabSz="914400" rtl="0" eaLnBrk="1" latinLnBrk="0" hangingPunct="1">
-        <a:lnSpc>
-          <a:spcPct val="90000"/>
-        </a:lnSpc>
+      <a:lvl3pPr marL="1200150" indent="-285750" algn="l" defTabSz="457200" rtl="0" eaLnBrk="1" latinLnBrk="0" hangingPunct="1">
         <a:spcBef>
-          <a:spcPts val="500"/>
+          <a:spcPct val="20000"/>
         </a:spcBef>
-        <a:buFont typeface="Arial" panose="020B0604020202020204" pitchFamily="34" charset="0"/>
-        <a:buChar char="•"/>
-        <a:defRPr sz="2000" kern="1200">
+        <a:spcAft>
+          <a:spcPts val="600"/>
+        </a:spcAft>
+        <a:buClr>
+          <a:schemeClr val="tx1"/>
+        </a:buClr>
+        <a:buSzPct val="80000"/>
+        <a:buFont typeface="Wingdings 3" panose="05040102010807070707" pitchFamily="18" charset="2"/>
+        <a:buChar char=""/>
+        <a:defRPr sz="1600" kern="1200" cap="none">
           <a:solidFill>
-            <a:schemeClr val="tx1"/>
+            <a:schemeClr val="bg2">
+              <a:lumMod val="75000"/>
+            </a:schemeClr>
           </a:solidFill>
+          <a:effectLst/>
           <a:latin typeface="+mn-lt"/>
           <a:ea typeface="+mn-ea"/>
           <a:cs typeface="+mn-cs"/>
         </a:defRPr>
       </a:lvl3pPr>
-      <a:lvl4pPr marL="1600200" indent="-228600" algn="l" defTabSz="914400" rtl="0" eaLnBrk="1" latinLnBrk="0" hangingPunct="1">
-        <a:lnSpc>
-          <a:spcPct val="90000"/>
-        </a:lnSpc>
+      <a:lvl4pPr marL="1543050" indent="-171450" algn="l" defTabSz="457200" rtl="0" eaLnBrk="1" latinLnBrk="0" hangingPunct="1">
         <a:spcBef>
-          <a:spcPts val="500"/>
+          <a:spcPct val="20000"/>
         </a:spcBef>
-        <a:buFont typeface="Arial" panose="020B0604020202020204" pitchFamily="34" charset="0"/>
-        <a:buChar char="•"/>
-        <a:defRPr sz="1800" kern="1200">
+        <a:spcAft>
+          <a:spcPts val="600"/>
+        </a:spcAft>
+        <a:buClr>
+          <a:schemeClr val="tx1"/>
+        </a:buClr>
+        <a:buSzPct val="80000"/>
+        <a:buFont typeface="Wingdings 3" panose="05040102010807070707" pitchFamily="18" charset="2"/>
+        <a:buChar char=""/>
+        <a:defRPr sz="1400" kern="1200" cap="none">
           <a:solidFill>
-            <a:schemeClr val="tx1"/>
+            <a:schemeClr val="bg2">
+              <a:lumMod val="75000"/>
+            </a:schemeClr>
           </a:solidFill>
+          <a:effectLst/>
           <a:latin typeface="+mn-lt"/>
           <a:ea typeface="+mn-ea"/>
           <a:cs typeface="+mn-cs"/>
         </a:defRPr>
       </a:lvl4pPr>
-      <a:lvl5pPr marL="2057400" indent="-228600" algn="l" defTabSz="914400" rtl="0" eaLnBrk="1" latinLnBrk="0" hangingPunct="1">
-        <a:lnSpc>
-          <a:spcPct val="90000"/>
-        </a:lnSpc>
+      <a:lvl5pPr marL="2000250" indent="-171450" algn="l" defTabSz="457200" rtl="0" eaLnBrk="1" latinLnBrk="0" hangingPunct="1">
         <a:spcBef>
-          <a:spcPts val="500"/>
+          <a:spcPct val="20000"/>
         </a:spcBef>
-        <a:buFont typeface="Arial" panose="020B0604020202020204" pitchFamily="34" charset="0"/>
-        <a:buChar char="•"/>
-        <a:defRPr sz="1800" kern="1200">
+        <a:spcAft>
+          <a:spcPts val="600"/>
+        </a:spcAft>
+        <a:buClr>
+          <a:schemeClr val="tx1"/>
+        </a:buClr>
+        <a:buSzPct val="80000"/>
+        <a:buFont typeface="Wingdings 3" panose="05040102010807070707" pitchFamily="18" charset="2"/>
+        <a:buChar char=""/>
+        <a:defRPr sz="1400" kern="1200" cap="none">
           <a:solidFill>
-            <a:schemeClr val="tx1"/>
+            <a:schemeClr val="bg2">
+              <a:lumMod val="75000"/>
+            </a:schemeClr>
           </a:solidFill>
+          <a:effectLst/>
           <a:latin typeface="+mn-lt"/>
           <a:ea typeface="+mn-ea"/>
           <a:cs typeface="+mn-cs"/>
         </a:defRPr>
       </a:lvl5pPr>
-      <a:lvl6pPr marL="2514600" indent="-228600" algn="l" defTabSz="914400" rtl="0" eaLnBrk="1" latinLnBrk="0" hangingPunct="1">
-        <a:lnSpc>
-          <a:spcPct val="90000"/>
-        </a:lnSpc>
+      <a:lvl6pPr marL="2514600" indent="-228600" algn="l" defTabSz="457200" rtl="0" eaLnBrk="1" latinLnBrk="0" hangingPunct="1">
         <a:spcBef>
-          <a:spcPts val="500"/>
+          <a:spcPct val="20000"/>
         </a:spcBef>
-        <a:buFont typeface="Arial" panose="020B0604020202020204" pitchFamily="34" charset="0"/>
-        <a:buChar char="•"/>
-        <a:defRPr sz="1800" kern="1200">
+        <a:spcAft>
+          <a:spcPts val="600"/>
+        </a:spcAft>
+        <a:buClr>
+          <a:schemeClr val="tx1"/>
+        </a:buClr>
+        <a:buSzPct val="80000"/>
+        <a:buFont typeface="Wingdings 3" panose="05040102010807070707" pitchFamily="18" charset="2"/>
+        <a:buChar char=""/>
+        <a:defRPr sz="1400" kern="1200" cap="none">
           <a:solidFill>
-            <a:schemeClr val="tx1"/>
+            <a:schemeClr val="bg2">
+              <a:lumMod val="75000"/>
+            </a:schemeClr>
           </a:solidFill>
+          <a:effectLst/>
           <a:latin typeface="+mn-lt"/>
           <a:ea typeface="+mn-ea"/>
           <a:cs typeface="+mn-cs"/>
         </a:defRPr>
       </a:lvl6pPr>
-      <a:lvl7pPr marL="2971800" indent="-228600" algn="l" defTabSz="914400" rtl="0" eaLnBrk="1" latinLnBrk="0" hangingPunct="1">
-        <a:lnSpc>
-          <a:spcPct val="90000"/>
-        </a:lnSpc>
+      <a:lvl7pPr marL="2971800" indent="-228600" algn="l" defTabSz="457200" rtl="0" eaLnBrk="1" latinLnBrk="0" hangingPunct="1">
         <a:spcBef>
-          <a:spcPts val="500"/>
+          <a:spcPct val="20000"/>
         </a:spcBef>
-        <a:buFont typeface="Arial" panose="020B0604020202020204" pitchFamily="34" charset="0"/>
-        <a:buChar char="•"/>
-        <a:defRPr sz="1800" kern="1200">
+        <a:spcAft>
+          <a:spcPts val="600"/>
+        </a:spcAft>
+        <a:buClr>
+          <a:schemeClr val="tx1"/>
+        </a:buClr>
+        <a:buSzPct val="80000"/>
+        <a:buFont typeface="Wingdings 3" panose="05040102010807070707" pitchFamily="18" charset="2"/>
+        <a:buChar char=""/>
+        <a:defRPr sz="1400" kern="1200" cap="none">
           <a:solidFill>
-            <a:schemeClr val="tx1"/>
+            <a:schemeClr val="bg2">
+              <a:lumMod val="75000"/>
+            </a:schemeClr>
           </a:solidFill>
+          <a:effectLst/>
           <a:latin typeface="+mn-lt"/>
           <a:ea typeface="+mn-ea"/>
           <a:cs typeface="+mn-cs"/>
         </a:defRPr>
       </a:lvl7pPr>
-      <a:lvl8pPr marL="3429000" indent="-228600" algn="l" defTabSz="914400" rtl="0" eaLnBrk="1" latinLnBrk="0" hangingPunct="1">
-        <a:lnSpc>
-          <a:spcPct val="90000"/>
-        </a:lnSpc>
+      <a:lvl8pPr marL="3429000" indent="-228600" algn="l" defTabSz="457200" rtl="0" eaLnBrk="1" latinLnBrk="0" hangingPunct="1">
         <a:spcBef>
-          <a:spcPts val="500"/>
+          <a:spcPct val="20000"/>
         </a:spcBef>
-        <a:buFont typeface="Arial" panose="020B0604020202020204" pitchFamily="34" charset="0"/>
-        <a:buChar char="•"/>
-        <a:defRPr sz="1800" kern="1200">
+        <a:spcAft>
+          <a:spcPts val="600"/>
+        </a:spcAft>
+        <a:buClr>
+          <a:schemeClr val="tx1"/>
+        </a:buClr>
+        <a:buSzPct val="80000"/>
+        <a:buFont typeface="Wingdings 3" panose="05040102010807070707" pitchFamily="18" charset="2"/>
+        <a:buChar char=""/>
+        <a:defRPr sz="1400" kern="1200" cap="none">
           <a:solidFill>
-            <a:schemeClr val="tx1"/>
+            <a:schemeClr val="bg2">
+              <a:lumMod val="75000"/>
+            </a:schemeClr>
           </a:solidFill>
+          <a:effectLst/>
           <a:latin typeface="+mn-lt"/>
           <a:ea typeface="+mn-ea"/>
           <a:cs typeface="+mn-cs"/>
         </a:defRPr>
       </a:lvl8pPr>
-      <a:lvl9pPr marL="3886200" indent="-228600" algn="l" defTabSz="914400" rtl="0" eaLnBrk="1" latinLnBrk="0" hangingPunct="1">
-        <a:lnSpc>
-          <a:spcPct val="90000"/>
-        </a:lnSpc>
+      <a:lvl9pPr marL="3886200" indent="-228600" algn="l" defTabSz="457200" rtl="0" eaLnBrk="1" latinLnBrk="0" hangingPunct="1">
         <a:spcBef>
-          <a:spcPts val="500"/>
+          <a:spcPct val="20000"/>
         </a:spcBef>
-        <a:buFont typeface="Arial" panose="020B0604020202020204" pitchFamily="34" charset="0"/>
-        <a:buChar char="•"/>
-        <a:defRPr sz="1800" kern="1200">
+        <a:spcAft>
+          <a:spcPts val="600"/>
+        </a:spcAft>
+        <a:buClr>
+          <a:schemeClr val="tx1"/>
+        </a:buClr>
+        <a:buSzPct val="80000"/>
+        <a:buFont typeface="Wingdings 3" panose="05040102010807070707" pitchFamily="18" charset="2"/>
+        <a:buChar char=""/>
+        <a:defRPr sz="1400" kern="1200" cap="none">
           <a:solidFill>
-            <a:schemeClr val="tx1"/>
+            <a:schemeClr val="bg2">
+              <a:lumMod val="75000"/>
+            </a:schemeClr>
           </a:solidFill>
+          <a:effectLst/>
           <a:latin typeface="+mn-lt"/>
           <a:ea typeface="+mn-ea"/>
           <a:cs typeface="+mn-cs"/>
@@ -3230,7 +5257,7 @@
       <a:defPPr>
         <a:defRPr lang="en-US"/>
       </a:defPPr>
-      <a:lvl1pPr marL="0" algn="l" defTabSz="914400" rtl="0" eaLnBrk="1" latinLnBrk="0" hangingPunct="1">
+      <a:lvl1pPr marL="0" algn="l" defTabSz="457200" rtl="0" eaLnBrk="1" latinLnBrk="0" hangingPunct="1">
         <a:defRPr sz="1800" kern="1200">
           <a:solidFill>
             <a:schemeClr val="tx1"/>
@@ -3240,7 +5267,7 @@
           <a:cs typeface="+mn-cs"/>
         </a:defRPr>
       </a:lvl1pPr>
-      <a:lvl2pPr marL="457200" algn="l" defTabSz="914400" rtl="0" eaLnBrk="1" latinLnBrk="0" hangingPunct="1">
+      <a:lvl2pPr marL="457200" algn="l" defTabSz="457200" rtl="0" eaLnBrk="1" latinLnBrk="0" hangingPunct="1">
         <a:defRPr sz="1800" kern="1200">
           <a:solidFill>
             <a:schemeClr val="tx1"/>
@@ -3250,7 +5277,7 @@
           <a:cs typeface="+mn-cs"/>
         </a:defRPr>
       </a:lvl2pPr>
-      <a:lvl3pPr marL="914400" algn="l" defTabSz="914400" rtl="0" eaLnBrk="1" latinLnBrk="0" hangingPunct="1">
+      <a:lvl3pPr marL="914400" algn="l" defTabSz="457200" rtl="0" eaLnBrk="1" latinLnBrk="0" hangingPunct="1">
         <a:defRPr sz="1800" kern="1200">
           <a:solidFill>
             <a:schemeClr val="tx1"/>
@@ -3260,7 +5287,7 @@
           <a:cs typeface="+mn-cs"/>
         </a:defRPr>
       </a:lvl3pPr>
-      <a:lvl4pPr marL="1371600" algn="l" defTabSz="914400" rtl="0" eaLnBrk="1" latinLnBrk="0" hangingPunct="1">
+      <a:lvl4pPr marL="1371600" algn="l" defTabSz="457200" rtl="0" eaLnBrk="1" latinLnBrk="0" hangingPunct="1">
         <a:defRPr sz="1800" kern="1200">
           <a:solidFill>
             <a:schemeClr val="tx1"/>
@@ -3270,7 +5297,7 @@
           <a:cs typeface="+mn-cs"/>
         </a:defRPr>
       </a:lvl4pPr>
-      <a:lvl5pPr marL="1828800" algn="l" defTabSz="914400" rtl="0" eaLnBrk="1" latinLnBrk="0" hangingPunct="1">
+      <a:lvl5pPr marL="1828800" algn="l" defTabSz="457200" rtl="0" eaLnBrk="1" latinLnBrk="0" hangingPunct="1">
         <a:defRPr sz="1800" kern="1200">
           <a:solidFill>
             <a:schemeClr val="tx1"/>
@@ -3280,7 +5307,7 @@
           <a:cs typeface="+mn-cs"/>
         </a:defRPr>
       </a:lvl5pPr>
-      <a:lvl6pPr marL="2286000" algn="l" defTabSz="914400" rtl="0" eaLnBrk="1" latinLnBrk="0" hangingPunct="1">
+      <a:lvl6pPr marL="2286000" algn="l" defTabSz="457200" rtl="0" eaLnBrk="1" latinLnBrk="0" hangingPunct="1">
         <a:defRPr sz="1800" kern="1200">
           <a:solidFill>
             <a:schemeClr val="tx1"/>
@@ -3290,7 +5317,7 @@
           <a:cs typeface="+mn-cs"/>
         </a:defRPr>
       </a:lvl6pPr>
-      <a:lvl7pPr marL="2743200" algn="l" defTabSz="914400" rtl="0" eaLnBrk="1" latinLnBrk="0" hangingPunct="1">
+      <a:lvl7pPr marL="2743200" algn="l" defTabSz="457200" rtl="0" eaLnBrk="1" latinLnBrk="0" hangingPunct="1">
         <a:defRPr sz="1800" kern="1200">
           <a:solidFill>
             <a:schemeClr val="tx1"/>
@@ -3300,7 +5327,7 @@
           <a:cs typeface="+mn-cs"/>
         </a:defRPr>
       </a:lvl7pPr>
-      <a:lvl8pPr marL="3200400" algn="l" defTabSz="914400" rtl="0" eaLnBrk="1" latinLnBrk="0" hangingPunct="1">
+      <a:lvl8pPr marL="3200400" algn="l" defTabSz="457200" rtl="0" eaLnBrk="1" latinLnBrk="0" hangingPunct="1">
         <a:defRPr sz="1800" kern="1200">
           <a:solidFill>
             <a:schemeClr val="tx1"/>
@@ -3310,7 +5337,7 @@
           <a:cs typeface="+mn-cs"/>
         </a:defRPr>
       </a:lvl8pPr>
-      <a:lvl9pPr marL="3657600" algn="l" defTabSz="914400" rtl="0" eaLnBrk="1" latinLnBrk="0" hangingPunct="1">
+      <a:lvl9pPr marL="3657600" algn="l" defTabSz="457200" rtl="0" eaLnBrk="1" latinLnBrk="0" hangingPunct="1">
         <a:defRPr sz="1800" kern="1200">
           <a:solidFill>
             <a:schemeClr val="tx1"/>
@@ -3352,100 +5379,6 @@
       </p:grpSpPr>
       <p:sp>
         <p:nvSpPr>
-          <p:cNvPr id="8" name="Rectangle 7">
-            <a:extLst>
-              <a:ext uri="{FF2B5EF4-FFF2-40B4-BE49-F238E27FC236}">
-                <a16:creationId xmlns:a16="http://schemas.microsoft.com/office/drawing/2014/main" id="{4038CB10-1F5C-4D54-9DF7-12586DE5B007}"/>
-              </a:ext>
-              <a:ext uri="{C183D7F6-B498-43B3-948B-1728B52AA6E4}">
-                <adec:decorative xmlns:adec="http://schemas.microsoft.com/office/drawing/2017/decorative" val="1"/>
-              </a:ext>
-            </a:extLst>
-          </p:cNvPr>
-          <p:cNvSpPr>
-            <a:spLocks noGrp="1" noRot="1" noChangeAspect="1" noMove="1" noResize="1" noEditPoints="1" noAdjustHandles="1" noChangeArrowheads="1" noChangeShapeType="1" noTextEdit="1"/>
-          </p:cNvSpPr>
-          <p:nvPr>
-            <p:extLst>
-              <p:ext uri="{386F3935-93C4-4BCD-93E2-E3B085C9AB24}">
-                <p16:designElem xmlns:p16="http://schemas.microsoft.com/office/powerpoint/2015/main" val="1"/>
-              </p:ext>
-            </p:extLst>
-          </p:nvPr>
-        </p:nvSpPr>
-        <p:spPr>
-          <a:xfrm>
-            <a:off x="327547" y="321731"/>
-            <a:ext cx="4142096" cy="6213425"/>
-          </a:xfrm>
-          <a:prstGeom prst="rect">
-            <a:avLst/>
-          </a:prstGeom>
-          <a:solidFill>
-            <a:schemeClr val="accent1">
-              <a:alpha val="95000"/>
-            </a:schemeClr>
-          </a:solidFill>
-          <a:ln>
-            <a:noFill/>
-          </a:ln>
-        </p:spPr>
-        <p:style>
-          <a:lnRef idx="2">
-            <a:schemeClr val="accent1">
-              <a:shade val="50000"/>
-            </a:schemeClr>
-          </a:lnRef>
-          <a:fillRef idx="1">
-            <a:schemeClr val="accent1"/>
-          </a:fillRef>
-          <a:effectRef idx="0">
-            <a:schemeClr val="accent1"/>
-          </a:effectRef>
-          <a:fontRef idx="minor">
-            <a:schemeClr val="lt1"/>
-          </a:fontRef>
-        </p:style>
-        <p:txBody>
-          <a:bodyPr rtlCol="0" anchor="ctr"/>
-          <a:lstStyle/>
-          <a:p>
-            <a:pPr marL="0" marR="0" lvl="0" indent="0" algn="ctr" defTabSz="914400" rtl="0" eaLnBrk="1" fontAlgn="auto" latinLnBrk="0" hangingPunct="1">
-              <a:lnSpc>
-                <a:spcPct val="100000"/>
-              </a:lnSpc>
-              <a:spcBef>
-                <a:spcPts val="0"/>
-              </a:spcBef>
-              <a:spcAft>
-                <a:spcPts val="0"/>
-              </a:spcAft>
-              <a:buClrTx/>
-              <a:buSzTx/>
-              <a:buFontTx/>
-              <a:buNone/>
-              <a:tabLst/>
-              <a:defRPr/>
-            </a:pPr>
-            <a:endParaRPr kumimoji="0" lang="en-US" sz="1800" b="0" i="0" u="none" strike="noStrike" kern="1200" cap="none" spc="0" normalizeH="0" baseline="0" noProof="0">
-              <a:ln>
-                <a:noFill/>
-              </a:ln>
-              <a:solidFill>
-                <a:prstClr val="white"/>
-              </a:solidFill>
-              <a:effectLst/>
-              <a:uLnTx/>
-              <a:uFillTx/>
-              <a:latin typeface="Calibri" panose="020F0502020204030204"/>
-              <a:ea typeface="+mn-ea"/>
-              <a:cs typeface="+mn-cs"/>
-            </a:endParaRPr>
-          </a:p>
-        </p:txBody>
-      </p:sp>
-      <p:sp>
-        <p:nvSpPr>
           <p:cNvPr id="2" name="Title 1">
             <a:extLst>
               <a:ext uri="{FF2B5EF4-FFF2-40B4-BE49-F238E27FC236}">
@@ -3489,98 +5422,6 @@
       </p:sp>
       <p:sp>
         <p:nvSpPr>
-          <p:cNvPr id="10" name="Rectangle 9">
-            <a:extLst>
-              <a:ext uri="{FF2B5EF4-FFF2-40B4-BE49-F238E27FC236}">
-                <a16:creationId xmlns:a16="http://schemas.microsoft.com/office/drawing/2014/main" id="{73ED6512-6858-4552-B699-9A97FE9A4EA2}"/>
-              </a:ext>
-              <a:ext uri="{C183D7F6-B498-43B3-948B-1728B52AA6E4}">
-                <adec:decorative xmlns:adec="http://schemas.microsoft.com/office/drawing/2017/decorative" val="1"/>
-              </a:ext>
-            </a:extLst>
-          </p:cNvPr>
-          <p:cNvSpPr>
-            <a:spLocks noGrp="1" noRot="1" noChangeAspect="1" noMove="1" noResize="1" noEditPoints="1" noAdjustHandles="1" noChangeArrowheads="1" noChangeShapeType="1" noTextEdit="1"/>
-          </p:cNvSpPr>
-          <p:nvPr>
-            <p:extLst>
-              <p:ext uri="{386F3935-93C4-4BCD-93E2-E3B085C9AB24}">
-                <p16:designElem xmlns:p16="http://schemas.microsoft.com/office/powerpoint/2015/main" val="1"/>
-              </p:ext>
-            </p:extLst>
-          </p:nvPr>
-        </p:nvSpPr>
-        <p:spPr>
-          <a:xfrm>
-            <a:off x="4629503" y="321732"/>
-            <a:ext cx="7240765" cy="6214534"/>
-          </a:xfrm>
-          <a:prstGeom prst="rect">
-            <a:avLst/>
-          </a:prstGeom>
-          <a:solidFill>
-            <a:srgbClr val="595959"/>
-          </a:solidFill>
-          <a:ln>
-            <a:noFill/>
-          </a:ln>
-        </p:spPr>
-        <p:style>
-          <a:lnRef idx="2">
-            <a:schemeClr val="accent1">
-              <a:shade val="50000"/>
-            </a:schemeClr>
-          </a:lnRef>
-          <a:fillRef idx="1">
-            <a:schemeClr val="accent1"/>
-          </a:fillRef>
-          <a:effectRef idx="0">
-            <a:schemeClr val="accent1"/>
-          </a:effectRef>
-          <a:fontRef idx="minor">
-            <a:schemeClr val="lt1"/>
-          </a:fontRef>
-        </p:style>
-        <p:txBody>
-          <a:bodyPr rtlCol="0" anchor="ctr"/>
-          <a:lstStyle/>
-          <a:p>
-            <a:pPr marL="0" marR="0" lvl="0" indent="0" algn="ctr" defTabSz="914400" rtl="0" eaLnBrk="1" fontAlgn="auto" latinLnBrk="0" hangingPunct="1">
-              <a:lnSpc>
-                <a:spcPct val="100000"/>
-              </a:lnSpc>
-              <a:spcBef>
-                <a:spcPts val="0"/>
-              </a:spcBef>
-              <a:spcAft>
-                <a:spcPts val="0"/>
-              </a:spcAft>
-              <a:buClrTx/>
-              <a:buSzTx/>
-              <a:buFontTx/>
-              <a:buNone/>
-              <a:tabLst/>
-              <a:defRPr/>
-            </a:pPr>
-            <a:endParaRPr kumimoji="0" lang="en-US" sz="1800" b="0" i="0" u="none" strike="noStrike" kern="1200" cap="none" spc="0" normalizeH="0" baseline="0" noProof="0">
-              <a:ln>
-                <a:noFill/>
-              </a:ln>
-              <a:solidFill>
-                <a:prstClr val="white"/>
-              </a:solidFill>
-              <a:effectLst/>
-              <a:uLnTx/>
-              <a:uFillTx/>
-              <a:latin typeface="Calibri" panose="020F0502020204030204"/>
-              <a:ea typeface="+mn-ea"/>
-              <a:cs typeface="+mn-cs"/>
-            </a:endParaRPr>
-          </a:p>
-        </p:txBody>
-      </p:sp>
-      <p:sp>
-        <p:nvSpPr>
           <p:cNvPr id="3" name="Subtitle 2">
             <a:extLst>
               <a:ext uri="{FF2B5EF4-FFF2-40B4-BE49-F238E27FC236}">
@@ -3614,8 +5455,8 @@
             <a:r>
               <a:rPr lang="en-US" dirty="0">
                 <a:solidFill>
-                  <a:schemeClr val="accent1">
-                    <a:lumMod val="50000"/>
+                  <a:schemeClr val="tx2">
+                    <a:lumMod val="75000"/>
                   </a:schemeClr>
                 </a:solidFill>
               </a:rPr>
@@ -3752,8 +5593,8 @@
             <a:r>
               <a:rPr lang="en-US" dirty="0">
                 <a:solidFill>
-                  <a:schemeClr val="accent1">
-                    <a:lumMod val="50000"/>
+                  <a:schemeClr val="tx2">
+                    <a:lumMod val="75000"/>
                   </a:schemeClr>
                 </a:solidFill>
               </a:rPr>
@@ -3830,8 +5671,8 @@
             <a:r>
               <a:rPr lang="en-US" dirty="0">
                 <a:solidFill>
-                  <a:schemeClr val="accent1">
-                    <a:lumMod val="50000"/>
+                  <a:schemeClr val="tx2">
+                    <a:lumMod val="75000"/>
                   </a:schemeClr>
                 </a:solidFill>
               </a:rPr>
@@ -3843,21 +5684,8 @@
                   <a:srgbClr val="FFFFFF"/>
                 </a:solidFill>
               </a:rPr>
-              <a:t>) </a:t>
-            </a:r>
-            <a:r>
-              <a:rPr lang="en-US">
-                <a:solidFill>
-                  <a:srgbClr val="FFFFFF"/>
-                </a:solidFill>
-              </a:rPr>
-              <a:t>- ../..</a:t>
-            </a:r>
-            <a:endParaRPr lang="en-US" dirty="0">
-              <a:solidFill>
-                <a:srgbClr val="FFFFFF"/>
-              </a:solidFill>
-            </a:endParaRPr>
+              <a:t>) - ../..</a:t>
+            </a:r>
           </a:p>
         </p:txBody>
       </p:sp>
@@ -3874,10 +5702,113 @@
 </p:sld>
 </file>
 
+<file path=ppt/slides/slide2.xml><?xml version="1.0" encoding="utf-8"?>
+<p:sld xmlns:a="http://schemas.openxmlformats.org/drawingml/2006/main" xmlns:r="http://schemas.openxmlformats.org/officeDocument/2006/relationships" xmlns:p="http://schemas.openxmlformats.org/presentationml/2006/main">
+  <p:cSld>
+    <p:spTree>
+      <p:nvGrpSpPr>
+        <p:cNvPr id="1" name=""/>
+        <p:cNvGrpSpPr/>
+        <p:nvPr/>
+      </p:nvGrpSpPr>
+      <p:grpSpPr>
+        <a:xfrm>
+          <a:off x="0" y="0"/>
+          <a:ext cx="0" cy="0"/>
+          <a:chOff x="0" y="0"/>
+          <a:chExt cx="0" cy="0"/>
+        </a:xfrm>
+      </p:grpSpPr>
+      <p:sp>
+        <p:nvSpPr>
+          <p:cNvPr id="2" name="Title 1">
+            <a:extLst>
+              <a:ext uri="{FF2B5EF4-FFF2-40B4-BE49-F238E27FC236}">
+                <a16:creationId xmlns:a16="http://schemas.microsoft.com/office/drawing/2014/main" id="{72487600-322D-4F93-1F5D-EF1E127BB455}"/>
+              </a:ext>
+            </a:extLst>
+          </p:cNvPr>
+          <p:cNvSpPr>
+            <a:spLocks noGrp="1"/>
+          </p:cNvSpPr>
+          <p:nvPr>
+            <p:ph type="title"/>
+          </p:nvPr>
+        </p:nvSpPr>
+        <p:spPr/>
+        <p:txBody>
+          <a:bodyPr/>
+          <a:lstStyle/>
+          <a:p>
+            <a:r>
+              <a:rPr lang="en-US" dirty="0"/>
+              <a:t>Timeseries DBs options</a:t>
+            </a:r>
+            <a:endParaRPr lang="en-NL" dirty="0"/>
+          </a:p>
+        </p:txBody>
+      </p:sp>
+      <p:sp>
+        <p:nvSpPr>
+          <p:cNvPr id="3" name="Content Placeholder 2">
+            <a:extLst>
+              <a:ext uri="{FF2B5EF4-FFF2-40B4-BE49-F238E27FC236}">
+                <a16:creationId xmlns:a16="http://schemas.microsoft.com/office/drawing/2014/main" id="{865ADE50-D0C4-63CE-0BF4-C75F1066EFDC}"/>
+              </a:ext>
+            </a:extLst>
+          </p:cNvPr>
+          <p:cNvSpPr>
+            <a:spLocks noGrp="1"/>
+          </p:cNvSpPr>
+          <p:nvPr>
+            <p:ph idx="1"/>
+          </p:nvPr>
+        </p:nvSpPr>
+        <p:spPr/>
+        <p:txBody>
+          <a:bodyPr/>
+          <a:lstStyle/>
+          <a:p>
+            <a:r>
+              <a:rPr lang="en-US" dirty="0" err="1"/>
+              <a:t>InfuxDB</a:t>
+            </a:r>
+            <a:endParaRPr lang="en-US" dirty="0"/>
+          </a:p>
+          <a:p>
+            <a:r>
+              <a:rPr lang="en-US" dirty="0"/>
+              <a:t>Apache-Druid</a:t>
+            </a:r>
+          </a:p>
+          <a:p>
+            <a:r>
+              <a:rPr lang="en-US" dirty="0"/>
+              <a:t>Warp10</a:t>
+            </a:r>
+          </a:p>
+          <a:p>
+            <a:endParaRPr lang="en-NL" dirty="0"/>
+          </a:p>
+        </p:txBody>
+      </p:sp>
+    </p:spTree>
+    <p:extLst>
+      <p:ext uri="{BB962C8B-B14F-4D97-AF65-F5344CB8AC3E}">
+        <p14:creationId xmlns:p14="http://schemas.microsoft.com/office/powerpoint/2010/main" val="2052331187"/>
+      </p:ext>
+    </p:extLst>
+  </p:cSld>
+  <p:clrMapOvr>
+    <a:masterClrMapping/>
+  </p:clrMapOvr>
+</p:sld>
+</file>
+
 <file path=ppt/theme/theme1.xml><?xml version="1.0" encoding="utf-8"?>
-<a:theme xmlns:a="http://schemas.openxmlformats.org/drawingml/2006/main" name="Office Theme">
+<a:theme xmlns:a="http://schemas.openxmlformats.org/drawingml/2006/main" name="Slice">
   <a:themeElements>
-    <a:clrScheme name="Office">
+    <a:clrScheme name="Slice">
       <a:dk1>
         <a:sysClr val="windowText" lastClr="000000"/>
       </a:dk1>
@@ -3885,100 +5816,48 @@
         <a:sysClr val="window" lastClr="FFFFFF"/>
       </a:lt1>
       <a:dk2>
-        <a:srgbClr val="44546A"/>
+        <a:srgbClr val="146194"/>
       </a:dk2>
       <a:lt2>
-        <a:srgbClr val="E7E6E6"/>
+        <a:srgbClr val="76DBF4"/>
       </a:lt2>
       <a:accent1>
-        <a:srgbClr val="4472C4"/>
+        <a:srgbClr val="052F61"/>
       </a:accent1>
       <a:accent2>
-        <a:srgbClr val="ED7D31"/>
+        <a:srgbClr val="A50E82"/>
       </a:accent2>
       <a:accent3>
-        <a:srgbClr val="A5A5A5"/>
+        <a:srgbClr val="14967C"/>
       </a:accent3>
       <a:accent4>
-        <a:srgbClr val="FFC000"/>
+        <a:srgbClr val="6A9E1F"/>
       </a:accent4>
       <a:accent5>
-        <a:srgbClr val="5B9BD5"/>
+        <a:srgbClr val="E87D37"/>
       </a:accent5>
       <a:accent6>
-        <a:srgbClr val="70AD47"/>
+        <a:srgbClr val="C62324"/>
       </a:accent6>
       <a:hlink>
-        <a:srgbClr val="0563C1"/>
+        <a:srgbClr val="0D2E46"/>
       </a:hlink>
       <a:folHlink>
-        <a:srgbClr val="954F72"/>
+        <a:srgbClr val="356A95"/>
       </a:folHlink>
     </a:clrScheme>
-    <a:fontScheme name="Office">
+    <a:fontScheme name="Slice">
       <a:majorFont>
-        <a:latin typeface="Calibri Light" panose="020F0302020204030204"/>
+        <a:latin typeface="Century Gothic" panose="020B0502020202020204"/>
         <a:ea typeface=""/>
         <a:cs typeface=""/>
-        <a:font script="Jpan" typeface="游ゴシック Light"/>
-        <a:font script="Hang" typeface="맑은 고딕"/>
-        <a:font script="Hans" typeface="等线 Light"/>
-        <a:font script="Hant" typeface="新細明體"/>
-        <a:font script="Arab" typeface="Times New Roman"/>
-        <a:font script="Hebr" typeface="Times New Roman"/>
-        <a:font script="Thai" typeface="Angsana New"/>
-        <a:font script="Ethi" typeface="Nyala"/>
-        <a:font script="Beng" typeface="Vrinda"/>
-        <a:font script="Gujr" typeface="Shruti"/>
-        <a:font script="Khmr" typeface="MoolBoran"/>
-        <a:font script="Knda" typeface="Tunga"/>
-        <a:font script="Guru" typeface="Raavi"/>
-        <a:font script="Cans" typeface="Euphemia"/>
-        <a:font script="Cher" typeface="Plantagenet Cherokee"/>
-        <a:font script="Yiii" typeface="Microsoft Yi Baiti"/>
-        <a:font script="Tibt" typeface="Microsoft Himalaya"/>
-        <a:font script="Thaa" typeface="MV Boli"/>
-        <a:font script="Deva" typeface="Mangal"/>
-        <a:font script="Telu" typeface="Gautami"/>
-        <a:font script="Taml" typeface="Latha"/>
-        <a:font script="Syrc" typeface="Estrangelo Edessa"/>
-        <a:font script="Orya" typeface="Kalinga"/>
-        <a:font script="Mlym" typeface="Kartika"/>
-        <a:font script="Laoo" typeface="DokChampa"/>
-        <a:font script="Sinh" typeface="Iskoola Pota"/>
-        <a:font script="Mong" typeface="Mongolian Baiti"/>
-        <a:font script="Viet" typeface="Times New Roman"/>
-        <a:font script="Uigh" typeface="Microsoft Uighur"/>
-        <a:font script="Geor" typeface="Sylfaen"/>
-        <a:font script="Armn" typeface="Arial"/>
-        <a:font script="Bugi" typeface="Leelawadee UI"/>
-        <a:font script="Bopo" typeface="Microsoft JhengHei"/>
-        <a:font script="Java" typeface="Javanese Text"/>
-        <a:font script="Lisu" typeface="Segoe UI"/>
-        <a:font script="Mymr" typeface="Myanmar Text"/>
-        <a:font script="Nkoo" typeface="Ebrima"/>
-        <a:font script="Olck" typeface="Nirmala UI"/>
-        <a:font script="Osma" typeface="Ebrima"/>
-        <a:font script="Phag" typeface="Phagspa"/>
-        <a:font script="Syrn" typeface="Estrangelo Edessa"/>
-        <a:font script="Syrj" typeface="Estrangelo Edessa"/>
-        <a:font script="Syre" typeface="Estrangelo Edessa"/>
-        <a:font script="Sora" typeface="Nirmala UI"/>
-        <a:font script="Tale" typeface="Microsoft Tai Le"/>
-        <a:font script="Talu" typeface="Microsoft New Tai Lue"/>
-        <a:font script="Tfng" typeface="Ebrima"/>
-      </a:majorFont>
-      <a:minorFont>
-        <a:latin typeface="Calibri" panose="020F0502020204030204"/>
-        <a:ea typeface=""/>
-        <a:cs typeface=""/>
-        <a:font script="Jpan" typeface="游ゴシック"/>
-        <a:font script="Hang" typeface="맑은 고딕"/>
-        <a:font script="Hans" typeface="等线"/>
-        <a:font script="Hant" typeface="新細明體"/>
-        <a:font script="Arab" typeface="Arial"/>
-        <a:font script="Hebr" typeface="Arial"/>
-        <a:font script="Thai" typeface="Cordia New"/>
+        <a:font script="Jpan" typeface="メイリオ"/>
+        <a:font script="Hang" typeface="HY중고딕"/>
+        <a:font script="Hans" typeface="幼圆"/>
+        <a:font script="Hant" typeface="微軟正黑體"/>
+        <a:font script="Arab" typeface="Tahoma"/>
+        <a:font script="Hebr" typeface="Gisha"/>
+        <a:font script="Thai" typeface="DilleniaUPC"/>
         <a:font script="Ethi" typeface="Nyala"/>
         <a:font script="Beng" typeface="Vrinda"/>
         <a:font script="Gujr" typeface="Shruti"/>
@@ -3999,29 +5878,47 @@
         <a:font script="Laoo" typeface="DokChampa"/>
         <a:font script="Sinh" typeface="Iskoola Pota"/>
         <a:font script="Mong" typeface="Mongolian Baiti"/>
-        <a:font script="Viet" typeface="Arial"/>
+        <a:font script="Viet" typeface="Tahoma"/>
         <a:font script="Uigh" typeface="Microsoft Uighur"/>
         <a:font script="Geor" typeface="Sylfaen"/>
-        <a:font script="Armn" typeface="Arial"/>
-        <a:font script="Bugi" typeface="Leelawadee UI"/>
-        <a:font script="Bopo" typeface="Microsoft JhengHei"/>
-        <a:font script="Java" typeface="Javanese Text"/>
-        <a:font script="Lisu" typeface="Segoe UI"/>
-        <a:font script="Mymr" typeface="Myanmar Text"/>
-        <a:font script="Nkoo" typeface="Ebrima"/>
-        <a:font script="Olck" typeface="Nirmala UI"/>
-        <a:font script="Osma" typeface="Ebrima"/>
-        <a:font script="Phag" typeface="Phagspa"/>
-        <a:font script="Syrn" typeface="Estrangelo Edessa"/>
-        <a:font script="Syrj" typeface="Estrangelo Edessa"/>
-        <a:font script="Syre" typeface="Estrangelo Edessa"/>
-        <a:font script="Sora" typeface="Nirmala UI"/>
-        <a:font script="Tale" typeface="Microsoft Tai Le"/>
-        <a:font script="Talu" typeface="Microsoft New Tai Lue"/>
-        <a:font script="Tfng" typeface="Ebrima"/>
+      </a:majorFont>
+      <a:minorFont>
+        <a:latin typeface="Century Gothic" panose="020B0502020202020204"/>
+        <a:ea typeface=""/>
+        <a:cs typeface=""/>
+        <a:font script="Jpan" typeface="メイリオ"/>
+        <a:font script="Hang" typeface="HY중고딕"/>
+        <a:font script="Hans" typeface="幼圆"/>
+        <a:font script="Hant" typeface="微軟正黑體"/>
+        <a:font script="Arab" typeface="Tahoma"/>
+        <a:font script="Hebr" typeface="Gisha"/>
+        <a:font script="Thai" typeface="DilleniaUPC"/>
+        <a:font script="Ethi" typeface="Nyala"/>
+        <a:font script="Beng" typeface="Vrinda"/>
+        <a:font script="Gujr" typeface="Shruti"/>
+        <a:font script="Khmr" typeface="DaunPenh"/>
+        <a:font script="Knda" typeface="Tunga"/>
+        <a:font script="Guru" typeface="Raavi"/>
+        <a:font script="Cans" typeface="Euphemia"/>
+        <a:font script="Cher" typeface="Plantagenet Cherokee"/>
+        <a:font script="Yiii" typeface="Microsoft Yi Baiti"/>
+        <a:font script="Tibt" typeface="Microsoft Himalaya"/>
+        <a:font script="Thaa" typeface="MV Boli"/>
+        <a:font script="Deva" typeface="Mangal"/>
+        <a:font script="Telu" typeface="Gautami"/>
+        <a:font script="Taml" typeface="Latha"/>
+        <a:font script="Syrc" typeface="Estrangelo Edessa"/>
+        <a:font script="Orya" typeface="Kalinga"/>
+        <a:font script="Mlym" typeface="Kartika"/>
+        <a:font script="Laoo" typeface="DokChampa"/>
+        <a:font script="Sinh" typeface="Iskoola Pota"/>
+        <a:font script="Mong" typeface="Mongolian Baiti"/>
+        <a:font script="Viet" typeface="Tahoma"/>
+        <a:font script="Uigh" typeface="Microsoft Uighur"/>
+        <a:font script="Geor" typeface="Sylfaen"/>
       </a:minorFont>
     </a:fontScheme>
-    <a:fmtScheme name="Office">
+    <a:fmtScheme name="Slice">
       <a:fillStyleLst>
         <a:solidFill>
           <a:schemeClr val="phClr"/>
@@ -4030,23 +5927,16 @@
           <a:gsLst>
             <a:gs pos="0">
               <a:schemeClr val="phClr">
+                <a:tint val="62000"/>
+                <a:hueMod val="94000"/>
+                <a:satMod val="140000"/>
                 <a:lumMod val="110000"/>
-                <a:satMod val="105000"/>
-                <a:tint val="67000"/>
-              </a:schemeClr>
-            </a:gs>
-            <a:gs pos="50000">
-              <a:schemeClr val="phClr">
-                <a:lumMod val="105000"/>
-                <a:satMod val="103000"/>
-                <a:tint val="73000"/>
               </a:schemeClr>
             </a:gs>
             <a:gs pos="100000">
               <a:schemeClr val="phClr">
-                <a:lumMod val="105000"/>
-                <a:satMod val="109000"/>
-                <a:tint val="81000"/>
+                <a:tint val="84000"/>
+                <a:satMod val="160000"/>
               </a:schemeClr>
             </a:gs>
           </a:gsLst>
@@ -4056,23 +5946,16 @@
           <a:gsLst>
             <a:gs pos="0">
               <a:schemeClr val="phClr">
-                <a:satMod val="103000"/>
-                <a:lumMod val="102000"/>
-                <a:tint val="94000"/>
-              </a:schemeClr>
-            </a:gs>
-            <a:gs pos="50000">
-              <a:schemeClr val="phClr">
-                <a:satMod val="110000"/>
-                <a:lumMod val="100000"/>
-                <a:shade val="100000"/>
+                <a:tint val="98000"/>
+                <a:hueMod val="94000"/>
+                <a:satMod val="130000"/>
+                <a:lumMod val="128000"/>
               </a:schemeClr>
             </a:gs>
             <a:gs pos="100000">
               <a:schemeClr val="phClr">
-                <a:lumMod val="99000"/>
-                <a:satMod val="120000"/>
-                <a:shade val="78000"/>
+                <a:shade val="94000"/>
+                <a:lumMod val="88000"/>
               </a:schemeClr>
             </a:gs>
           </a:gsLst>
@@ -4080,26 +5963,29 @@
         </a:gradFill>
       </a:fillStyleLst>
       <a:lnStyleLst>
-        <a:ln w="6350" cap="flat" cmpd="sng" algn="ctr">
+        <a:ln w="9525" cap="rnd" cmpd="sng" algn="ctr">
+          <a:solidFill>
+            <a:schemeClr val="phClr">
+              <a:tint val="76000"/>
+              <a:alpha val="60000"/>
+              <a:hueMod val="94000"/>
+            </a:schemeClr>
+          </a:solidFill>
+          <a:prstDash val="solid"/>
+        </a:ln>
+        <a:ln w="15875" cap="rnd" cmpd="sng" algn="ctr">
+          <a:solidFill>
+            <a:schemeClr val="phClr">
+              <a:hueMod val="94000"/>
+            </a:schemeClr>
+          </a:solidFill>
+          <a:prstDash val="solid"/>
+        </a:ln>
+        <a:ln w="28575" cap="rnd" cmpd="sng" algn="ctr">
           <a:solidFill>
             <a:schemeClr val="phClr"/>
           </a:solidFill>
           <a:prstDash val="solid"/>
-          <a:miter lim="800000"/>
-        </a:ln>
-        <a:ln w="12700" cap="flat" cmpd="sng" algn="ctr">
-          <a:solidFill>
-            <a:schemeClr val="phClr"/>
-          </a:solidFill>
-          <a:prstDash val="solid"/>
-          <a:miter lim="800000"/>
-        </a:ln>
-        <a:ln w="19050" cap="flat" cmpd="sng" algn="ctr">
-          <a:solidFill>
-            <a:schemeClr val="phClr"/>
-          </a:solidFill>
-          <a:prstDash val="solid"/>
-          <a:miter lim="800000"/>
         </a:ln>
       </a:lnStyleLst>
       <a:effectStyleLst>
@@ -4107,54 +5993,78 @@
           <a:effectLst/>
         </a:effectStyle>
         <a:effectStyle>
-          <a:effectLst/>
+          <a:effectLst>
+            <a:innerShdw blurRad="25400" dist="12700" dir="13500000">
+              <a:srgbClr val="000000">
+                <a:alpha val="45000"/>
+              </a:srgbClr>
+            </a:innerShdw>
+          </a:effectLst>
         </a:effectStyle>
         <a:effectStyle>
           <a:effectLst>
-            <a:outerShdw blurRad="57150" dist="19050" dir="5400000" algn="ctr" rotWithShape="0">
+            <a:outerShdw blurRad="50800" dist="38100" dir="5400000" rotWithShape="0">
               <a:srgbClr val="000000">
-                <a:alpha val="63000"/>
+                <a:alpha val="46000"/>
               </a:srgbClr>
             </a:outerShdw>
           </a:effectLst>
+          <a:scene3d>
+            <a:camera prst="orthographicFront">
+              <a:rot lat="0" lon="0" rev="0"/>
+            </a:camera>
+            <a:lightRig rig="threePt" dir="t"/>
+          </a:scene3d>
+          <a:sp3d prstMaterial="plastic">
+            <a:bevelT w="25400" h="25400"/>
+          </a:sp3d>
         </a:effectStyle>
       </a:effectStyleLst>
       <a:bgFillStyleLst>
         <a:solidFill>
           <a:schemeClr val="phClr"/>
         </a:solidFill>
-        <a:solidFill>
-          <a:schemeClr val="phClr">
-            <a:tint val="95000"/>
-            <a:satMod val="170000"/>
-          </a:schemeClr>
-        </a:solidFill>
+        <a:gradFill rotWithShape="1">
+          <a:gsLst>
+            <a:gs pos="10000">
+              <a:schemeClr val="phClr">
+                <a:tint val="97000"/>
+                <a:hueMod val="92000"/>
+                <a:satMod val="169000"/>
+                <a:lumMod val="164000"/>
+              </a:schemeClr>
+            </a:gs>
+            <a:gs pos="100000">
+              <a:schemeClr val="phClr">
+                <a:shade val="96000"/>
+                <a:satMod val="120000"/>
+                <a:lumMod val="90000"/>
+              </a:schemeClr>
+            </a:gs>
+          </a:gsLst>
+          <a:lin ang="6120000" scaled="1"/>
+        </a:gradFill>
         <a:gradFill rotWithShape="1">
           <a:gsLst>
             <a:gs pos="0">
               <a:schemeClr val="phClr">
-                <a:tint val="93000"/>
-                <a:satMod val="150000"/>
-                <a:shade val="98000"/>
-                <a:lumMod val="102000"/>
-              </a:schemeClr>
-            </a:gs>
-            <a:gs pos="50000">
-              <a:schemeClr val="phClr">
-                <a:tint val="98000"/>
-                <a:satMod val="130000"/>
-                <a:shade val="90000"/>
-                <a:lumMod val="103000"/>
+                <a:tint val="97000"/>
+                <a:hueMod val="92000"/>
+                <a:satMod val="169000"/>
+                <a:lumMod val="164000"/>
               </a:schemeClr>
             </a:gs>
             <a:gs pos="100000">
               <a:schemeClr val="phClr">
-                <a:shade val="63000"/>
+                <a:shade val="96000"/>
                 <a:satMod val="120000"/>
+                <a:lumMod val="90000"/>
               </a:schemeClr>
             </a:gs>
           </a:gsLst>
-          <a:lin ang="5400000" scaled="0"/>
+          <a:path path="circle">
+            <a:fillToRect b="100000"/>
+          </a:path>
         </a:gradFill>
       </a:bgFillStyleLst>
     </a:fmtScheme>
@@ -4163,7 +6073,7 @@
   <a:extraClrSchemeLst/>
   <a:extLst>
     <a:ext uri="{05A4C25C-085E-4340-85A3-A5531E510DB2}">
-      <thm15:themeFamily xmlns:thm15="http://schemas.microsoft.com/office/thememl/2012/main" name="Office Theme" id="{62F939B6-93AF-4DB8-9C6B-D6C7DFDC589F}" vid="{4A3C46E8-61CC-4603-A589-7422A47A8E4A}"/>
+      <thm15:themeFamily xmlns:thm15="http://schemas.microsoft.com/office/thememl/2012/main" name="Slice" id="{0507925B-6AC9-4358-8E18-C330545D08F8}" vid="{13FEC7C6-62A9-40C4-99D2-581AACACAA2F}"/>
     </a:ext>
   </a:extLst>
 </a:theme>

--- a/Cost/MarginCalc.pptx
+++ b/Cost/MarginCalc.pptx
@@ -5770,10 +5770,18 @@
           <a:lstStyle/>
           <a:p>
             <a:r>
-              <a:rPr lang="en-US" dirty="0" err="1"/>
-              <a:t>InfuxDB</a:t>
-            </a:r>
-            <a:endParaRPr lang="en-US" dirty="0"/>
+              <a:rPr lang="en-US" dirty="0" err="1">
+                <a:solidFill>
+                  <a:srgbClr val="FFFF00"/>
+                </a:solidFill>
+              </a:rPr>
+              <a:t>InfluxDB</a:t>
+            </a:r>
+            <a:endParaRPr lang="en-US" dirty="0">
+              <a:solidFill>
+                <a:srgbClr val="FFFF00"/>
+              </a:solidFill>
+            </a:endParaRPr>
           </a:p>
           <a:p>
             <a:r>

--- a/Cost/MarginCalc.pptx
+++ b/Cost/MarginCalc.pptx
@@ -7,6 +7,7 @@
   <p:sldIdLst>
     <p:sldId id="256" r:id="rId2"/>
     <p:sldId id="257" r:id="rId3"/>
+    <p:sldId id="258" r:id="rId4"/>
   </p:sldIdLst>
   <p:sldSz cx="12192000" cy="6858000"/>
   <p:notesSz cx="6858000" cy="9144000"/>
@@ -5813,6 +5814,132 @@
 </p:sld>
 </file>
 
+<file path=ppt/slides/slide3.xml><?xml version="1.0" encoding="utf-8"?>
+<p:sld xmlns:a="http://schemas.openxmlformats.org/drawingml/2006/main" xmlns:r="http://schemas.openxmlformats.org/officeDocument/2006/relationships" xmlns:p="http://schemas.openxmlformats.org/presentationml/2006/main">
+  <p:cSld>
+    <p:spTree>
+      <p:nvGrpSpPr>
+        <p:cNvPr id="1" name=""/>
+        <p:cNvGrpSpPr/>
+        <p:nvPr/>
+      </p:nvGrpSpPr>
+      <p:grpSpPr>
+        <a:xfrm>
+          <a:off x="0" y="0"/>
+          <a:ext cx="0" cy="0"/>
+          <a:chOff x="0" y="0"/>
+          <a:chExt cx="0" cy="0"/>
+        </a:xfrm>
+      </p:grpSpPr>
+      <p:sp>
+        <p:nvSpPr>
+          <p:cNvPr id="2" name="Title 1">
+            <a:extLst>
+              <a:ext uri="{FF2B5EF4-FFF2-40B4-BE49-F238E27FC236}">
+                <a16:creationId xmlns:a16="http://schemas.microsoft.com/office/drawing/2014/main" id="{05ED4E75-CBFC-91FA-F438-EE757C2895D6}"/>
+              </a:ext>
+            </a:extLst>
+          </p:cNvPr>
+          <p:cNvSpPr>
+            <a:spLocks noGrp="1"/>
+          </p:cNvSpPr>
+          <p:nvPr>
+            <p:ph type="title"/>
+          </p:nvPr>
+        </p:nvSpPr>
+        <p:spPr/>
+        <p:txBody>
+          <a:bodyPr/>
+          <a:lstStyle/>
+          <a:p>
+            <a:endParaRPr lang="en-NL" dirty="0"/>
+          </a:p>
+        </p:txBody>
+      </p:sp>
+      <p:sp>
+        <p:nvSpPr>
+          <p:cNvPr id="3" name="Content Placeholder 2">
+            <a:extLst>
+              <a:ext uri="{FF2B5EF4-FFF2-40B4-BE49-F238E27FC236}">
+                <a16:creationId xmlns:a16="http://schemas.microsoft.com/office/drawing/2014/main" id="{BABEEA1F-63B4-8893-D85C-28AE0DC07C1B}"/>
+              </a:ext>
+            </a:extLst>
+          </p:cNvPr>
+          <p:cNvSpPr>
+            <a:spLocks noGrp="1"/>
+          </p:cNvSpPr>
+          <p:nvPr>
+            <p:ph idx="1"/>
+          </p:nvPr>
+        </p:nvSpPr>
+        <p:spPr/>
+        <p:txBody>
+          <a:bodyPr/>
+          <a:lstStyle/>
+          <a:p>
+            <a:r>
+              <a:rPr lang="en-US" dirty="0"/>
+              <a:t>Angular </a:t>
+            </a:r>
+            <a:r>
+              <a:rPr lang="en-US" dirty="0" err="1"/>
+              <a:t>Drag&amp;Drop</a:t>
+            </a:r>
+            <a:r>
+              <a:rPr lang="en-US" dirty="0"/>
+              <a:t> GUI Details</a:t>
+            </a:r>
+          </a:p>
+          <a:p>
+            <a:pPr marL="457200" indent="-457200">
+              <a:buFont typeface="+mj-lt"/>
+              <a:buAutoNum type="arabicPeriod"/>
+            </a:pPr>
+            <a:r>
+              <a:rPr lang="en-US" dirty="0"/>
+              <a:t>Create drag &amp; drop containers</a:t>
+            </a:r>
+          </a:p>
+          <a:p>
+            <a:pPr marL="457200" indent="-457200">
+              <a:buFont typeface="+mj-lt"/>
+              <a:buAutoNum type="arabicPeriod"/>
+            </a:pPr>
+            <a:r>
+              <a:rPr lang="en-US" dirty="0"/>
+              <a:t>Create linear (arrow) connection between the containers</a:t>
+            </a:r>
+          </a:p>
+          <a:p>
+            <a:pPr marL="457200" indent="-457200">
+              <a:buFont typeface="+mj-lt"/>
+              <a:buAutoNum type="arabicPeriod"/>
+            </a:pPr>
+            <a:r>
+              <a:rPr lang="en-US" dirty="0"/>
+              <a:t>Make data transfer possible by declaring source and </a:t>
+            </a:r>
+            <a:r>
+              <a:rPr lang="en-US"/>
+              <a:t>target containers</a:t>
+            </a:r>
+            <a:endParaRPr lang="en-NL" dirty="0"/>
+          </a:p>
+        </p:txBody>
+      </p:sp>
+    </p:spTree>
+    <p:extLst>
+      <p:ext uri="{BB962C8B-B14F-4D97-AF65-F5344CB8AC3E}">
+        <p14:creationId xmlns:p14="http://schemas.microsoft.com/office/powerpoint/2010/main" val="2640288622"/>
+      </p:ext>
+    </p:extLst>
+  </p:cSld>
+  <p:clrMapOvr>
+    <a:masterClrMapping/>
+  </p:clrMapOvr>
+</p:sld>
+</file>
+
 <file path=ppt/theme/theme1.xml><?xml version="1.0" encoding="utf-8"?>
 <a:theme xmlns:a="http://schemas.openxmlformats.org/drawingml/2006/main" name="Slice">
   <a:themeElements>

--- a/Cost/MarginCalc.pptx
+++ b/Cost/MarginCalc.pptx
@@ -2,7 +2,7 @@
 <file path=ppt/presentation.xml><?xml version="1.0" encoding="utf-8"?>
 <p:presentation xmlns:a="http://schemas.openxmlformats.org/drawingml/2006/main" xmlns:r="http://schemas.openxmlformats.org/officeDocument/2006/relationships" xmlns:p="http://schemas.openxmlformats.org/presentationml/2006/main" saveSubsetFonts="1">
   <p:sldMasterIdLst>
-    <p:sldMasterId id="2147483660" r:id="rId1"/>
+    <p:sldMasterId id="2147483678" r:id="rId1"/>
   </p:sldMasterIdLst>
   <p:sldIdLst>
     <p:sldId id="256" r:id="rId2"/>
@@ -115,7 +115,7 @@
 </file>
 
 <file path=ppt/slideLayouts/slideLayout1.xml><?xml version="1.0" encoding="utf-8"?>
-<p:sldLayout xmlns:a="http://schemas.openxmlformats.org/drawingml/2006/main" xmlns:r="http://schemas.openxmlformats.org/officeDocument/2006/relationships" xmlns:p="http://schemas.openxmlformats.org/presentationml/2006/main" showMasterSp="0" type="title" preserve="1">
+<p:sldLayout xmlns:a="http://schemas.openxmlformats.org/drawingml/2006/main" xmlns:r="http://schemas.openxmlformats.org/officeDocument/2006/relationships" xmlns:p="http://schemas.openxmlformats.org/presentationml/2006/main" type="title" preserve="1">
   <p:cSld name="Title Slide">
     <p:spTree>
       <p:nvGrpSpPr>
@@ -131,6 +131,36 @@
           <a:chExt cx="0" cy="0"/>
         </a:xfrm>
       </p:grpSpPr>
+      <p:pic>
+        <p:nvPicPr>
+          <p:cNvPr id="7" name="Picture 6" descr="C0-HD-BTM.png"/>
+          <p:cNvPicPr>
+            <a:picLocks noChangeAspect="1"/>
+          </p:cNvPicPr>
+          <p:nvPr/>
+        </p:nvPicPr>
+        <p:blipFill>
+          <a:blip r:embed="rId2">
+            <a:extLst>
+              <a:ext uri="{28A0092B-C50C-407E-A947-70E740481C1C}">
+                <a14:useLocalDpi xmlns:a14="http://schemas.microsoft.com/office/drawing/2010/main" val="0"/>
+              </a:ext>
+            </a:extLst>
+          </a:blip>
+          <a:stretch>
+            <a:fillRect/>
+          </a:stretch>
+        </p:blipFill>
+        <p:spPr>
+          <a:xfrm>
+            <a:off x="0" y="4375150"/>
+            <a:ext cx="12192000" cy="2482850"/>
+          </a:xfrm>
+          <a:prstGeom prst="rect">
+            <a:avLst/>
+          </a:prstGeom>
+        </p:spPr>
+      </p:pic>
       <p:sp>
         <p:nvSpPr>
           <p:cNvPr id="2" name="Title 1"/>
@@ -143,8 +173,8 @@
         </p:nvSpPr>
         <p:spPr>
           <a:xfrm>
-            <a:off x="684212" y="685799"/>
-            <a:ext cx="8001000" cy="2971801"/>
+            <a:off x="1371600" y="1803405"/>
+            <a:ext cx="9448800" cy="1825096"/>
           </a:xfrm>
         </p:spPr>
         <p:txBody>
@@ -153,9 +183,7 @@
           </a:bodyPr>
           <a:lstStyle>
             <a:lvl1pPr algn="l">
-              <a:defRPr sz="4800">
-                <a:effectLst/>
-              </a:defRPr>
+              <a:defRPr sz="6000"/>
             </a:lvl1pPr>
           </a:lstStyle>
           <a:p>
@@ -179,104 +207,50 @@
         </p:nvSpPr>
         <p:spPr>
           <a:xfrm>
-            <a:off x="684212" y="3843867"/>
-            <a:ext cx="6400800" cy="1947333"/>
-          </a:xfrm>
-        </p:spPr>
-        <p:txBody>
-          <a:bodyPr anchor="t">
+            <a:off x="1371600" y="3632201"/>
+            <a:ext cx="9448800" cy="685800"/>
+          </a:xfrm>
+        </p:spPr>
+        <p:txBody>
+          <a:bodyPr>
             <a:normAutofit/>
           </a:bodyPr>
           <a:lstStyle>
             <a:lvl1pPr marL="0" indent="0" algn="l">
               <a:buNone/>
-              <a:defRPr sz="2100">
-                <a:solidFill>
-                  <a:schemeClr val="bg2">
-                    <a:lumMod val="75000"/>
-                  </a:schemeClr>
-                </a:solidFill>
-              </a:defRPr>
+              <a:defRPr sz="2000"/>
             </a:lvl1pPr>
             <a:lvl2pPr marL="457200" indent="0" algn="ctr">
               <a:buNone/>
-              <a:defRPr>
-                <a:solidFill>
-                  <a:schemeClr val="tx1">
-                    <a:tint val="75000"/>
-                  </a:schemeClr>
-                </a:solidFill>
-              </a:defRPr>
+              <a:defRPr sz="2000"/>
             </a:lvl2pPr>
             <a:lvl3pPr marL="914400" indent="0" algn="ctr">
               <a:buNone/>
-              <a:defRPr>
-                <a:solidFill>
-                  <a:schemeClr val="tx1">
-                    <a:tint val="75000"/>
-                  </a:schemeClr>
-                </a:solidFill>
-              </a:defRPr>
+              <a:defRPr sz="1800"/>
             </a:lvl3pPr>
             <a:lvl4pPr marL="1371600" indent="0" algn="ctr">
               <a:buNone/>
-              <a:defRPr>
-                <a:solidFill>
-                  <a:schemeClr val="tx1">
-                    <a:tint val="75000"/>
-                  </a:schemeClr>
-                </a:solidFill>
-              </a:defRPr>
+              <a:defRPr sz="1600"/>
             </a:lvl4pPr>
             <a:lvl5pPr marL="1828800" indent="0" algn="ctr">
               <a:buNone/>
-              <a:defRPr>
-                <a:solidFill>
-                  <a:schemeClr val="tx1">
-                    <a:tint val="75000"/>
-                  </a:schemeClr>
-                </a:solidFill>
-              </a:defRPr>
+              <a:defRPr sz="1600"/>
             </a:lvl5pPr>
             <a:lvl6pPr marL="2286000" indent="0" algn="ctr">
               <a:buNone/>
-              <a:defRPr>
-                <a:solidFill>
-                  <a:schemeClr val="tx1">
-                    <a:tint val="75000"/>
-                  </a:schemeClr>
-                </a:solidFill>
-              </a:defRPr>
+              <a:defRPr sz="1600"/>
             </a:lvl6pPr>
             <a:lvl7pPr marL="2743200" indent="0" algn="ctr">
               <a:buNone/>
-              <a:defRPr>
-                <a:solidFill>
-                  <a:schemeClr val="tx1">
-                    <a:tint val="75000"/>
-                  </a:schemeClr>
-                </a:solidFill>
-              </a:defRPr>
+              <a:defRPr sz="1600"/>
             </a:lvl7pPr>
             <a:lvl8pPr marL="3200400" indent="0" algn="ctr">
               <a:buNone/>
-              <a:defRPr>
-                <a:solidFill>
-                  <a:schemeClr val="tx1">
-                    <a:tint val="75000"/>
-                  </a:schemeClr>
-                </a:solidFill>
-              </a:defRPr>
+              <a:defRPr sz="1600"/>
             </a:lvl8pPr>
             <a:lvl9pPr marL="3657600" indent="0" algn="ctr">
               <a:buNone/>
-              <a:defRPr>
-                <a:solidFill>
-                  <a:schemeClr val="tx1">
-                    <a:tint val="75000"/>
-                  </a:schemeClr>
-                </a:solidFill>
-              </a:defRPr>
+              <a:defRPr sz="1600"/>
             </a:lvl9pPr>
           </a:lstStyle>
           <a:p>
@@ -298,7 +272,12 @@
             <p:ph type="dt" sz="half" idx="10"/>
           </p:nvPr>
         </p:nvSpPr>
-        <p:spPr/>
+        <p:spPr>
+          <a:xfrm>
+            <a:off x="7909561" y="4314328"/>
+            <a:ext cx="2910840" cy="374642"/>
+          </a:xfrm>
+        </p:spPr>
         <p:txBody>
           <a:bodyPr/>
           <a:lstStyle/>
@@ -321,7 +300,12 @@
             <p:ph type="ftr" sz="quarter" idx="11"/>
           </p:nvPr>
         </p:nvSpPr>
-        <p:spPr/>
+        <p:spPr>
+          <a:xfrm>
+            <a:off x="1371600" y="4323845"/>
+            <a:ext cx="6400800" cy="365125"/>
+          </a:xfrm>
+        </p:spPr>
         <p:txBody>
           <a:bodyPr/>
           <a:lstStyle/>
@@ -340,7 +324,12 @@
             <p:ph type="sldNum" sz="quarter" idx="12"/>
           </p:nvPr>
         </p:nvSpPr>
-        <p:spPr/>
+        <p:spPr>
+          <a:xfrm>
+            <a:off x="8077200" y="1430866"/>
+            <a:ext cx="2743200" cy="365125"/>
+          </a:xfrm>
+        </p:spPr>
         <p:txBody>
           <a:bodyPr/>
           <a:lstStyle/>
@@ -353,185 +342,10 @@
           </a:p>
         </p:txBody>
       </p:sp>
-      <p:cxnSp>
-        <p:nvCxnSpPr>
-          <p:cNvPr id="16" name="Straight Connector 15"/>
-          <p:cNvCxnSpPr/>
-          <p:nvPr/>
-        </p:nvCxnSpPr>
-        <p:spPr>
-          <a:xfrm flipH="1">
-            <a:off x="8228012" y="8467"/>
-            <a:ext cx="3810000" cy="3810000"/>
-          </a:xfrm>
-          <a:prstGeom prst="line">
-            <a:avLst/>
-          </a:prstGeom>
-          <a:ln w="12700">
-            <a:solidFill>
-              <a:schemeClr val="tx1"/>
-            </a:solidFill>
-          </a:ln>
-        </p:spPr>
-        <p:style>
-          <a:lnRef idx="2">
-            <a:schemeClr val="accent1"/>
-          </a:lnRef>
-          <a:fillRef idx="0">
-            <a:schemeClr val="accent1"/>
-          </a:fillRef>
-          <a:effectRef idx="1">
-            <a:schemeClr val="accent1"/>
-          </a:effectRef>
-          <a:fontRef idx="minor">
-            <a:schemeClr val="tx1"/>
-          </a:fontRef>
-        </p:style>
-      </p:cxnSp>
-      <p:cxnSp>
-        <p:nvCxnSpPr>
-          <p:cNvPr id="17" name="Straight Connector 16"/>
-          <p:cNvCxnSpPr/>
-          <p:nvPr/>
-        </p:nvCxnSpPr>
-        <p:spPr>
-          <a:xfrm flipH="1">
-            <a:off x="6108170" y="91545"/>
-            <a:ext cx="6080655" cy="6080655"/>
-          </a:xfrm>
-          <a:prstGeom prst="line">
-            <a:avLst/>
-          </a:prstGeom>
-          <a:ln w="12700">
-            <a:solidFill>
-              <a:schemeClr val="tx1"/>
-            </a:solidFill>
-          </a:ln>
-        </p:spPr>
-        <p:style>
-          <a:lnRef idx="2">
-            <a:schemeClr val="accent1"/>
-          </a:lnRef>
-          <a:fillRef idx="0">
-            <a:schemeClr val="accent1"/>
-          </a:fillRef>
-          <a:effectRef idx="1">
-            <a:schemeClr val="accent1"/>
-          </a:effectRef>
-          <a:fontRef idx="minor">
-            <a:schemeClr val="tx1"/>
-          </a:fontRef>
-        </p:style>
-      </p:cxnSp>
-      <p:cxnSp>
-        <p:nvCxnSpPr>
-          <p:cNvPr id="19" name="Straight Connector 18"/>
-          <p:cNvCxnSpPr/>
-          <p:nvPr/>
-        </p:nvCxnSpPr>
-        <p:spPr>
-          <a:xfrm flipH="1">
-            <a:off x="7235825" y="228600"/>
-            <a:ext cx="4953000" cy="4953000"/>
-          </a:xfrm>
-          <a:prstGeom prst="line">
-            <a:avLst/>
-          </a:prstGeom>
-          <a:ln w="12700">
-            <a:solidFill>
-              <a:schemeClr val="tx1"/>
-            </a:solidFill>
-          </a:ln>
-        </p:spPr>
-        <p:style>
-          <a:lnRef idx="2">
-            <a:schemeClr val="accent1"/>
-          </a:lnRef>
-          <a:fillRef idx="0">
-            <a:schemeClr val="accent1"/>
-          </a:fillRef>
-          <a:effectRef idx="1">
-            <a:schemeClr val="accent1"/>
-          </a:effectRef>
-          <a:fontRef idx="minor">
-            <a:schemeClr val="tx1"/>
-          </a:fontRef>
-        </p:style>
-      </p:cxnSp>
-      <p:cxnSp>
-        <p:nvCxnSpPr>
-          <p:cNvPr id="21" name="Straight Connector 20"/>
-          <p:cNvCxnSpPr/>
-          <p:nvPr/>
-        </p:nvCxnSpPr>
-        <p:spPr>
-          <a:xfrm flipH="1">
-            <a:off x="7335837" y="32278"/>
-            <a:ext cx="4852989" cy="4852989"/>
-          </a:xfrm>
-          <a:prstGeom prst="line">
-            <a:avLst/>
-          </a:prstGeom>
-          <a:ln w="31750">
-            <a:solidFill>
-              <a:schemeClr val="tx1"/>
-            </a:solidFill>
-          </a:ln>
-        </p:spPr>
-        <p:style>
-          <a:lnRef idx="2">
-            <a:schemeClr val="accent1"/>
-          </a:lnRef>
-          <a:fillRef idx="0">
-            <a:schemeClr val="accent1"/>
-          </a:fillRef>
-          <a:effectRef idx="1">
-            <a:schemeClr val="accent1"/>
-          </a:effectRef>
-          <a:fontRef idx="minor">
-            <a:schemeClr val="tx1"/>
-          </a:fontRef>
-        </p:style>
-      </p:cxnSp>
-      <p:cxnSp>
-        <p:nvCxnSpPr>
-          <p:cNvPr id="23" name="Straight Connector 22"/>
-          <p:cNvCxnSpPr/>
-          <p:nvPr/>
-        </p:nvCxnSpPr>
-        <p:spPr>
-          <a:xfrm flipH="1">
-            <a:off x="7845426" y="609601"/>
-            <a:ext cx="4343399" cy="4343399"/>
-          </a:xfrm>
-          <a:prstGeom prst="line">
-            <a:avLst/>
-          </a:prstGeom>
-          <a:ln w="31750">
-            <a:solidFill>
-              <a:schemeClr val="tx1"/>
-            </a:solidFill>
-          </a:ln>
-        </p:spPr>
-        <p:style>
-          <a:lnRef idx="2">
-            <a:schemeClr val="accent1"/>
-          </a:lnRef>
-          <a:fillRef idx="0">
-            <a:schemeClr val="accent1"/>
-          </a:fillRef>
-          <a:effectRef idx="1">
-            <a:schemeClr val="accent1"/>
-          </a:effectRef>
-          <a:fontRef idx="minor">
-            <a:schemeClr val="tx1"/>
-          </a:fontRef>
-        </p:style>
-      </p:cxnSp>
     </p:spTree>
     <p:extLst>
       <p:ext uri="{BB962C8B-B14F-4D97-AF65-F5344CB8AC3E}">
-        <p14:creationId xmlns:p14="http://schemas.microsoft.com/office/powerpoint/2010/main" val="1143041652"/>
+        <p14:creationId xmlns:p14="http://schemas.microsoft.com/office/powerpoint/2010/main" val="3623915008"/>
       </p:ext>
     </p:extLst>
   </p:cSld>
@@ -568,10 +382,19 @@
             <p:ph type="title"/>
           </p:nvPr>
         </p:nvSpPr>
-        <p:spPr/>
-        <p:txBody>
-          <a:bodyPr/>
-          <a:lstStyle/>
+        <p:spPr>
+          <a:xfrm>
+            <a:off x="685777" y="4697360"/>
+            <a:ext cx="10822034" cy="819355"/>
+          </a:xfrm>
+        </p:spPr>
+        <p:txBody>
+          <a:bodyPr anchor="b"/>
+          <a:lstStyle>
+            <a:lvl1pPr algn="l">
+              <a:defRPr sz="3200"/>
+            </a:lvl1pPr>
+          </a:lstStyle>
           <a:p>
             <a:r>
               <a:rPr lang="en-US"/>
@@ -583,139 +406,126 @@
       </p:sp>
       <p:sp>
         <p:nvSpPr>
-          <p:cNvPr id="17" name="Picture Placeholder 2"/>
+          <p:cNvPr id="3" name="Picture Placeholder 2"/>
           <p:cNvSpPr>
             <a:spLocks noGrp="1" noChangeAspect="1"/>
           </p:cNvSpPr>
           <p:nvPr>
-            <p:ph type="pic" idx="13"/>
-          </p:nvPr>
-        </p:nvSpPr>
-        <p:spPr>
-          <a:xfrm>
-            <a:off x="685800" y="533400"/>
-            <a:ext cx="10818812" cy="3124200"/>
-          </a:xfrm>
-          <a:prstGeom prst="snip2DiagRect">
-            <a:avLst>
-              <a:gd name="adj1" fmla="val 10815"/>
-              <a:gd name="adj2" fmla="val 0"/>
-            </a:avLst>
-          </a:prstGeom>
-          <a:ln w="15875">
-            <a:solidFill>
-              <a:schemeClr val="tx1">
-                <a:alpha val="40000"/>
-              </a:schemeClr>
-            </a:solidFill>
-          </a:ln>
-          <a:effectLst>
-            <a:innerShdw blurRad="57150" dist="38100" dir="14460000">
-              <a:srgbClr val="000000">
-                <a:alpha val="70000"/>
-              </a:srgbClr>
-            </a:innerShdw>
-          </a:effectLst>
-        </p:spPr>
-        <p:txBody>
-          <a:bodyPr anchor="t">
-            <a:normAutofit/>
-          </a:bodyPr>
+            <p:ph type="pic" idx="1"/>
+          </p:nvPr>
+        </p:nvSpPr>
+        <p:spPr>
+          <a:xfrm>
+            <a:off x="681727" y="941439"/>
+            <a:ext cx="10821840" cy="3478161"/>
+          </a:xfrm>
+        </p:spPr>
+        <p:txBody>
+          <a:bodyPr anchor="t"/>
           <a:lstStyle>
-            <a:lvl1pPr marL="0" indent="0" algn="ctr">
+            <a:lvl1pPr marL="0" indent="0">
+              <a:buNone/>
+              <a:defRPr sz="3200"/>
+            </a:lvl1pPr>
+            <a:lvl2pPr marL="457200" indent="0">
+              <a:buNone/>
+              <a:defRPr sz="2800"/>
+            </a:lvl2pPr>
+            <a:lvl3pPr marL="914400" indent="0">
+              <a:buNone/>
+              <a:defRPr sz="2400"/>
+            </a:lvl3pPr>
+            <a:lvl4pPr marL="1371600" indent="0">
+              <a:buNone/>
+              <a:defRPr sz="2000"/>
+            </a:lvl4pPr>
+            <a:lvl5pPr marL="1828800" indent="0">
+              <a:buNone/>
+              <a:defRPr sz="2000"/>
+            </a:lvl5pPr>
+            <a:lvl6pPr marL="2286000" indent="0">
+              <a:buNone/>
+              <a:defRPr sz="2000"/>
+            </a:lvl6pPr>
+            <a:lvl7pPr marL="2743200" indent="0">
+              <a:buNone/>
+              <a:defRPr sz="2000"/>
+            </a:lvl7pPr>
+            <a:lvl8pPr marL="3200400" indent="0">
+              <a:buNone/>
+              <a:defRPr sz="2000"/>
+            </a:lvl8pPr>
+            <a:lvl9pPr marL="3657600" indent="0">
+              <a:buNone/>
+              <a:defRPr sz="2000"/>
+            </a:lvl9pPr>
+          </a:lstStyle>
+          <a:p>
+            <a:r>
+              <a:rPr lang="en-US"/>
+              <a:t>Click icon to add picture</a:t>
+            </a:r>
+            <a:endParaRPr lang="en-US" dirty="0"/>
+          </a:p>
+        </p:txBody>
+      </p:sp>
+      <p:sp>
+        <p:nvSpPr>
+          <p:cNvPr id="4" name="Text Placeholder 3"/>
+          <p:cNvSpPr>
+            <a:spLocks noGrp="1"/>
+          </p:cNvSpPr>
+          <p:nvPr>
+            <p:ph type="body" sz="half" idx="2"/>
+          </p:nvPr>
+        </p:nvSpPr>
+        <p:spPr>
+          <a:xfrm>
+            <a:off x="685800" y="5516715"/>
+            <a:ext cx="10820400" cy="701969"/>
+          </a:xfrm>
+        </p:spPr>
+        <p:txBody>
+          <a:bodyPr/>
+          <a:lstStyle>
+            <a:lvl1pPr marL="0" indent="0" algn="l">
               <a:buNone/>
               <a:defRPr sz="1600"/>
             </a:lvl1pPr>
             <a:lvl2pPr marL="457200" indent="0">
               <a:buNone/>
-              <a:defRPr sz="1600"/>
+              <a:defRPr sz="1400"/>
             </a:lvl2pPr>
             <a:lvl3pPr marL="914400" indent="0">
               <a:buNone/>
-              <a:defRPr sz="1600"/>
+              <a:defRPr sz="1200"/>
             </a:lvl3pPr>
             <a:lvl4pPr marL="1371600" indent="0">
               <a:buNone/>
-              <a:defRPr sz="1600"/>
+              <a:defRPr sz="1000"/>
             </a:lvl4pPr>
             <a:lvl5pPr marL="1828800" indent="0">
               <a:buNone/>
-              <a:defRPr sz="1600"/>
+              <a:defRPr sz="1000"/>
             </a:lvl5pPr>
             <a:lvl6pPr marL="2286000" indent="0">
               <a:buNone/>
-              <a:defRPr sz="1600"/>
+              <a:defRPr sz="1000"/>
             </a:lvl6pPr>
             <a:lvl7pPr marL="2743200" indent="0">
               <a:buNone/>
-              <a:defRPr sz="1600"/>
+              <a:defRPr sz="1000"/>
             </a:lvl7pPr>
             <a:lvl8pPr marL="3200400" indent="0">
               <a:buNone/>
-              <a:defRPr sz="1600"/>
+              <a:defRPr sz="1000"/>
             </a:lvl8pPr>
             <a:lvl9pPr marL="3657600" indent="0">
               <a:buNone/>
-              <a:defRPr sz="1600"/>
+              <a:defRPr sz="1000"/>
             </a:lvl9pPr>
           </a:lstStyle>
           <a:p>
-            <a:r>
-              <a:rPr lang="en-US"/>
-              <a:t>Click icon to add picture</a:t>
-            </a:r>
-            <a:endParaRPr lang="en-US" dirty="0"/>
-          </a:p>
-        </p:txBody>
-      </p:sp>
-      <p:sp>
-        <p:nvSpPr>
-          <p:cNvPr id="16" name="Text Placeholder 9"/>
-          <p:cNvSpPr>
-            <a:spLocks noGrp="1"/>
-          </p:cNvSpPr>
-          <p:nvPr>
-            <p:ph type="body" sz="quarter" idx="14"/>
-          </p:nvPr>
-        </p:nvSpPr>
-        <p:spPr>
-          <a:xfrm>
-            <a:off x="914402" y="3843867"/>
-            <a:ext cx="8304210" cy="457200"/>
-          </a:xfrm>
-        </p:spPr>
-        <p:txBody>
-          <a:bodyPr anchor="t">
-            <a:normAutofit/>
-          </a:bodyPr>
-          <a:lstStyle>
-            <a:lvl1pPr marL="0" indent="0">
-              <a:buFontTx/>
-              <a:buNone/>
-              <a:defRPr sz="1600"/>
-            </a:lvl1pPr>
-            <a:lvl2pPr marL="457200" indent="0">
-              <a:buFontTx/>
-              <a:buNone/>
-              <a:defRPr/>
-            </a:lvl2pPr>
-            <a:lvl3pPr marL="914400" indent="0">
-              <a:buFontTx/>
-              <a:buNone/>
-              <a:defRPr/>
-            </a:lvl3pPr>
-            <a:lvl4pPr marL="1371600" indent="0">
-              <a:buFontTx/>
-              <a:buNone/>
-              <a:defRPr/>
-            </a:lvl4pPr>
-            <a:lvl5pPr marL="1828800" indent="0">
-              <a:buFontTx/>
-              <a:buNone/>
-              <a:defRPr/>
-            </a:lvl5pPr>
-          </a:lstStyle>
-          <a:p>
             <a:pPr lvl="0"/>
             <a:r>
               <a:rPr lang="en-US"/>
@@ -726,7 +536,7 @@
       </p:sp>
       <p:sp>
         <p:nvSpPr>
-          <p:cNvPr id="3" name="Date Placeholder 2"/>
+          <p:cNvPr id="5" name="Date Placeholder 4"/>
           <p:cNvSpPr>
             <a:spLocks noGrp="1"/>
           </p:cNvSpPr>
@@ -749,7 +559,7 @@
       </p:sp>
       <p:sp>
         <p:nvSpPr>
-          <p:cNvPr id="4" name="Footer Placeholder 3"/>
+          <p:cNvPr id="6" name="Footer Placeholder 5"/>
           <p:cNvSpPr>
             <a:spLocks noGrp="1"/>
           </p:cNvSpPr>
@@ -768,7 +578,7 @@
       </p:sp>
       <p:sp>
         <p:nvSpPr>
-          <p:cNvPr id="5" name="Slide Number Placeholder 4"/>
+          <p:cNvPr id="7" name="Slide Number Placeholder 6"/>
           <p:cNvSpPr>
             <a:spLocks noGrp="1"/>
           </p:cNvSpPr>
@@ -792,7 +602,7 @@
     </p:spTree>
     <p:extLst>
       <p:ext uri="{BB962C8B-B14F-4D97-AF65-F5344CB8AC3E}">
-        <p14:creationId xmlns:p14="http://schemas.microsoft.com/office/powerpoint/2010/main" val="2027702944"/>
+        <p14:creationId xmlns:p14="http://schemas.microsoft.com/office/powerpoint/2010/main" val="2865061166"/>
       </p:ext>
     </p:extLst>
   </p:cSld>
@@ -803,7 +613,7 @@
 </file>
 
 <file path=ppt/slideLayouts/slideLayout11.xml><?xml version="1.0" encoding="utf-8"?>
-<p:sldLayout xmlns:a="http://schemas.openxmlformats.org/drawingml/2006/main" xmlns:r="http://schemas.openxmlformats.org/officeDocument/2006/relationships" xmlns:p="http://schemas.openxmlformats.org/presentationml/2006/main" preserve="1">
+<p:sldLayout xmlns:a="http://schemas.openxmlformats.org/drawingml/2006/main" xmlns:r="http://schemas.openxmlformats.org/officeDocument/2006/relationships" xmlns:p="http://schemas.openxmlformats.org/presentationml/2006/main" showMasterSp="0" preserve="1">
   <p:cSld name="Title and Caption">
     <p:spTree>
       <p:nvGrpSpPr>
@@ -819,6 +629,36 @@
           <a:chExt cx="0" cy="0"/>
         </a:xfrm>
       </p:grpSpPr>
+      <p:pic>
+        <p:nvPicPr>
+          <p:cNvPr id="8" name="Picture 7" descr="C0-HD-BTM.png"/>
+          <p:cNvPicPr>
+            <a:picLocks noChangeAspect="1"/>
+          </p:cNvPicPr>
+          <p:nvPr/>
+        </p:nvPicPr>
+        <p:blipFill>
+          <a:blip r:embed="rId2">
+            <a:extLst>
+              <a:ext uri="{28A0092B-C50C-407E-A947-70E740481C1C}">
+                <a14:useLocalDpi xmlns:a14="http://schemas.microsoft.com/office/drawing/2010/main" val="0"/>
+              </a:ext>
+            </a:extLst>
+          </a:blip>
+          <a:stretch>
+            <a:fillRect/>
+          </a:stretch>
+        </p:blipFill>
+        <p:spPr>
+          <a:xfrm>
+            <a:off x="0" y="4375150"/>
+            <a:ext cx="12192000" cy="2482850"/>
+          </a:xfrm>
+          <a:prstGeom prst="rect">
+            <a:avLst/>
+          </a:prstGeom>
+        </p:spPr>
+      </p:pic>
       <p:sp>
         <p:nvSpPr>
           <p:cNvPr id="2" name="Title 1"/>
@@ -831,17 +671,15 @@
         </p:nvSpPr>
         <p:spPr>
           <a:xfrm>
-            <a:off x="684213" y="685800"/>
-            <a:ext cx="10058400" cy="2743200"/>
-          </a:xfrm>
-        </p:spPr>
-        <p:txBody>
-          <a:bodyPr anchor="ctr">
-            <a:normAutofit/>
-          </a:bodyPr>
+            <a:off x="685800" y="753532"/>
+            <a:ext cx="10820400" cy="2802467"/>
+          </a:xfrm>
+        </p:spPr>
+        <p:txBody>
+          <a:bodyPr anchor="ctr"/>
           <a:lstStyle>
             <a:lvl1pPr algn="l">
-              <a:defRPr sz="3200" b="0" cap="all"/>
+              <a:defRPr sz="3200"/>
             </a:lvl1pPr>
           </a:lstStyle>
           <a:p>
@@ -855,114 +693,58 @@
       </p:sp>
       <p:sp>
         <p:nvSpPr>
-          <p:cNvPr id="3" name="Text Placeholder 2"/>
-          <p:cNvSpPr>
-            <a:spLocks noGrp="1"/>
-          </p:cNvSpPr>
-          <p:nvPr>
-            <p:ph type="body" idx="1"/>
-          </p:nvPr>
-        </p:nvSpPr>
-        <p:spPr>
-          <a:xfrm>
-            <a:off x="684212" y="4114800"/>
-            <a:ext cx="8535988" cy="1879600"/>
-          </a:xfrm>
-        </p:spPr>
-        <p:txBody>
-          <a:bodyPr anchor="ctr">
-            <a:normAutofit/>
-          </a:bodyPr>
+          <p:cNvPr id="4" name="Text Placeholder 3"/>
+          <p:cNvSpPr>
+            <a:spLocks noGrp="1"/>
+          </p:cNvSpPr>
+          <p:nvPr>
+            <p:ph type="body" sz="half" idx="2"/>
+          </p:nvPr>
+        </p:nvSpPr>
+        <p:spPr>
+          <a:xfrm>
+            <a:off x="1024467" y="3649133"/>
+            <a:ext cx="10130516" cy="999067"/>
+          </a:xfrm>
+        </p:spPr>
+        <p:txBody>
+          <a:bodyPr anchor="ctr"/>
           <a:lstStyle>
-            <a:lvl1pPr marL="0" indent="0" algn="l">
-              <a:buNone/>
-              <a:defRPr sz="2000">
-                <a:solidFill>
-                  <a:schemeClr val="bg2">
-                    <a:lumMod val="75000"/>
-                  </a:schemeClr>
-                </a:solidFill>
-              </a:defRPr>
+            <a:lvl1pPr marL="0" indent="0">
+              <a:buNone/>
+              <a:defRPr sz="1600"/>
             </a:lvl1pPr>
             <a:lvl2pPr marL="457200" indent="0">
               <a:buNone/>
-              <a:defRPr sz="1800">
-                <a:solidFill>
-                  <a:schemeClr val="tx1">
-                    <a:tint val="75000"/>
-                  </a:schemeClr>
-                </a:solidFill>
-              </a:defRPr>
+              <a:defRPr sz="1400"/>
             </a:lvl2pPr>
             <a:lvl3pPr marL="914400" indent="0">
               <a:buNone/>
-              <a:defRPr sz="1600">
-                <a:solidFill>
-                  <a:schemeClr val="tx1">
-                    <a:tint val="75000"/>
-                  </a:schemeClr>
-                </a:solidFill>
-              </a:defRPr>
+              <a:defRPr sz="1200"/>
             </a:lvl3pPr>
             <a:lvl4pPr marL="1371600" indent="0">
               <a:buNone/>
-              <a:defRPr sz="1400">
-                <a:solidFill>
-                  <a:schemeClr val="tx1">
-                    <a:tint val="75000"/>
-                  </a:schemeClr>
-                </a:solidFill>
-              </a:defRPr>
+              <a:defRPr sz="1000"/>
             </a:lvl4pPr>
             <a:lvl5pPr marL="1828800" indent="0">
               <a:buNone/>
-              <a:defRPr sz="1400">
-                <a:solidFill>
-                  <a:schemeClr val="tx1">
-                    <a:tint val="75000"/>
-                  </a:schemeClr>
-                </a:solidFill>
-              </a:defRPr>
+              <a:defRPr sz="1000"/>
             </a:lvl5pPr>
             <a:lvl6pPr marL="2286000" indent="0">
               <a:buNone/>
-              <a:defRPr sz="1400">
-                <a:solidFill>
-                  <a:schemeClr val="tx1">
-                    <a:tint val="75000"/>
-                  </a:schemeClr>
-                </a:solidFill>
-              </a:defRPr>
+              <a:defRPr sz="1000"/>
             </a:lvl6pPr>
             <a:lvl7pPr marL="2743200" indent="0">
               <a:buNone/>
-              <a:defRPr sz="1400">
-                <a:solidFill>
-                  <a:schemeClr val="tx1">
-                    <a:tint val="75000"/>
-                  </a:schemeClr>
-                </a:solidFill>
-              </a:defRPr>
+              <a:defRPr sz="1000"/>
             </a:lvl7pPr>
             <a:lvl8pPr marL="3200400" indent="0">
               <a:buNone/>
-              <a:defRPr sz="1400">
-                <a:solidFill>
-                  <a:schemeClr val="tx1">
-                    <a:tint val="75000"/>
-                  </a:schemeClr>
-                </a:solidFill>
-              </a:defRPr>
+              <a:defRPr sz="1000"/>
             </a:lvl8pPr>
             <a:lvl9pPr marL="3657600" indent="0">
               <a:buNone/>
-              <a:defRPr sz="1400">
-                <a:solidFill>
-                  <a:schemeClr val="tx1">
-                    <a:tint val="75000"/>
-                  </a:schemeClr>
-                </a:solidFill>
-              </a:defRPr>
+              <a:defRPr sz="1000"/>
             </a:lvl9pPr>
           </a:lstStyle>
           <a:p>
@@ -976,7 +758,7 @@
       </p:sp>
       <p:sp>
         <p:nvSpPr>
-          <p:cNvPr id="4" name="Date Placeholder 3"/>
+          <p:cNvPr id="5" name="Date Placeholder 4"/>
           <p:cNvSpPr>
             <a:spLocks noGrp="1"/>
           </p:cNvSpPr>
@@ -984,10 +766,19 @@
             <p:ph type="dt" sz="half" idx="10"/>
           </p:nvPr>
         </p:nvSpPr>
-        <p:spPr/>
-        <p:txBody>
-          <a:bodyPr/>
-          <a:lstStyle/>
+        <p:spPr>
+          <a:xfrm>
+            <a:off x="7814452" y="381000"/>
+            <a:ext cx="2910840" cy="365125"/>
+          </a:xfrm>
+        </p:spPr>
+        <p:txBody>
+          <a:bodyPr/>
+          <a:lstStyle>
+            <a:lvl1pPr algn="r">
+              <a:defRPr/>
+            </a:lvl1pPr>
+          </a:lstStyle>
           <a:p>
             <a:fld id="{ED305653-79B2-4B67-A041-B7A7EF8868A0}" type="datetimeFigureOut">
               <a:rPr lang="en-GB" smtClean="0"/>
@@ -999,7 +790,7 @@
       </p:sp>
       <p:sp>
         <p:nvSpPr>
-          <p:cNvPr id="5" name="Footer Placeholder 4"/>
+          <p:cNvPr id="6" name="Footer Placeholder 5"/>
           <p:cNvSpPr>
             <a:spLocks noGrp="1"/>
           </p:cNvSpPr>
@@ -1007,7 +798,12 @@
             <p:ph type="ftr" sz="quarter" idx="11"/>
           </p:nvPr>
         </p:nvSpPr>
-        <p:spPr/>
+        <p:spPr>
+          <a:xfrm>
+            <a:off x="685800" y="379941"/>
+            <a:ext cx="6991492" cy="365125"/>
+          </a:xfrm>
+        </p:spPr>
         <p:txBody>
           <a:bodyPr/>
           <a:lstStyle/>
@@ -1018,7 +814,7 @@
       </p:sp>
       <p:sp>
         <p:nvSpPr>
-          <p:cNvPr id="6" name="Slide Number Placeholder 5"/>
+          <p:cNvPr id="7" name="Slide Number Placeholder 6"/>
           <p:cNvSpPr>
             <a:spLocks noGrp="1"/>
           </p:cNvSpPr>
@@ -1026,7 +822,12 @@
             <p:ph type="sldNum" sz="quarter" idx="12"/>
           </p:nvPr>
         </p:nvSpPr>
-        <p:spPr/>
+        <p:spPr>
+          <a:xfrm>
+            <a:off x="10862452" y="381000"/>
+            <a:ext cx="643748" cy="365125"/>
+          </a:xfrm>
+        </p:spPr>
         <p:txBody>
           <a:bodyPr/>
           <a:lstStyle/>
@@ -1042,7 +843,7 @@
     </p:spTree>
     <p:extLst>
       <p:ext uri="{BB962C8B-B14F-4D97-AF65-F5344CB8AC3E}">
-        <p14:creationId xmlns:p14="http://schemas.microsoft.com/office/powerpoint/2010/main" val="1577716010"/>
+        <p14:creationId xmlns:p14="http://schemas.microsoft.com/office/powerpoint/2010/main" val="1503971606"/>
       </p:ext>
     </p:extLst>
   </p:cSld>
@@ -1053,7 +854,7 @@
 </file>
 
 <file path=ppt/slideLayouts/slideLayout12.xml><?xml version="1.0" encoding="utf-8"?>
-<p:sldLayout xmlns:a="http://schemas.openxmlformats.org/drawingml/2006/main" xmlns:r="http://schemas.openxmlformats.org/officeDocument/2006/relationships" xmlns:p="http://schemas.openxmlformats.org/presentationml/2006/main" preserve="1">
+<p:sldLayout xmlns:a="http://schemas.openxmlformats.org/drawingml/2006/main" xmlns:r="http://schemas.openxmlformats.org/officeDocument/2006/relationships" xmlns:p="http://schemas.openxmlformats.org/presentationml/2006/main" showMasterSp="0" preserve="1">
   <p:cSld name="Quote with Caption">
     <p:spTree>
       <p:nvGrpSpPr>
@@ -1069,6 +870,36 @@
           <a:chExt cx="0" cy="0"/>
         </a:xfrm>
       </p:grpSpPr>
+      <p:pic>
+        <p:nvPicPr>
+          <p:cNvPr id="13" name="Picture 12" descr="C0-HD-BTM.png"/>
+          <p:cNvPicPr>
+            <a:picLocks noChangeAspect="1"/>
+          </p:cNvPicPr>
+          <p:nvPr/>
+        </p:nvPicPr>
+        <p:blipFill>
+          <a:blip r:embed="rId2">
+            <a:extLst>
+              <a:ext uri="{28A0092B-C50C-407E-A947-70E740481C1C}">
+                <a14:useLocalDpi xmlns:a14="http://schemas.microsoft.com/office/drawing/2010/main" val="0"/>
+              </a:ext>
+            </a:extLst>
+          </a:blip>
+          <a:stretch>
+            <a:fillRect/>
+          </a:stretch>
+        </p:blipFill>
+        <p:spPr>
+          <a:xfrm>
+            <a:off x="0" y="4375150"/>
+            <a:ext cx="12192000" cy="2482850"/>
+          </a:xfrm>
+          <a:prstGeom prst="rect">
+            <a:avLst/>
+          </a:prstGeom>
+        </p:spPr>
+      </p:pic>
       <p:sp>
         <p:nvSpPr>
           <p:cNvPr id="2" name="Title 1"/>
@@ -1081,8 +912,107 @@
         </p:nvSpPr>
         <p:spPr>
           <a:xfrm>
-            <a:off x="1141411" y="685800"/>
-            <a:ext cx="9144001" cy="2743200"/>
+            <a:off x="1024467" y="753533"/>
+            <a:ext cx="10151533" cy="2604495"/>
+          </a:xfrm>
+        </p:spPr>
+        <p:txBody>
+          <a:bodyPr anchor="ctr"/>
+          <a:lstStyle>
+            <a:lvl1pPr algn="l">
+              <a:defRPr sz="3200"/>
+            </a:lvl1pPr>
+          </a:lstStyle>
+          <a:p>
+            <a:r>
+              <a:rPr lang="en-US"/>
+              <a:t>Click to edit Master title style</a:t>
+            </a:r>
+            <a:endParaRPr lang="en-US" dirty="0"/>
+          </a:p>
+        </p:txBody>
+      </p:sp>
+      <p:sp>
+        <p:nvSpPr>
+          <p:cNvPr id="12" name="Text Placeholder 3"/>
+          <p:cNvSpPr>
+            <a:spLocks noGrp="1"/>
+          </p:cNvSpPr>
+          <p:nvPr>
+            <p:ph type="body" sz="half" idx="13"/>
+          </p:nvPr>
+        </p:nvSpPr>
+        <p:spPr>
+          <a:xfrm>
+            <a:off x="1303865" y="3365556"/>
+            <a:ext cx="9592736" cy="444443"/>
+          </a:xfrm>
+        </p:spPr>
+        <p:txBody>
+          <a:bodyPr anchor="t">
+            <a:normAutofit/>
+          </a:bodyPr>
+          <a:lstStyle>
+            <a:lvl1pPr marL="0" indent="0">
+              <a:buNone/>
+              <a:defRPr sz="1400"/>
+            </a:lvl1pPr>
+            <a:lvl2pPr marL="457200" indent="0">
+              <a:buNone/>
+              <a:defRPr sz="1400"/>
+            </a:lvl2pPr>
+            <a:lvl3pPr marL="914400" indent="0">
+              <a:buNone/>
+              <a:defRPr sz="1200"/>
+            </a:lvl3pPr>
+            <a:lvl4pPr marL="1371600" indent="0">
+              <a:buNone/>
+              <a:defRPr sz="1000"/>
+            </a:lvl4pPr>
+            <a:lvl5pPr marL="1828800" indent="0">
+              <a:buNone/>
+              <a:defRPr sz="1000"/>
+            </a:lvl5pPr>
+            <a:lvl6pPr marL="2286000" indent="0">
+              <a:buNone/>
+              <a:defRPr sz="1000"/>
+            </a:lvl6pPr>
+            <a:lvl7pPr marL="2743200" indent="0">
+              <a:buNone/>
+              <a:defRPr sz="1000"/>
+            </a:lvl7pPr>
+            <a:lvl8pPr marL="3200400" indent="0">
+              <a:buNone/>
+              <a:defRPr sz="1000"/>
+            </a:lvl8pPr>
+            <a:lvl9pPr marL="3657600" indent="0">
+              <a:buNone/>
+              <a:defRPr sz="1000"/>
+            </a:lvl9pPr>
+          </a:lstStyle>
+          <a:p>
+            <a:pPr lvl="0"/>
+            <a:r>
+              <a:rPr lang="en-US"/>
+              <a:t>Click to edit Master text styles</a:t>
+            </a:r>
+          </a:p>
+        </p:txBody>
+      </p:sp>
+      <p:sp>
+        <p:nvSpPr>
+          <p:cNvPr id="4" name="Text Placeholder 3"/>
+          <p:cNvSpPr>
+            <a:spLocks noGrp="1"/>
+          </p:cNvSpPr>
+          <p:nvPr>
+            <p:ph type="body" sz="half" idx="2"/>
+          </p:nvPr>
+        </p:nvSpPr>
+        <p:spPr>
+          <a:xfrm>
+            <a:off x="1024467" y="3959862"/>
+            <a:ext cx="10151533" cy="679871"/>
           </a:xfrm>
         </p:spPr>
         <p:txBody>
@@ -1090,212 +1020,75 @@
             <a:normAutofit/>
           </a:bodyPr>
           <a:lstStyle>
-            <a:lvl1pPr algn="l">
-              <a:defRPr sz="3200" b="0" cap="all">
-                <a:solidFill>
-                  <a:schemeClr val="tx1"/>
-                </a:solidFill>
-              </a:defRPr>
+            <a:lvl1pPr marL="0" indent="0">
+              <a:buNone/>
+              <a:defRPr sz="1600"/>
+            </a:lvl1pPr>
+            <a:lvl2pPr marL="457200" indent="0">
+              <a:buNone/>
+              <a:defRPr sz="1400"/>
+            </a:lvl2pPr>
+            <a:lvl3pPr marL="914400" indent="0">
+              <a:buNone/>
+              <a:defRPr sz="1200"/>
+            </a:lvl3pPr>
+            <a:lvl4pPr marL="1371600" indent="0">
+              <a:buNone/>
+              <a:defRPr sz="1000"/>
+            </a:lvl4pPr>
+            <a:lvl5pPr marL="1828800" indent="0">
+              <a:buNone/>
+              <a:defRPr sz="1000"/>
+            </a:lvl5pPr>
+            <a:lvl6pPr marL="2286000" indent="0">
+              <a:buNone/>
+              <a:defRPr sz="1000"/>
+            </a:lvl6pPr>
+            <a:lvl7pPr marL="2743200" indent="0">
+              <a:buNone/>
+              <a:defRPr sz="1000"/>
+            </a:lvl7pPr>
+            <a:lvl8pPr marL="3200400" indent="0">
+              <a:buNone/>
+              <a:defRPr sz="1000"/>
+            </a:lvl8pPr>
+            <a:lvl9pPr marL="3657600" indent="0">
+              <a:buNone/>
+              <a:defRPr sz="1000"/>
+            </a:lvl9pPr>
+          </a:lstStyle>
+          <a:p>
+            <a:pPr lvl="0"/>
+            <a:r>
+              <a:rPr lang="en-US"/>
+              <a:t>Click to edit Master text styles</a:t>
+            </a:r>
+          </a:p>
+        </p:txBody>
+      </p:sp>
+      <p:sp>
+        <p:nvSpPr>
+          <p:cNvPr id="5" name="Date Placeholder 4"/>
+          <p:cNvSpPr>
+            <a:spLocks noGrp="1"/>
+          </p:cNvSpPr>
+          <p:nvPr>
+            <p:ph type="dt" sz="half" idx="10"/>
+          </p:nvPr>
+        </p:nvSpPr>
+        <p:spPr>
+          <a:xfrm>
+            <a:off x="7814452" y="381000"/>
+            <a:ext cx="2910840" cy="365125"/>
+          </a:xfrm>
+        </p:spPr>
+        <p:txBody>
+          <a:bodyPr/>
+          <a:lstStyle>
+            <a:lvl1pPr algn="r">
+              <a:defRPr/>
             </a:lvl1pPr>
           </a:lstStyle>
-          <a:p>
-            <a:r>
-              <a:rPr lang="en-US"/>
-              <a:t>Click to edit Master title style</a:t>
-            </a:r>
-            <a:endParaRPr lang="en-US" dirty="0"/>
-          </a:p>
-        </p:txBody>
-      </p:sp>
-      <p:sp>
-        <p:nvSpPr>
-          <p:cNvPr id="10" name="Text Placeholder 9"/>
-          <p:cNvSpPr>
-            <a:spLocks noGrp="1"/>
-          </p:cNvSpPr>
-          <p:nvPr>
-            <p:ph type="body" sz="quarter" idx="13"/>
-          </p:nvPr>
-        </p:nvSpPr>
-        <p:spPr>
-          <a:xfrm>
-            <a:off x="1446212" y="3429000"/>
-            <a:ext cx="8534400" cy="381000"/>
-          </a:xfrm>
-        </p:spPr>
-        <p:txBody>
-          <a:bodyPr anchor="ctr"/>
-          <a:lstStyle>
-            <a:lvl1pPr marL="0" indent="0">
-              <a:buFontTx/>
-              <a:buNone/>
-              <a:defRPr/>
-            </a:lvl1pPr>
-            <a:lvl2pPr marL="457200" indent="0">
-              <a:buFontTx/>
-              <a:buNone/>
-              <a:defRPr/>
-            </a:lvl2pPr>
-            <a:lvl3pPr marL="914400" indent="0">
-              <a:buFontTx/>
-              <a:buNone/>
-              <a:defRPr/>
-            </a:lvl3pPr>
-            <a:lvl4pPr marL="1371600" indent="0">
-              <a:buFontTx/>
-              <a:buNone/>
-              <a:defRPr/>
-            </a:lvl4pPr>
-            <a:lvl5pPr marL="1828800" indent="0">
-              <a:buFontTx/>
-              <a:buNone/>
-              <a:defRPr/>
-            </a:lvl5pPr>
-          </a:lstStyle>
-          <a:p>
-            <a:pPr lvl="0"/>
-            <a:r>
-              <a:rPr lang="en-US"/>
-              <a:t>Click to edit Master text styles</a:t>
-            </a:r>
-          </a:p>
-        </p:txBody>
-      </p:sp>
-      <p:sp>
-        <p:nvSpPr>
-          <p:cNvPr id="3" name="Text Placeholder 2"/>
-          <p:cNvSpPr>
-            <a:spLocks noGrp="1"/>
-          </p:cNvSpPr>
-          <p:nvPr>
-            <p:ph type="body" idx="1"/>
-          </p:nvPr>
-        </p:nvSpPr>
-        <p:spPr>
-          <a:xfrm>
-            <a:off x="684213" y="4301067"/>
-            <a:ext cx="8534400" cy="1684865"/>
-          </a:xfrm>
-        </p:spPr>
-        <p:txBody>
-          <a:bodyPr anchor="ctr">
-            <a:normAutofit/>
-          </a:bodyPr>
-          <a:lstStyle>
-            <a:lvl1pPr marL="0" indent="0" algn="l">
-              <a:buNone/>
-              <a:defRPr sz="2000">
-                <a:solidFill>
-                  <a:schemeClr val="bg2">
-                    <a:lumMod val="75000"/>
-                  </a:schemeClr>
-                </a:solidFill>
-              </a:defRPr>
-            </a:lvl1pPr>
-            <a:lvl2pPr marL="457200" indent="0">
-              <a:buNone/>
-              <a:defRPr sz="1800">
-                <a:solidFill>
-                  <a:schemeClr val="tx1">
-                    <a:tint val="75000"/>
-                  </a:schemeClr>
-                </a:solidFill>
-              </a:defRPr>
-            </a:lvl2pPr>
-            <a:lvl3pPr marL="914400" indent="0">
-              <a:buNone/>
-              <a:defRPr sz="1600">
-                <a:solidFill>
-                  <a:schemeClr val="tx1">
-                    <a:tint val="75000"/>
-                  </a:schemeClr>
-                </a:solidFill>
-              </a:defRPr>
-            </a:lvl3pPr>
-            <a:lvl4pPr marL="1371600" indent="0">
-              <a:buNone/>
-              <a:defRPr sz="1400">
-                <a:solidFill>
-                  <a:schemeClr val="tx1">
-                    <a:tint val="75000"/>
-                  </a:schemeClr>
-                </a:solidFill>
-              </a:defRPr>
-            </a:lvl4pPr>
-            <a:lvl5pPr marL="1828800" indent="0">
-              <a:buNone/>
-              <a:defRPr sz="1400">
-                <a:solidFill>
-                  <a:schemeClr val="tx1">
-                    <a:tint val="75000"/>
-                  </a:schemeClr>
-                </a:solidFill>
-              </a:defRPr>
-            </a:lvl5pPr>
-            <a:lvl6pPr marL="2286000" indent="0">
-              <a:buNone/>
-              <a:defRPr sz="1400">
-                <a:solidFill>
-                  <a:schemeClr val="tx1">
-                    <a:tint val="75000"/>
-                  </a:schemeClr>
-                </a:solidFill>
-              </a:defRPr>
-            </a:lvl6pPr>
-            <a:lvl7pPr marL="2743200" indent="0">
-              <a:buNone/>
-              <a:defRPr sz="1400">
-                <a:solidFill>
-                  <a:schemeClr val="tx1">
-                    <a:tint val="75000"/>
-                  </a:schemeClr>
-                </a:solidFill>
-              </a:defRPr>
-            </a:lvl7pPr>
-            <a:lvl8pPr marL="3200400" indent="0">
-              <a:buNone/>
-              <a:defRPr sz="1400">
-                <a:solidFill>
-                  <a:schemeClr val="tx1">
-                    <a:tint val="75000"/>
-                  </a:schemeClr>
-                </a:solidFill>
-              </a:defRPr>
-            </a:lvl8pPr>
-            <a:lvl9pPr marL="3657600" indent="0">
-              <a:buNone/>
-              <a:defRPr sz="1400">
-                <a:solidFill>
-                  <a:schemeClr val="tx1">
-                    <a:tint val="75000"/>
-                  </a:schemeClr>
-                </a:solidFill>
-              </a:defRPr>
-            </a:lvl9pPr>
-          </a:lstStyle>
-          <a:p>
-            <a:pPr lvl="0"/>
-            <a:r>
-              <a:rPr lang="en-US"/>
-              <a:t>Click to edit Master text styles</a:t>
-            </a:r>
-          </a:p>
-        </p:txBody>
-      </p:sp>
-      <p:sp>
-        <p:nvSpPr>
-          <p:cNvPr id="4" name="Date Placeholder 3"/>
-          <p:cNvSpPr>
-            <a:spLocks noGrp="1"/>
-          </p:cNvSpPr>
-          <p:nvPr>
-            <p:ph type="dt" sz="half" idx="10"/>
-          </p:nvPr>
-        </p:nvSpPr>
-        <p:spPr/>
-        <p:txBody>
-          <a:bodyPr/>
-          <a:lstStyle/>
           <a:p>
             <a:fld id="{ED305653-79B2-4B67-A041-B7A7EF8868A0}" type="datetimeFigureOut">
               <a:rPr lang="en-GB" smtClean="0"/>
@@ -1307,7 +1100,7 @@
       </p:sp>
       <p:sp>
         <p:nvSpPr>
-          <p:cNvPr id="5" name="Footer Placeholder 4"/>
+          <p:cNvPr id="6" name="Footer Placeholder 5"/>
           <p:cNvSpPr>
             <a:spLocks noGrp="1"/>
           </p:cNvSpPr>
@@ -1315,7 +1108,12 @@
             <p:ph type="ftr" sz="quarter" idx="11"/>
           </p:nvPr>
         </p:nvSpPr>
-        <p:spPr/>
+        <p:spPr>
+          <a:xfrm>
+            <a:off x="685800" y="379941"/>
+            <a:ext cx="6991492" cy="365125"/>
+          </a:xfrm>
+        </p:spPr>
         <p:txBody>
           <a:bodyPr/>
           <a:lstStyle/>
@@ -1326,7 +1124,7 @@
       </p:sp>
       <p:sp>
         <p:nvSpPr>
-          <p:cNvPr id="6" name="Slide Number Placeholder 5"/>
+          <p:cNvPr id="7" name="Slide Number Placeholder 6"/>
           <p:cNvSpPr>
             <a:spLocks noGrp="1"/>
           </p:cNvSpPr>
@@ -1334,7 +1132,12 @@
             <p:ph type="sldNum" sz="quarter" idx="12"/>
           </p:nvPr>
         </p:nvSpPr>
-        <p:spPr/>
+        <p:spPr>
+          <a:xfrm>
+            <a:off x="10862452" y="381000"/>
+            <a:ext cx="643748" cy="365125"/>
+          </a:xfrm>
+        </p:spPr>
         <p:txBody>
           <a:bodyPr/>
           <a:lstStyle/>
@@ -1349,13 +1152,13 @@
       </p:sp>
       <p:sp>
         <p:nvSpPr>
-          <p:cNvPr id="14" name="TextBox 13"/>
+          <p:cNvPr id="9" name="TextBox 8"/>
           <p:cNvSpPr txBox="1"/>
           <p:nvPr/>
         </p:nvSpPr>
         <p:spPr>
           <a:xfrm>
-            <a:off x="531812" y="812222"/>
+            <a:off x="476250" y="933450"/>
             <a:ext cx="609600" cy="584776"/>
           </a:xfrm>
           <a:prstGeom prst="rect">
@@ -1366,7 +1169,89 @@
           <a:bodyPr vert="horz" lIns="91440" tIns="45720" rIns="91440" bIns="45720" rtlCol="0" anchor="ctr">
             <a:noAutofit/>
           </a:bodyPr>
-          <a:lstStyle/>
+          <a:lstStyle>
+            <a:lvl1pPr>
+              <a:spcBef>
+                <a:spcPct val="0"/>
+              </a:spcBef>
+              <a:buNone/>
+              <a:defRPr sz="3200" b="0" cap="all">
+                <a:ln w="3175" cmpd="sng">
+                  <a:noFill/>
+                </a:ln>
+                <a:effectLst>
+                  <a:glow rad="38100">
+                    <a:schemeClr val="bg1">
+                      <a:lumMod val="65000"/>
+                      <a:lumOff val="35000"/>
+                      <a:alpha val="40000"/>
+                    </a:schemeClr>
+                  </a:glow>
+                  <a:outerShdw blurRad="28575" dist="38100" dir="14040000" algn="tl" rotWithShape="0">
+                    <a:srgbClr val="000000">
+                      <a:alpha val="25000"/>
+                    </a:srgbClr>
+                  </a:outerShdw>
+                </a:effectLst>
+              </a:defRPr>
+            </a:lvl1pPr>
+            <a:lvl2pPr>
+              <a:defRPr>
+                <a:solidFill>
+                  <a:schemeClr val="tx2"/>
+                </a:solidFill>
+              </a:defRPr>
+            </a:lvl2pPr>
+            <a:lvl3pPr>
+              <a:defRPr>
+                <a:solidFill>
+                  <a:schemeClr val="tx2"/>
+                </a:solidFill>
+              </a:defRPr>
+            </a:lvl3pPr>
+            <a:lvl4pPr>
+              <a:defRPr>
+                <a:solidFill>
+                  <a:schemeClr val="tx2"/>
+                </a:solidFill>
+              </a:defRPr>
+            </a:lvl4pPr>
+            <a:lvl5pPr>
+              <a:defRPr>
+                <a:solidFill>
+                  <a:schemeClr val="tx2"/>
+                </a:solidFill>
+              </a:defRPr>
+            </a:lvl5pPr>
+            <a:lvl6pPr>
+              <a:defRPr>
+                <a:solidFill>
+                  <a:schemeClr val="tx2"/>
+                </a:solidFill>
+              </a:defRPr>
+            </a:lvl6pPr>
+            <a:lvl7pPr>
+              <a:defRPr>
+                <a:solidFill>
+                  <a:schemeClr val="tx2"/>
+                </a:solidFill>
+              </a:defRPr>
+            </a:lvl7pPr>
+            <a:lvl8pPr>
+              <a:defRPr>
+                <a:solidFill>
+                  <a:schemeClr val="tx2"/>
+                </a:solidFill>
+              </a:defRPr>
+            </a:lvl8pPr>
+            <a:lvl9pPr>
+              <a:defRPr>
+                <a:solidFill>
+                  <a:schemeClr val="tx2"/>
+                </a:solidFill>
+              </a:defRPr>
+            </a:lvl9pPr>
+          </a:lstStyle>
           <a:p>
             <a:pPr lvl="0"/>
             <a:r>
@@ -1383,13 +1268,13 @@
       </p:sp>
       <p:sp>
         <p:nvSpPr>
-          <p:cNvPr id="15" name="TextBox 14"/>
+          <p:cNvPr id="10" name="TextBox 9"/>
           <p:cNvSpPr txBox="1"/>
           <p:nvPr/>
         </p:nvSpPr>
         <p:spPr>
           <a:xfrm>
-            <a:off x="10285412" y="2768601"/>
+            <a:off x="10984230" y="2701290"/>
             <a:ext cx="609600" cy="584776"/>
           </a:xfrm>
           <a:prstGeom prst="rect">
@@ -1400,7 +1285,89 @@
           <a:bodyPr vert="horz" lIns="91440" tIns="45720" rIns="91440" bIns="45720" rtlCol="0" anchor="ctr">
             <a:noAutofit/>
           </a:bodyPr>
-          <a:lstStyle/>
+          <a:lstStyle>
+            <a:lvl1pPr>
+              <a:spcBef>
+                <a:spcPct val="0"/>
+              </a:spcBef>
+              <a:buNone/>
+              <a:defRPr sz="3200" b="0" cap="all">
+                <a:ln w="3175" cmpd="sng">
+                  <a:noFill/>
+                </a:ln>
+                <a:effectLst>
+                  <a:glow rad="38100">
+                    <a:schemeClr val="bg1">
+                      <a:lumMod val="65000"/>
+                      <a:lumOff val="35000"/>
+                      <a:alpha val="40000"/>
+                    </a:schemeClr>
+                  </a:glow>
+                  <a:outerShdw blurRad="28575" dist="38100" dir="14040000" algn="tl" rotWithShape="0">
+                    <a:srgbClr val="000000">
+                      <a:alpha val="25000"/>
+                    </a:srgbClr>
+                  </a:outerShdw>
+                </a:effectLst>
+              </a:defRPr>
+            </a:lvl1pPr>
+            <a:lvl2pPr>
+              <a:defRPr>
+                <a:solidFill>
+                  <a:schemeClr val="tx2"/>
+                </a:solidFill>
+              </a:defRPr>
+            </a:lvl2pPr>
+            <a:lvl3pPr>
+              <a:defRPr>
+                <a:solidFill>
+                  <a:schemeClr val="tx2"/>
+                </a:solidFill>
+              </a:defRPr>
+            </a:lvl3pPr>
+            <a:lvl4pPr>
+              <a:defRPr>
+                <a:solidFill>
+                  <a:schemeClr val="tx2"/>
+                </a:solidFill>
+              </a:defRPr>
+            </a:lvl4pPr>
+            <a:lvl5pPr>
+              <a:defRPr>
+                <a:solidFill>
+                  <a:schemeClr val="tx2"/>
+                </a:solidFill>
+              </a:defRPr>
+            </a:lvl5pPr>
+            <a:lvl6pPr>
+              <a:defRPr>
+                <a:solidFill>
+                  <a:schemeClr val="tx2"/>
+                </a:solidFill>
+              </a:defRPr>
+            </a:lvl6pPr>
+            <a:lvl7pPr>
+              <a:defRPr>
+                <a:solidFill>
+                  <a:schemeClr val="tx2"/>
+                </a:solidFill>
+              </a:defRPr>
+            </a:lvl7pPr>
+            <a:lvl8pPr>
+              <a:defRPr>
+                <a:solidFill>
+                  <a:schemeClr val="tx2"/>
+                </a:solidFill>
+              </a:defRPr>
+            </a:lvl8pPr>
+            <a:lvl9pPr>
+              <a:defRPr>
+                <a:solidFill>
+                  <a:schemeClr val="tx2"/>
+                </a:solidFill>
+              </a:defRPr>
+            </a:lvl9pPr>
+          </a:lstStyle>
           <a:p>
             <a:pPr lvl="0" algn="r"/>
             <a:r>
@@ -1418,7 +1385,7 @@
     </p:spTree>
     <p:extLst>
       <p:ext uri="{BB962C8B-B14F-4D97-AF65-F5344CB8AC3E}">
-        <p14:creationId xmlns:p14="http://schemas.microsoft.com/office/powerpoint/2010/main" val="963633931"/>
+        <p14:creationId xmlns:p14="http://schemas.microsoft.com/office/powerpoint/2010/main" val="2457329672"/>
       </p:ext>
     </p:extLst>
   </p:cSld>
@@ -1429,7 +1396,7 @@
 </file>
 
 <file path=ppt/slideLayouts/slideLayout13.xml><?xml version="1.0" encoding="utf-8"?>
-<p:sldLayout xmlns:a="http://schemas.openxmlformats.org/drawingml/2006/main" xmlns:r="http://schemas.openxmlformats.org/officeDocument/2006/relationships" xmlns:p="http://schemas.openxmlformats.org/presentationml/2006/main" preserve="1">
+<p:sldLayout xmlns:a="http://schemas.openxmlformats.org/drawingml/2006/main" xmlns:r="http://schemas.openxmlformats.org/officeDocument/2006/relationships" xmlns:p="http://schemas.openxmlformats.org/presentationml/2006/main" showMasterSp="0" preserve="1">
   <p:cSld name="Name Card">
     <p:spTree>
       <p:nvGrpSpPr>
@@ -1445,6 +1412,36 @@
           <a:chExt cx="0" cy="0"/>
         </a:xfrm>
       </p:grpSpPr>
+      <p:pic>
+        <p:nvPicPr>
+          <p:cNvPr id="9" name="Picture 8" descr="C0-HD-BTM.png"/>
+          <p:cNvPicPr>
+            <a:picLocks noChangeAspect="1"/>
+          </p:cNvPicPr>
+          <p:nvPr/>
+        </p:nvPicPr>
+        <p:blipFill>
+          <a:blip r:embed="rId2">
+            <a:extLst>
+              <a:ext uri="{28A0092B-C50C-407E-A947-70E740481C1C}">
+                <a14:useLocalDpi xmlns:a14="http://schemas.microsoft.com/office/drawing/2010/main" val="0"/>
+              </a:ext>
+            </a:extLst>
+          </a:blip>
+          <a:stretch>
+            <a:fillRect/>
+          </a:stretch>
+        </p:blipFill>
+        <p:spPr>
+          <a:xfrm>
+            <a:off x="0" y="4375150"/>
+            <a:ext cx="12192000" cy="2482850"/>
+          </a:xfrm>
+          <a:prstGeom prst="rect">
+            <a:avLst/>
+          </a:prstGeom>
+        </p:spPr>
+      </p:pic>
       <p:sp>
         <p:nvSpPr>
           <p:cNvPr id="2" name="Title 1"/>
@@ -1457,17 +1454,15 @@
         </p:nvSpPr>
         <p:spPr>
           <a:xfrm>
-            <a:off x="684212" y="3429000"/>
-            <a:ext cx="8534400" cy="1697400"/>
-          </a:xfrm>
-        </p:spPr>
-        <p:txBody>
-          <a:bodyPr anchor="b">
-            <a:normAutofit/>
-          </a:bodyPr>
+            <a:off x="1024495" y="1124701"/>
+            <a:ext cx="10146186" cy="2511835"/>
+          </a:xfrm>
+        </p:spPr>
+        <p:txBody>
+          <a:bodyPr anchor="b"/>
           <a:lstStyle>
             <a:lvl1pPr algn="l">
-              <a:defRPr sz="3200" b="0" cap="all"/>
+              <a:defRPr sz="3200"/>
             </a:lvl1pPr>
           </a:lstStyle>
           <a:p>
@@ -1481,114 +1476,58 @@
       </p:sp>
       <p:sp>
         <p:nvSpPr>
-          <p:cNvPr id="3" name="Text Placeholder 2"/>
-          <p:cNvSpPr>
-            <a:spLocks noGrp="1"/>
-          </p:cNvSpPr>
-          <p:nvPr>
-            <p:ph type="body" idx="1"/>
-          </p:nvPr>
-        </p:nvSpPr>
-        <p:spPr>
-          <a:xfrm>
-            <a:off x="684211" y="5132981"/>
-            <a:ext cx="8535990" cy="860400"/>
-          </a:xfrm>
-        </p:spPr>
-        <p:txBody>
-          <a:bodyPr anchor="t">
-            <a:normAutofit/>
-          </a:bodyPr>
+          <p:cNvPr id="4" name="Text Placeholder 3"/>
+          <p:cNvSpPr>
+            <a:spLocks noGrp="1"/>
+          </p:cNvSpPr>
+          <p:nvPr>
+            <p:ph type="body" sz="half" idx="2"/>
+          </p:nvPr>
+        </p:nvSpPr>
+        <p:spPr>
+          <a:xfrm>
+            <a:off x="1024467" y="3648315"/>
+            <a:ext cx="10144654" cy="999885"/>
+          </a:xfrm>
+        </p:spPr>
+        <p:txBody>
+          <a:bodyPr anchor="t"/>
           <a:lstStyle>
-            <a:lvl1pPr marL="0" indent="0" algn="l">
-              <a:buNone/>
-              <a:defRPr sz="2000">
-                <a:solidFill>
-                  <a:schemeClr val="bg2">
-                    <a:lumMod val="75000"/>
-                  </a:schemeClr>
-                </a:solidFill>
-              </a:defRPr>
+            <a:lvl1pPr marL="0" indent="0">
+              <a:buNone/>
+              <a:defRPr sz="1600"/>
             </a:lvl1pPr>
             <a:lvl2pPr marL="457200" indent="0">
               <a:buNone/>
-              <a:defRPr sz="1800">
-                <a:solidFill>
-                  <a:schemeClr val="tx1">
-                    <a:tint val="75000"/>
-                  </a:schemeClr>
-                </a:solidFill>
-              </a:defRPr>
+              <a:defRPr sz="1400"/>
             </a:lvl2pPr>
             <a:lvl3pPr marL="914400" indent="0">
               <a:buNone/>
-              <a:defRPr sz="1600">
-                <a:solidFill>
-                  <a:schemeClr val="tx1">
-                    <a:tint val="75000"/>
-                  </a:schemeClr>
-                </a:solidFill>
-              </a:defRPr>
+              <a:defRPr sz="1200"/>
             </a:lvl3pPr>
             <a:lvl4pPr marL="1371600" indent="0">
               <a:buNone/>
-              <a:defRPr sz="1400">
-                <a:solidFill>
-                  <a:schemeClr val="tx1">
-                    <a:tint val="75000"/>
-                  </a:schemeClr>
-                </a:solidFill>
-              </a:defRPr>
+              <a:defRPr sz="1000"/>
             </a:lvl4pPr>
             <a:lvl5pPr marL="1828800" indent="0">
               <a:buNone/>
-              <a:defRPr sz="1400">
-                <a:solidFill>
-                  <a:schemeClr val="tx1">
-                    <a:tint val="75000"/>
-                  </a:schemeClr>
-                </a:solidFill>
-              </a:defRPr>
+              <a:defRPr sz="1000"/>
             </a:lvl5pPr>
             <a:lvl6pPr marL="2286000" indent="0">
               <a:buNone/>
-              <a:defRPr sz="1400">
-                <a:solidFill>
-                  <a:schemeClr val="tx1">
-                    <a:tint val="75000"/>
-                  </a:schemeClr>
-                </a:solidFill>
-              </a:defRPr>
+              <a:defRPr sz="1000"/>
             </a:lvl6pPr>
             <a:lvl7pPr marL="2743200" indent="0">
               <a:buNone/>
-              <a:defRPr sz="1400">
-                <a:solidFill>
-                  <a:schemeClr val="tx1">
-                    <a:tint val="75000"/>
-                  </a:schemeClr>
-                </a:solidFill>
-              </a:defRPr>
+              <a:defRPr sz="1000"/>
             </a:lvl7pPr>
             <a:lvl8pPr marL="3200400" indent="0">
               <a:buNone/>
-              <a:defRPr sz="1400">
-                <a:solidFill>
-                  <a:schemeClr val="tx1">
-                    <a:tint val="75000"/>
-                  </a:schemeClr>
-                </a:solidFill>
-              </a:defRPr>
+              <a:defRPr sz="1000"/>
             </a:lvl8pPr>
             <a:lvl9pPr marL="3657600" indent="0">
               <a:buNone/>
-              <a:defRPr sz="1400">
-                <a:solidFill>
-                  <a:schemeClr val="tx1">
-                    <a:tint val="75000"/>
-                  </a:schemeClr>
-                </a:solidFill>
-              </a:defRPr>
+              <a:defRPr sz="1000"/>
             </a:lvl9pPr>
           </a:lstStyle>
           <a:p>
@@ -1602,7 +1541,7 @@
       </p:sp>
       <p:sp>
         <p:nvSpPr>
-          <p:cNvPr id="4" name="Date Placeholder 3"/>
+          <p:cNvPr id="5" name="Date Placeholder 4"/>
           <p:cNvSpPr>
             <a:spLocks noGrp="1"/>
           </p:cNvSpPr>
@@ -1610,10 +1549,19 @@
             <p:ph type="dt" sz="half" idx="10"/>
           </p:nvPr>
         </p:nvSpPr>
-        <p:spPr/>
-        <p:txBody>
-          <a:bodyPr/>
-          <a:lstStyle/>
+        <p:spPr>
+          <a:xfrm>
+            <a:off x="7814452" y="378883"/>
+            <a:ext cx="2910840" cy="365125"/>
+          </a:xfrm>
+        </p:spPr>
+        <p:txBody>
+          <a:bodyPr/>
+          <a:lstStyle>
+            <a:lvl1pPr algn="r">
+              <a:defRPr/>
+            </a:lvl1pPr>
+          </a:lstStyle>
           <a:p>
             <a:fld id="{ED305653-79B2-4B67-A041-B7A7EF8868A0}" type="datetimeFigureOut">
               <a:rPr lang="en-GB" smtClean="0"/>
@@ -1625,7 +1573,7 @@
       </p:sp>
       <p:sp>
         <p:nvSpPr>
-          <p:cNvPr id="5" name="Footer Placeholder 4"/>
+          <p:cNvPr id="6" name="Footer Placeholder 5"/>
           <p:cNvSpPr>
             <a:spLocks noGrp="1"/>
           </p:cNvSpPr>
@@ -1633,7 +1581,12 @@
             <p:ph type="ftr" sz="quarter" idx="11"/>
           </p:nvPr>
         </p:nvSpPr>
-        <p:spPr/>
+        <p:spPr>
+          <a:xfrm>
+            <a:off x="685800" y="378883"/>
+            <a:ext cx="6991492" cy="365125"/>
+          </a:xfrm>
+        </p:spPr>
         <p:txBody>
           <a:bodyPr/>
           <a:lstStyle/>
@@ -1644,7 +1597,7 @@
       </p:sp>
       <p:sp>
         <p:nvSpPr>
-          <p:cNvPr id="6" name="Slide Number Placeholder 5"/>
+          <p:cNvPr id="7" name="Slide Number Placeholder 6"/>
           <p:cNvSpPr>
             <a:spLocks noGrp="1"/>
           </p:cNvSpPr>
@@ -1652,7 +1605,12 @@
             <p:ph type="sldNum" sz="quarter" idx="12"/>
           </p:nvPr>
         </p:nvSpPr>
-        <p:spPr/>
+        <p:spPr>
+          <a:xfrm>
+            <a:off x="10862452" y="381000"/>
+            <a:ext cx="643748" cy="365125"/>
+          </a:xfrm>
+        </p:spPr>
         <p:txBody>
           <a:bodyPr/>
           <a:lstStyle/>
@@ -1668,7 +1626,7 @@
     </p:spTree>
     <p:extLst>
       <p:ext uri="{BB962C8B-B14F-4D97-AF65-F5344CB8AC3E}">
-        <p14:creationId xmlns:p14="http://schemas.microsoft.com/office/powerpoint/2010/main" val="3073924679"/>
+        <p14:creationId xmlns:p14="http://schemas.microsoft.com/office/powerpoint/2010/main" val="395692681"/>
       </p:ext>
     </p:extLst>
   </p:cSld>
@@ -1680,7 +1638,7 @@
 
 <file path=ppt/slideLayouts/slideLayout14.xml><?xml version="1.0" encoding="utf-8"?>
 <p:sldLayout xmlns:a="http://schemas.openxmlformats.org/drawingml/2006/main" xmlns:r="http://schemas.openxmlformats.org/officeDocument/2006/relationships" xmlns:p="http://schemas.openxmlformats.org/presentationml/2006/main" preserve="1">
-  <p:cSld name="Quote Name Card">
+  <p:cSld name="3 Column">
     <p:spTree>
       <p:nvGrpSpPr>
         <p:cNvPr id="1" name=""/>
@@ -1697,7 +1655,7 @@
       </p:grpSpPr>
       <p:sp>
         <p:nvSpPr>
-          <p:cNvPr id="2" name="Title 1"/>
+          <p:cNvPr id="15" name="Title 1"/>
           <p:cNvSpPr>
             <a:spLocks noGrp="1"/>
           </p:cNvSpPr>
@@ -1707,73 +1665,86 @@
         </p:nvSpPr>
         <p:spPr>
           <a:xfrm>
-            <a:off x="1141413" y="685800"/>
-            <a:ext cx="9144000" cy="2743200"/>
-          </a:xfrm>
-        </p:spPr>
-        <p:txBody>
-          <a:bodyPr anchor="ctr">
-            <a:normAutofit/>
+            <a:off x="2895600" y="761999"/>
+            <a:ext cx="8610599" cy="1303867"/>
+          </a:xfrm>
+        </p:spPr>
+        <p:txBody>
+          <a:bodyPr/>
+          <a:lstStyle/>
+          <a:p>
+            <a:r>
+              <a:rPr lang="en-US"/>
+              <a:t>Click to edit Master title style</a:t>
+            </a:r>
+            <a:endParaRPr lang="en-US" dirty="0"/>
+          </a:p>
+        </p:txBody>
+      </p:sp>
+      <p:sp>
+        <p:nvSpPr>
+          <p:cNvPr id="7" name="Text Placeholder 2"/>
+          <p:cNvSpPr>
+            <a:spLocks noGrp="1"/>
+          </p:cNvSpPr>
+          <p:nvPr>
+            <p:ph type="body" idx="1"/>
+          </p:nvPr>
+        </p:nvSpPr>
+        <p:spPr>
+          <a:xfrm>
+            <a:off x="685800" y="2202080"/>
+            <a:ext cx="3456432" cy="617320"/>
+          </a:xfrm>
+        </p:spPr>
+        <p:txBody>
+          <a:bodyPr anchor="b">
+            <a:noAutofit/>
           </a:bodyPr>
           <a:lstStyle>
-            <a:lvl1pPr algn="l">
-              <a:defRPr sz="3200" b="0" cap="all">
+            <a:lvl1pPr marL="0" indent="0">
+              <a:buNone/>
+              <a:defRPr sz="2400" b="0">
                 <a:solidFill>
                   <a:schemeClr val="tx1"/>
                 </a:solidFill>
               </a:defRPr>
             </a:lvl1pPr>
+            <a:lvl2pPr marL="457200" indent="0">
+              <a:buNone/>
+              <a:defRPr sz="2000" b="1"/>
+            </a:lvl2pPr>
+            <a:lvl3pPr marL="914400" indent="0">
+              <a:buNone/>
+              <a:defRPr sz="1800" b="1"/>
+            </a:lvl3pPr>
+            <a:lvl4pPr marL="1371600" indent="0">
+              <a:buNone/>
+              <a:defRPr sz="1600" b="1"/>
+            </a:lvl4pPr>
+            <a:lvl5pPr marL="1828800" indent="0">
+              <a:buNone/>
+              <a:defRPr sz="1600" b="1"/>
+            </a:lvl5pPr>
+            <a:lvl6pPr marL="2286000" indent="0">
+              <a:buNone/>
+              <a:defRPr sz="1600" b="1"/>
+            </a:lvl6pPr>
+            <a:lvl7pPr marL="2743200" indent="0">
+              <a:buNone/>
+              <a:defRPr sz="1600" b="1"/>
+            </a:lvl7pPr>
+            <a:lvl8pPr marL="3200400" indent="0">
+              <a:buNone/>
+              <a:defRPr sz="1600" b="1"/>
+            </a:lvl8pPr>
+            <a:lvl9pPr marL="3657600" indent="0">
+              <a:buNone/>
+              <a:defRPr sz="1600" b="1"/>
+            </a:lvl9pPr>
           </a:lstStyle>
           <a:p>
-            <a:r>
-              <a:rPr lang="en-US"/>
-              <a:t>Click to edit Master title style</a:t>
-            </a:r>
-            <a:endParaRPr lang="en-US" dirty="0"/>
-          </a:p>
-        </p:txBody>
-      </p:sp>
-      <p:sp>
-        <p:nvSpPr>
-          <p:cNvPr id="10" name="Text Placeholder 9"/>
-          <p:cNvSpPr>
-            <a:spLocks noGrp="1"/>
-          </p:cNvSpPr>
-          <p:nvPr>
-            <p:ph type="body" sz="quarter" idx="13"/>
-          </p:nvPr>
-        </p:nvSpPr>
-        <p:spPr>
-          <a:xfrm>
-            <a:off x="684212" y="3928534"/>
-            <a:ext cx="8534401" cy="1049866"/>
-          </a:xfrm>
-        </p:spPr>
-        <p:txBody>
-          <a:bodyPr vert="horz" lIns="91440" tIns="45720" rIns="91440" bIns="45720" rtlCol="0" anchor="b">
-            <a:normAutofit/>
-          </a:bodyPr>
-          <a:lstStyle>
-            <a:lvl1pPr>
-              <a:buNone/>
-              <a:defRPr lang="en-US" sz="2400" b="0" cap="all" dirty="0">
-                <a:ln w="3175" cmpd="sng">
-                  <a:noFill/>
-                </a:ln>
-                <a:solidFill>
-                  <a:schemeClr val="tx1"/>
-                </a:solidFill>
-                <a:effectLst/>
-              </a:defRPr>
-            </a:lvl1pPr>
-          </a:lstStyle>
-          <a:p>
-            <a:pPr marL="0" lvl="0">
-              <a:spcBef>
-                <a:spcPct val="0"/>
-              </a:spcBef>
-              <a:buNone/>
-            </a:pPr>
+            <a:pPr lvl="0"/>
             <a:r>
               <a:rPr lang="en-US"/>
               <a:t>Click to edit Master text styles</a:t>
@@ -1783,18 +1754,18 @@
       </p:sp>
       <p:sp>
         <p:nvSpPr>
-          <p:cNvPr id="3" name="Text Placeholder 2"/>
-          <p:cNvSpPr>
-            <a:spLocks noGrp="1"/>
-          </p:cNvSpPr>
-          <p:nvPr>
-            <p:ph type="body" idx="1"/>
-          </p:nvPr>
-        </p:nvSpPr>
-        <p:spPr>
-          <a:xfrm>
-            <a:off x="684211" y="4978400"/>
-            <a:ext cx="8534401" cy="1016000"/>
+          <p:cNvPr id="8" name="Text Placeholder 3"/>
+          <p:cNvSpPr>
+            <a:spLocks noGrp="1"/>
+          </p:cNvSpPr>
+          <p:nvPr>
+            <p:ph type="body" sz="half" idx="15"/>
+          </p:nvPr>
+        </p:nvSpPr>
+        <p:spPr>
+          <a:xfrm>
+            <a:off x="685799" y="2904565"/>
+            <a:ext cx="3456432" cy="3314132"/>
           </a:xfrm>
         </p:spPr>
         <p:txBody>
@@ -1802,95 +1773,250 @@
             <a:normAutofit/>
           </a:bodyPr>
           <a:lstStyle>
-            <a:lvl1pPr marL="0" indent="0" algn="l">
-              <a:buNone/>
-              <a:defRPr sz="1800">
+            <a:lvl1pPr marL="0" indent="0">
+              <a:buNone/>
+              <a:defRPr sz="1400"/>
+            </a:lvl1pPr>
+            <a:lvl2pPr marL="457200" indent="0">
+              <a:buNone/>
+              <a:defRPr sz="1200"/>
+            </a:lvl2pPr>
+            <a:lvl3pPr marL="914400" indent="0">
+              <a:buNone/>
+              <a:defRPr sz="1000"/>
+            </a:lvl3pPr>
+            <a:lvl4pPr marL="1371600" indent="0">
+              <a:buNone/>
+              <a:defRPr sz="900"/>
+            </a:lvl4pPr>
+            <a:lvl5pPr marL="1828800" indent="0">
+              <a:buNone/>
+              <a:defRPr sz="900"/>
+            </a:lvl5pPr>
+            <a:lvl6pPr marL="2286000" indent="0">
+              <a:buNone/>
+              <a:defRPr sz="900"/>
+            </a:lvl6pPr>
+            <a:lvl7pPr marL="2743200" indent="0">
+              <a:buNone/>
+              <a:defRPr sz="900"/>
+            </a:lvl7pPr>
+            <a:lvl8pPr marL="3200400" indent="0">
+              <a:buNone/>
+              <a:defRPr sz="900"/>
+            </a:lvl8pPr>
+            <a:lvl9pPr marL="3657600" indent="0">
+              <a:buNone/>
+              <a:defRPr sz="900"/>
+            </a:lvl9pPr>
+          </a:lstStyle>
+          <a:p>
+            <a:pPr lvl="0"/>
+            <a:r>
+              <a:rPr lang="en-US"/>
+              <a:t>Click to edit Master text styles</a:t>
+            </a:r>
+          </a:p>
+        </p:txBody>
+      </p:sp>
+      <p:sp>
+        <p:nvSpPr>
+          <p:cNvPr id="9" name="Text Placeholder 4"/>
+          <p:cNvSpPr>
+            <a:spLocks noGrp="1"/>
+          </p:cNvSpPr>
+          <p:nvPr>
+            <p:ph type="body" sz="quarter" idx="3"/>
+          </p:nvPr>
+        </p:nvSpPr>
+        <p:spPr>
+          <a:xfrm>
+            <a:off x="4368800" y="2201333"/>
+            <a:ext cx="3456432" cy="626534"/>
+          </a:xfrm>
+        </p:spPr>
+        <p:txBody>
+          <a:bodyPr anchor="b">
+            <a:noAutofit/>
+          </a:bodyPr>
+          <a:lstStyle>
+            <a:lvl1pPr marL="0" indent="0">
+              <a:buNone/>
+              <a:defRPr sz="2400" b="0">
                 <a:solidFill>
-                  <a:schemeClr val="bg2">
-                    <a:lumMod val="75000"/>
-                  </a:schemeClr>
+                  <a:schemeClr val="tx1"/>
                 </a:solidFill>
               </a:defRPr>
             </a:lvl1pPr>
             <a:lvl2pPr marL="457200" indent="0">
               <a:buNone/>
-              <a:defRPr sz="1800">
+              <a:defRPr sz="2000" b="1"/>
+            </a:lvl2pPr>
+            <a:lvl3pPr marL="914400" indent="0">
+              <a:buNone/>
+              <a:defRPr sz="1800" b="1"/>
+            </a:lvl3pPr>
+            <a:lvl4pPr marL="1371600" indent="0">
+              <a:buNone/>
+              <a:defRPr sz="1600" b="1"/>
+            </a:lvl4pPr>
+            <a:lvl5pPr marL="1828800" indent="0">
+              <a:buNone/>
+              <a:defRPr sz="1600" b="1"/>
+            </a:lvl5pPr>
+            <a:lvl6pPr marL="2286000" indent="0">
+              <a:buNone/>
+              <a:defRPr sz="1600" b="1"/>
+            </a:lvl6pPr>
+            <a:lvl7pPr marL="2743200" indent="0">
+              <a:buNone/>
+              <a:defRPr sz="1600" b="1"/>
+            </a:lvl7pPr>
+            <a:lvl8pPr marL="3200400" indent="0">
+              <a:buNone/>
+              <a:defRPr sz="1600" b="1"/>
+            </a:lvl8pPr>
+            <a:lvl9pPr marL="3657600" indent="0">
+              <a:buNone/>
+              <a:defRPr sz="1600" b="1"/>
+            </a:lvl9pPr>
+          </a:lstStyle>
+          <a:p>
+            <a:pPr lvl="0"/>
+            <a:r>
+              <a:rPr lang="en-US"/>
+              <a:t>Click to edit Master text styles</a:t>
+            </a:r>
+          </a:p>
+        </p:txBody>
+      </p:sp>
+      <p:sp>
+        <p:nvSpPr>
+          <p:cNvPr id="10" name="Text Placeholder 3"/>
+          <p:cNvSpPr>
+            <a:spLocks noGrp="1"/>
+          </p:cNvSpPr>
+          <p:nvPr>
+            <p:ph type="body" sz="half" idx="16"/>
+          </p:nvPr>
+        </p:nvSpPr>
+        <p:spPr>
+          <a:xfrm>
+            <a:off x="4366858" y="2904067"/>
+            <a:ext cx="3456432" cy="3314618"/>
+          </a:xfrm>
+        </p:spPr>
+        <p:txBody>
+          <a:bodyPr anchor="t">
+            <a:normAutofit/>
+          </a:bodyPr>
+          <a:lstStyle>
+            <a:lvl1pPr marL="0" indent="0">
+              <a:buNone/>
+              <a:defRPr sz="1400"/>
+            </a:lvl1pPr>
+            <a:lvl2pPr marL="457200" indent="0">
+              <a:buNone/>
+              <a:defRPr sz="1200"/>
+            </a:lvl2pPr>
+            <a:lvl3pPr marL="914400" indent="0">
+              <a:buNone/>
+              <a:defRPr sz="1000"/>
+            </a:lvl3pPr>
+            <a:lvl4pPr marL="1371600" indent="0">
+              <a:buNone/>
+              <a:defRPr sz="900"/>
+            </a:lvl4pPr>
+            <a:lvl5pPr marL="1828800" indent="0">
+              <a:buNone/>
+              <a:defRPr sz="900"/>
+            </a:lvl5pPr>
+            <a:lvl6pPr marL="2286000" indent="0">
+              <a:buNone/>
+              <a:defRPr sz="900"/>
+            </a:lvl6pPr>
+            <a:lvl7pPr marL="2743200" indent="0">
+              <a:buNone/>
+              <a:defRPr sz="900"/>
+            </a:lvl7pPr>
+            <a:lvl8pPr marL="3200400" indent="0">
+              <a:buNone/>
+              <a:defRPr sz="900"/>
+            </a:lvl8pPr>
+            <a:lvl9pPr marL="3657600" indent="0">
+              <a:buNone/>
+              <a:defRPr sz="900"/>
+            </a:lvl9pPr>
+          </a:lstStyle>
+          <a:p>
+            <a:pPr lvl="0"/>
+            <a:r>
+              <a:rPr lang="en-US"/>
+              <a:t>Click to edit Master text styles</a:t>
+            </a:r>
+          </a:p>
+        </p:txBody>
+      </p:sp>
+      <p:sp>
+        <p:nvSpPr>
+          <p:cNvPr id="11" name="Text Placeholder 4"/>
+          <p:cNvSpPr>
+            <a:spLocks noGrp="1"/>
+          </p:cNvSpPr>
+          <p:nvPr>
+            <p:ph type="body" sz="quarter" idx="13"/>
+          </p:nvPr>
+        </p:nvSpPr>
+        <p:spPr>
+          <a:xfrm>
+            <a:off x="8051800" y="2192866"/>
+            <a:ext cx="3456432" cy="626534"/>
+          </a:xfrm>
+        </p:spPr>
+        <p:txBody>
+          <a:bodyPr anchor="b">
+            <a:noAutofit/>
+          </a:bodyPr>
+          <a:lstStyle>
+            <a:lvl1pPr marL="0" indent="0">
+              <a:buNone/>
+              <a:defRPr sz="2400" b="0">
                 <a:solidFill>
-                  <a:schemeClr val="tx1">
-                    <a:tint val="75000"/>
-                  </a:schemeClr>
+                  <a:schemeClr val="tx1"/>
                 </a:solidFill>
               </a:defRPr>
+            </a:lvl1pPr>
+            <a:lvl2pPr marL="457200" indent="0">
+              <a:buNone/>
+              <a:defRPr sz="2000" b="1"/>
             </a:lvl2pPr>
             <a:lvl3pPr marL="914400" indent="0">
               <a:buNone/>
-              <a:defRPr sz="1600">
-                <a:solidFill>
-                  <a:schemeClr val="tx1">
-                    <a:tint val="75000"/>
-                  </a:schemeClr>
-                </a:solidFill>
-              </a:defRPr>
+              <a:defRPr sz="1800" b="1"/>
             </a:lvl3pPr>
             <a:lvl4pPr marL="1371600" indent="0">
               <a:buNone/>
-              <a:defRPr sz="1400">
-                <a:solidFill>
-                  <a:schemeClr val="tx1">
-                    <a:tint val="75000"/>
-                  </a:schemeClr>
-                </a:solidFill>
-              </a:defRPr>
+              <a:defRPr sz="1600" b="1"/>
             </a:lvl4pPr>
             <a:lvl5pPr marL="1828800" indent="0">
               <a:buNone/>
-              <a:defRPr sz="1400">
-                <a:solidFill>
-                  <a:schemeClr val="tx1">
-                    <a:tint val="75000"/>
-                  </a:schemeClr>
-                </a:solidFill>
-              </a:defRPr>
+              <a:defRPr sz="1600" b="1"/>
             </a:lvl5pPr>
             <a:lvl6pPr marL="2286000" indent="0">
               <a:buNone/>
-              <a:defRPr sz="1400">
-                <a:solidFill>
-                  <a:schemeClr val="tx1">
-                    <a:tint val="75000"/>
-                  </a:schemeClr>
-                </a:solidFill>
-              </a:defRPr>
+              <a:defRPr sz="1600" b="1"/>
             </a:lvl6pPr>
             <a:lvl7pPr marL="2743200" indent="0">
               <a:buNone/>
-              <a:defRPr sz="1400">
-                <a:solidFill>
-                  <a:schemeClr val="tx1">
-                    <a:tint val="75000"/>
-                  </a:schemeClr>
-                </a:solidFill>
-              </a:defRPr>
+              <a:defRPr sz="1600" b="1"/>
             </a:lvl7pPr>
             <a:lvl8pPr marL="3200400" indent="0">
               <a:buNone/>
-              <a:defRPr sz="1400">
-                <a:solidFill>
-                  <a:schemeClr val="tx1">
-                    <a:tint val="75000"/>
-                  </a:schemeClr>
-                </a:solidFill>
-              </a:defRPr>
+              <a:defRPr sz="1600" b="1"/>
             </a:lvl8pPr>
             <a:lvl9pPr marL="3657600" indent="0">
               <a:buNone/>
-              <a:defRPr sz="1400">
-                <a:solidFill>
-                  <a:schemeClr val="tx1">
-                    <a:tint val="75000"/>
-                  </a:schemeClr>
-                </a:solidFill>
-              </a:defRPr>
+              <a:defRPr sz="1600" b="1"/>
             </a:lvl9pPr>
           </a:lstStyle>
           <a:p>
@@ -1904,7 +2030,74 @@
       </p:sp>
       <p:sp>
         <p:nvSpPr>
-          <p:cNvPr id="4" name="Date Placeholder 3"/>
+          <p:cNvPr id="12" name="Text Placeholder 3"/>
+          <p:cNvSpPr>
+            <a:spLocks noGrp="1"/>
+          </p:cNvSpPr>
+          <p:nvPr>
+            <p:ph type="body" sz="half" idx="17"/>
+          </p:nvPr>
+        </p:nvSpPr>
+        <p:spPr>
+          <a:xfrm>
+            <a:off x="8051801" y="2904565"/>
+            <a:ext cx="3456432" cy="3314132"/>
+          </a:xfrm>
+        </p:spPr>
+        <p:txBody>
+          <a:bodyPr anchor="t">
+            <a:normAutofit/>
+          </a:bodyPr>
+          <a:lstStyle>
+            <a:lvl1pPr marL="0" indent="0">
+              <a:buNone/>
+              <a:defRPr sz="1400"/>
+            </a:lvl1pPr>
+            <a:lvl2pPr marL="457200" indent="0">
+              <a:buNone/>
+              <a:defRPr sz="1200"/>
+            </a:lvl2pPr>
+            <a:lvl3pPr marL="914400" indent="0">
+              <a:buNone/>
+              <a:defRPr sz="1000"/>
+            </a:lvl3pPr>
+            <a:lvl4pPr marL="1371600" indent="0">
+              <a:buNone/>
+              <a:defRPr sz="900"/>
+            </a:lvl4pPr>
+            <a:lvl5pPr marL="1828800" indent="0">
+              <a:buNone/>
+              <a:defRPr sz="900"/>
+            </a:lvl5pPr>
+            <a:lvl6pPr marL="2286000" indent="0">
+              <a:buNone/>
+              <a:defRPr sz="900"/>
+            </a:lvl6pPr>
+            <a:lvl7pPr marL="2743200" indent="0">
+              <a:buNone/>
+              <a:defRPr sz="900"/>
+            </a:lvl7pPr>
+            <a:lvl8pPr marL="3200400" indent="0">
+              <a:buNone/>
+              <a:defRPr sz="900"/>
+            </a:lvl8pPr>
+            <a:lvl9pPr marL="3657600" indent="0">
+              <a:buNone/>
+              <a:defRPr sz="900"/>
+            </a:lvl9pPr>
+          </a:lstStyle>
+          <a:p>
+            <a:pPr lvl="0"/>
+            <a:r>
+              <a:rPr lang="en-US"/>
+              <a:t>Click to edit Master text styles</a:t>
+            </a:r>
+          </a:p>
+        </p:txBody>
+      </p:sp>
+      <p:sp>
+        <p:nvSpPr>
+          <p:cNvPr id="3" name="Date Placeholder 2"/>
           <p:cNvSpPr>
             <a:spLocks noGrp="1"/>
           </p:cNvSpPr>
@@ -1927,7 +2120,7 @@
       </p:sp>
       <p:sp>
         <p:nvSpPr>
-          <p:cNvPr id="5" name="Footer Placeholder 4"/>
+          <p:cNvPr id="4" name="Footer Placeholder 3"/>
           <p:cNvSpPr>
             <a:spLocks noGrp="1"/>
           </p:cNvSpPr>
@@ -1946,7 +2139,7 @@
       </p:sp>
       <p:sp>
         <p:nvSpPr>
-          <p:cNvPr id="6" name="Slide Number Placeholder 5"/>
+          <p:cNvPr id="5" name="Slide Number Placeholder 4"/>
           <p:cNvSpPr>
             <a:spLocks noGrp="1"/>
           </p:cNvSpPr>
@@ -1967,78 +2160,10 @@
           </a:p>
         </p:txBody>
       </p:sp>
-      <p:sp>
-        <p:nvSpPr>
-          <p:cNvPr id="11" name="TextBox 10"/>
-          <p:cNvSpPr txBox="1"/>
-          <p:nvPr/>
-        </p:nvSpPr>
-        <p:spPr>
-          <a:xfrm>
-            <a:off x="531812" y="812222"/>
-            <a:ext cx="609600" cy="584776"/>
-          </a:xfrm>
-          <a:prstGeom prst="rect">
-            <a:avLst/>
-          </a:prstGeom>
-        </p:spPr>
-        <p:txBody>
-          <a:bodyPr vert="horz" lIns="91440" tIns="45720" rIns="91440" bIns="45720" rtlCol="0" anchor="ctr">
-            <a:noAutofit/>
-          </a:bodyPr>
-          <a:lstStyle/>
-          <a:p>
-            <a:pPr lvl="0"/>
-            <a:r>
-              <a:rPr lang="en-US" sz="8000" dirty="0">
-                <a:solidFill>
-                  <a:schemeClr val="tx1"/>
-                </a:solidFill>
-                <a:effectLst/>
-              </a:rPr>
-              <a:t>“</a:t>
-            </a:r>
-          </a:p>
-        </p:txBody>
-      </p:sp>
-      <p:sp>
-        <p:nvSpPr>
-          <p:cNvPr id="12" name="TextBox 11"/>
-          <p:cNvSpPr txBox="1"/>
-          <p:nvPr/>
-        </p:nvSpPr>
-        <p:spPr>
-          <a:xfrm>
-            <a:off x="10285412" y="2768601"/>
-            <a:ext cx="609600" cy="584776"/>
-          </a:xfrm>
-          <a:prstGeom prst="rect">
-            <a:avLst/>
-          </a:prstGeom>
-        </p:spPr>
-        <p:txBody>
-          <a:bodyPr vert="horz" lIns="91440" tIns="45720" rIns="91440" bIns="45720" rtlCol="0" anchor="ctr">
-            <a:noAutofit/>
-          </a:bodyPr>
-          <a:lstStyle/>
-          <a:p>
-            <a:pPr lvl="0" algn="r"/>
-            <a:r>
-              <a:rPr lang="en-US" sz="8000" dirty="0">
-                <a:solidFill>
-                  <a:schemeClr val="tx1"/>
-                </a:solidFill>
-                <a:effectLst/>
-              </a:rPr>
-              <a:t>”</a:t>
-            </a:r>
-          </a:p>
-        </p:txBody>
-      </p:sp>
     </p:spTree>
     <p:extLst>
       <p:ext uri="{BB962C8B-B14F-4D97-AF65-F5344CB8AC3E}">
-        <p14:creationId xmlns:p14="http://schemas.microsoft.com/office/powerpoint/2010/main" val="1238766348"/>
+        <p14:creationId xmlns:p14="http://schemas.microsoft.com/office/powerpoint/2010/main" val="1702497255"/>
       </p:ext>
     </p:extLst>
   </p:cSld>
@@ -2050,7 +2175,7 @@
 
 <file path=ppt/slideLayouts/slideLayout15.xml><?xml version="1.0" encoding="utf-8"?>
 <p:sldLayout xmlns:a="http://schemas.openxmlformats.org/drawingml/2006/main" xmlns:r="http://schemas.openxmlformats.org/officeDocument/2006/relationships" xmlns:p="http://schemas.openxmlformats.org/presentationml/2006/main" preserve="1">
-  <p:cSld name="True or False">
+  <p:cSld name="3 Picture Column">
     <p:spTree>
       <p:nvGrpSpPr>
         <p:cNvPr id="1" name=""/>
@@ -2067,7 +2192,7 @@
       </p:grpSpPr>
       <p:sp>
         <p:nvSpPr>
-          <p:cNvPr id="2" name="Title 1"/>
+          <p:cNvPr id="30" name="Title 1"/>
           <p:cNvSpPr>
             <a:spLocks noGrp="1"/>
           </p:cNvSpPr>
@@ -2077,70 +2202,86 @@
         </p:nvSpPr>
         <p:spPr>
           <a:xfrm>
-            <a:off x="684213" y="685800"/>
-            <a:ext cx="10058400" cy="2743200"/>
-          </a:xfrm>
-        </p:spPr>
-        <p:txBody>
-          <a:bodyPr vert="horz" lIns="91440" tIns="45720" rIns="91440" bIns="45720" rtlCol="0" anchor="ctr">
-            <a:normAutofit/>
+            <a:off x="2895600" y="762000"/>
+            <a:ext cx="8610599" cy="1295400"/>
+          </a:xfrm>
+        </p:spPr>
+        <p:txBody>
+          <a:bodyPr/>
+          <a:lstStyle/>
+          <a:p>
+            <a:r>
+              <a:rPr lang="en-US"/>
+              <a:t>Click to edit Master title style</a:t>
+            </a:r>
+            <a:endParaRPr lang="en-US" dirty="0"/>
+          </a:p>
+        </p:txBody>
+      </p:sp>
+      <p:sp>
+        <p:nvSpPr>
+          <p:cNvPr id="19" name="Text Placeholder 2"/>
+          <p:cNvSpPr>
+            <a:spLocks noGrp="1"/>
+          </p:cNvSpPr>
+          <p:nvPr>
+            <p:ph type="body" idx="1"/>
+          </p:nvPr>
+        </p:nvSpPr>
+        <p:spPr>
+          <a:xfrm>
+            <a:off x="688618" y="4191000"/>
+            <a:ext cx="3451582" cy="682765"/>
+          </a:xfrm>
+        </p:spPr>
+        <p:txBody>
+          <a:bodyPr anchor="b">
+            <a:noAutofit/>
           </a:bodyPr>
           <a:lstStyle>
-            <a:lvl1pPr>
-              <a:defRPr lang="en-US" b="0" dirty="0"/>
-            </a:lvl1pPr>
-          </a:lstStyle>
-          <a:p>
-            <a:pPr marL="0" lvl="0"/>
-            <a:r>
-              <a:rPr lang="en-US"/>
-              <a:t>Click to edit Master title style</a:t>
-            </a:r>
-            <a:endParaRPr lang="en-US" dirty="0"/>
-          </a:p>
-        </p:txBody>
-      </p:sp>
-      <p:sp>
-        <p:nvSpPr>
-          <p:cNvPr id="10" name="Text Placeholder 9"/>
-          <p:cNvSpPr>
-            <a:spLocks noGrp="1"/>
-          </p:cNvSpPr>
-          <p:nvPr>
-            <p:ph type="body" sz="quarter" idx="13"/>
-          </p:nvPr>
-        </p:nvSpPr>
-        <p:spPr>
-          <a:xfrm>
-            <a:off x="684212" y="3928534"/>
-            <a:ext cx="8534400" cy="838200"/>
-          </a:xfrm>
-        </p:spPr>
-        <p:txBody>
-          <a:bodyPr vert="horz" lIns="91440" tIns="45720" rIns="91440" bIns="45720" rtlCol="0" anchor="b">
-            <a:normAutofit/>
-          </a:bodyPr>
-          <a:lstStyle>
-            <a:lvl1pPr>
-              <a:buNone/>
-              <a:defRPr lang="en-US" sz="2400" b="0" cap="all" dirty="0">
-                <a:ln w="3175" cmpd="sng">
-                  <a:noFill/>
-                </a:ln>
+            <a:lvl1pPr marL="0" indent="0">
+              <a:buNone/>
+              <a:defRPr sz="2400" b="0">
                 <a:solidFill>
                   <a:schemeClr val="tx1"/>
                 </a:solidFill>
-                <a:effectLst/>
               </a:defRPr>
             </a:lvl1pPr>
+            <a:lvl2pPr marL="457200" indent="0">
+              <a:buNone/>
+              <a:defRPr sz="2000" b="1"/>
+            </a:lvl2pPr>
+            <a:lvl3pPr marL="914400" indent="0">
+              <a:buNone/>
+              <a:defRPr sz="1800" b="1"/>
+            </a:lvl3pPr>
+            <a:lvl4pPr marL="1371600" indent="0">
+              <a:buNone/>
+              <a:defRPr sz="1600" b="1"/>
+            </a:lvl4pPr>
+            <a:lvl5pPr marL="1828800" indent="0">
+              <a:buNone/>
+              <a:defRPr sz="1600" b="1"/>
+            </a:lvl5pPr>
+            <a:lvl6pPr marL="2286000" indent="0">
+              <a:buNone/>
+              <a:defRPr sz="1600" b="1"/>
+            </a:lvl6pPr>
+            <a:lvl7pPr marL="2743200" indent="0">
+              <a:buNone/>
+              <a:defRPr sz="1600" b="1"/>
+            </a:lvl7pPr>
+            <a:lvl8pPr marL="3200400" indent="0">
+              <a:buNone/>
+              <a:defRPr sz="1600" b="1"/>
+            </a:lvl8pPr>
+            <a:lvl9pPr marL="3657600" indent="0">
+              <a:buNone/>
+              <a:defRPr sz="1600" b="1"/>
+            </a:lvl9pPr>
           </a:lstStyle>
           <a:p>
-            <a:pPr marL="0" lvl="0">
-              <a:spcBef>
-                <a:spcPct val="0"/>
-              </a:spcBef>
-              <a:buNone/>
-            </a:pPr>
+            <a:pPr lvl="0"/>
             <a:r>
               <a:rPr lang="en-US"/>
               <a:t>Click to edit Master text styles</a:t>
@@ -2150,114 +2291,427 @@
       </p:sp>
       <p:sp>
         <p:nvSpPr>
-          <p:cNvPr id="3" name="Text Placeholder 2"/>
-          <p:cNvSpPr>
-            <a:spLocks noGrp="1"/>
-          </p:cNvSpPr>
-          <p:nvPr>
-            <p:ph type="body" idx="1"/>
-          </p:nvPr>
-        </p:nvSpPr>
-        <p:spPr>
-          <a:xfrm>
-            <a:off x="684211" y="4766732"/>
-            <a:ext cx="8534401" cy="1227667"/>
-          </a:xfrm>
+          <p:cNvPr id="20" name="Picture Placeholder 2"/>
+          <p:cNvSpPr>
+            <a:spLocks noGrp="1" noChangeAspect="1"/>
+          </p:cNvSpPr>
+          <p:nvPr>
+            <p:ph type="pic" idx="15"/>
+          </p:nvPr>
+        </p:nvSpPr>
+        <p:spPr>
+          <a:xfrm>
+            <a:off x="688618" y="2362200"/>
+            <a:ext cx="3451582" cy="1524000"/>
+          </a:xfrm>
+          <a:prstGeom prst="roundRect">
+            <a:avLst>
+              <a:gd name="adj" fmla="val 0"/>
+            </a:avLst>
+          </a:prstGeom>
+          <a:effectLst>
+            <a:outerShdw blurRad="50800" dist="50800" dir="5400000" algn="tl" rotWithShape="0">
+              <a:srgbClr val="000000">
+                <a:alpha val="43000"/>
+              </a:srgbClr>
+            </a:outerShdw>
+          </a:effectLst>
         </p:spPr>
         <p:txBody>
           <a:bodyPr anchor="t">
             <a:normAutofit/>
           </a:bodyPr>
           <a:lstStyle>
-            <a:lvl1pPr marL="0" indent="0" algn="l">
-              <a:buNone/>
-              <a:defRPr sz="1800">
+            <a:lvl1pPr marL="0" indent="0" algn="ctr">
+              <a:buNone/>
+              <a:defRPr sz="1600"/>
+            </a:lvl1pPr>
+            <a:lvl2pPr marL="457200" indent="0">
+              <a:buNone/>
+              <a:defRPr sz="1600"/>
+            </a:lvl2pPr>
+            <a:lvl3pPr marL="914400" indent="0">
+              <a:buNone/>
+              <a:defRPr sz="1600"/>
+            </a:lvl3pPr>
+            <a:lvl4pPr marL="1371600" indent="0">
+              <a:buNone/>
+              <a:defRPr sz="1600"/>
+            </a:lvl4pPr>
+            <a:lvl5pPr marL="1828800" indent="0">
+              <a:buNone/>
+              <a:defRPr sz="1600"/>
+            </a:lvl5pPr>
+            <a:lvl6pPr marL="2286000" indent="0">
+              <a:buNone/>
+              <a:defRPr sz="1600"/>
+            </a:lvl6pPr>
+            <a:lvl7pPr marL="2743200" indent="0">
+              <a:buNone/>
+              <a:defRPr sz="1600"/>
+            </a:lvl7pPr>
+            <a:lvl8pPr marL="3200400" indent="0">
+              <a:buNone/>
+              <a:defRPr sz="1600"/>
+            </a:lvl8pPr>
+            <a:lvl9pPr marL="3657600" indent="0">
+              <a:buNone/>
+              <a:defRPr sz="1600"/>
+            </a:lvl9pPr>
+          </a:lstStyle>
+          <a:p>
+            <a:r>
+              <a:rPr lang="en-US"/>
+              <a:t>Click icon to add picture</a:t>
+            </a:r>
+            <a:endParaRPr lang="en-US" dirty="0"/>
+          </a:p>
+        </p:txBody>
+      </p:sp>
+      <p:sp>
+        <p:nvSpPr>
+          <p:cNvPr id="21" name="Text Placeholder 3"/>
+          <p:cNvSpPr>
+            <a:spLocks noGrp="1"/>
+          </p:cNvSpPr>
+          <p:nvPr>
+            <p:ph type="body" sz="half" idx="18"/>
+          </p:nvPr>
+        </p:nvSpPr>
+        <p:spPr>
+          <a:xfrm>
+            <a:off x="688618" y="4873764"/>
+            <a:ext cx="3451582" cy="1344921"/>
+          </a:xfrm>
+        </p:spPr>
+        <p:txBody>
+          <a:bodyPr anchor="t">
+            <a:normAutofit/>
+          </a:bodyPr>
+          <a:lstStyle>
+            <a:lvl1pPr marL="0" indent="0">
+              <a:buNone/>
+              <a:defRPr sz="1400"/>
+            </a:lvl1pPr>
+            <a:lvl2pPr marL="457200" indent="0">
+              <a:buNone/>
+              <a:defRPr sz="1200"/>
+            </a:lvl2pPr>
+            <a:lvl3pPr marL="914400" indent="0">
+              <a:buNone/>
+              <a:defRPr sz="1000"/>
+            </a:lvl3pPr>
+            <a:lvl4pPr marL="1371600" indent="0">
+              <a:buNone/>
+              <a:defRPr sz="900"/>
+            </a:lvl4pPr>
+            <a:lvl5pPr marL="1828800" indent="0">
+              <a:buNone/>
+              <a:defRPr sz="900"/>
+            </a:lvl5pPr>
+            <a:lvl6pPr marL="2286000" indent="0">
+              <a:buNone/>
+              <a:defRPr sz="900"/>
+            </a:lvl6pPr>
+            <a:lvl7pPr marL="2743200" indent="0">
+              <a:buNone/>
+              <a:defRPr sz="900"/>
+            </a:lvl7pPr>
+            <a:lvl8pPr marL="3200400" indent="0">
+              <a:buNone/>
+              <a:defRPr sz="900"/>
+            </a:lvl8pPr>
+            <a:lvl9pPr marL="3657600" indent="0">
+              <a:buNone/>
+              <a:defRPr sz="900"/>
+            </a:lvl9pPr>
+          </a:lstStyle>
+          <a:p>
+            <a:pPr lvl="0"/>
+            <a:r>
+              <a:rPr lang="en-US"/>
+              <a:t>Click to edit Master text styles</a:t>
+            </a:r>
+          </a:p>
+        </p:txBody>
+      </p:sp>
+      <p:sp>
+        <p:nvSpPr>
+          <p:cNvPr id="22" name="Text Placeholder 4"/>
+          <p:cNvSpPr>
+            <a:spLocks noGrp="1"/>
+          </p:cNvSpPr>
+          <p:nvPr>
+            <p:ph type="body" sz="quarter" idx="3"/>
+          </p:nvPr>
+        </p:nvSpPr>
+        <p:spPr>
+          <a:xfrm>
+            <a:off x="4374263" y="4191000"/>
+            <a:ext cx="3448935" cy="682765"/>
+          </a:xfrm>
+        </p:spPr>
+        <p:txBody>
+          <a:bodyPr anchor="b">
+            <a:noAutofit/>
+          </a:bodyPr>
+          <a:lstStyle>
+            <a:lvl1pPr marL="0" indent="0">
+              <a:buNone/>
+              <a:defRPr sz="2400" b="0">
                 <a:solidFill>
-                  <a:schemeClr val="bg2">
-                    <a:lumMod val="75000"/>
-                  </a:schemeClr>
+                  <a:schemeClr val="tx1"/>
                 </a:solidFill>
               </a:defRPr>
             </a:lvl1pPr>
             <a:lvl2pPr marL="457200" indent="0">
               <a:buNone/>
-              <a:defRPr sz="1800">
+              <a:defRPr sz="2000" b="1"/>
+            </a:lvl2pPr>
+            <a:lvl3pPr marL="914400" indent="0">
+              <a:buNone/>
+              <a:defRPr sz="1800" b="1"/>
+            </a:lvl3pPr>
+            <a:lvl4pPr marL="1371600" indent="0">
+              <a:buNone/>
+              <a:defRPr sz="1600" b="1"/>
+            </a:lvl4pPr>
+            <a:lvl5pPr marL="1828800" indent="0">
+              <a:buNone/>
+              <a:defRPr sz="1600" b="1"/>
+            </a:lvl5pPr>
+            <a:lvl6pPr marL="2286000" indent="0">
+              <a:buNone/>
+              <a:defRPr sz="1600" b="1"/>
+            </a:lvl6pPr>
+            <a:lvl7pPr marL="2743200" indent="0">
+              <a:buNone/>
+              <a:defRPr sz="1600" b="1"/>
+            </a:lvl7pPr>
+            <a:lvl8pPr marL="3200400" indent="0">
+              <a:buNone/>
+              <a:defRPr sz="1600" b="1"/>
+            </a:lvl8pPr>
+            <a:lvl9pPr marL="3657600" indent="0">
+              <a:buNone/>
+              <a:defRPr sz="1600" b="1"/>
+            </a:lvl9pPr>
+          </a:lstStyle>
+          <a:p>
+            <a:pPr lvl="0"/>
+            <a:r>
+              <a:rPr lang="en-US"/>
+              <a:t>Click to edit Master text styles</a:t>
+            </a:r>
+          </a:p>
+        </p:txBody>
+      </p:sp>
+      <p:sp>
+        <p:nvSpPr>
+          <p:cNvPr id="23" name="Picture Placeholder 2"/>
+          <p:cNvSpPr>
+            <a:spLocks noGrp="1" noChangeAspect="1"/>
+          </p:cNvSpPr>
+          <p:nvPr>
+            <p:ph type="pic" idx="21"/>
+          </p:nvPr>
+        </p:nvSpPr>
+        <p:spPr>
+          <a:xfrm>
+            <a:off x="4374263" y="2362200"/>
+            <a:ext cx="3448936" cy="1524000"/>
+          </a:xfrm>
+          <a:prstGeom prst="roundRect">
+            <a:avLst>
+              <a:gd name="adj" fmla="val 0"/>
+            </a:avLst>
+          </a:prstGeom>
+          <a:effectLst>
+            <a:outerShdw blurRad="50800" dist="50800" dir="5400000" algn="tl" rotWithShape="0">
+              <a:srgbClr val="000000">
+                <a:alpha val="43000"/>
+              </a:srgbClr>
+            </a:outerShdw>
+          </a:effectLst>
+        </p:spPr>
+        <p:txBody>
+          <a:bodyPr anchor="t">
+            <a:normAutofit/>
+          </a:bodyPr>
+          <a:lstStyle>
+            <a:lvl1pPr marL="0" indent="0" algn="ctr">
+              <a:buNone/>
+              <a:defRPr sz="1600"/>
+            </a:lvl1pPr>
+            <a:lvl2pPr marL="457200" indent="0">
+              <a:buNone/>
+              <a:defRPr sz="1600"/>
+            </a:lvl2pPr>
+            <a:lvl3pPr marL="914400" indent="0">
+              <a:buNone/>
+              <a:defRPr sz="1600"/>
+            </a:lvl3pPr>
+            <a:lvl4pPr marL="1371600" indent="0">
+              <a:buNone/>
+              <a:defRPr sz="1600"/>
+            </a:lvl4pPr>
+            <a:lvl5pPr marL="1828800" indent="0">
+              <a:buNone/>
+              <a:defRPr sz="1600"/>
+            </a:lvl5pPr>
+            <a:lvl6pPr marL="2286000" indent="0">
+              <a:buNone/>
+              <a:defRPr sz="1600"/>
+            </a:lvl6pPr>
+            <a:lvl7pPr marL="2743200" indent="0">
+              <a:buNone/>
+              <a:defRPr sz="1600"/>
+            </a:lvl7pPr>
+            <a:lvl8pPr marL="3200400" indent="0">
+              <a:buNone/>
+              <a:defRPr sz="1600"/>
+            </a:lvl8pPr>
+            <a:lvl9pPr marL="3657600" indent="0">
+              <a:buNone/>
+              <a:defRPr sz="1600"/>
+            </a:lvl9pPr>
+          </a:lstStyle>
+          <a:p>
+            <a:r>
+              <a:rPr lang="en-US"/>
+              <a:t>Click icon to add picture</a:t>
+            </a:r>
+            <a:endParaRPr lang="en-US" dirty="0"/>
+          </a:p>
+        </p:txBody>
+      </p:sp>
+      <p:sp>
+        <p:nvSpPr>
+          <p:cNvPr id="24" name="Text Placeholder 3"/>
+          <p:cNvSpPr>
+            <a:spLocks noGrp="1"/>
+          </p:cNvSpPr>
+          <p:nvPr>
+            <p:ph type="body" sz="half" idx="19"/>
+          </p:nvPr>
+        </p:nvSpPr>
+        <p:spPr>
+          <a:xfrm>
+            <a:off x="4374264" y="4873763"/>
+            <a:ext cx="3448935" cy="1344921"/>
+          </a:xfrm>
+        </p:spPr>
+        <p:txBody>
+          <a:bodyPr anchor="t">
+            <a:normAutofit/>
+          </a:bodyPr>
+          <a:lstStyle>
+            <a:lvl1pPr marL="0" indent="0">
+              <a:buNone/>
+              <a:defRPr sz="1400"/>
+            </a:lvl1pPr>
+            <a:lvl2pPr marL="457200" indent="0">
+              <a:buNone/>
+              <a:defRPr sz="1200"/>
+            </a:lvl2pPr>
+            <a:lvl3pPr marL="914400" indent="0">
+              <a:buNone/>
+              <a:defRPr sz="1000"/>
+            </a:lvl3pPr>
+            <a:lvl4pPr marL="1371600" indent="0">
+              <a:buNone/>
+              <a:defRPr sz="900"/>
+            </a:lvl4pPr>
+            <a:lvl5pPr marL="1828800" indent="0">
+              <a:buNone/>
+              <a:defRPr sz="900"/>
+            </a:lvl5pPr>
+            <a:lvl6pPr marL="2286000" indent="0">
+              <a:buNone/>
+              <a:defRPr sz="900"/>
+            </a:lvl6pPr>
+            <a:lvl7pPr marL="2743200" indent="0">
+              <a:buNone/>
+              <a:defRPr sz="900"/>
+            </a:lvl7pPr>
+            <a:lvl8pPr marL="3200400" indent="0">
+              <a:buNone/>
+              <a:defRPr sz="900"/>
+            </a:lvl8pPr>
+            <a:lvl9pPr marL="3657600" indent="0">
+              <a:buNone/>
+              <a:defRPr sz="900"/>
+            </a:lvl9pPr>
+          </a:lstStyle>
+          <a:p>
+            <a:pPr lvl="0"/>
+            <a:r>
+              <a:rPr lang="en-US"/>
+              <a:t>Click to edit Master text styles</a:t>
+            </a:r>
+          </a:p>
+        </p:txBody>
+      </p:sp>
+      <p:sp>
+        <p:nvSpPr>
+          <p:cNvPr id="25" name="Text Placeholder 4"/>
+          <p:cNvSpPr>
+            <a:spLocks noGrp="1"/>
+          </p:cNvSpPr>
+          <p:nvPr>
+            <p:ph type="body" sz="quarter" idx="13"/>
+          </p:nvPr>
+        </p:nvSpPr>
+        <p:spPr>
+          <a:xfrm>
+            <a:off x="8049731" y="4191000"/>
+            <a:ext cx="3456469" cy="682765"/>
+          </a:xfrm>
+        </p:spPr>
+        <p:txBody>
+          <a:bodyPr anchor="b">
+            <a:noAutofit/>
+          </a:bodyPr>
+          <a:lstStyle>
+            <a:lvl1pPr marL="0" indent="0">
+              <a:buNone/>
+              <a:defRPr sz="2400" b="0">
                 <a:solidFill>
-                  <a:schemeClr val="tx1">
-                    <a:tint val="75000"/>
-                  </a:schemeClr>
+                  <a:schemeClr val="tx1"/>
                 </a:solidFill>
               </a:defRPr>
+            </a:lvl1pPr>
+            <a:lvl2pPr marL="457200" indent="0">
+              <a:buNone/>
+              <a:defRPr sz="2000" b="1"/>
             </a:lvl2pPr>
             <a:lvl3pPr marL="914400" indent="0">
               <a:buNone/>
-              <a:defRPr sz="1600">
-                <a:solidFill>
-                  <a:schemeClr val="tx1">
-                    <a:tint val="75000"/>
-                  </a:schemeClr>
-                </a:solidFill>
-              </a:defRPr>
+              <a:defRPr sz="1800" b="1"/>
             </a:lvl3pPr>
             <a:lvl4pPr marL="1371600" indent="0">
               <a:buNone/>
-              <a:defRPr sz="1400">
-                <a:solidFill>
-                  <a:schemeClr val="tx1">
-                    <a:tint val="75000"/>
-                  </a:schemeClr>
-                </a:solidFill>
-              </a:defRPr>
+              <a:defRPr sz="1600" b="1"/>
             </a:lvl4pPr>
             <a:lvl5pPr marL="1828800" indent="0">
               <a:buNone/>
-              <a:defRPr sz="1400">
-                <a:solidFill>
-                  <a:schemeClr val="tx1">
-                    <a:tint val="75000"/>
-                  </a:schemeClr>
-                </a:solidFill>
-              </a:defRPr>
+              <a:defRPr sz="1600" b="1"/>
             </a:lvl5pPr>
             <a:lvl6pPr marL="2286000" indent="0">
               <a:buNone/>
-              <a:defRPr sz="1400">
-                <a:solidFill>
-                  <a:schemeClr val="tx1">
-                    <a:tint val="75000"/>
-                  </a:schemeClr>
-                </a:solidFill>
-              </a:defRPr>
+              <a:defRPr sz="1600" b="1"/>
             </a:lvl6pPr>
             <a:lvl7pPr marL="2743200" indent="0">
               <a:buNone/>
-              <a:defRPr sz="1400">
-                <a:solidFill>
-                  <a:schemeClr val="tx1">
-                    <a:tint val="75000"/>
-                  </a:schemeClr>
-                </a:solidFill>
-              </a:defRPr>
+              <a:defRPr sz="1600" b="1"/>
             </a:lvl7pPr>
             <a:lvl8pPr marL="3200400" indent="0">
               <a:buNone/>
-              <a:defRPr sz="1400">
-                <a:solidFill>
-                  <a:schemeClr val="tx1">
-                    <a:tint val="75000"/>
-                  </a:schemeClr>
-                </a:solidFill>
-              </a:defRPr>
+              <a:defRPr sz="1600" b="1"/>
             </a:lvl8pPr>
             <a:lvl9pPr marL="3657600" indent="0">
               <a:buNone/>
-              <a:defRPr sz="1400">
-                <a:solidFill>
-                  <a:schemeClr val="tx1">
-                    <a:tint val="75000"/>
-                  </a:schemeClr>
-                </a:solidFill>
-              </a:defRPr>
+              <a:defRPr sz="1600" b="1"/>
             </a:lvl9pPr>
           </a:lstStyle>
           <a:p>
@@ -2271,7 +2725,153 @@
       </p:sp>
       <p:sp>
         <p:nvSpPr>
-          <p:cNvPr id="4" name="Date Placeholder 3"/>
+          <p:cNvPr id="26" name="Picture Placeholder 2"/>
+          <p:cNvSpPr>
+            <a:spLocks noGrp="1" noChangeAspect="1"/>
+          </p:cNvSpPr>
+          <p:nvPr>
+            <p:ph type="pic" idx="22"/>
+          </p:nvPr>
+        </p:nvSpPr>
+        <p:spPr>
+          <a:xfrm>
+            <a:off x="8049855" y="2362200"/>
+            <a:ext cx="3447878" cy="1524000"/>
+          </a:xfrm>
+          <a:prstGeom prst="roundRect">
+            <a:avLst>
+              <a:gd name="adj" fmla="val 0"/>
+            </a:avLst>
+          </a:prstGeom>
+          <a:effectLst>
+            <a:outerShdw blurRad="50800" dist="50800" dir="5400000" algn="tl" rotWithShape="0">
+              <a:srgbClr val="000000">
+                <a:alpha val="43000"/>
+              </a:srgbClr>
+            </a:outerShdw>
+          </a:effectLst>
+        </p:spPr>
+        <p:txBody>
+          <a:bodyPr anchor="t">
+            <a:normAutofit/>
+          </a:bodyPr>
+          <a:lstStyle>
+            <a:lvl1pPr marL="0" indent="0" algn="ctr">
+              <a:buNone/>
+              <a:defRPr sz="1600"/>
+            </a:lvl1pPr>
+            <a:lvl2pPr marL="457200" indent="0">
+              <a:buNone/>
+              <a:defRPr sz="1600"/>
+            </a:lvl2pPr>
+            <a:lvl3pPr marL="914400" indent="0">
+              <a:buNone/>
+              <a:defRPr sz="1600"/>
+            </a:lvl3pPr>
+            <a:lvl4pPr marL="1371600" indent="0">
+              <a:buNone/>
+              <a:defRPr sz="1600"/>
+            </a:lvl4pPr>
+            <a:lvl5pPr marL="1828800" indent="0">
+              <a:buNone/>
+              <a:defRPr sz="1600"/>
+            </a:lvl5pPr>
+            <a:lvl6pPr marL="2286000" indent="0">
+              <a:buNone/>
+              <a:defRPr sz="1600"/>
+            </a:lvl6pPr>
+            <a:lvl7pPr marL="2743200" indent="0">
+              <a:buNone/>
+              <a:defRPr sz="1600"/>
+            </a:lvl7pPr>
+            <a:lvl8pPr marL="3200400" indent="0">
+              <a:buNone/>
+              <a:defRPr sz="1600"/>
+            </a:lvl8pPr>
+            <a:lvl9pPr marL="3657600" indent="0">
+              <a:buNone/>
+              <a:defRPr sz="1600"/>
+            </a:lvl9pPr>
+          </a:lstStyle>
+          <a:p>
+            <a:r>
+              <a:rPr lang="en-US"/>
+              <a:t>Click icon to add picture</a:t>
+            </a:r>
+            <a:endParaRPr lang="en-US" dirty="0"/>
+          </a:p>
+        </p:txBody>
+      </p:sp>
+      <p:sp>
+        <p:nvSpPr>
+          <p:cNvPr id="27" name="Text Placeholder 3"/>
+          <p:cNvSpPr>
+            <a:spLocks noGrp="1"/>
+          </p:cNvSpPr>
+          <p:nvPr>
+            <p:ph type="body" sz="half" idx="20"/>
+          </p:nvPr>
+        </p:nvSpPr>
+        <p:spPr>
+          <a:xfrm>
+            <a:off x="8049731" y="4873761"/>
+            <a:ext cx="3452445" cy="1344921"/>
+          </a:xfrm>
+        </p:spPr>
+        <p:txBody>
+          <a:bodyPr anchor="t">
+            <a:normAutofit/>
+          </a:bodyPr>
+          <a:lstStyle>
+            <a:lvl1pPr marL="0" indent="0">
+              <a:buNone/>
+              <a:defRPr sz="1400"/>
+            </a:lvl1pPr>
+            <a:lvl2pPr marL="457200" indent="0">
+              <a:buNone/>
+              <a:defRPr sz="1200"/>
+            </a:lvl2pPr>
+            <a:lvl3pPr marL="914400" indent="0">
+              <a:buNone/>
+              <a:defRPr sz="1000"/>
+            </a:lvl3pPr>
+            <a:lvl4pPr marL="1371600" indent="0">
+              <a:buNone/>
+              <a:defRPr sz="900"/>
+            </a:lvl4pPr>
+            <a:lvl5pPr marL="1828800" indent="0">
+              <a:buNone/>
+              <a:defRPr sz="900"/>
+            </a:lvl5pPr>
+            <a:lvl6pPr marL="2286000" indent="0">
+              <a:buNone/>
+              <a:defRPr sz="900"/>
+            </a:lvl6pPr>
+            <a:lvl7pPr marL="2743200" indent="0">
+              <a:buNone/>
+              <a:defRPr sz="900"/>
+            </a:lvl7pPr>
+            <a:lvl8pPr marL="3200400" indent="0">
+              <a:buNone/>
+              <a:defRPr sz="900"/>
+            </a:lvl8pPr>
+            <a:lvl9pPr marL="3657600" indent="0">
+              <a:buNone/>
+              <a:defRPr sz="900"/>
+            </a:lvl9pPr>
+          </a:lstStyle>
+          <a:p>
+            <a:pPr lvl="0"/>
+            <a:r>
+              <a:rPr lang="en-US"/>
+              <a:t>Click to edit Master text styles</a:t>
+            </a:r>
+          </a:p>
+        </p:txBody>
+      </p:sp>
+      <p:sp>
+        <p:nvSpPr>
+          <p:cNvPr id="3" name="Date Placeholder 2"/>
           <p:cNvSpPr>
             <a:spLocks noGrp="1"/>
           </p:cNvSpPr>
@@ -2294,7 +2894,7 @@
       </p:sp>
       <p:sp>
         <p:nvSpPr>
-          <p:cNvPr id="5" name="Footer Placeholder 4"/>
+          <p:cNvPr id="4" name="Footer Placeholder 3"/>
           <p:cNvSpPr>
             <a:spLocks noGrp="1"/>
           </p:cNvSpPr>
@@ -2313,7 +2913,7 @@
       </p:sp>
       <p:sp>
         <p:nvSpPr>
-          <p:cNvPr id="6" name="Slide Number Placeholder 5"/>
+          <p:cNvPr id="5" name="Slide Number Placeholder 4"/>
           <p:cNvSpPr>
             <a:spLocks noGrp="1"/>
           </p:cNvSpPr>
@@ -2337,7 +2937,7 @@
     </p:spTree>
     <p:extLst>
       <p:ext uri="{BB962C8B-B14F-4D97-AF65-F5344CB8AC3E}">
-        <p14:creationId xmlns:p14="http://schemas.microsoft.com/office/powerpoint/2010/main" val="1188205372"/>
+        <p14:creationId xmlns:p14="http://schemas.microsoft.com/office/powerpoint/2010/main" val="1195341029"/>
       </p:ext>
     </p:extLst>
   </p:cSld>
@@ -2377,11 +2977,7 @@
         <p:spPr/>
         <p:txBody>
           <a:bodyPr/>
-          <a:lstStyle>
-            <a:lvl1pPr algn="l">
-              <a:defRPr/>
-            </a:lvl1pPr>
-          </a:lstStyle>
+          <a:lstStyle/>
           <a:p>
             <a:r>
               <a:rPr lang="en-US"/>
@@ -2401,9 +2997,14 @@
             <p:ph type="body" orient="vert" idx="1"/>
           </p:nvPr>
         </p:nvSpPr>
-        <p:spPr/>
-        <p:txBody>
-          <a:bodyPr vert="eaVert" anchor="t"/>
+        <p:spPr>
+          <a:xfrm>
+            <a:off x="685800" y="2194559"/>
+            <a:ext cx="10820400" cy="4024125"/>
+          </a:xfrm>
+        </p:spPr>
+        <p:txBody>
+          <a:bodyPr vert="eaVert"/>
           <a:lstStyle/>
           <a:p>
             <a:pPr lvl="0"/>
@@ -2511,7 +3112,7 @@
     </p:spTree>
     <p:extLst>
       <p:ext uri="{BB962C8B-B14F-4D97-AF65-F5344CB8AC3E}">
-        <p14:creationId xmlns:p14="http://schemas.microsoft.com/office/powerpoint/2010/main" val="2455717"/>
+        <p14:creationId xmlns:p14="http://schemas.microsoft.com/office/powerpoint/2010/main" val="1129812014"/>
       </p:ext>
     </p:extLst>
   </p:cSld>
@@ -2522,7 +3123,7 @@
 </file>
 
 <file path=ppt/slideLayouts/slideLayout17.xml><?xml version="1.0" encoding="utf-8"?>
-<p:sldLayout xmlns:a="http://schemas.openxmlformats.org/drawingml/2006/main" xmlns:r="http://schemas.openxmlformats.org/officeDocument/2006/relationships" xmlns:p="http://schemas.openxmlformats.org/presentationml/2006/main" type="vertTitleAndTx" preserve="1">
+<p:sldLayout xmlns:a="http://schemas.openxmlformats.org/drawingml/2006/main" xmlns:r="http://schemas.openxmlformats.org/officeDocument/2006/relationships" xmlns:p="http://schemas.openxmlformats.org/presentationml/2006/main" showMasterSp="0" type="vertTitleAndTx" preserve="1">
   <p:cSld name="Vertical Title and Text">
     <p:spTree>
       <p:nvGrpSpPr>
@@ -2538,6 +3139,36 @@
           <a:chExt cx="0" cy="0"/>
         </a:xfrm>
       </p:grpSpPr>
+      <p:pic>
+        <p:nvPicPr>
+          <p:cNvPr id="8" name="Picture 7" descr="C0-HD-BTM.png"/>
+          <p:cNvPicPr>
+            <a:picLocks noChangeAspect="1"/>
+          </p:cNvPicPr>
+          <p:nvPr/>
+        </p:nvPicPr>
+        <p:blipFill>
+          <a:blip r:embed="rId2">
+            <a:extLst>
+              <a:ext uri="{28A0092B-C50C-407E-A947-70E740481C1C}">
+                <a14:useLocalDpi xmlns:a14="http://schemas.microsoft.com/office/drawing/2010/main" val="0"/>
+              </a:ext>
+            </a:extLst>
+          </a:blip>
+          <a:stretch>
+            <a:fillRect/>
+          </a:stretch>
+        </p:blipFill>
+        <p:spPr>
+          <a:xfrm>
+            <a:off x="0" y="4375150"/>
+            <a:ext cx="12192000" cy="2482850"/>
+          </a:xfrm>
+          <a:prstGeom prst="rect">
+            <a:avLst/>
+          </a:prstGeom>
+        </p:spPr>
+      </p:pic>
       <p:sp>
         <p:nvSpPr>
           <p:cNvPr id="2" name="Vertical Title 1"/>
@@ -2550,13 +3181,17 @@
         </p:nvSpPr>
         <p:spPr>
           <a:xfrm>
-            <a:off x="8685212" y="685800"/>
-            <a:ext cx="2057400" cy="4572000"/>
+            <a:off x="9448800" y="745066"/>
+            <a:ext cx="2057400" cy="3903133"/>
           </a:xfrm>
         </p:spPr>
         <p:txBody>
           <a:bodyPr vert="eaVert"/>
-          <a:lstStyle/>
+          <a:lstStyle>
+            <a:lvl1pPr algn="l">
+              <a:defRPr/>
+            </a:lvl1pPr>
+          </a:lstStyle>
           <a:p>
             <a:r>
               <a:rPr lang="en-US"/>
@@ -2578,12 +3213,12 @@
         </p:nvSpPr>
         <p:spPr>
           <a:xfrm>
-            <a:off x="685800" y="685800"/>
-            <a:ext cx="7823200" cy="5308600"/>
-          </a:xfrm>
-        </p:spPr>
-        <p:txBody>
-          <a:bodyPr vert="eaVert" anchor="t"/>
+            <a:off x="1024466" y="745067"/>
+            <a:ext cx="8204201" cy="3903133"/>
+          </a:xfrm>
+        </p:spPr>
+        <p:txBody>
+          <a:bodyPr vert="eaVert"/>
           <a:lstStyle/>
           <a:p>
             <a:pPr lvl="0"/>
@@ -2633,10 +3268,19 @@
             <p:ph type="dt" sz="half" idx="10"/>
           </p:nvPr>
         </p:nvSpPr>
-        <p:spPr/>
-        <p:txBody>
-          <a:bodyPr/>
-          <a:lstStyle/>
+        <p:spPr>
+          <a:xfrm>
+            <a:off x="7814452" y="379941"/>
+            <a:ext cx="2910840" cy="365125"/>
+          </a:xfrm>
+        </p:spPr>
+        <p:txBody>
+          <a:bodyPr/>
+          <a:lstStyle>
+            <a:lvl1pPr algn="r">
+              <a:defRPr/>
+            </a:lvl1pPr>
+          </a:lstStyle>
           <a:p>
             <a:fld id="{ED305653-79B2-4B67-A041-B7A7EF8868A0}" type="datetimeFigureOut">
               <a:rPr lang="en-GB" smtClean="0"/>
@@ -2656,7 +3300,12 @@
             <p:ph type="ftr" sz="quarter" idx="11"/>
           </p:nvPr>
         </p:nvSpPr>
-        <p:spPr/>
+        <p:spPr>
+          <a:xfrm>
+            <a:off x="685800" y="381000"/>
+            <a:ext cx="6991492" cy="365125"/>
+          </a:xfrm>
+        </p:spPr>
         <p:txBody>
           <a:bodyPr/>
           <a:lstStyle/>
@@ -2675,7 +3324,12 @@
             <p:ph type="sldNum" sz="quarter" idx="12"/>
           </p:nvPr>
         </p:nvSpPr>
-        <p:spPr/>
+        <p:spPr>
+          <a:xfrm>
+            <a:off x="10862452" y="381000"/>
+            <a:ext cx="643748" cy="365125"/>
+          </a:xfrm>
+        </p:spPr>
         <p:txBody>
           <a:bodyPr/>
           <a:lstStyle/>
@@ -2691,7 +3345,7 @@
     </p:spTree>
     <p:extLst>
       <p:ext uri="{BB962C8B-B14F-4D97-AF65-F5344CB8AC3E}">
-        <p14:creationId xmlns:p14="http://schemas.microsoft.com/office/powerpoint/2010/main" val="1515640411"/>
+        <p14:creationId xmlns:p14="http://schemas.microsoft.com/office/powerpoint/2010/main" val="1951660329"/>
       </p:ext>
     </p:extLst>
   </p:cSld>
@@ -2753,7 +3407,7 @@
         </p:nvSpPr>
         <p:spPr/>
         <p:txBody>
-          <a:bodyPr anchor="ctr"/>
+          <a:bodyPr/>
           <a:lstStyle/>
           <a:p>
             <a:pPr lvl="0"/>
@@ -2861,7 +3515,7 @@
     </p:spTree>
     <p:extLst>
       <p:ext uri="{BB962C8B-B14F-4D97-AF65-F5344CB8AC3E}">
-        <p14:creationId xmlns:p14="http://schemas.microsoft.com/office/powerpoint/2010/main" val="1801346402"/>
+        <p14:creationId xmlns:p14="http://schemas.microsoft.com/office/powerpoint/2010/main" val="743952803"/>
       </p:ext>
     </p:extLst>
   </p:cSld>
@@ -2872,7 +3526,7 @@
 </file>
 
 <file path=ppt/slideLayouts/slideLayout3.xml><?xml version="1.0" encoding="utf-8"?>
-<p:sldLayout xmlns:a="http://schemas.openxmlformats.org/drawingml/2006/main" xmlns:r="http://schemas.openxmlformats.org/officeDocument/2006/relationships" xmlns:p="http://schemas.openxmlformats.org/presentationml/2006/main" type="secHead" preserve="1">
+<p:sldLayout xmlns:a="http://schemas.openxmlformats.org/drawingml/2006/main" xmlns:r="http://schemas.openxmlformats.org/officeDocument/2006/relationships" xmlns:p="http://schemas.openxmlformats.org/presentationml/2006/main" showMasterSp="0" type="secHead" preserve="1">
   <p:cSld name="Section Header">
     <p:spTree>
       <p:nvGrpSpPr>
@@ -2888,6 +3542,36 @@
           <a:chExt cx="0" cy="0"/>
         </a:xfrm>
       </p:grpSpPr>
+      <p:pic>
+        <p:nvPicPr>
+          <p:cNvPr id="9" name="Picture 8" descr="C0-HD-BTM.png"/>
+          <p:cNvPicPr>
+            <a:picLocks noChangeAspect="1"/>
+          </p:cNvPicPr>
+          <p:nvPr/>
+        </p:nvPicPr>
+        <p:blipFill>
+          <a:blip r:embed="rId2">
+            <a:extLst>
+              <a:ext uri="{28A0092B-C50C-407E-A947-70E740481C1C}">
+                <a14:useLocalDpi xmlns:a14="http://schemas.microsoft.com/office/drawing/2010/main" val="0"/>
+              </a:ext>
+            </a:extLst>
+          </a:blip>
+          <a:stretch>
+            <a:fillRect/>
+          </a:stretch>
+        </p:blipFill>
+        <p:spPr>
+          <a:xfrm>
+            <a:off x="0" y="4375150"/>
+            <a:ext cx="12192000" cy="2482850"/>
+          </a:xfrm>
+          <a:prstGeom prst="rect">
+            <a:avLst/>
+          </a:prstGeom>
+        </p:spPr>
+      </p:pic>
       <p:sp>
         <p:nvSpPr>
           <p:cNvPr id="2" name="Title 1"/>
@@ -2900,8 +3584,8 @@
         </p:nvSpPr>
         <p:spPr>
           <a:xfrm>
-            <a:off x="684211" y="2006600"/>
-            <a:ext cx="8534401" cy="2281600"/>
+            <a:off x="685800" y="753533"/>
+            <a:ext cx="10820399" cy="2801935"/>
           </a:xfrm>
         </p:spPr>
         <p:txBody>
@@ -2909,8 +3593,8 @@
             <a:normAutofit/>
           </a:bodyPr>
           <a:lstStyle>
-            <a:lvl1pPr algn="l">
-              <a:defRPr sz="3600" b="0" cap="all"/>
+            <a:lvl1pPr algn="r">
+              <a:defRPr sz="4000"/>
             </a:lvl1pPr>
           </a:lstStyle>
           <a:p>
@@ -2934,28 +3618,28 @@
         </p:nvSpPr>
         <p:spPr>
           <a:xfrm>
-            <a:off x="684213" y="4495800"/>
-            <a:ext cx="8534400" cy="1498600"/>
-          </a:xfrm>
-        </p:spPr>
-        <p:txBody>
-          <a:bodyPr anchor="t">
+            <a:off x="1024467" y="3641725"/>
+            <a:ext cx="10490200" cy="955675"/>
+          </a:xfrm>
+        </p:spPr>
+        <p:txBody>
+          <a:bodyPr>
             <a:normAutofit/>
           </a:bodyPr>
           <a:lstStyle>
-            <a:lvl1pPr marL="0" indent="0" algn="l">
-              <a:buNone/>
-              <a:defRPr sz="1800">
+            <a:lvl1pPr marL="0" indent="0" algn="r">
+              <a:buNone/>
+              <a:defRPr sz="2200">
                 <a:solidFill>
-                  <a:schemeClr val="bg2">
-                    <a:lumMod val="75000"/>
+                  <a:schemeClr val="tx1">
+                    <a:tint val="75000"/>
                   </a:schemeClr>
                 </a:solidFill>
               </a:defRPr>
             </a:lvl1pPr>
             <a:lvl2pPr marL="457200" indent="0">
               <a:buNone/>
-              <a:defRPr sz="1800">
+              <a:defRPr sz="2000">
                 <a:solidFill>
                   <a:schemeClr val="tx1">
                     <a:tint val="75000"/>
@@ -2965,7 +3649,7 @@
             </a:lvl2pPr>
             <a:lvl3pPr marL="914400" indent="0">
               <a:buNone/>
-              <a:defRPr sz="1600">
+              <a:defRPr sz="1800">
                 <a:solidFill>
                   <a:schemeClr val="tx1">
                     <a:tint val="75000"/>
@@ -2975,7 +3659,7 @@
             </a:lvl3pPr>
             <a:lvl4pPr marL="1371600" indent="0">
               <a:buNone/>
-              <a:defRPr sz="1400">
+              <a:defRPr sz="1600">
                 <a:solidFill>
                   <a:schemeClr val="tx1">
                     <a:tint val="75000"/>
@@ -2985,7 +3669,7 @@
             </a:lvl4pPr>
             <a:lvl5pPr marL="1828800" indent="0">
               <a:buNone/>
-              <a:defRPr sz="1400">
+              <a:defRPr sz="1600">
                 <a:solidFill>
                   <a:schemeClr val="tx1">
                     <a:tint val="75000"/>
@@ -2995,7 +3679,7 @@
             </a:lvl5pPr>
             <a:lvl6pPr marL="2286000" indent="0">
               <a:buNone/>
-              <a:defRPr sz="1400">
+              <a:defRPr sz="1600">
                 <a:solidFill>
                   <a:schemeClr val="tx1">
                     <a:tint val="75000"/>
@@ -3005,7 +3689,7 @@
             </a:lvl6pPr>
             <a:lvl7pPr marL="2743200" indent="0">
               <a:buNone/>
-              <a:defRPr sz="1400">
+              <a:defRPr sz="1600">
                 <a:solidFill>
                   <a:schemeClr val="tx1">
                     <a:tint val="75000"/>
@@ -3015,7 +3699,7 @@
             </a:lvl7pPr>
             <a:lvl8pPr marL="3200400" indent="0">
               <a:buNone/>
-              <a:defRPr sz="1400">
+              <a:defRPr sz="1600">
                 <a:solidFill>
                   <a:schemeClr val="tx1">
                     <a:tint val="75000"/>
@@ -3025,7 +3709,7 @@
             </a:lvl8pPr>
             <a:lvl9pPr marL="3657600" indent="0">
               <a:buNone/>
-              <a:defRPr sz="1400">
+              <a:defRPr sz="1600">
                 <a:solidFill>
                   <a:schemeClr val="tx1">
                     <a:tint val="75000"/>
@@ -3053,10 +3737,19 @@
             <p:ph type="dt" sz="half" idx="10"/>
           </p:nvPr>
         </p:nvSpPr>
-        <p:spPr/>
-        <p:txBody>
-          <a:bodyPr/>
-          <a:lstStyle/>
+        <p:spPr>
+          <a:xfrm>
+            <a:off x="7814452" y="381000"/>
+            <a:ext cx="2910840" cy="365125"/>
+          </a:xfrm>
+        </p:spPr>
+        <p:txBody>
+          <a:bodyPr/>
+          <a:lstStyle>
+            <a:lvl1pPr algn="r">
+              <a:defRPr/>
+            </a:lvl1pPr>
+          </a:lstStyle>
           <a:p>
             <a:fld id="{ED305653-79B2-4B67-A041-B7A7EF8868A0}" type="datetimeFigureOut">
               <a:rPr lang="en-GB" smtClean="0"/>
@@ -3076,7 +3769,12 @@
             <p:ph type="ftr" sz="quarter" idx="11"/>
           </p:nvPr>
         </p:nvSpPr>
-        <p:spPr/>
+        <p:spPr>
+          <a:xfrm>
+            <a:off x="685800" y="381001"/>
+            <a:ext cx="6991492" cy="364065"/>
+          </a:xfrm>
+        </p:spPr>
         <p:txBody>
           <a:bodyPr/>
           <a:lstStyle/>
@@ -3095,7 +3793,12 @@
             <p:ph type="sldNum" sz="quarter" idx="12"/>
           </p:nvPr>
         </p:nvSpPr>
-        <p:spPr/>
+        <p:spPr>
+          <a:xfrm>
+            <a:off x="10862452" y="381000"/>
+            <a:ext cx="643748" cy="365125"/>
+          </a:xfrm>
+        </p:spPr>
         <p:txBody>
           <a:bodyPr/>
           <a:lstStyle/>
@@ -3111,7 +3814,7 @@
     </p:spTree>
     <p:extLst>
       <p:ext uri="{BB962C8B-B14F-4D97-AF65-F5344CB8AC3E}">
-        <p14:creationId xmlns:p14="http://schemas.microsoft.com/office/powerpoint/2010/main" val="4155396505"/>
+        <p14:creationId xmlns:p14="http://schemas.microsoft.com/office/powerpoint/2010/main" val="4272272800"/>
       </p:ext>
     </p:extLst>
   </p:cSld>
@@ -3173,14 +3876,12 @@
         </p:nvSpPr>
         <p:spPr>
           <a:xfrm>
-            <a:off x="684211" y="685800"/>
-            <a:ext cx="4937655" cy="3615267"/>
-          </a:xfrm>
-        </p:spPr>
-        <p:txBody>
-          <a:bodyPr>
-            <a:normAutofit/>
-          </a:bodyPr>
+            <a:off x="685800" y="2194559"/>
+            <a:ext cx="5334000" cy="4024125"/>
+          </a:xfrm>
+        </p:spPr>
+        <p:txBody>
+          <a:bodyPr/>
           <a:lstStyle/>
           <a:p>
             <a:pPr lvl="0"/>
@@ -3232,14 +3933,12 @@
         </p:nvSpPr>
         <p:spPr>
           <a:xfrm>
-            <a:off x="5808133" y="685801"/>
-            <a:ext cx="4934479" cy="3615266"/>
-          </a:xfrm>
-        </p:spPr>
-        <p:txBody>
-          <a:bodyPr>
-            <a:normAutofit/>
-          </a:bodyPr>
+            <a:off x="6172200" y="2194559"/>
+            <a:ext cx="5334000" cy="4024125"/>
+          </a:xfrm>
+        </p:spPr>
+        <p:txBody>
+          <a:bodyPr/>
           <a:lstStyle/>
           <a:p>
             <a:pPr lvl="0"/>
@@ -3347,7 +4046,7 @@
     </p:spTree>
     <p:extLst>
       <p:ext uri="{BB962C8B-B14F-4D97-AF65-F5344CB8AC3E}">
-        <p14:creationId xmlns:p14="http://schemas.microsoft.com/office/powerpoint/2010/main" val="2609828355"/>
+        <p14:creationId xmlns:p14="http://schemas.microsoft.com/office/powerpoint/2010/main" val="2461448344"/>
       </p:ext>
     </p:extLst>
   </p:cSld>
@@ -3384,14 +4083,15 @@
             <p:ph type="title"/>
           </p:nvPr>
         </p:nvSpPr>
-        <p:spPr/>
-        <p:txBody>
-          <a:bodyPr/>
-          <a:lstStyle>
-            <a:lvl1pPr>
-              <a:defRPr/>
-            </a:lvl1pPr>
-          </a:lstStyle>
+        <p:spPr>
+          <a:xfrm>
+            <a:off x="2895600" y="762000"/>
+            <a:ext cx="8610600" cy="1295400"/>
+          </a:xfrm>
+        </p:spPr>
+        <p:txBody>
+          <a:bodyPr/>
+          <a:lstStyle/>
           <a:p>
             <a:r>
               <a:rPr lang="en-US"/>
@@ -3413,13 +4113,13 @@
         </p:nvSpPr>
         <p:spPr>
           <a:xfrm>
-            <a:off x="972080" y="685800"/>
-            <a:ext cx="4649787" cy="576262"/>
+            <a:off x="914409" y="2183802"/>
+            <a:ext cx="5079991" cy="823912"/>
           </a:xfrm>
         </p:spPr>
         <p:txBody>
           <a:bodyPr anchor="b">
-            <a:noAutofit/>
+            <a:normAutofit/>
           </a:bodyPr>
           <a:lstStyle>
             <a:lvl1pPr marL="0" indent="0">
@@ -3484,72 +4184,70 @@
         </p:nvSpPr>
         <p:spPr>
           <a:xfrm>
-            <a:off x="684211" y="1270529"/>
-            <a:ext cx="4937655" cy="3030538"/>
-          </a:xfrm>
-        </p:spPr>
-        <p:txBody>
-          <a:bodyPr anchor="t">
+            <a:off x="685800" y="3132666"/>
+            <a:ext cx="5311775" cy="3086019"/>
+          </a:xfrm>
+        </p:spPr>
+        <p:txBody>
+          <a:bodyPr/>
+          <a:lstStyle/>
+          <a:p>
+            <a:pPr lvl="0"/>
+            <a:r>
+              <a:rPr lang="en-US"/>
+              <a:t>Click to edit Master text styles</a:t>
+            </a:r>
+          </a:p>
+          <a:p>
+            <a:pPr lvl="1"/>
+            <a:r>
+              <a:rPr lang="en-US"/>
+              <a:t>Second level</a:t>
+            </a:r>
+          </a:p>
+          <a:p>
+            <a:pPr lvl="2"/>
+            <a:r>
+              <a:rPr lang="en-US"/>
+              <a:t>Third level</a:t>
+            </a:r>
+          </a:p>
+          <a:p>
+            <a:pPr lvl="3"/>
+            <a:r>
+              <a:rPr lang="en-US"/>
+              <a:t>Fourth level</a:t>
+            </a:r>
+          </a:p>
+          <a:p>
+            <a:pPr lvl="4"/>
+            <a:r>
+              <a:rPr lang="en-US"/>
+              <a:t>Fifth level</a:t>
+            </a:r>
+            <a:endParaRPr lang="en-US" dirty="0"/>
+          </a:p>
+        </p:txBody>
+      </p:sp>
+      <p:sp>
+        <p:nvSpPr>
+          <p:cNvPr id="5" name="Text Placeholder 4"/>
+          <p:cNvSpPr>
+            <a:spLocks noGrp="1"/>
+          </p:cNvSpPr>
+          <p:nvPr>
+            <p:ph type="body" sz="quarter" idx="3"/>
+          </p:nvPr>
+        </p:nvSpPr>
+        <p:spPr>
+          <a:xfrm>
+            <a:off x="6400800" y="2183802"/>
+            <a:ext cx="5105400" cy="823912"/>
+          </a:xfrm>
+        </p:spPr>
+        <p:txBody>
+          <a:bodyPr anchor="b">
             <a:normAutofit/>
-          </a:bodyPr>
-          <a:lstStyle/>
-          <a:p>
-            <a:pPr lvl="0"/>
-            <a:r>
-              <a:rPr lang="en-US"/>
-              <a:t>Click to edit Master text styles</a:t>
-            </a:r>
-          </a:p>
-          <a:p>
-            <a:pPr lvl="1"/>
-            <a:r>
-              <a:rPr lang="en-US"/>
-              <a:t>Second level</a:t>
-            </a:r>
-          </a:p>
-          <a:p>
-            <a:pPr lvl="2"/>
-            <a:r>
-              <a:rPr lang="en-US"/>
-              <a:t>Third level</a:t>
-            </a:r>
-          </a:p>
-          <a:p>
-            <a:pPr lvl="3"/>
-            <a:r>
-              <a:rPr lang="en-US"/>
-              <a:t>Fourth level</a:t>
-            </a:r>
-          </a:p>
-          <a:p>
-            <a:pPr lvl="4"/>
-            <a:r>
-              <a:rPr lang="en-US"/>
-              <a:t>Fifth level</a:t>
-            </a:r>
-            <a:endParaRPr lang="en-US" dirty="0"/>
-          </a:p>
-        </p:txBody>
-      </p:sp>
-      <p:sp>
-        <p:nvSpPr>
-          <p:cNvPr id="5" name="Text Placeholder 4"/>
-          <p:cNvSpPr>
-            <a:spLocks noGrp="1"/>
-          </p:cNvSpPr>
-          <p:nvPr>
-            <p:ph type="body" sz="quarter" idx="3"/>
-          </p:nvPr>
-        </p:nvSpPr>
-        <p:spPr>
-          <a:xfrm>
-            <a:off x="6079066" y="685800"/>
-            <a:ext cx="4665134" cy="576262"/>
-          </a:xfrm>
-        </p:spPr>
-        <p:txBody>
-          <a:bodyPr anchor="b">
-            <a:noAutofit/>
           </a:bodyPr>
           <a:lstStyle>
             <a:lvl1pPr marL="0" indent="0">
@@ -3614,14 +4312,12 @@
         </p:nvSpPr>
         <p:spPr>
           <a:xfrm>
-            <a:off x="5806545" y="1262062"/>
-            <a:ext cx="4929188" cy="3030538"/>
-          </a:xfrm>
-        </p:spPr>
-        <p:txBody>
-          <a:bodyPr anchor="t">
-            <a:normAutofit/>
-          </a:bodyPr>
+            <a:off x="6172200" y="3132666"/>
+            <a:ext cx="5334000" cy="3086019"/>
+          </a:xfrm>
+        </p:spPr>
+        <p:txBody>
+          <a:bodyPr/>
           <a:lstStyle/>
           <a:p>
             <a:pPr lvl="0"/>
@@ -3729,7 +4425,7 @@
     </p:spTree>
     <p:extLst>
       <p:ext uri="{BB962C8B-B14F-4D97-AF65-F5344CB8AC3E}">
-        <p14:creationId xmlns:p14="http://schemas.microsoft.com/office/powerpoint/2010/main" val="1253414481"/>
+        <p14:creationId xmlns:p14="http://schemas.microsoft.com/office/powerpoint/2010/main" val="484889097"/>
       </p:ext>
     </p:extLst>
   </p:cSld>
@@ -3847,7 +4543,7 @@
     </p:spTree>
     <p:extLst>
       <p:ext uri="{BB962C8B-B14F-4D97-AF65-F5344CB8AC3E}">
-        <p14:creationId xmlns:p14="http://schemas.microsoft.com/office/powerpoint/2010/main" val="3821399301"/>
+        <p14:creationId xmlns:p14="http://schemas.microsoft.com/office/powerpoint/2010/main" val="3433015364"/>
       </p:ext>
     </p:extLst>
   </p:cSld>
@@ -3942,7 +4638,7 @@
     </p:spTree>
     <p:extLst>
       <p:ext uri="{BB962C8B-B14F-4D97-AF65-F5344CB8AC3E}">
-        <p14:creationId xmlns:p14="http://schemas.microsoft.com/office/powerpoint/2010/main" val="1150007175"/>
+        <p14:creationId xmlns:p14="http://schemas.microsoft.com/office/powerpoint/2010/main" val="3877881715"/>
       </p:ext>
     </p:extLst>
   </p:cSld>
@@ -3981,17 +4677,15 @@
         </p:nvSpPr>
         <p:spPr>
           <a:xfrm>
-            <a:off x="7085012" y="685800"/>
-            <a:ext cx="3657600" cy="1371600"/>
-          </a:xfrm>
-        </p:spPr>
-        <p:txBody>
-          <a:bodyPr anchor="b">
-            <a:normAutofit/>
-          </a:bodyPr>
+            <a:off x="685800" y="1524000"/>
+            <a:ext cx="4114800" cy="1600200"/>
+          </a:xfrm>
+        </p:spPr>
+        <p:txBody>
+          <a:bodyPr anchor="b"/>
           <a:lstStyle>
             <a:lvl1pPr algn="l">
-              <a:defRPr sz="2400" b="0"/>
+              <a:defRPr sz="3200"/>
             </a:lvl1pPr>
           </a:lstStyle>
           <a:p>
@@ -4015,14 +4709,12 @@
         </p:nvSpPr>
         <p:spPr>
           <a:xfrm>
-            <a:off x="684212" y="685800"/>
-            <a:ext cx="5943601" cy="5308600"/>
-          </a:xfrm>
-        </p:spPr>
-        <p:txBody>
-          <a:bodyPr anchor="ctr">
-            <a:normAutofit/>
-          </a:bodyPr>
+            <a:off x="4995582" y="746759"/>
+            <a:ext cx="6510618" cy="5471925"/>
+          </a:xfrm>
+        </p:spPr>
+        <p:txBody>
+          <a:bodyPr anchor="ctr"/>
           <a:lstStyle/>
           <a:p>
             <a:pPr lvl="0"/>
@@ -4074,14 +4766,12 @@
         </p:nvSpPr>
         <p:spPr>
           <a:xfrm>
-            <a:off x="7085012" y="2209799"/>
-            <a:ext cx="3657600" cy="2091267"/>
-          </a:xfrm>
-        </p:spPr>
-        <p:txBody>
-          <a:bodyPr anchor="t">
-            <a:normAutofit/>
-          </a:bodyPr>
+            <a:off x="685800" y="3124199"/>
+            <a:ext cx="4114800" cy="3094485"/>
+          </a:xfrm>
+        </p:spPr>
+        <p:txBody>
+          <a:bodyPr/>
           <a:lstStyle>
             <a:lvl1pPr marL="0" indent="0">
               <a:buNone/>
@@ -4089,35 +4779,35 @@
             </a:lvl1pPr>
             <a:lvl2pPr marL="457200" indent="0">
               <a:buNone/>
-              <a:defRPr sz="1200"/>
+              <a:defRPr sz="1400"/>
             </a:lvl2pPr>
             <a:lvl3pPr marL="914400" indent="0">
               <a:buNone/>
-              <a:defRPr sz="1000"/>
+              <a:defRPr sz="1200"/>
             </a:lvl3pPr>
             <a:lvl4pPr marL="1371600" indent="0">
               <a:buNone/>
-              <a:defRPr sz="900"/>
+              <a:defRPr sz="1000"/>
             </a:lvl4pPr>
             <a:lvl5pPr marL="1828800" indent="0">
               <a:buNone/>
-              <a:defRPr sz="900"/>
+              <a:defRPr sz="1000"/>
             </a:lvl5pPr>
             <a:lvl6pPr marL="2286000" indent="0">
               <a:buNone/>
-              <a:defRPr sz="900"/>
+              <a:defRPr sz="1000"/>
             </a:lvl6pPr>
             <a:lvl7pPr marL="2743200" indent="0">
               <a:buNone/>
-              <a:defRPr sz="900"/>
+              <a:defRPr sz="1000"/>
             </a:lvl7pPr>
             <a:lvl8pPr marL="3200400" indent="0">
               <a:buNone/>
-              <a:defRPr sz="900"/>
+              <a:defRPr sz="1000"/>
             </a:lvl8pPr>
             <a:lvl9pPr marL="3657600" indent="0">
               <a:buNone/>
-              <a:defRPr sz="900"/>
+              <a:defRPr sz="1000"/>
             </a:lvl9pPr>
           </a:lstStyle>
           <a:p>
@@ -4197,7 +4887,7 @@
     </p:spTree>
     <p:extLst>
       <p:ext uri="{BB962C8B-B14F-4D97-AF65-F5344CB8AC3E}">
-        <p14:creationId xmlns:p14="http://schemas.microsoft.com/office/powerpoint/2010/main" val="3524343294"/>
+        <p14:creationId xmlns:p14="http://schemas.microsoft.com/office/powerpoint/2010/main" val="1657062905"/>
       </p:ext>
     </p:extLst>
   </p:cSld>
@@ -4236,17 +4926,15 @@
         </p:nvSpPr>
         <p:spPr>
           <a:xfrm>
-            <a:off x="4722812" y="1447800"/>
-            <a:ext cx="6019800" cy="1143000"/>
-          </a:xfrm>
-        </p:spPr>
-        <p:txBody>
-          <a:bodyPr anchor="b">
-            <a:normAutofit/>
-          </a:bodyPr>
+            <a:off x="685800" y="1524000"/>
+            <a:ext cx="6873240" cy="1600200"/>
+          </a:xfrm>
+        </p:spPr>
+        <p:txBody>
+          <a:bodyPr anchor="b"/>
           <a:lstStyle>
             <a:lvl1pPr algn="l">
-              <a:defRPr sz="2800" b="0"/>
+              <a:defRPr sz="3200"/>
             </a:lvl1pPr>
           </a:lstStyle>
           <a:p>
@@ -4260,7 +4948,7 @@
       </p:sp>
       <p:sp>
         <p:nvSpPr>
-          <p:cNvPr id="14" name="Picture Placeholder 2"/>
+          <p:cNvPr id="3" name="Picture Placeholder 2"/>
           <p:cNvSpPr>
             <a:spLocks noGrp="1" noChangeAspect="1"/>
           </p:cNvSpPr>
@@ -4270,137 +4958,113 @@
         </p:nvSpPr>
         <p:spPr>
           <a:xfrm>
-            <a:off x="989012" y="914400"/>
-            <a:ext cx="3280974" cy="4572000"/>
-          </a:xfrm>
-          <a:prstGeom prst="snip2DiagRect">
-            <a:avLst>
-              <a:gd name="adj1" fmla="val 10815"/>
-              <a:gd name="adj2" fmla="val 0"/>
-            </a:avLst>
-          </a:prstGeom>
-          <a:ln w="15875">
-            <a:solidFill>
-              <a:schemeClr val="tx1">
-                <a:alpha val="40000"/>
-              </a:schemeClr>
-            </a:solidFill>
-          </a:ln>
-          <a:effectLst>
-            <a:innerShdw blurRad="57150" dist="38100" dir="14460000">
-              <a:srgbClr val="000000">
-                <a:alpha val="70000"/>
-              </a:srgbClr>
-            </a:innerShdw>
-          </a:effectLst>
-        </p:spPr>
-        <p:txBody>
-          <a:bodyPr anchor="t">
-            <a:normAutofit/>
-          </a:bodyPr>
+            <a:off x="7861238" y="751241"/>
+            <a:ext cx="3644962" cy="5467443"/>
+          </a:xfrm>
+        </p:spPr>
+        <p:txBody>
+          <a:bodyPr anchor="t"/>
           <a:lstStyle>
-            <a:lvl1pPr marL="0" indent="0" algn="ctr">
+            <a:lvl1pPr marL="0" indent="0">
+              <a:buNone/>
+              <a:defRPr sz="3200"/>
+            </a:lvl1pPr>
+            <a:lvl2pPr marL="457200" indent="0">
+              <a:buNone/>
+              <a:defRPr sz="2800"/>
+            </a:lvl2pPr>
+            <a:lvl3pPr marL="914400" indent="0">
+              <a:buNone/>
+              <a:defRPr sz="2400"/>
+            </a:lvl3pPr>
+            <a:lvl4pPr marL="1371600" indent="0">
+              <a:buNone/>
+              <a:defRPr sz="2000"/>
+            </a:lvl4pPr>
+            <a:lvl5pPr marL="1828800" indent="0">
+              <a:buNone/>
+              <a:defRPr sz="2000"/>
+            </a:lvl5pPr>
+            <a:lvl6pPr marL="2286000" indent="0">
+              <a:buNone/>
+              <a:defRPr sz="2000"/>
+            </a:lvl6pPr>
+            <a:lvl7pPr marL="2743200" indent="0">
+              <a:buNone/>
+              <a:defRPr sz="2000"/>
+            </a:lvl7pPr>
+            <a:lvl8pPr marL="3200400" indent="0">
+              <a:buNone/>
+              <a:defRPr sz="2000"/>
+            </a:lvl8pPr>
+            <a:lvl9pPr marL="3657600" indent="0">
+              <a:buNone/>
+              <a:defRPr sz="2000"/>
+            </a:lvl9pPr>
+          </a:lstStyle>
+          <a:p>
+            <a:r>
+              <a:rPr lang="en-US"/>
+              <a:t>Click icon to add picture</a:t>
+            </a:r>
+            <a:endParaRPr lang="en-US" dirty="0"/>
+          </a:p>
+        </p:txBody>
+      </p:sp>
+      <p:sp>
+        <p:nvSpPr>
+          <p:cNvPr id="4" name="Text Placeholder 3"/>
+          <p:cNvSpPr>
+            <a:spLocks noGrp="1"/>
+          </p:cNvSpPr>
+          <p:nvPr>
+            <p:ph type="body" sz="half" idx="2"/>
+          </p:nvPr>
+        </p:nvSpPr>
+        <p:spPr>
+          <a:xfrm>
+            <a:off x="685800" y="3124199"/>
+            <a:ext cx="6873240" cy="3094485"/>
+          </a:xfrm>
+        </p:spPr>
+        <p:txBody>
+          <a:bodyPr/>
+          <a:lstStyle>
+            <a:lvl1pPr marL="0" indent="0">
               <a:buNone/>
               <a:defRPr sz="1600"/>
             </a:lvl1pPr>
             <a:lvl2pPr marL="457200" indent="0">
               <a:buNone/>
-              <a:defRPr sz="1600"/>
+              <a:defRPr sz="1400"/>
             </a:lvl2pPr>
             <a:lvl3pPr marL="914400" indent="0">
               <a:buNone/>
-              <a:defRPr sz="1600"/>
+              <a:defRPr sz="1200"/>
             </a:lvl3pPr>
             <a:lvl4pPr marL="1371600" indent="0">
               <a:buNone/>
-              <a:defRPr sz="1600"/>
+              <a:defRPr sz="1000"/>
             </a:lvl4pPr>
             <a:lvl5pPr marL="1828800" indent="0">
               <a:buNone/>
-              <a:defRPr sz="1600"/>
+              <a:defRPr sz="1000"/>
             </a:lvl5pPr>
             <a:lvl6pPr marL="2286000" indent="0">
               <a:buNone/>
-              <a:defRPr sz="1600"/>
+              <a:defRPr sz="1000"/>
             </a:lvl6pPr>
             <a:lvl7pPr marL="2743200" indent="0">
               <a:buNone/>
-              <a:defRPr sz="1600"/>
+              <a:defRPr sz="1000"/>
             </a:lvl7pPr>
             <a:lvl8pPr marL="3200400" indent="0">
               <a:buNone/>
-              <a:defRPr sz="1600"/>
+              <a:defRPr sz="1000"/>
             </a:lvl8pPr>
             <a:lvl9pPr marL="3657600" indent="0">
               <a:buNone/>
-              <a:defRPr sz="1600"/>
-            </a:lvl9pPr>
-          </a:lstStyle>
-          <a:p>
-            <a:r>
-              <a:rPr lang="en-US"/>
-              <a:t>Click icon to add picture</a:t>
-            </a:r>
-            <a:endParaRPr lang="en-US" dirty="0"/>
-          </a:p>
-        </p:txBody>
-      </p:sp>
-      <p:sp>
-        <p:nvSpPr>
-          <p:cNvPr id="4" name="Text Placeholder 3"/>
-          <p:cNvSpPr>
-            <a:spLocks noGrp="1"/>
-          </p:cNvSpPr>
-          <p:nvPr>
-            <p:ph type="body" sz="half" idx="2"/>
-          </p:nvPr>
-        </p:nvSpPr>
-        <p:spPr>
-          <a:xfrm>
-            <a:off x="4722812" y="2777066"/>
-            <a:ext cx="6021388" cy="2048933"/>
-          </a:xfrm>
-        </p:spPr>
-        <p:txBody>
-          <a:bodyPr anchor="t">
-            <a:normAutofit/>
-          </a:bodyPr>
-          <a:lstStyle>
-            <a:lvl1pPr marL="0" indent="0">
-              <a:buNone/>
-              <a:defRPr sz="1800"/>
-            </a:lvl1pPr>
-            <a:lvl2pPr marL="457200" indent="0">
-              <a:buNone/>
-              <a:defRPr sz="1200"/>
-            </a:lvl2pPr>
-            <a:lvl3pPr marL="914400" indent="0">
-              <a:buNone/>
               <a:defRPr sz="1000"/>
-            </a:lvl3pPr>
-            <a:lvl4pPr marL="1371600" indent="0">
-              <a:buNone/>
-              <a:defRPr sz="900"/>
-            </a:lvl4pPr>
-            <a:lvl5pPr marL="1828800" indent="0">
-              <a:buNone/>
-              <a:defRPr sz="900"/>
-            </a:lvl5pPr>
-            <a:lvl6pPr marL="2286000" indent="0">
-              <a:buNone/>
-              <a:defRPr sz="900"/>
-            </a:lvl6pPr>
-            <a:lvl7pPr marL="2743200" indent="0">
-              <a:buNone/>
-              <a:defRPr sz="900"/>
-            </a:lvl7pPr>
-            <a:lvl8pPr marL="3200400" indent="0">
-              <a:buNone/>
-              <a:defRPr sz="900"/>
-            </a:lvl8pPr>
-            <a:lvl9pPr marL="3657600" indent="0">
-              <a:buNone/>
-              <a:defRPr sz="900"/>
             </a:lvl9pPr>
           </a:lstStyle>
           <a:p>
@@ -4480,7 +5144,7 @@
     </p:spTree>
     <p:extLst>
       <p:ext uri="{BB962C8B-B14F-4D97-AF65-F5344CB8AC3E}">
-        <p14:creationId xmlns:p14="http://schemas.microsoft.com/office/powerpoint/2010/main" val="3591223455"/>
+        <p14:creationId xmlns:p14="http://schemas.microsoft.com/office/powerpoint/2010/main" val="1559430991"/>
       </p:ext>
     </p:extLst>
   </p:cSld>
@@ -4494,8 +5158,8 @@
 <p:sldMaster xmlns:a="http://schemas.openxmlformats.org/drawingml/2006/main" xmlns:r="http://schemas.openxmlformats.org/officeDocument/2006/relationships" xmlns:p="http://schemas.openxmlformats.org/presentationml/2006/main">
   <p:cSld>
     <p:bg>
-      <p:bgRef idx="1002">
-        <a:schemeClr val="bg2"/>
+      <p:bgRef idx="1001">
+        <a:schemeClr val="bg1"/>
       </p:bgRef>
     </p:bg>
     <p:spTree>
@@ -4512,215 +5176,54 @@
           <a:chExt cx="0" cy="0"/>
         </a:xfrm>
       </p:grpSpPr>
-      <p:grpSp>
-        <p:nvGrpSpPr>
-          <p:cNvPr id="7" name="Group 6"/>
-          <p:cNvGrpSpPr/>
+      <p:pic>
+        <p:nvPicPr>
+          <p:cNvPr id="7" name="Picture 6" descr="C0-HD-TOP.png"/>
+          <p:cNvPicPr>
+            <a:picLocks noChangeAspect="1"/>
+          </p:cNvPicPr>
           <p:nvPr/>
-        </p:nvGrpSpPr>
-        <p:grpSpPr>
-          <a:xfrm>
-            <a:off x="9206969" y="2963333"/>
-            <a:ext cx="2981858" cy="3208867"/>
-            <a:chOff x="9206969" y="2963333"/>
-            <a:chExt cx="2981858" cy="3208867"/>
-          </a:xfrm>
-        </p:grpSpPr>
-        <p:cxnSp>
-          <p:nvCxnSpPr>
-            <p:cNvPr id="8" name="Straight Connector 7"/>
-            <p:cNvCxnSpPr/>
-            <p:nvPr/>
-          </p:nvCxnSpPr>
-          <p:spPr>
-            <a:xfrm flipH="1">
-              <a:off x="11276012" y="2963333"/>
-              <a:ext cx="912814" cy="912812"/>
-            </a:xfrm>
-            <a:prstGeom prst="line">
-              <a:avLst/>
-            </a:prstGeom>
-            <a:ln w="9525">
-              <a:solidFill>
-                <a:schemeClr val="tx1"/>
-              </a:solidFill>
-            </a:ln>
-          </p:spPr>
-          <p:style>
-            <a:lnRef idx="2">
-              <a:schemeClr val="accent1"/>
-            </a:lnRef>
-            <a:fillRef idx="0">
-              <a:schemeClr val="accent1"/>
-            </a:fillRef>
-            <a:effectRef idx="1">
-              <a:schemeClr val="accent1"/>
-            </a:effectRef>
-            <a:fontRef idx="minor">
-              <a:schemeClr val="tx1"/>
-            </a:fontRef>
-          </p:style>
-        </p:cxnSp>
-        <p:cxnSp>
-          <p:nvCxnSpPr>
-            <p:cNvPr id="9" name="Straight Connector 8"/>
-            <p:cNvCxnSpPr/>
-            <p:nvPr/>
-          </p:nvCxnSpPr>
-          <p:spPr>
-            <a:xfrm flipH="1">
-              <a:off x="9206969" y="3190344"/>
-              <a:ext cx="2981857" cy="2981856"/>
-            </a:xfrm>
-            <a:prstGeom prst="line">
-              <a:avLst/>
-            </a:prstGeom>
-            <a:ln w="9525">
-              <a:solidFill>
-                <a:schemeClr val="tx1"/>
-              </a:solidFill>
-            </a:ln>
-          </p:spPr>
-          <p:style>
-            <a:lnRef idx="2">
-              <a:schemeClr val="accent1"/>
-            </a:lnRef>
-            <a:fillRef idx="0">
-              <a:schemeClr val="accent1"/>
-            </a:fillRef>
-            <a:effectRef idx="1">
-              <a:schemeClr val="accent1"/>
-            </a:effectRef>
-            <a:fontRef idx="minor">
-              <a:schemeClr val="tx1"/>
-            </a:fontRef>
-          </p:style>
-        </p:cxnSp>
-        <p:cxnSp>
-          <p:nvCxnSpPr>
-            <p:cNvPr id="10" name="Straight Connector 9"/>
-            <p:cNvCxnSpPr/>
-            <p:nvPr/>
-          </p:nvCxnSpPr>
-          <p:spPr>
-            <a:xfrm flipH="1">
-              <a:off x="10292292" y="3285067"/>
-              <a:ext cx="1896534" cy="1896533"/>
-            </a:xfrm>
-            <a:prstGeom prst="line">
-              <a:avLst/>
-            </a:prstGeom>
-            <a:ln w="9525">
-              <a:solidFill>
-                <a:schemeClr val="tx1"/>
-              </a:solidFill>
-            </a:ln>
-          </p:spPr>
-          <p:style>
-            <a:lnRef idx="2">
-              <a:schemeClr val="accent1"/>
-            </a:lnRef>
-            <a:fillRef idx="0">
-              <a:schemeClr val="accent1"/>
-            </a:fillRef>
-            <a:effectRef idx="1">
-              <a:schemeClr val="accent1"/>
-            </a:effectRef>
-            <a:fontRef idx="minor">
-              <a:schemeClr val="tx1"/>
-            </a:fontRef>
-          </p:style>
-        </p:cxnSp>
-        <p:cxnSp>
-          <p:nvCxnSpPr>
-            <p:cNvPr id="11" name="Straight Connector 10"/>
-            <p:cNvCxnSpPr/>
-            <p:nvPr/>
-          </p:nvCxnSpPr>
-          <p:spPr>
-            <a:xfrm flipH="1">
-              <a:off x="10443103" y="3131080"/>
-              <a:ext cx="1745722" cy="1745720"/>
-            </a:xfrm>
-            <a:prstGeom prst="line">
-              <a:avLst/>
-            </a:prstGeom>
-            <a:ln w="28575">
-              <a:solidFill>
-                <a:schemeClr val="tx1"/>
-              </a:solidFill>
-            </a:ln>
-          </p:spPr>
-          <p:style>
-            <a:lnRef idx="2">
-              <a:schemeClr val="accent1"/>
-            </a:lnRef>
-            <a:fillRef idx="0">
-              <a:schemeClr val="accent1"/>
-            </a:fillRef>
-            <a:effectRef idx="1">
-              <a:schemeClr val="accent1"/>
-            </a:effectRef>
-            <a:fontRef idx="minor">
-              <a:schemeClr val="tx1"/>
-            </a:fontRef>
-          </p:style>
-        </p:cxnSp>
-        <p:cxnSp>
-          <p:nvCxnSpPr>
-            <p:cNvPr id="12" name="Straight Connector 11"/>
-            <p:cNvCxnSpPr/>
-            <p:nvPr/>
-          </p:nvCxnSpPr>
-          <p:spPr>
-            <a:xfrm flipH="1">
-              <a:off x="10918826" y="3683001"/>
-              <a:ext cx="1270001" cy="1269999"/>
-            </a:xfrm>
-            <a:prstGeom prst="line">
-              <a:avLst/>
-            </a:prstGeom>
-            <a:ln w="28575">
-              <a:solidFill>
-                <a:schemeClr val="tx1"/>
-              </a:solidFill>
-            </a:ln>
-          </p:spPr>
-          <p:style>
-            <a:lnRef idx="2">
-              <a:schemeClr val="accent1"/>
-            </a:lnRef>
-            <a:fillRef idx="0">
-              <a:schemeClr val="accent1"/>
-            </a:fillRef>
-            <a:effectRef idx="1">
-              <a:schemeClr val="accent1"/>
-            </a:effectRef>
-            <a:fontRef idx="minor">
-              <a:schemeClr val="tx1"/>
-            </a:fontRef>
-          </p:style>
-        </p:cxnSp>
-      </p:grpSp>
-      <p:sp>
-        <p:nvSpPr>
-          <p:cNvPr id="2" name="Title Placeholder 1"/>
-          <p:cNvSpPr>
-            <a:spLocks noGrp="1"/>
-          </p:cNvSpPr>
-          <p:nvPr>
-            <p:ph type="title"/>
-          </p:nvPr>
-        </p:nvSpPr>
-        <p:spPr>
-          <a:xfrm>
-            <a:off x="684212" y="4487332"/>
-            <a:ext cx="8534400" cy="1507067"/>
+        </p:nvPicPr>
+        <p:blipFill>
+          <a:blip r:embed="rId19">
+            <a:extLst>
+              <a:ext uri="{28A0092B-C50C-407E-A947-70E740481C1C}">
+                <a14:useLocalDpi xmlns:a14="http://schemas.microsoft.com/office/drawing/2010/main" val="0"/>
+              </a:ext>
+            </a:extLst>
+          </a:blip>
+          <a:stretch>
+            <a:fillRect/>
+          </a:stretch>
+        </p:blipFill>
+        <p:spPr>
+          <a:xfrm>
+            <a:off x="0" y="0"/>
+            <a:ext cx="12192000" cy="1441450"/>
           </a:xfrm>
           <a:prstGeom prst="rect">
             <a:avLst/>
           </a:prstGeom>
-          <a:effectLst/>
+        </p:spPr>
+      </p:pic>
+      <p:sp>
+        <p:nvSpPr>
+          <p:cNvPr id="2" name="Title Placeholder 1"/>
+          <p:cNvSpPr>
+            <a:spLocks noGrp="1"/>
+          </p:cNvSpPr>
+          <p:nvPr>
+            <p:ph type="title"/>
+          </p:nvPr>
+        </p:nvSpPr>
+        <p:spPr>
+          <a:xfrm>
+            <a:off x="2895600" y="764373"/>
+            <a:ext cx="8610600" cy="1293028"/>
+          </a:xfrm>
+          <a:prstGeom prst="rect">
+            <a:avLst/>
+          </a:prstGeom>
         </p:spPr>
         <p:txBody>
           <a:bodyPr vert="horz" lIns="91440" tIns="45720" rIns="91440" bIns="45720" rtlCol="0" anchor="ctr">
@@ -4748,15 +5251,15 @@
         </p:nvSpPr>
         <p:spPr>
           <a:xfrm>
-            <a:off x="684212" y="685800"/>
-            <a:ext cx="8534400" cy="3615267"/>
+            <a:off x="685800" y="2194560"/>
+            <a:ext cx="10820400" cy="4024125"/>
           </a:xfrm>
           <a:prstGeom prst="rect">
             <a:avLst/>
           </a:prstGeom>
         </p:spPr>
         <p:txBody>
-          <a:bodyPr vert="horz" lIns="91440" tIns="45720" rIns="91440" bIns="45720" rtlCol="0" anchor="ctr">
+          <a:bodyPr vert="horz" lIns="91440" tIns="45720" rIns="91440" bIns="45720" rtlCol="0">
             <a:normAutofit/>
           </a:bodyPr>
           <a:lstStyle/>
@@ -4810,25 +5313,23 @@
         </p:nvSpPr>
         <p:spPr>
           <a:xfrm>
-            <a:off x="9904412" y="6172200"/>
-            <a:ext cx="1600200" cy="365125"/>
+            <a:off x="8595360" y="6356350"/>
+            <a:ext cx="2910840" cy="365125"/>
           </a:xfrm>
           <a:prstGeom prst="rect">
             <a:avLst/>
           </a:prstGeom>
         </p:spPr>
         <p:txBody>
-          <a:bodyPr vert="horz" lIns="91440" tIns="45720" rIns="91440" bIns="45720" rtlCol="0" anchor="t"/>
+          <a:bodyPr vert="horz" lIns="91440" tIns="45720" rIns="91440" bIns="45720" rtlCol="0" anchor="ctr"/>
           <a:lstStyle>
             <a:lvl1pPr algn="r">
-              <a:defRPr sz="1000" b="0" i="0">
+              <a:defRPr sz="1050">
                 <a:solidFill>
-                  <a:schemeClr val="bg2">
-                    <a:lumMod val="50000"/>
+                  <a:schemeClr val="tx1">
+                    <a:tint val="75000"/>
                   </a:schemeClr>
                 </a:solidFill>
-                <a:effectLst/>
-                <a:latin typeface="+mn-lt"/>
               </a:defRPr>
             </a:lvl1pPr>
           </a:lstStyle>
@@ -4853,25 +5354,23 @@
         </p:nvSpPr>
         <p:spPr>
           <a:xfrm>
-            <a:off x="684212" y="6172200"/>
-            <a:ext cx="7543800" cy="365125"/>
+            <a:off x="685800" y="6355845"/>
+            <a:ext cx="7772400" cy="365125"/>
           </a:xfrm>
           <a:prstGeom prst="rect">
             <a:avLst/>
           </a:prstGeom>
         </p:spPr>
         <p:txBody>
-          <a:bodyPr vert="horz" lIns="91440" tIns="45720" rIns="91440" bIns="45720" rtlCol="0" anchor="t"/>
+          <a:bodyPr vert="horz" lIns="91440" tIns="45720" rIns="91440" bIns="45720" rtlCol="0" anchor="ctr"/>
           <a:lstStyle>
             <a:lvl1pPr algn="l">
-              <a:defRPr sz="1000" b="0" i="0">
+              <a:defRPr sz="1050">
                 <a:solidFill>
-                  <a:schemeClr val="bg2">
-                    <a:lumMod val="50000"/>
+                  <a:schemeClr val="tx1">
+                    <a:tint val="75000"/>
                   </a:schemeClr>
                 </a:solidFill>
-                <a:effectLst/>
-                <a:latin typeface="+mn-lt"/>
               </a:defRPr>
             </a:lvl1pPr>
           </a:lstStyle>
@@ -4892,25 +5391,23 @@
         </p:nvSpPr>
         <p:spPr>
           <a:xfrm>
-            <a:off x="10363200" y="5578475"/>
-            <a:ext cx="1142245" cy="669925"/>
+            <a:off x="8763000" y="381000"/>
+            <a:ext cx="2743200" cy="365125"/>
           </a:xfrm>
           <a:prstGeom prst="rect">
             <a:avLst/>
           </a:prstGeom>
         </p:spPr>
         <p:txBody>
-          <a:bodyPr vert="horz" lIns="91440" tIns="45720" rIns="91440" bIns="45720" rtlCol="0" anchor="b"/>
+          <a:bodyPr vert="horz" lIns="91440" tIns="45720" rIns="91440" bIns="45720" rtlCol="0" anchor="ctr"/>
           <a:lstStyle>
             <a:lvl1pPr algn="r">
-              <a:defRPr sz="3200" b="0" i="0">
+              <a:defRPr sz="1050">
                 <a:solidFill>
-                  <a:schemeClr val="bg2">
-                    <a:lumMod val="50000"/>
+                  <a:schemeClr val="tx1">
+                    <a:tint val="75000"/>
                   </a:schemeClr>
                 </a:solidFill>
-                <a:effectLst/>
-                <a:latin typeface="+mn-lt"/>
               </a:defRPr>
             </a:lvl1pPr>
           </a:lstStyle>
@@ -4926,328 +5423,208 @@
     </p:spTree>
     <p:extLst>
       <p:ext uri="{BB962C8B-B14F-4D97-AF65-F5344CB8AC3E}">
-        <p14:creationId xmlns:p14="http://schemas.microsoft.com/office/powerpoint/2010/main" val="3786057980"/>
+        <p14:creationId xmlns:p14="http://schemas.microsoft.com/office/powerpoint/2010/main" val="212090718"/>
       </p:ext>
     </p:extLst>
   </p:cSld>
   <p:clrMap bg1="dk1" tx1="lt1" bg2="dk2" tx2="lt2" accent1="accent1" accent2="accent2" accent3="accent3" accent4="accent4" accent5="accent5" accent6="accent6" hlink="hlink" folHlink="folHlink"/>
   <p:sldLayoutIdLst>
-    <p:sldLayoutId id="2147483661" r:id="rId1"/>
-    <p:sldLayoutId id="2147483662" r:id="rId2"/>
-    <p:sldLayoutId id="2147483663" r:id="rId3"/>
-    <p:sldLayoutId id="2147483664" r:id="rId4"/>
-    <p:sldLayoutId id="2147483665" r:id="rId5"/>
-    <p:sldLayoutId id="2147483666" r:id="rId6"/>
-    <p:sldLayoutId id="2147483667" r:id="rId7"/>
-    <p:sldLayoutId id="2147483668" r:id="rId8"/>
-    <p:sldLayoutId id="2147483669" r:id="rId9"/>
-    <p:sldLayoutId id="2147483670" r:id="rId10"/>
-    <p:sldLayoutId id="2147483671" r:id="rId11"/>
-    <p:sldLayoutId id="2147483672" r:id="rId12"/>
-    <p:sldLayoutId id="2147483673" r:id="rId13"/>
-    <p:sldLayoutId id="2147483674" r:id="rId14"/>
-    <p:sldLayoutId id="2147483675" r:id="rId15"/>
-    <p:sldLayoutId id="2147483676" r:id="rId16"/>
-    <p:sldLayoutId id="2147483677" r:id="rId17"/>
+    <p:sldLayoutId id="2147483679" r:id="rId1"/>
+    <p:sldLayoutId id="2147483680" r:id="rId2"/>
+    <p:sldLayoutId id="2147483681" r:id="rId3"/>
+    <p:sldLayoutId id="2147483682" r:id="rId4"/>
+    <p:sldLayoutId id="2147483683" r:id="rId5"/>
+    <p:sldLayoutId id="2147483684" r:id="rId6"/>
+    <p:sldLayoutId id="2147483685" r:id="rId7"/>
+    <p:sldLayoutId id="2147483686" r:id="rId8"/>
+    <p:sldLayoutId id="2147483687" r:id="rId9"/>
+    <p:sldLayoutId id="2147483688" r:id="rId10"/>
+    <p:sldLayoutId id="2147483689" r:id="rId11"/>
+    <p:sldLayoutId id="2147483690" r:id="rId12"/>
+    <p:sldLayoutId id="2147483691" r:id="rId13"/>
+    <p:sldLayoutId id="2147483692" r:id="rId14"/>
+    <p:sldLayoutId id="2147483693" r:id="rId15"/>
+    <p:sldLayoutId id="2147483694" r:id="rId16"/>
+    <p:sldLayoutId id="2147483695" r:id="rId17"/>
   </p:sldLayoutIdLst>
   <p:txStyles>
     <p:titleStyle>
-      <a:lvl1pPr algn="l" defTabSz="457200" rtl="0" eaLnBrk="1" latinLnBrk="0" hangingPunct="1">
+      <a:lvl1pPr algn="r" defTabSz="914400" rtl="0" eaLnBrk="1" latinLnBrk="0" hangingPunct="1">
+        <a:lnSpc>
+          <a:spcPct val="90000"/>
+        </a:lnSpc>
         <a:spcBef>
           <a:spcPct val="0"/>
         </a:spcBef>
         <a:buNone/>
-        <a:defRPr sz="3600" kern="1200" cap="all">
-          <a:ln w="3175" cmpd="sng">
-            <a:noFill/>
-          </a:ln>
+        <a:defRPr sz="4000" kern="1200" cap="all" baseline="0">
           <a:solidFill>
             <a:schemeClr val="tx1"/>
           </a:solidFill>
-          <a:effectLst/>
           <a:latin typeface="+mj-lt"/>
           <a:ea typeface="+mj-ea"/>
           <a:cs typeface="+mj-cs"/>
         </a:defRPr>
       </a:lvl1pPr>
-      <a:lvl2pPr eaLnBrk="1" hangingPunct="1">
-        <a:defRPr>
-          <a:solidFill>
-            <a:schemeClr val="tx2"/>
-          </a:solidFill>
-        </a:defRPr>
-      </a:lvl2pPr>
-      <a:lvl3pPr eaLnBrk="1" hangingPunct="1">
-        <a:defRPr>
-          <a:solidFill>
-            <a:schemeClr val="tx2"/>
-          </a:solidFill>
-        </a:defRPr>
-      </a:lvl3pPr>
-      <a:lvl4pPr eaLnBrk="1" hangingPunct="1">
-        <a:defRPr>
-          <a:solidFill>
-            <a:schemeClr val="tx2"/>
-          </a:solidFill>
-        </a:defRPr>
-      </a:lvl4pPr>
-      <a:lvl5pPr eaLnBrk="1" hangingPunct="1">
-        <a:defRPr>
-          <a:solidFill>
-            <a:schemeClr val="tx2"/>
-          </a:solidFill>
-        </a:defRPr>
-      </a:lvl5pPr>
-      <a:lvl6pPr eaLnBrk="1" hangingPunct="1">
-        <a:defRPr>
-          <a:solidFill>
-            <a:schemeClr val="tx2"/>
-          </a:solidFill>
-        </a:defRPr>
-      </a:lvl6pPr>
-      <a:lvl7pPr eaLnBrk="1" hangingPunct="1">
-        <a:defRPr>
-          <a:solidFill>
-            <a:schemeClr val="tx2"/>
-          </a:solidFill>
-        </a:defRPr>
-      </a:lvl7pPr>
-      <a:lvl8pPr eaLnBrk="1" hangingPunct="1">
-        <a:defRPr>
-          <a:solidFill>
-            <a:schemeClr val="tx2"/>
-          </a:solidFill>
-        </a:defRPr>
-      </a:lvl8pPr>
-      <a:lvl9pPr eaLnBrk="1" hangingPunct="1">
-        <a:defRPr>
-          <a:solidFill>
-            <a:schemeClr val="tx2"/>
-          </a:solidFill>
-        </a:defRPr>
-      </a:lvl9pPr>
     </p:titleStyle>
     <p:bodyStyle>
-      <a:lvl1pPr marL="285750" indent="-285750" algn="l" defTabSz="457200" rtl="0" eaLnBrk="1" latinLnBrk="0" hangingPunct="1">
+      <a:lvl1pPr marL="228600" indent="-228600" algn="l" defTabSz="914400" rtl="0" eaLnBrk="1" latinLnBrk="0" hangingPunct="1">
+        <a:lnSpc>
+          <a:spcPct val="90000"/>
+        </a:lnSpc>
         <a:spcBef>
-          <a:spcPct val="20000"/>
+          <a:spcPts val="1000"/>
         </a:spcBef>
-        <a:spcAft>
-          <a:spcPts val="600"/>
-        </a:spcAft>
-        <a:buClr>
-          <a:schemeClr val="tx1"/>
-        </a:buClr>
-        <a:buSzPct val="80000"/>
-        <a:buFont typeface="Wingdings 3" panose="05040102010807070707" pitchFamily="18" charset="2"/>
-        <a:buChar char=""/>
-        <a:defRPr sz="2000" kern="1200" cap="none">
+        <a:buFont typeface="Arial" panose="020B0604020202020204" pitchFamily="34" charset="0"/>
+        <a:buChar char="•"/>
+        <a:defRPr sz="2200" kern="1200">
           <a:solidFill>
-            <a:schemeClr val="bg2">
-              <a:lumMod val="75000"/>
-            </a:schemeClr>
+            <a:schemeClr val="tx1"/>
           </a:solidFill>
-          <a:effectLst/>
           <a:latin typeface="+mn-lt"/>
           <a:ea typeface="+mn-ea"/>
           <a:cs typeface="+mn-cs"/>
         </a:defRPr>
       </a:lvl1pPr>
-      <a:lvl2pPr marL="742950" indent="-285750" algn="l" defTabSz="457200" rtl="0" eaLnBrk="1" latinLnBrk="0" hangingPunct="1">
+      <a:lvl2pPr marL="685800" indent="-228600" algn="l" defTabSz="914400" rtl="0" eaLnBrk="1" latinLnBrk="0" hangingPunct="1">
+        <a:lnSpc>
+          <a:spcPct val="90000"/>
+        </a:lnSpc>
         <a:spcBef>
-          <a:spcPct val="20000"/>
+          <a:spcPts val="500"/>
         </a:spcBef>
-        <a:spcAft>
-          <a:spcPts val="600"/>
-        </a:spcAft>
-        <a:buClr>
-          <a:schemeClr val="tx1"/>
-        </a:buClr>
-        <a:buSzPct val="80000"/>
-        <a:buFont typeface="Wingdings 3" panose="05040102010807070707" pitchFamily="18" charset="2"/>
-        <a:buChar char=""/>
-        <a:defRPr sz="1800" kern="1200" cap="none">
+        <a:buFont typeface="Arial" panose="020B0604020202020204" pitchFamily="34" charset="0"/>
+        <a:buChar char="•"/>
+        <a:defRPr sz="2000" kern="1200">
           <a:solidFill>
-            <a:schemeClr val="bg2">
-              <a:lumMod val="75000"/>
-            </a:schemeClr>
+            <a:schemeClr val="tx1"/>
           </a:solidFill>
-          <a:effectLst/>
           <a:latin typeface="+mn-lt"/>
           <a:ea typeface="+mn-ea"/>
           <a:cs typeface="+mn-cs"/>
         </a:defRPr>
       </a:lvl2pPr>
-      <a:lvl3pPr marL="1200150" indent="-285750" algn="l" defTabSz="457200" rtl="0" eaLnBrk="1" latinLnBrk="0" hangingPunct="1">
+      <a:lvl3pPr marL="1143000" indent="-228600" algn="l" defTabSz="914400" rtl="0" eaLnBrk="1" latinLnBrk="0" hangingPunct="1">
+        <a:lnSpc>
+          <a:spcPct val="90000"/>
+        </a:lnSpc>
         <a:spcBef>
-          <a:spcPct val="20000"/>
+          <a:spcPts val="500"/>
         </a:spcBef>
-        <a:spcAft>
-          <a:spcPts val="600"/>
-        </a:spcAft>
-        <a:buClr>
-          <a:schemeClr val="tx1"/>
-        </a:buClr>
-        <a:buSzPct val="80000"/>
-        <a:buFont typeface="Wingdings 3" panose="05040102010807070707" pitchFamily="18" charset="2"/>
-        <a:buChar char=""/>
-        <a:defRPr sz="1600" kern="1200" cap="none">
+        <a:buFont typeface="Arial" panose="020B0604020202020204" pitchFamily="34" charset="0"/>
+        <a:buChar char="•"/>
+        <a:defRPr sz="1800" kern="1200">
           <a:solidFill>
-            <a:schemeClr val="bg2">
-              <a:lumMod val="75000"/>
-            </a:schemeClr>
+            <a:schemeClr val="tx1"/>
           </a:solidFill>
-          <a:effectLst/>
           <a:latin typeface="+mn-lt"/>
           <a:ea typeface="+mn-ea"/>
           <a:cs typeface="+mn-cs"/>
         </a:defRPr>
       </a:lvl3pPr>
-      <a:lvl4pPr marL="1543050" indent="-171450" algn="l" defTabSz="457200" rtl="0" eaLnBrk="1" latinLnBrk="0" hangingPunct="1">
+      <a:lvl4pPr marL="1600200" indent="-228600" algn="l" defTabSz="914400" rtl="0" eaLnBrk="1" latinLnBrk="0" hangingPunct="1">
+        <a:lnSpc>
+          <a:spcPct val="90000"/>
+        </a:lnSpc>
         <a:spcBef>
-          <a:spcPct val="20000"/>
+          <a:spcPts val="500"/>
         </a:spcBef>
-        <a:spcAft>
-          <a:spcPts val="600"/>
-        </a:spcAft>
-        <a:buClr>
-          <a:schemeClr val="tx1"/>
-        </a:buClr>
-        <a:buSzPct val="80000"/>
-        <a:buFont typeface="Wingdings 3" panose="05040102010807070707" pitchFamily="18" charset="2"/>
-        <a:buChar char=""/>
-        <a:defRPr sz="1400" kern="1200" cap="none">
+        <a:buFont typeface="Arial" panose="020B0604020202020204" pitchFamily="34" charset="0"/>
+        <a:buChar char="•"/>
+        <a:defRPr sz="1600" kern="1200">
           <a:solidFill>
-            <a:schemeClr val="bg2">
-              <a:lumMod val="75000"/>
-            </a:schemeClr>
+            <a:schemeClr val="tx1"/>
           </a:solidFill>
-          <a:effectLst/>
           <a:latin typeface="+mn-lt"/>
           <a:ea typeface="+mn-ea"/>
           <a:cs typeface="+mn-cs"/>
         </a:defRPr>
       </a:lvl4pPr>
-      <a:lvl5pPr marL="2000250" indent="-171450" algn="l" defTabSz="457200" rtl="0" eaLnBrk="1" latinLnBrk="0" hangingPunct="1">
+      <a:lvl5pPr marL="2057400" indent="-228600" algn="l" defTabSz="914400" rtl="0" eaLnBrk="1" latinLnBrk="0" hangingPunct="1">
+        <a:lnSpc>
+          <a:spcPct val="90000"/>
+        </a:lnSpc>
         <a:spcBef>
-          <a:spcPct val="20000"/>
+          <a:spcPts val="500"/>
         </a:spcBef>
-        <a:spcAft>
-          <a:spcPts val="600"/>
-        </a:spcAft>
-        <a:buClr>
-          <a:schemeClr val="tx1"/>
-        </a:buClr>
-        <a:buSzPct val="80000"/>
-        <a:buFont typeface="Wingdings 3" panose="05040102010807070707" pitchFamily="18" charset="2"/>
-        <a:buChar char=""/>
-        <a:defRPr sz="1400" kern="1200" cap="none">
+        <a:buFont typeface="Arial" panose="020B0604020202020204" pitchFamily="34" charset="0"/>
+        <a:buChar char="•"/>
+        <a:defRPr sz="1600" kern="1200">
           <a:solidFill>
-            <a:schemeClr val="bg2">
-              <a:lumMod val="75000"/>
-            </a:schemeClr>
+            <a:schemeClr val="tx1"/>
           </a:solidFill>
-          <a:effectLst/>
           <a:latin typeface="+mn-lt"/>
           <a:ea typeface="+mn-ea"/>
           <a:cs typeface="+mn-cs"/>
         </a:defRPr>
       </a:lvl5pPr>
-      <a:lvl6pPr marL="2514600" indent="-228600" algn="l" defTabSz="457200" rtl="0" eaLnBrk="1" latinLnBrk="0" hangingPunct="1">
+      <a:lvl6pPr marL="2514600" indent="-228600" algn="l" defTabSz="914400" rtl="0" eaLnBrk="1" latinLnBrk="0" hangingPunct="1">
+        <a:lnSpc>
+          <a:spcPct val="90000"/>
+        </a:lnSpc>
         <a:spcBef>
-          <a:spcPct val="20000"/>
+          <a:spcPts val="500"/>
         </a:spcBef>
-        <a:spcAft>
-          <a:spcPts val="600"/>
-        </a:spcAft>
-        <a:buClr>
-          <a:schemeClr val="tx1"/>
-        </a:buClr>
-        <a:buSzPct val="80000"/>
-        <a:buFont typeface="Wingdings 3" panose="05040102010807070707" pitchFamily="18" charset="2"/>
-        <a:buChar char=""/>
-        <a:defRPr sz="1400" kern="1200" cap="none">
+        <a:buFont typeface="Arial" panose="020B0604020202020204" pitchFamily="34" charset="0"/>
+        <a:buChar char="•"/>
+        <a:defRPr sz="1600" kern="1200">
           <a:solidFill>
-            <a:schemeClr val="bg2">
-              <a:lumMod val="75000"/>
-            </a:schemeClr>
+            <a:schemeClr val="tx1"/>
           </a:solidFill>
-          <a:effectLst/>
           <a:latin typeface="+mn-lt"/>
           <a:ea typeface="+mn-ea"/>
           <a:cs typeface="+mn-cs"/>
         </a:defRPr>
       </a:lvl6pPr>
-      <a:lvl7pPr marL="2971800" indent="-228600" algn="l" defTabSz="457200" rtl="0" eaLnBrk="1" latinLnBrk="0" hangingPunct="1">
+      <a:lvl7pPr marL="2971800" indent="-228600" algn="l" defTabSz="914400" rtl="0" eaLnBrk="1" latinLnBrk="0" hangingPunct="1">
+        <a:lnSpc>
+          <a:spcPct val="90000"/>
+        </a:lnSpc>
         <a:spcBef>
-          <a:spcPct val="20000"/>
+          <a:spcPts val="500"/>
         </a:spcBef>
-        <a:spcAft>
-          <a:spcPts val="600"/>
-        </a:spcAft>
-        <a:buClr>
-          <a:schemeClr val="tx1"/>
-        </a:buClr>
-        <a:buSzPct val="80000"/>
-        <a:buFont typeface="Wingdings 3" panose="05040102010807070707" pitchFamily="18" charset="2"/>
-        <a:buChar char=""/>
-        <a:defRPr sz="1400" kern="1200" cap="none">
+        <a:buFont typeface="Arial" panose="020B0604020202020204" pitchFamily="34" charset="0"/>
+        <a:buChar char="•"/>
+        <a:defRPr sz="1600" kern="1200">
           <a:solidFill>
-            <a:schemeClr val="bg2">
-              <a:lumMod val="75000"/>
-            </a:schemeClr>
+            <a:schemeClr val="tx1"/>
           </a:solidFill>
-          <a:effectLst/>
           <a:latin typeface="+mn-lt"/>
           <a:ea typeface="+mn-ea"/>
           <a:cs typeface="+mn-cs"/>
         </a:defRPr>
       </a:lvl7pPr>
-      <a:lvl8pPr marL="3429000" indent="-228600" algn="l" defTabSz="457200" rtl="0" eaLnBrk="1" latinLnBrk="0" hangingPunct="1">
+      <a:lvl8pPr marL="3429000" indent="-228600" algn="l" defTabSz="914400" rtl="0" eaLnBrk="1" latinLnBrk="0" hangingPunct="1">
+        <a:lnSpc>
+          <a:spcPct val="90000"/>
+        </a:lnSpc>
         <a:spcBef>
-          <a:spcPct val="20000"/>
+          <a:spcPts val="500"/>
         </a:spcBef>
-        <a:spcAft>
-          <a:spcPts val="600"/>
-        </a:spcAft>
-        <a:buClr>
-          <a:schemeClr val="tx1"/>
-        </a:buClr>
-        <a:buSzPct val="80000"/>
-        <a:buFont typeface="Wingdings 3" panose="05040102010807070707" pitchFamily="18" charset="2"/>
-        <a:buChar char=""/>
-        <a:defRPr sz="1400" kern="1200" cap="none">
+        <a:buFont typeface="Arial" panose="020B0604020202020204" pitchFamily="34" charset="0"/>
+        <a:buChar char="•"/>
+        <a:defRPr sz="1600" kern="1200">
           <a:solidFill>
-            <a:schemeClr val="bg2">
-              <a:lumMod val="75000"/>
-            </a:schemeClr>
+            <a:schemeClr val="tx1"/>
           </a:solidFill>
-          <a:effectLst/>
           <a:latin typeface="+mn-lt"/>
           <a:ea typeface="+mn-ea"/>
           <a:cs typeface="+mn-cs"/>
         </a:defRPr>
       </a:lvl8pPr>
-      <a:lvl9pPr marL="3886200" indent="-228600" algn="l" defTabSz="457200" rtl="0" eaLnBrk="1" latinLnBrk="0" hangingPunct="1">
+      <a:lvl9pPr marL="3886200" indent="-228600" algn="l" defTabSz="914400" rtl="0" eaLnBrk="1" latinLnBrk="0" hangingPunct="1">
+        <a:lnSpc>
+          <a:spcPct val="90000"/>
+        </a:lnSpc>
         <a:spcBef>
-          <a:spcPct val="20000"/>
+          <a:spcPts val="500"/>
         </a:spcBef>
-        <a:spcAft>
-          <a:spcPts val="600"/>
-        </a:spcAft>
-        <a:buClr>
-          <a:schemeClr val="tx1"/>
-        </a:buClr>
-        <a:buSzPct val="80000"/>
-        <a:buFont typeface="Wingdings 3" panose="05040102010807070707" pitchFamily="18" charset="2"/>
-        <a:buChar char=""/>
-        <a:defRPr sz="1400" kern="1200" cap="none">
+        <a:buFont typeface="Arial" panose="020B0604020202020204" pitchFamily="34" charset="0"/>
+        <a:buChar char="•"/>
+        <a:defRPr sz="1600" kern="1200">
           <a:solidFill>
-            <a:schemeClr val="bg2">
-              <a:lumMod val="75000"/>
-            </a:schemeClr>
+            <a:schemeClr val="tx1"/>
           </a:solidFill>
-          <a:effectLst/>
           <a:latin typeface="+mn-lt"/>
           <a:ea typeface="+mn-ea"/>
           <a:cs typeface="+mn-cs"/>
@@ -5258,7 +5635,7 @@
       <a:defPPr>
         <a:defRPr lang="en-US"/>
       </a:defPPr>
-      <a:lvl1pPr marL="0" algn="l" defTabSz="457200" rtl="0" eaLnBrk="1" latinLnBrk="0" hangingPunct="1">
+      <a:lvl1pPr marL="0" algn="l" defTabSz="914400" rtl="0" eaLnBrk="1" latinLnBrk="0" hangingPunct="1">
         <a:defRPr sz="1800" kern="1200">
           <a:solidFill>
             <a:schemeClr val="tx1"/>
@@ -5268,7 +5645,7 @@
           <a:cs typeface="+mn-cs"/>
         </a:defRPr>
       </a:lvl1pPr>
-      <a:lvl2pPr marL="457200" algn="l" defTabSz="457200" rtl="0" eaLnBrk="1" latinLnBrk="0" hangingPunct="1">
+      <a:lvl2pPr marL="457200" algn="l" defTabSz="914400" rtl="0" eaLnBrk="1" latinLnBrk="0" hangingPunct="1">
         <a:defRPr sz="1800" kern="1200">
           <a:solidFill>
             <a:schemeClr val="tx1"/>
@@ -5278,7 +5655,7 @@
           <a:cs typeface="+mn-cs"/>
         </a:defRPr>
       </a:lvl2pPr>
-      <a:lvl3pPr marL="914400" algn="l" defTabSz="457200" rtl="0" eaLnBrk="1" latinLnBrk="0" hangingPunct="1">
+      <a:lvl3pPr marL="914400" algn="l" defTabSz="914400" rtl="0" eaLnBrk="1" latinLnBrk="0" hangingPunct="1">
         <a:defRPr sz="1800" kern="1200">
           <a:solidFill>
             <a:schemeClr val="tx1"/>
@@ -5288,7 +5665,7 @@
           <a:cs typeface="+mn-cs"/>
         </a:defRPr>
       </a:lvl3pPr>
-      <a:lvl4pPr marL="1371600" algn="l" defTabSz="457200" rtl="0" eaLnBrk="1" latinLnBrk="0" hangingPunct="1">
+      <a:lvl4pPr marL="1371600" algn="l" defTabSz="914400" rtl="0" eaLnBrk="1" latinLnBrk="0" hangingPunct="1">
         <a:defRPr sz="1800" kern="1200">
           <a:solidFill>
             <a:schemeClr val="tx1"/>
@@ -5298,7 +5675,7 @@
           <a:cs typeface="+mn-cs"/>
         </a:defRPr>
       </a:lvl4pPr>
-      <a:lvl5pPr marL="1828800" algn="l" defTabSz="457200" rtl="0" eaLnBrk="1" latinLnBrk="0" hangingPunct="1">
+      <a:lvl5pPr marL="1828800" algn="l" defTabSz="914400" rtl="0" eaLnBrk="1" latinLnBrk="0" hangingPunct="1">
         <a:defRPr sz="1800" kern="1200">
           <a:solidFill>
             <a:schemeClr val="tx1"/>
@@ -5308,7 +5685,7 @@
           <a:cs typeface="+mn-cs"/>
         </a:defRPr>
       </a:lvl5pPr>
-      <a:lvl6pPr marL="2286000" algn="l" defTabSz="457200" rtl="0" eaLnBrk="1" latinLnBrk="0" hangingPunct="1">
+      <a:lvl6pPr marL="2286000" algn="l" defTabSz="914400" rtl="0" eaLnBrk="1" latinLnBrk="0" hangingPunct="1">
         <a:defRPr sz="1800" kern="1200">
           <a:solidFill>
             <a:schemeClr val="tx1"/>
@@ -5318,7 +5695,7 @@
           <a:cs typeface="+mn-cs"/>
         </a:defRPr>
       </a:lvl6pPr>
-      <a:lvl7pPr marL="2743200" algn="l" defTabSz="457200" rtl="0" eaLnBrk="1" latinLnBrk="0" hangingPunct="1">
+      <a:lvl7pPr marL="2743200" algn="l" defTabSz="914400" rtl="0" eaLnBrk="1" latinLnBrk="0" hangingPunct="1">
         <a:defRPr sz="1800" kern="1200">
           <a:solidFill>
             <a:schemeClr val="tx1"/>
@@ -5328,7 +5705,7 @@
           <a:cs typeface="+mn-cs"/>
         </a:defRPr>
       </a:lvl7pPr>
-      <a:lvl8pPr marL="3200400" algn="l" defTabSz="457200" rtl="0" eaLnBrk="1" latinLnBrk="0" hangingPunct="1">
+      <a:lvl8pPr marL="3200400" algn="l" defTabSz="914400" rtl="0" eaLnBrk="1" latinLnBrk="0" hangingPunct="1">
         <a:defRPr sz="1800" kern="1200">
           <a:solidFill>
             <a:schemeClr val="tx1"/>
@@ -5338,7 +5715,7 @@
           <a:cs typeface="+mn-cs"/>
         </a:defRPr>
       </a:lvl8pPr>
-      <a:lvl9pPr marL="3657600" algn="l" defTabSz="457200" rtl="0" eaLnBrk="1" latinLnBrk="0" hangingPunct="1">
+      <a:lvl9pPr marL="3657600" algn="l" defTabSz="914400" rtl="0" eaLnBrk="1" latinLnBrk="0" hangingPunct="1">
         <a:defRPr sz="1800" kern="1200">
           <a:solidFill>
             <a:schemeClr val="tx1"/>
@@ -5852,6 +6229,10 @@
           <a:bodyPr/>
           <a:lstStyle/>
           <a:p>
+            <a:r>
+              <a:rPr lang="en-US" dirty="0"/>
+              <a:t>Front-end details</a:t>
+            </a:r>
             <a:endParaRPr lang="en-NL" dirty="0"/>
           </a:p>
         </p:txBody>
@@ -5917,11 +6298,7 @@
             </a:pPr>
             <a:r>
               <a:rPr lang="en-US" dirty="0"/>
-              <a:t>Make data transfer possible by declaring source and </a:t>
-            </a:r>
-            <a:r>
-              <a:rPr lang="en-US"/>
-              <a:t>target containers</a:t>
+              <a:t>Make data transfer possible by declaring source and target containers</a:t>
             </a:r>
             <a:endParaRPr lang="en-NL" dirty="0"/>
           </a:p>
@@ -5941,9 +6318,9 @@
 </file>
 
 <file path=ppt/theme/theme1.xml><?xml version="1.0" encoding="utf-8"?>
-<a:theme xmlns:a="http://schemas.openxmlformats.org/drawingml/2006/main" name="Slice">
+<a:theme xmlns:a="http://schemas.openxmlformats.org/drawingml/2006/main" name="Vapor Trail">
   <a:themeElements>
-    <a:clrScheme name="Slice">
+    <a:clrScheme name="Vapor Trail">
       <a:dk1>
         <a:sysClr val="windowText" lastClr="000000"/>
       </a:dk1>
@@ -5951,48 +6328,83 @@
         <a:sysClr val="window" lastClr="FFFFFF"/>
       </a:lt1>
       <a:dk2>
-        <a:srgbClr val="146194"/>
+        <a:srgbClr val="454545"/>
       </a:dk2>
       <a:lt2>
-        <a:srgbClr val="76DBF4"/>
+        <a:srgbClr val="DADADA"/>
       </a:lt2>
       <a:accent1>
-        <a:srgbClr val="052F61"/>
+        <a:srgbClr val="DF2E28"/>
       </a:accent1>
       <a:accent2>
-        <a:srgbClr val="A50E82"/>
+        <a:srgbClr val="FE801A"/>
       </a:accent2>
       <a:accent3>
-        <a:srgbClr val="14967C"/>
+        <a:srgbClr val="E9BF35"/>
       </a:accent3>
       <a:accent4>
-        <a:srgbClr val="6A9E1F"/>
+        <a:srgbClr val="81BB42"/>
       </a:accent4>
       <a:accent5>
-        <a:srgbClr val="E87D37"/>
+        <a:srgbClr val="32C7A9"/>
       </a:accent5>
       <a:accent6>
-        <a:srgbClr val="C62324"/>
+        <a:srgbClr val="4A9BDC"/>
       </a:accent6>
       <a:hlink>
-        <a:srgbClr val="0D2E46"/>
+        <a:srgbClr val="F0532B"/>
       </a:hlink>
       <a:folHlink>
-        <a:srgbClr val="356A95"/>
+        <a:srgbClr val="F38B53"/>
       </a:folHlink>
     </a:clrScheme>
-    <a:fontScheme name="Slice">
+    <a:fontScheme name="Vapor Trail">
       <a:majorFont>
         <a:latin typeface="Century Gothic" panose="020B0502020202020204"/>
         <a:ea typeface=""/>
         <a:cs typeface=""/>
-        <a:font script="Jpan" typeface="メイリオ"/>
-        <a:font script="Hang" typeface="HY중고딕"/>
-        <a:font script="Hans" typeface="幼圆"/>
-        <a:font script="Hant" typeface="微軟正黑體"/>
-        <a:font script="Arab" typeface="Tahoma"/>
-        <a:font script="Hebr" typeface="Gisha"/>
-        <a:font script="Thai" typeface="DilleniaUPC"/>
+        <a:font script="Jpan" typeface="ＭＳ Ｐゴシック"/>
+        <a:font script="Hang" typeface="맑은 고딕"/>
+        <a:font script="Hans" typeface="宋体"/>
+        <a:font script="Hant" typeface="新細明體"/>
+        <a:font script="Arab" typeface="Times New Roman"/>
+        <a:font script="Hebr" typeface="Times New Roman"/>
+        <a:font script="Thai" typeface="Angsana New"/>
+        <a:font script="Ethi" typeface="Nyala"/>
+        <a:font script="Beng" typeface="Vrinda"/>
+        <a:font script="Gujr" typeface="Shruti"/>
+        <a:font script="Khmr" typeface="MoolBoran"/>
+        <a:font script="Knda" typeface="Tunga"/>
+        <a:font script="Guru" typeface="Raavi"/>
+        <a:font script="Cans" typeface="Euphemia"/>
+        <a:font script="Cher" typeface="Plantagenet Cherokee"/>
+        <a:font script="Yiii" typeface="Microsoft Yi Baiti"/>
+        <a:font script="Tibt" typeface="Microsoft Himalaya"/>
+        <a:font script="Thaa" typeface="MV Boli"/>
+        <a:font script="Deva" typeface="Mangal"/>
+        <a:font script="Telu" typeface="Gautami"/>
+        <a:font script="Taml" typeface="Latha"/>
+        <a:font script="Syrc" typeface="Estrangelo Edessa"/>
+        <a:font script="Orya" typeface="Kalinga"/>
+        <a:font script="Mlym" typeface="Kartika"/>
+        <a:font script="Laoo" typeface="DokChampa"/>
+        <a:font script="Sinh" typeface="Iskoola Pota"/>
+        <a:font script="Mong" typeface="Mongolian Baiti"/>
+        <a:font script="Viet" typeface="Times New Roman"/>
+        <a:font script="Uigh" typeface="Microsoft Uighur"/>
+        <a:font script="Geor" typeface="Sylfaen"/>
+      </a:majorFont>
+      <a:minorFont>
+        <a:latin typeface="Century Gothic" panose="020B0502020202020204"/>
+        <a:ea typeface=""/>
+        <a:cs typeface=""/>
+        <a:font script="Jpan" typeface="ＭＳ Ｐゴシック"/>
+        <a:font script="Hang" typeface="맑은 고딕"/>
+        <a:font script="Hans" typeface="宋体"/>
+        <a:font script="Hant" typeface="新細明體"/>
+        <a:font script="Arab" typeface="Arial"/>
+        <a:font script="Hebr" typeface="Arial"/>
+        <a:font script="Thai" typeface="Cordia New"/>
         <a:font script="Ethi" typeface="Nyala"/>
         <a:font script="Beng" typeface="Vrinda"/>
         <a:font script="Gujr" typeface="Shruti"/>
@@ -6013,47 +6425,12 @@
         <a:font script="Laoo" typeface="DokChampa"/>
         <a:font script="Sinh" typeface="Iskoola Pota"/>
         <a:font script="Mong" typeface="Mongolian Baiti"/>
-        <a:font script="Viet" typeface="Tahoma"/>
-        <a:font script="Uigh" typeface="Microsoft Uighur"/>
-        <a:font script="Geor" typeface="Sylfaen"/>
-      </a:majorFont>
-      <a:minorFont>
-        <a:latin typeface="Century Gothic" panose="020B0502020202020204"/>
-        <a:ea typeface=""/>
-        <a:cs typeface=""/>
-        <a:font script="Jpan" typeface="メイリオ"/>
-        <a:font script="Hang" typeface="HY중고딕"/>
-        <a:font script="Hans" typeface="幼圆"/>
-        <a:font script="Hant" typeface="微軟正黑體"/>
-        <a:font script="Arab" typeface="Tahoma"/>
-        <a:font script="Hebr" typeface="Gisha"/>
-        <a:font script="Thai" typeface="DilleniaUPC"/>
-        <a:font script="Ethi" typeface="Nyala"/>
-        <a:font script="Beng" typeface="Vrinda"/>
-        <a:font script="Gujr" typeface="Shruti"/>
-        <a:font script="Khmr" typeface="DaunPenh"/>
-        <a:font script="Knda" typeface="Tunga"/>
-        <a:font script="Guru" typeface="Raavi"/>
-        <a:font script="Cans" typeface="Euphemia"/>
-        <a:font script="Cher" typeface="Plantagenet Cherokee"/>
-        <a:font script="Yiii" typeface="Microsoft Yi Baiti"/>
-        <a:font script="Tibt" typeface="Microsoft Himalaya"/>
-        <a:font script="Thaa" typeface="MV Boli"/>
-        <a:font script="Deva" typeface="Mangal"/>
-        <a:font script="Telu" typeface="Gautami"/>
-        <a:font script="Taml" typeface="Latha"/>
-        <a:font script="Syrc" typeface="Estrangelo Edessa"/>
-        <a:font script="Orya" typeface="Kalinga"/>
-        <a:font script="Mlym" typeface="Kartika"/>
-        <a:font script="Laoo" typeface="DokChampa"/>
-        <a:font script="Sinh" typeface="Iskoola Pota"/>
-        <a:font script="Mong" typeface="Mongolian Baiti"/>
-        <a:font script="Viet" typeface="Tahoma"/>
+        <a:font script="Viet" typeface="Arial"/>
         <a:font script="Uigh" typeface="Microsoft Uighur"/>
         <a:font script="Geor" typeface="Sylfaen"/>
       </a:minorFont>
     </a:fontScheme>
-    <a:fmtScheme name="Slice">
+    <a:fmtScheme name="Vapor Trail">
       <a:fillStyleLst>
         <a:solidFill>
           <a:schemeClr val="phClr"/>
@@ -6062,16 +6439,24 @@
           <a:gsLst>
             <a:gs pos="0">
               <a:schemeClr val="phClr">
-                <a:tint val="62000"/>
-                <a:hueMod val="94000"/>
-                <a:satMod val="140000"/>
+                <a:tint val="69000"/>
+                <a:alpha val="100000"/>
+                <a:satMod val="109000"/>
                 <a:lumMod val="110000"/>
+              </a:schemeClr>
+            </a:gs>
+            <a:gs pos="52000">
+              <a:schemeClr val="phClr">
+                <a:tint val="74000"/>
+                <a:satMod val="100000"/>
+                <a:lumMod val="104000"/>
               </a:schemeClr>
             </a:gs>
             <a:gs pos="100000">
               <a:schemeClr val="phClr">
-                <a:tint val="84000"/>
-                <a:satMod val="160000"/>
+                <a:tint val="78000"/>
+                <a:satMod val="100000"/>
+                <a:lumMod val="100000"/>
               </a:schemeClr>
             </a:gs>
           </a:gsLst>
@@ -6081,16 +6466,16 @@
           <a:gsLst>
             <a:gs pos="0">
               <a:schemeClr val="phClr">
-                <a:tint val="98000"/>
-                <a:hueMod val="94000"/>
-                <a:satMod val="130000"/>
-                <a:lumMod val="128000"/>
+                <a:tint val="96000"/>
+                <a:satMod val="100000"/>
+                <a:lumMod val="104000"/>
               </a:schemeClr>
             </a:gs>
-            <a:gs pos="100000">
+            <a:gs pos="78000">
               <a:schemeClr val="phClr">
-                <a:shade val="94000"/>
-                <a:lumMod val="88000"/>
+                <a:shade val="100000"/>
+                <a:satMod val="110000"/>
+                <a:lumMod val="100000"/>
               </a:schemeClr>
             </a:gs>
           </a:gsLst>
@@ -6098,25 +6483,19 @@
         </a:gradFill>
       </a:fillStyleLst>
       <a:lnStyleLst>
-        <a:ln w="9525" cap="rnd" cmpd="sng" algn="ctr">
+        <a:ln w="9525" cap="flat" cmpd="sng" algn="ctr">
           <a:solidFill>
-            <a:schemeClr val="phClr">
-              <a:tint val="76000"/>
-              <a:alpha val="60000"/>
-              <a:hueMod val="94000"/>
-            </a:schemeClr>
+            <a:schemeClr val="phClr"/>
           </a:solidFill>
           <a:prstDash val="solid"/>
         </a:ln>
-        <a:ln w="15875" cap="rnd" cmpd="sng" algn="ctr">
+        <a:ln w="12700" cap="flat" cmpd="sng" algn="ctr">
           <a:solidFill>
-            <a:schemeClr val="phClr">
-              <a:hueMod val="94000"/>
-            </a:schemeClr>
+            <a:schemeClr val="phClr"/>
           </a:solidFill>
           <a:prstDash val="solid"/>
         </a:ln>
-        <a:ln w="28575" cap="rnd" cmpd="sng" algn="ctr">
+        <a:ln w="19050" cap="flat" cmpd="sng" algn="ctr">
           <a:solidFill>
             <a:schemeClr val="phClr"/>
           </a:solidFill>
@@ -6128,19 +6507,22 @@
           <a:effectLst/>
         </a:effectStyle>
         <a:effectStyle>
-          <a:effectLst>
-            <a:innerShdw blurRad="25400" dist="12700" dir="13500000">
-              <a:srgbClr val="000000">
-                <a:alpha val="45000"/>
-              </a:srgbClr>
-            </a:innerShdw>
-          </a:effectLst>
+          <a:effectLst/>
+          <a:scene3d>
+            <a:camera prst="orthographicFront">
+              <a:rot lat="0" lon="0" rev="0"/>
+            </a:camera>
+            <a:lightRig rig="threePt" dir="t"/>
+          </a:scene3d>
+          <a:sp3d>
+            <a:bevelT w="25400" h="12700"/>
+          </a:sp3d>
         </a:effectStyle>
         <a:effectStyle>
           <a:effectLst>
-            <a:outerShdw blurRad="50800" dist="38100" dir="5400000" rotWithShape="0">
+            <a:outerShdw blurRad="57150" dist="19050" dir="5400000" algn="ctr" rotWithShape="0">
               <a:srgbClr val="000000">
-                <a:alpha val="46000"/>
+                <a:alpha val="48000"/>
               </a:srgbClr>
             </a:outerShdw>
           </a:effectLst>
@@ -6150,8 +6532,8 @@
             </a:camera>
             <a:lightRig rig="threePt" dir="t"/>
           </a:scene3d>
-          <a:sp3d prstMaterial="plastic">
-            <a:bevelT w="25400" h="25400"/>
+          <a:sp3d>
+            <a:bevelT w="50800" h="25400"/>
           </a:sp3d>
         </a:effectStyle>
       </a:effectStyleLst>
@@ -6159,47 +6541,38 @@
         <a:solidFill>
           <a:schemeClr val="phClr"/>
         </a:solidFill>
+        <a:solidFill>
+          <a:schemeClr val="phClr">
+            <a:tint val="95000"/>
+            <a:satMod val="170000"/>
+          </a:schemeClr>
+        </a:solidFill>
         <a:gradFill rotWithShape="1">
           <a:gsLst>
-            <a:gs pos="10000">
+            <a:gs pos="0">
               <a:schemeClr val="phClr">
-                <a:tint val="97000"/>
-                <a:hueMod val="92000"/>
-                <a:satMod val="169000"/>
-                <a:lumMod val="164000"/>
+                <a:tint val="93000"/>
+                <a:shade val="98000"/>
+                <a:satMod val="150000"/>
+                <a:lumMod val="102000"/>
+              </a:schemeClr>
+            </a:gs>
+            <a:gs pos="50000">
+              <a:schemeClr val="phClr">
+                <a:tint val="98000"/>
+                <a:shade val="90000"/>
+                <a:satMod val="130000"/>
+                <a:lumMod val="103000"/>
               </a:schemeClr>
             </a:gs>
             <a:gs pos="100000">
               <a:schemeClr val="phClr">
-                <a:shade val="96000"/>
+                <a:shade val="63000"/>
                 <a:satMod val="120000"/>
-                <a:lumMod val="90000"/>
               </a:schemeClr>
             </a:gs>
           </a:gsLst>
-          <a:lin ang="6120000" scaled="1"/>
-        </a:gradFill>
-        <a:gradFill rotWithShape="1">
-          <a:gsLst>
-            <a:gs pos="0">
-              <a:schemeClr val="phClr">
-                <a:tint val="97000"/>
-                <a:hueMod val="92000"/>
-                <a:satMod val="169000"/>
-                <a:lumMod val="164000"/>
-              </a:schemeClr>
-            </a:gs>
-            <a:gs pos="100000">
-              <a:schemeClr val="phClr">
-                <a:shade val="96000"/>
-                <a:satMod val="120000"/>
-                <a:lumMod val="90000"/>
-              </a:schemeClr>
-            </a:gs>
-          </a:gsLst>
-          <a:path path="circle">
-            <a:fillToRect b="100000"/>
-          </a:path>
+          <a:lin ang="5400000" scaled="0"/>
         </a:gradFill>
       </a:bgFillStyleLst>
     </a:fmtScheme>
@@ -6208,7 +6581,7 @@
   <a:extraClrSchemeLst/>
   <a:extLst>
     <a:ext uri="{05A4C25C-085E-4340-85A3-A5531E510DB2}">
-      <thm15:themeFamily xmlns:thm15="http://schemas.microsoft.com/office/thememl/2012/main" name="Slice" id="{0507925B-6AC9-4358-8E18-C330545D08F8}" vid="{13FEC7C6-62A9-40C4-99D2-581AACACAA2F}"/>
+      <thm15:themeFamily xmlns:thm15="http://schemas.microsoft.com/office/thememl/2012/main" name="Vapor Trail" id="{4FDF2955-7D9C-493C-B9F9-C205151B46CD}" vid="{8F31A783-2159-4870-BC29-2BA7D038EA44}"/>
     </a:ext>
   </a:extLst>
 </a:theme>

--- a/Cost/MarginCalc.pptx
+++ b/Cost/MarginCalc.pptx
@@ -8,6 +8,7 @@
     <p:sldId id="256" r:id="rId2"/>
     <p:sldId id="257" r:id="rId3"/>
     <p:sldId id="258" r:id="rId4"/>
+    <p:sldId id="259" r:id="rId5"/>
   </p:sldIdLst>
   <p:sldSz cx="12192000" cy="6858000"/>
   <p:notesSz cx="6858000" cy="9144000"/>
@@ -6317,6 +6318,86 @@
 </p:sld>
 </file>
 
+<file path=ppt/slides/slide4.xml><?xml version="1.0" encoding="utf-8"?>
+<p:sld xmlns:a="http://schemas.openxmlformats.org/drawingml/2006/main" xmlns:r="http://schemas.openxmlformats.org/officeDocument/2006/relationships" xmlns:p="http://schemas.openxmlformats.org/presentationml/2006/main">
+  <p:cSld>
+    <p:spTree>
+      <p:nvGrpSpPr>
+        <p:cNvPr id="1" name=""/>
+        <p:cNvGrpSpPr/>
+        <p:nvPr/>
+      </p:nvGrpSpPr>
+      <p:grpSpPr>
+        <a:xfrm>
+          <a:off x="0" y="0"/>
+          <a:ext cx="0" cy="0"/>
+          <a:chOff x="0" y="0"/>
+          <a:chExt cx="0" cy="0"/>
+        </a:xfrm>
+      </p:grpSpPr>
+      <p:sp>
+        <p:nvSpPr>
+          <p:cNvPr id="2" name="Title 1">
+            <a:extLst>
+              <a:ext uri="{FF2B5EF4-FFF2-40B4-BE49-F238E27FC236}">
+                <a16:creationId xmlns:a16="http://schemas.microsoft.com/office/drawing/2014/main" id="{A2AC3A3C-1ABC-3ADD-CFCD-E6DE30EBC63C}"/>
+              </a:ext>
+            </a:extLst>
+          </p:cNvPr>
+          <p:cNvSpPr>
+            <a:spLocks noGrp="1"/>
+          </p:cNvSpPr>
+          <p:nvPr>
+            <p:ph type="title"/>
+          </p:nvPr>
+        </p:nvSpPr>
+        <p:spPr/>
+        <p:txBody>
+          <a:bodyPr/>
+          <a:lstStyle/>
+          <a:p>
+            <a:endParaRPr lang="en-NL"/>
+          </a:p>
+        </p:txBody>
+      </p:sp>
+      <p:sp>
+        <p:nvSpPr>
+          <p:cNvPr id="3" name="Content Placeholder 2">
+            <a:extLst>
+              <a:ext uri="{FF2B5EF4-FFF2-40B4-BE49-F238E27FC236}">
+                <a16:creationId xmlns:a16="http://schemas.microsoft.com/office/drawing/2014/main" id="{FF0E305B-A910-AF69-2F24-64BF25566884}"/>
+              </a:ext>
+            </a:extLst>
+          </p:cNvPr>
+          <p:cNvSpPr>
+            <a:spLocks noGrp="1"/>
+          </p:cNvSpPr>
+          <p:nvPr>
+            <p:ph idx="1"/>
+          </p:nvPr>
+        </p:nvSpPr>
+        <p:spPr/>
+        <p:txBody>
+          <a:bodyPr/>
+          <a:lstStyle/>
+          <a:p>
+            <a:endParaRPr lang="en-NL"/>
+          </a:p>
+        </p:txBody>
+      </p:sp>
+    </p:spTree>
+    <p:extLst>
+      <p:ext uri="{BB962C8B-B14F-4D97-AF65-F5344CB8AC3E}">
+        <p14:creationId xmlns:p14="http://schemas.microsoft.com/office/powerpoint/2010/main" val="2690198753"/>
+      </p:ext>
+    </p:extLst>
+  </p:cSld>
+  <p:clrMapOvr>
+    <a:masterClrMapping/>
+  </p:clrMapOvr>
+</p:sld>
+</file>
+
 <file path=ppt/theme/theme1.xml><?xml version="1.0" encoding="utf-8"?>
 <a:theme xmlns:a="http://schemas.openxmlformats.org/drawingml/2006/main" name="Vapor Trail">
   <a:themeElements>
